--- a/Presentation/EG_2022_5364.pptx
+++ b/Presentation/EG_2022_5364.pptx
@@ -2,11 +2,53 @@
 <file path=ppt/presentation.xml><?xml version="1.0" encoding="utf-8"?>
 <p:presentation xmlns:a="http://schemas.openxmlformats.org/drawingml/2006/main" xmlns:r="http://schemas.openxmlformats.org/officeDocument/2006/relationships" xmlns:p="http://schemas.openxmlformats.org/presentationml/2006/main" saveSubsetFonts="1">
   <p:sldMasterIdLst>
-    <p:sldMasterId id="2147483648" r:id="rId1"/>
+    <p:sldMasterId id="2147483660" r:id="rId4"/>
   </p:sldMasterIdLst>
   <p:sldIdLst>
-    <p:sldId id="256" r:id="rId2"/>
-    <p:sldId id="257" r:id="rId3"/>
+    <p:sldId id="256" r:id="rId5"/>
+    <p:sldId id="257" r:id="rId6"/>
+    <p:sldId id="258" r:id="rId7"/>
+    <p:sldId id="259" r:id="rId8"/>
+    <p:sldId id="260" r:id="rId9"/>
+    <p:sldId id="261" r:id="rId10"/>
+    <p:sldId id="262" r:id="rId11"/>
+    <p:sldId id="264" r:id="rId12"/>
+    <p:sldId id="263" r:id="rId13"/>
+    <p:sldId id="265" r:id="rId14"/>
+    <p:sldId id="267" r:id="rId15"/>
+    <p:sldId id="268" r:id="rId16"/>
+    <p:sldId id="266" r:id="rId17"/>
+    <p:sldId id="269" r:id="rId18"/>
+    <p:sldId id="270" r:id="rId19"/>
+    <p:sldId id="271" r:id="rId20"/>
+    <p:sldId id="272" r:id="rId21"/>
+    <p:sldId id="274" r:id="rId22"/>
+    <p:sldId id="273" r:id="rId23"/>
+    <p:sldId id="275" r:id="rId24"/>
+    <p:sldId id="276" r:id="rId25"/>
+    <p:sldId id="277" r:id="rId26"/>
+    <p:sldId id="278" r:id="rId27"/>
+    <p:sldId id="279" r:id="rId28"/>
+    <p:sldId id="292" r:id="rId29"/>
+    <p:sldId id="291" r:id="rId30"/>
+    <p:sldId id="280" r:id="rId31"/>
+    <p:sldId id="281" r:id="rId32"/>
+    <p:sldId id="282" r:id="rId33"/>
+    <p:sldId id="283" r:id="rId34"/>
+    <p:sldId id="284" r:id="rId35"/>
+    <p:sldId id="285" r:id="rId36"/>
+    <p:sldId id="286" r:id="rId37"/>
+    <p:sldId id="287" r:id="rId38"/>
+    <p:sldId id="289" r:id="rId39"/>
+    <p:sldId id="288" r:id="rId40"/>
+    <p:sldId id="290" r:id="rId41"/>
+    <p:sldId id="293" r:id="rId42"/>
+    <p:sldId id="294" r:id="rId43"/>
+    <p:sldId id="295" r:id="rId44"/>
+    <p:sldId id="296" r:id="rId45"/>
+    <p:sldId id="297" r:id="rId46"/>
+    <p:sldId id="298" r:id="rId47"/>
+    <p:sldId id="299" r:id="rId48"/>
   </p:sldIdLst>
   <p:sldSz cx="12192000" cy="6858000"/>
   <p:notesSz cx="6858000" cy="9144000"/>
@@ -14,7 +56,7 @@
     <a:defPPr>
       <a:defRPr lang="en-US"/>
     </a:defPPr>
-    <a:lvl1pPr marL="0" algn="l" defTabSz="914400" rtl="0" eaLnBrk="1" latinLnBrk="0" hangingPunct="1">
+    <a:lvl1pPr marL="0" algn="l" defTabSz="457200" rtl="0" eaLnBrk="1" latinLnBrk="0" hangingPunct="1">
       <a:defRPr sz="1800" kern="1200">
         <a:solidFill>
           <a:schemeClr val="tx1"/>
@@ -24,7 +66,7 @@
         <a:cs typeface="+mn-cs"/>
       </a:defRPr>
     </a:lvl1pPr>
-    <a:lvl2pPr marL="457200" algn="l" defTabSz="914400" rtl="0" eaLnBrk="1" latinLnBrk="0" hangingPunct="1">
+    <a:lvl2pPr marL="457200" algn="l" defTabSz="457200" rtl="0" eaLnBrk="1" latinLnBrk="0" hangingPunct="1">
       <a:defRPr sz="1800" kern="1200">
         <a:solidFill>
           <a:schemeClr val="tx1"/>
@@ -34,7 +76,7 @@
         <a:cs typeface="+mn-cs"/>
       </a:defRPr>
     </a:lvl2pPr>
-    <a:lvl3pPr marL="914400" algn="l" defTabSz="914400" rtl="0" eaLnBrk="1" latinLnBrk="0" hangingPunct="1">
+    <a:lvl3pPr marL="914400" algn="l" defTabSz="457200" rtl="0" eaLnBrk="1" latinLnBrk="0" hangingPunct="1">
       <a:defRPr sz="1800" kern="1200">
         <a:solidFill>
           <a:schemeClr val="tx1"/>
@@ -44,7 +86,7 @@
         <a:cs typeface="+mn-cs"/>
       </a:defRPr>
     </a:lvl3pPr>
-    <a:lvl4pPr marL="1371600" algn="l" defTabSz="914400" rtl="0" eaLnBrk="1" latinLnBrk="0" hangingPunct="1">
+    <a:lvl4pPr marL="1371600" algn="l" defTabSz="457200" rtl="0" eaLnBrk="1" latinLnBrk="0" hangingPunct="1">
       <a:defRPr sz="1800" kern="1200">
         <a:solidFill>
           <a:schemeClr val="tx1"/>
@@ -54,7 +96,7 @@
         <a:cs typeface="+mn-cs"/>
       </a:defRPr>
     </a:lvl4pPr>
-    <a:lvl5pPr marL="1828800" algn="l" defTabSz="914400" rtl="0" eaLnBrk="1" latinLnBrk="0" hangingPunct="1">
+    <a:lvl5pPr marL="1828800" algn="l" defTabSz="457200" rtl="0" eaLnBrk="1" latinLnBrk="0" hangingPunct="1">
       <a:defRPr sz="1800" kern="1200">
         <a:solidFill>
           <a:schemeClr val="tx1"/>
@@ -64,7 +106,7 @@
         <a:cs typeface="+mn-cs"/>
       </a:defRPr>
     </a:lvl5pPr>
-    <a:lvl6pPr marL="2286000" algn="l" defTabSz="914400" rtl="0" eaLnBrk="1" latinLnBrk="0" hangingPunct="1">
+    <a:lvl6pPr marL="2286000" algn="l" defTabSz="457200" rtl="0" eaLnBrk="1" latinLnBrk="0" hangingPunct="1">
       <a:defRPr sz="1800" kern="1200">
         <a:solidFill>
           <a:schemeClr val="tx1"/>
@@ -74,7 +116,7 @@
         <a:cs typeface="+mn-cs"/>
       </a:defRPr>
     </a:lvl6pPr>
-    <a:lvl7pPr marL="2743200" algn="l" defTabSz="914400" rtl="0" eaLnBrk="1" latinLnBrk="0" hangingPunct="1">
+    <a:lvl7pPr marL="2743200" algn="l" defTabSz="457200" rtl="0" eaLnBrk="1" latinLnBrk="0" hangingPunct="1">
       <a:defRPr sz="1800" kern="1200">
         <a:solidFill>
           <a:schemeClr val="tx1"/>
@@ -84,7 +126,7 @@
         <a:cs typeface="+mn-cs"/>
       </a:defRPr>
     </a:lvl7pPr>
-    <a:lvl8pPr marL="3200400" algn="l" defTabSz="914400" rtl="0" eaLnBrk="1" latinLnBrk="0" hangingPunct="1">
+    <a:lvl8pPr marL="3200400" algn="l" defTabSz="457200" rtl="0" eaLnBrk="1" latinLnBrk="0" hangingPunct="1">
       <a:defRPr sz="1800" kern="1200">
         <a:solidFill>
           <a:schemeClr val="tx1"/>
@@ -94,7 +136,7 @@
         <a:cs typeface="+mn-cs"/>
       </a:defRPr>
     </a:lvl8pPr>
-    <a:lvl9pPr marL="3657600" algn="l" defTabSz="914400" rtl="0" eaLnBrk="1" latinLnBrk="0" hangingPunct="1">
+    <a:lvl9pPr marL="3657600" algn="l" defTabSz="457200" rtl="0" eaLnBrk="1" latinLnBrk="0" hangingPunct="1">
       <a:defRPr sz="1800" kern="1200">
         <a:solidFill>
           <a:schemeClr val="tx1"/>
@@ -105,6 +147,11 @@
       </a:defRPr>
     </a:lvl9pPr>
   </p:defaultTextStyle>
+  <p:extLst>
+    <p:ext uri="{EFAFB233-063F-42B5-8137-9DF3F51BA10A}">
+      <p15:sldGuideLst xmlns:p15="http://schemas.microsoft.com/office/powerpoint/2012/main"/>
+    </p:ext>
+  </p:extLst>
 </p:presentation>
 </file>
 
@@ -127,13 +174,7 @@
       </p:grpSpPr>
       <p:sp>
         <p:nvSpPr>
-          <p:cNvPr id="2" name="Title 1">
-            <a:extLst>
-              <a:ext uri="{FF2B5EF4-FFF2-40B4-BE49-F238E27FC236}">
-                <a16:creationId xmlns:a16="http://schemas.microsoft.com/office/drawing/2014/main" id="{22E55260-7E8F-47EA-B2DB-766903A02D80}"/>
-              </a:ext>
-            </a:extLst>
-          </p:cNvPr>
+          <p:cNvPr id="2" name="Title 1"/>
           <p:cNvSpPr>
             <a:spLocks noGrp="1"/>
           </p:cNvSpPr>
@@ -143,15 +184,17 @@
         </p:nvSpPr>
         <p:spPr>
           <a:xfrm>
-            <a:off x="1524000" y="1122363"/>
-            <a:ext cx="9144000" cy="2387600"/>
+            <a:off x="2417779" y="802298"/>
+            <a:ext cx="8637073" cy="2541431"/>
           </a:xfrm>
         </p:spPr>
         <p:txBody>
-          <a:bodyPr anchor="b"/>
+          <a:bodyPr bIns="0" anchor="b">
+            <a:normAutofit/>
+          </a:bodyPr>
           <a:lstStyle>
-            <a:lvl1pPr algn="ctr">
-              <a:defRPr sz="6000"/>
+            <a:lvl1pPr algn="l">
+              <a:defRPr sz="6600"/>
             </a:lvl1pPr>
           </a:lstStyle>
           <a:p>
@@ -159,18 +202,13 @@
               <a:rPr lang="en-US"/>
               <a:t>Click to edit Master title style</a:t>
             </a:r>
-          </a:p>
-        </p:txBody>
-      </p:sp>
-      <p:sp>
-        <p:nvSpPr>
-          <p:cNvPr id="3" name="Subtitle 2">
-            <a:extLst>
-              <a:ext uri="{FF2B5EF4-FFF2-40B4-BE49-F238E27FC236}">
-                <a16:creationId xmlns:a16="http://schemas.microsoft.com/office/drawing/2014/main" id="{8A620B02-3F6E-05CF-85E1-7D97972A4414}"/>
-              </a:ext>
-            </a:extLst>
-          </p:cNvPr>
+            <a:endParaRPr lang="en-US" dirty="0"/>
+          </a:p>
+        </p:txBody>
+      </p:sp>
+      <p:sp>
+        <p:nvSpPr>
+          <p:cNvPr id="3" name="Subtitle 2"/>
           <p:cNvSpPr>
             <a:spLocks noGrp="1"/>
           </p:cNvSpPr>
@@ -180,20 +218,26 @@
         </p:nvSpPr>
         <p:spPr>
           <a:xfrm>
-            <a:off x="1524000" y="3602038"/>
-            <a:ext cx="9144000" cy="1655762"/>
+            <a:off x="2417780" y="3531204"/>
+            <a:ext cx="8637072" cy="977621"/>
           </a:xfrm>
         </p:spPr>
         <p:txBody>
-          <a:bodyPr/>
+          <a:bodyPr tIns="91440" bIns="91440">
+            <a:normAutofit/>
+          </a:bodyPr>
           <a:lstStyle>
-            <a:lvl1pPr marL="0" indent="0" algn="ctr">
+            <a:lvl1pPr marL="0" indent="0" algn="l">
               <a:buNone/>
-              <a:defRPr sz="2400"/>
+              <a:defRPr sz="1800" b="0" cap="all" baseline="0">
+                <a:solidFill>
+                  <a:schemeClr val="tx1"/>
+                </a:solidFill>
+              </a:defRPr>
             </a:lvl1pPr>
             <a:lvl2pPr marL="457200" indent="0" algn="ctr">
               <a:buNone/>
-              <a:defRPr sz="2000"/>
+              <a:defRPr sz="1800"/>
             </a:lvl2pPr>
             <a:lvl3pPr marL="914400" indent="0" algn="ctr">
               <a:buNone/>
@@ -229,18 +273,13 @@
               <a:rPr lang="en-US"/>
               <a:t>Click to edit Master subtitle style</a:t>
             </a:r>
-          </a:p>
-        </p:txBody>
-      </p:sp>
-      <p:sp>
-        <p:nvSpPr>
-          <p:cNvPr id="4" name="Date Placeholder 3">
-            <a:extLst>
-              <a:ext uri="{FF2B5EF4-FFF2-40B4-BE49-F238E27FC236}">
-                <a16:creationId xmlns:a16="http://schemas.microsoft.com/office/drawing/2014/main" id="{167FC30F-638B-9E9A-27DB-A7866A44FC7E}"/>
-              </a:ext>
-            </a:extLst>
-          </p:cNvPr>
+            <a:endParaRPr lang="en-US" dirty="0"/>
+          </a:p>
+        </p:txBody>
+      </p:sp>
+      <p:sp>
+        <p:nvSpPr>
+          <p:cNvPr id="4" name="Date Placeholder 3"/>
           <p:cNvSpPr>
             <a:spLocks noGrp="1"/>
           </p:cNvSpPr>
@@ -255,7 +294,7 @@
           <a:p>
             <a:fld id="{EDD6D029-C5C2-4A54-AFF0-13E169563693}" type="datetimeFigureOut">
               <a:rPr lang="en-US" smtClean="0"/>
-              <a:t>8/17/2025</a:t>
+              <a:t>8/18/2025</a:t>
             </a:fld>
             <a:endParaRPr lang="en-US"/>
           </a:p>
@@ -263,13 +302,7 @@
       </p:sp>
       <p:sp>
         <p:nvSpPr>
-          <p:cNvPr id="5" name="Footer Placeholder 4">
-            <a:extLst>
-              <a:ext uri="{FF2B5EF4-FFF2-40B4-BE49-F238E27FC236}">
-                <a16:creationId xmlns:a16="http://schemas.microsoft.com/office/drawing/2014/main" id="{63630722-44E8-297E-6B32-C61D5686488C}"/>
-              </a:ext>
-            </a:extLst>
-          </p:cNvPr>
+          <p:cNvPr id="5" name="Footer Placeholder 4"/>
           <p:cNvSpPr>
             <a:spLocks noGrp="1"/>
           </p:cNvSpPr>
@@ -277,7 +310,12 @@
             <p:ph type="ftr" sz="quarter" idx="11"/>
           </p:nvPr>
         </p:nvSpPr>
-        <p:spPr/>
+        <p:spPr>
+          <a:xfrm>
+            <a:off x="2416500" y="329307"/>
+            <a:ext cx="4973915" cy="309201"/>
+          </a:xfrm>
+        </p:spPr>
         <p:txBody>
           <a:bodyPr/>
           <a:lstStyle/>
@@ -288,13 +326,7 @@
       </p:sp>
       <p:sp>
         <p:nvSpPr>
-          <p:cNvPr id="6" name="Slide Number Placeholder 5">
-            <a:extLst>
-              <a:ext uri="{FF2B5EF4-FFF2-40B4-BE49-F238E27FC236}">
-                <a16:creationId xmlns:a16="http://schemas.microsoft.com/office/drawing/2014/main" id="{F200F19F-5BBC-A1B2-62D2-BEEEB9536D26}"/>
-              </a:ext>
-            </a:extLst>
-          </p:cNvPr>
+          <p:cNvPr id="6" name="Slide Number Placeholder 5"/>
           <p:cNvSpPr>
             <a:spLocks noGrp="1"/>
           </p:cNvSpPr>
@@ -302,7 +334,12 @@
             <p:ph type="sldNum" sz="quarter" idx="12"/>
           </p:nvPr>
         </p:nvSpPr>
-        <p:spPr/>
+        <p:spPr>
+          <a:xfrm>
+            <a:off x="1437664" y="798973"/>
+            <a:ext cx="811019" cy="503578"/>
+          </a:xfrm>
+        </p:spPr>
         <p:txBody>
           <a:bodyPr/>
           <a:lstStyle/>
@@ -315,10 +352,41 @@
           </a:p>
         </p:txBody>
       </p:sp>
+      <p:cxnSp>
+        <p:nvCxnSpPr>
+          <p:cNvPr id="15" name="Straight Connector 14"/>
+          <p:cNvCxnSpPr/>
+          <p:nvPr/>
+        </p:nvCxnSpPr>
+        <p:spPr>
+          <a:xfrm>
+            <a:off x="2417780" y="3528542"/>
+            <a:ext cx="8637072" cy="0"/>
+          </a:xfrm>
+          <a:prstGeom prst="line">
+            <a:avLst/>
+          </a:prstGeom>
+          <a:ln w="31750"/>
+        </p:spPr>
+        <p:style>
+          <a:lnRef idx="3">
+            <a:schemeClr val="accent1"/>
+          </a:lnRef>
+          <a:fillRef idx="0">
+            <a:schemeClr val="accent1"/>
+          </a:fillRef>
+          <a:effectRef idx="2">
+            <a:schemeClr val="accent1"/>
+          </a:effectRef>
+          <a:fontRef idx="minor">
+            <a:schemeClr val="tx1"/>
+          </a:fontRef>
+        </p:style>
+      </p:cxnSp>
     </p:spTree>
     <p:extLst>
       <p:ext uri="{BB962C8B-B14F-4D97-AF65-F5344CB8AC3E}">
-        <p14:creationId xmlns:p14="http://schemas.microsoft.com/office/powerpoint/2010/main" val="2059604437"/>
+        <p14:creationId xmlns:p14="http://schemas.microsoft.com/office/powerpoint/2010/main" val="570316597"/>
       </p:ext>
     </p:extLst>
   </p:cSld>
@@ -347,13 +415,7 @@
       </p:grpSpPr>
       <p:sp>
         <p:nvSpPr>
-          <p:cNvPr id="2" name="Title 1">
-            <a:extLst>
-              <a:ext uri="{FF2B5EF4-FFF2-40B4-BE49-F238E27FC236}">
-                <a16:creationId xmlns:a16="http://schemas.microsoft.com/office/drawing/2014/main" id="{B0709D23-7326-9431-047B-AFADE9C5BBDF}"/>
-              </a:ext>
-            </a:extLst>
-          </p:cNvPr>
+          <p:cNvPr id="2" name="Title 1"/>
           <p:cNvSpPr>
             <a:spLocks noGrp="1"/>
           </p:cNvSpPr>
@@ -370,18 +432,13 @@
               <a:rPr lang="en-US"/>
               <a:t>Click to edit Master title style</a:t>
             </a:r>
-          </a:p>
-        </p:txBody>
-      </p:sp>
-      <p:sp>
-        <p:nvSpPr>
-          <p:cNvPr id="3" name="Vertical Text Placeholder 2">
-            <a:extLst>
-              <a:ext uri="{FF2B5EF4-FFF2-40B4-BE49-F238E27FC236}">
-                <a16:creationId xmlns:a16="http://schemas.microsoft.com/office/drawing/2014/main" id="{F1D0F0E2-1D02-4259-3102-D5E298405B5C}"/>
-              </a:ext>
-            </a:extLst>
-          </p:cNvPr>
+            <a:endParaRPr lang="en-US" dirty="0"/>
+          </a:p>
+        </p:txBody>
+      </p:sp>
+      <p:sp>
+        <p:nvSpPr>
+          <p:cNvPr id="3" name="Vertical Text Placeholder 2"/>
           <p:cNvSpPr>
             <a:spLocks noGrp="1"/>
           </p:cNvSpPr>
@@ -427,18 +484,13 @@
               <a:rPr lang="en-US"/>
               <a:t>Fifth level</a:t>
             </a:r>
-          </a:p>
-        </p:txBody>
-      </p:sp>
-      <p:sp>
-        <p:nvSpPr>
-          <p:cNvPr id="4" name="Date Placeholder 3">
-            <a:extLst>
-              <a:ext uri="{FF2B5EF4-FFF2-40B4-BE49-F238E27FC236}">
-                <a16:creationId xmlns:a16="http://schemas.microsoft.com/office/drawing/2014/main" id="{21F6A071-5070-18A6-FB22-A465EC0AC168}"/>
-              </a:ext>
-            </a:extLst>
-          </p:cNvPr>
+            <a:endParaRPr lang="en-US" dirty="0"/>
+          </a:p>
+        </p:txBody>
+      </p:sp>
+      <p:sp>
+        <p:nvSpPr>
+          <p:cNvPr id="4" name="Date Placeholder 3"/>
           <p:cNvSpPr>
             <a:spLocks noGrp="1"/>
           </p:cNvSpPr>
@@ -453,7 +505,7 @@
           <a:p>
             <a:fld id="{EDD6D029-C5C2-4A54-AFF0-13E169563693}" type="datetimeFigureOut">
               <a:rPr lang="en-US" smtClean="0"/>
-              <a:t>8/17/2025</a:t>
+              <a:t>8/18/2025</a:t>
             </a:fld>
             <a:endParaRPr lang="en-US"/>
           </a:p>
@@ -461,13 +513,7 @@
       </p:sp>
       <p:sp>
         <p:nvSpPr>
-          <p:cNvPr id="5" name="Footer Placeholder 4">
-            <a:extLst>
-              <a:ext uri="{FF2B5EF4-FFF2-40B4-BE49-F238E27FC236}">
-                <a16:creationId xmlns:a16="http://schemas.microsoft.com/office/drawing/2014/main" id="{1F5184C0-D3C7-F897-6E04-560E2F9089FA}"/>
-              </a:ext>
-            </a:extLst>
-          </p:cNvPr>
+          <p:cNvPr id="5" name="Footer Placeholder 4"/>
           <p:cNvSpPr>
             <a:spLocks noGrp="1"/>
           </p:cNvSpPr>
@@ -486,13 +532,7 @@
       </p:sp>
       <p:sp>
         <p:nvSpPr>
-          <p:cNvPr id="6" name="Slide Number Placeholder 5">
-            <a:extLst>
-              <a:ext uri="{FF2B5EF4-FFF2-40B4-BE49-F238E27FC236}">
-                <a16:creationId xmlns:a16="http://schemas.microsoft.com/office/drawing/2014/main" id="{33EAF773-5679-2C5B-5F12-D33FA0B146E4}"/>
-              </a:ext>
-            </a:extLst>
-          </p:cNvPr>
+          <p:cNvPr id="6" name="Slide Number Placeholder 5"/>
           <p:cNvSpPr>
             <a:spLocks noGrp="1"/>
           </p:cNvSpPr>
@@ -513,10 +553,41 @@
           </a:p>
         </p:txBody>
       </p:sp>
+      <p:cxnSp>
+        <p:nvCxnSpPr>
+          <p:cNvPr id="26" name="Straight Connector 25"/>
+          <p:cNvCxnSpPr/>
+          <p:nvPr/>
+        </p:nvCxnSpPr>
+        <p:spPr>
+          <a:xfrm>
+            <a:off x="1453896" y="1847088"/>
+            <a:ext cx="9607522" cy="0"/>
+          </a:xfrm>
+          <a:prstGeom prst="line">
+            <a:avLst/>
+          </a:prstGeom>
+          <a:ln w="31750"/>
+        </p:spPr>
+        <p:style>
+          <a:lnRef idx="3">
+            <a:schemeClr val="accent1"/>
+          </a:lnRef>
+          <a:fillRef idx="0">
+            <a:schemeClr val="accent1"/>
+          </a:fillRef>
+          <a:effectRef idx="2">
+            <a:schemeClr val="accent1"/>
+          </a:effectRef>
+          <a:fontRef idx="minor">
+            <a:schemeClr val="tx1"/>
+          </a:fontRef>
+        </p:style>
+      </p:cxnSp>
     </p:spTree>
     <p:extLst>
       <p:ext uri="{BB962C8B-B14F-4D97-AF65-F5344CB8AC3E}">
-        <p14:creationId xmlns:p14="http://schemas.microsoft.com/office/powerpoint/2010/main" val="1654819290"/>
+        <p14:creationId xmlns:p14="http://schemas.microsoft.com/office/powerpoint/2010/main" val="3247191154"/>
       </p:ext>
     </p:extLst>
   </p:cSld>
@@ -545,13 +616,7 @@
       </p:grpSpPr>
       <p:sp>
         <p:nvSpPr>
-          <p:cNvPr id="2" name="Vertical Title 1">
-            <a:extLst>
-              <a:ext uri="{FF2B5EF4-FFF2-40B4-BE49-F238E27FC236}">
-                <a16:creationId xmlns:a16="http://schemas.microsoft.com/office/drawing/2014/main" id="{05ED9DE3-7932-F076-B571-771808529BE3}"/>
-              </a:ext>
-            </a:extLst>
-          </p:cNvPr>
+          <p:cNvPr id="2" name="Vertical Title 1"/>
           <p:cNvSpPr>
             <a:spLocks noGrp="1"/>
           </p:cNvSpPr>
@@ -561,30 +626,29 @@
         </p:nvSpPr>
         <p:spPr>
           <a:xfrm>
-            <a:off x="8724900" y="365125"/>
-            <a:ext cx="2628900" cy="5811838"/>
+            <a:off x="9439111" y="798973"/>
+            <a:ext cx="1615742" cy="4659889"/>
           </a:xfrm>
         </p:spPr>
         <p:txBody>
           <a:bodyPr vert="eaVert"/>
-          <a:lstStyle/>
+          <a:lstStyle>
+            <a:lvl1pPr algn="l">
+              <a:defRPr/>
+            </a:lvl1pPr>
+          </a:lstStyle>
           <a:p>
             <a:r>
               <a:rPr lang="en-US"/>
               <a:t>Click to edit Master title style</a:t>
             </a:r>
-          </a:p>
-        </p:txBody>
-      </p:sp>
-      <p:sp>
-        <p:nvSpPr>
-          <p:cNvPr id="3" name="Vertical Text Placeholder 2">
-            <a:extLst>
-              <a:ext uri="{FF2B5EF4-FFF2-40B4-BE49-F238E27FC236}">
-                <a16:creationId xmlns:a16="http://schemas.microsoft.com/office/drawing/2014/main" id="{968DB346-A849-107B-5FE5-5B602EA0CE0C}"/>
-              </a:ext>
-            </a:extLst>
-          </p:cNvPr>
+            <a:endParaRPr lang="en-US" dirty="0"/>
+          </a:p>
+        </p:txBody>
+      </p:sp>
+      <p:sp>
+        <p:nvSpPr>
+          <p:cNvPr id="3" name="Vertical Text Placeholder 2"/>
           <p:cNvSpPr>
             <a:spLocks noGrp="1"/>
           </p:cNvSpPr>
@@ -594,8 +658,8 @@
         </p:nvSpPr>
         <p:spPr>
           <a:xfrm>
-            <a:off x="838200" y="365125"/>
-            <a:ext cx="7734300" cy="5811838"/>
+            <a:off x="1444672" y="798973"/>
+            <a:ext cx="7828830" cy="4659889"/>
           </a:xfrm>
         </p:spPr>
         <p:txBody>
@@ -635,18 +699,13 @@
               <a:rPr lang="en-US"/>
               <a:t>Fifth level</a:t>
             </a:r>
-          </a:p>
-        </p:txBody>
-      </p:sp>
-      <p:sp>
-        <p:nvSpPr>
-          <p:cNvPr id="4" name="Date Placeholder 3">
-            <a:extLst>
-              <a:ext uri="{FF2B5EF4-FFF2-40B4-BE49-F238E27FC236}">
-                <a16:creationId xmlns:a16="http://schemas.microsoft.com/office/drawing/2014/main" id="{03D90424-BDBA-F5DE-22EF-7F096DADA959}"/>
-              </a:ext>
-            </a:extLst>
-          </p:cNvPr>
+            <a:endParaRPr lang="en-US" dirty="0"/>
+          </a:p>
+        </p:txBody>
+      </p:sp>
+      <p:sp>
+        <p:nvSpPr>
+          <p:cNvPr id="4" name="Date Placeholder 3"/>
           <p:cNvSpPr>
             <a:spLocks noGrp="1"/>
           </p:cNvSpPr>
@@ -661,7 +720,7 @@
           <a:p>
             <a:fld id="{EDD6D029-C5C2-4A54-AFF0-13E169563693}" type="datetimeFigureOut">
               <a:rPr lang="en-US" smtClean="0"/>
-              <a:t>8/17/2025</a:t>
+              <a:t>8/18/2025</a:t>
             </a:fld>
             <a:endParaRPr lang="en-US"/>
           </a:p>
@@ -669,13 +728,7 @@
       </p:sp>
       <p:sp>
         <p:nvSpPr>
-          <p:cNvPr id="5" name="Footer Placeholder 4">
-            <a:extLst>
-              <a:ext uri="{FF2B5EF4-FFF2-40B4-BE49-F238E27FC236}">
-                <a16:creationId xmlns:a16="http://schemas.microsoft.com/office/drawing/2014/main" id="{674B9FB9-DBB2-A824-DC5A-63C50F507D1C}"/>
-              </a:ext>
-            </a:extLst>
-          </p:cNvPr>
+          <p:cNvPr id="5" name="Footer Placeholder 4"/>
           <p:cNvSpPr>
             <a:spLocks noGrp="1"/>
           </p:cNvSpPr>
@@ -694,13 +747,7 @@
       </p:sp>
       <p:sp>
         <p:nvSpPr>
-          <p:cNvPr id="6" name="Slide Number Placeholder 5">
-            <a:extLst>
-              <a:ext uri="{FF2B5EF4-FFF2-40B4-BE49-F238E27FC236}">
-                <a16:creationId xmlns:a16="http://schemas.microsoft.com/office/drawing/2014/main" id="{8D95B5DD-3C68-F7AE-E89C-87E39858BA53}"/>
-              </a:ext>
-            </a:extLst>
-          </p:cNvPr>
+          <p:cNvPr id="6" name="Slide Number Placeholder 5"/>
           <p:cNvSpPr>
             <a:spLocks noGrp="1"/>
           </p:cNvSpPr>
@@ -721,10 +768,41 @@
           </a:p>
         </p:txBody>
       </p:sp>
+      <p:cxnSp>
+        <p:nvCxnSpPr>
+          <p:cNvPr id="15" name="Straight Connector 14"/>
+          <p:cNvCxnSpPr/>
+          <p:nvPr/>
+        </p:nvCxnSpPr>
+        <p:spPr>
+          <a:xfrm>
+            <a:off x="9439111" y="798973"/>
+            <a:ext cx="0" cy="4659889"/>
+          </a:xfrm>
+          <a:prstGeom prst="line">
+            <a:avLst/>
+          </a:prstGeom>
+          <a:ln w="31750"/>
+        </p:spPr>
+        <p:style>
+          <a:lnRef idx="3">
+            <a:schemeClr val="accent1"/>
+          </a:lnRef>
+          <a:fillRef idx="0">
+            <a:schemeClr val="accent1"/>
+          </a:fillRef>
+          <a:effectRef idx="2">
+            <a:schemeClr val="accent1"/>
+          </a:effectRef>
+          <a:fontRef idx="minor">
+            <a:schemeClr val="tx1"/>
+          </a:fontRef>
+        </p:style>
+      </p:cxnSp>
     </p:spTree>
     <p:extLst>
       <p:ext uri="{BB962C8B-B14F-4D97-AF65-F5344CB8AC3E}">
-        <p14:creationId xmlns:p14="http://schemas.microsoft.com/office/powerpoint/2010/main" val="1927702936"/>
+        <p14:creationId xmlns:p14="http://schemas.microsoft.com/office/powerpoint/2010/main" val="446294229"/>
       </p:ext>
     </p:extLst>
   </p:cSld>
@@ -753,13 +831,7 @@
       </p:grpSpPr>
       <p:sp>
         <p:nvSpPr>
-          <p:cNvPr id="2" name="Title 1">
-            <a:extLst>
-              <a:ext uri="{FF2B5EF4-FFF2-40B4-BE49-F238E27FC236}">
-                <a16:creationId xmlns:a16="http://schemas.microsoft.com/office/drawing/2014/main" id="{3677100F-1CA5-E499-55B9-0BC4E4CB3CB5}"/>
-              </a:ext>
-            </a:extLst>
-          </p:cNvPr>
+          <p:cNvPr id="2" name="Title 1"/>
           <p:cNvSpPr>
             <a:spLocks noGrp="1"/>
           </p:cNvSpPr>
@@ -776,18 +848,13 @@
               <a:rPr lang="en-US"/>
               <a:t>Click to edit Master title style</a:t>
             </a:r>
-          </a:p>
-        </p:txBody>
-      </p:sp>
-      <p:sp>
-        <p:nvSpPr>
-          <p:cNvPr id="3" name="Content Placeholder 2">
-            <a:extLst>
-              <a:ext uri="{FF2B5EF4-FFF2-40B4-BE49-F238E27FC236}">
-                <a16:creationId xmlns:a16="http://schemas.microsoft.com/office/drawing/2014/main" id="{0F0840BC-5F9C-2336-15FC-60EE316B74D2}"/>
-              </a:ext>
-            </a:extLst>
-          </p:cNvPr>
+            <a:endParaRPr lang="en-US" dirty="0"/>
+          </a:p>
+        </p:txBody>
+      </p:sp>
+      <p:sp>
+        <p:nvSpPr>
+          <p:cNvPr id="3" name="Content Placeholder 2"/>
           <p:cNvSpPr>
             <a:spLocks noGrp="1"/>
           </p:cNvSpPr>
@@ -797,7 +864,7 @@
         </p:nvSpPr>
         <p:spPr/>
         <p:txBody>
-          <a:bodyPr/>
+          <a:bodyPr anchor="t"/>
           <a:lstStyle/>
           <a:p>
             <a:pPr lvl="0"/>
@@ -833,18 +900,13 @@
               <a:rPr lang="en-US"/>
               <a:t>Fifth level</a:t>
             </a:r>
-          </a:p>
-        </p:txBody>
-      </p:sp>
-      <p:sp>
-        <p:nvSpPr>
-          <p:cNvPr id="4" name="Date Placeholder 3">
-            <a:extLst>
-              <a:ext uri="{FF2B5EF4-FFF2-40B4-BE49-F238E27FC236}">
-                <a16:creationId xmlns:a16="http://schemas.microsoft.com/office/drawing/2014/main" id="{56A040B7-6E86-D996-118E-11E8E7507C5D}"/>
-              </a:ext>
-            </a:extLst>
-          </p:cNvPr>
+            <a:endParaRPr lang="en-US" dirty="0"/>
+          </a:p>
+        </p:txBody>
+      </p:sp>
+      <p:sp>
+        <p:nvSpPr>
+          <p:cNvPr id="4" name="Date Placeholder 3"/>
           <p:cNvSpPr>
             <a:spLocks noGrp="1"/>
           </p:cNvSpPr>
@@ -859,7 +921,7 @@
           <a:p>
             <a:fld id="{EDD6D029-C5C2-4A54-AFF0-13E169563693}" type="datetimeFigureOut">
               <a:rPr lang="en-US" smtClean="0"/>
-              <a:t>8/17/2025</a:t>
+              <a:t>8/18/2025</a:t>
             </a:fld>
             <a:endParaRPr lang="en-US"/>
           </a:p>
@@ -867,13 +929,7 @@
       </p:sp>
       <p:sp>
         <p:nvSpPr>
-          <p:cNvPr id="5" name="Footer Placeholder 4">
-            <a:extLst>
-              <a:ext uri="{FF2B5EF4-FFF2-40B4-BE49-F238E27FC236}">
-                <a16:creationId xmlns:a16="http://schemas.microsoft.com/office/drawing/2014/main" id="{A65B6229-10C7-65E9-AEA7-C9C3E5D6ABAA}"/>
-              </a:ext>
-            </a:extLst>
-          </p:cNvPr>
+          <p:cNvPr id="5" name="Footer Placeholder 4"/>
           <p:cNvSpPr>
             <a:spLocks noGrp="1"/>
           </p:cNvSpPr>
@@ -892,13 +948,7 @@
       </p:sp>
       <p:sp>
         <p:nvSpPr>
-          <p:cNvPr id="6" name="Slide Number Placeholder 5">
-            <a:extLst>
-              <a:ext uri="{FF2B5EF4-FFF2-40B4-BE49-F238E27FC236}">
-                <a16:creationId xmlns:a16="http://schemas.microsoft.com/office/drawing/2014/main" id="{74EE4679-0CA7-B0EA-B77C-3A291157597C}"/>
-              </a:ext>
-            </a:extLst>
-          </p:cNvPr>
+          <p:cNvPr id="6" name="Slide Number Placeholder 5"/>
           <p:cNvSpPr>
             <a:spLocks noGrp="1"/>
           </p:cNvSpPr>
@@ -919,10 +969,41 @@
           </a:p>
         </p:txBody>
       </p:sp>
+      <p:cxnSp>
+        <p:nvCxnSpPr>
+          <p:cNvPr id="33" name="Straight Connector 32"/>
+          <p:cNvCxnSpPr/>
+          <p:nvPr/>
+        </p:nvCxnSpPr>
+        <p:spPr>
+          <a:xfrm>
+            <a:off x="1453896" y="1847088"/>
+            <a:ext cx="9607522" cy="0"/>
+          </a:xfrm>
+          <a:prstGeom prst="line">
+            <a:avLst/>
+          </a:prstGeom>
+          <a:ln w="31750"/>
+        </p:spPr>
+        <p:style>
+          <a:lnRef idx="3">
+            <a:schemeClr val="accent1"/>
+          </a:lnRef>
+          <a:fillRef idx="0">
+            <a:schemeClr val="accent1"/>
+          </a:fillRef>
+          <a:effectRef idx="2">
+            <a:schemeClr val="accent1"/>
+          </a:effectRef>
+          <a:fontRef idx="minor">
+            <a:schemeClr val="tx1"/>
+          </a:fontRef>
+        </p:style>
+      </p:cxnSp>
     </p:spTree>
     <p:extLst>
       <p:ext uri="{BB962C8B-B14F-4D97-AF65-F5344CB8AC3E}">
-        <p14:creationId xmlns:p14="http://schemas.microsoft.com/office/powerpoint/2010/main" val="2767068617"/>
+        <p14:creationId xmlns:p14="http://schemas.microsoft.com/office/powerpoint/2010/main" val="2790904698"/>
       </p:ext>
     </p:extLst>
   </p:cSld>
@@ -951,13 +1032,7 @@
       </p:grpSpPr>
       <p:sp>
         <p:nvSpPr>
-          <p:cNvPr id="2" name="Title 1">
-            <a:extLst>
-              <a:ext uri="{FF2B5EF4-FFF2-40B4-BE49-F238E27FC236}">
-                <a16:creationId xmlns:a16="http://schemas.microsoft.com/office/drawing/2014/main" id="{71140714-B4F5-6413-FE8A-F945B2B30236}"/>
-              </a:ext>
-            </a:extLst>
-          </p:cNvPr>
+          <p:cNvPr id="2" name="Title 1"/>
           <p:cNvSpPr>
             <a:spLocks noGrp="1"/>
           </p:cNvSpPr>
@@ -967,15 +1042,17 @@
         </p:nvSpPr>
         <p:spPr>
           <a:xfrm>
-            <a:off x="831850" y="1709738"/>
-            <a:ext cx="10515600" cy="2852737"/>
+            <a:off x="1454239" y="1756130"/>
+            <a:ext cx="8643154" cy="1887950"/>
           </a:xfrm>
         </p:spPr>
         <p:txBody>
-          <a:bodyPr anchor="b"/>
+          <a:bodyPr anchor="b">
+            <a:normAutofit/>
+          </a:bodyPr>
           <a:lstStyle>
-            <a:lvl1pPr>
-              <a:defRPr sz="6000"/>
+            <a:lvl1pPr algn="l">
+              <a:defRPr sz="3600"/>
             </a:lvl1pPr>
           </a:lstStyle>
           <a:p>
@@ -983,18 +1060,13 @@
               <a:rPr lang="en-US"/>
               <a:t>Click to edit Master title style</a:t>
             </a:r>
-          </a:p>
-        </p:txBody>
-      </p:sp>
-      <p:sp>
-        <p:nvSpPr>
-          <p:cNvPr id="3" name="Text Placeholder 2">
-            <a:extLst>
-              <a:ext uri="{FF2B5EF4-FFF2-40B4-BE49-F238E27FC236}">
-                <a16:creationId xmlns:a16="http://schemas.microsoft.com/office/drawing/2014/main" id="{FC494EE8-6A7F-96DC-50E9-330323164B7B}"/>
-              </a:ext>
-            </a:extLst>
-          </p:cNvPr>
+            <a:endParaRPr lang="en-US" dirty="0"/>
+          </a:p>
+        </p:txBody>
+      </p:sp>
+      <p:sp>
+        <p:nvSpPr>
+          <p:cNvPr id="3" name="Text Placeholder 2"/>
           <p:cNvSpPr>
             <a:spLocks noGrp="1"/>
           </p:cNvSpPr>
@@ -1004,29 +1076,29 @@
         </p:nvSpPr>
         <p:spPr>
           <a:xfrm>
-            <a:off x="831850" y="4589463"/>
-            <a:ext cx="10515600" cy="1500187"/>
+            <a:off x="1454239" y="3806195"/>
+            <a:ext cx="8630446" cy="1012929"/>
           </a:xfrm>
         </p:spPr>
         <p:txBody>
-          <a:bodyPr/>
+          <a:bodyPr tIns="91440">
+            <a:normAutofit/>
+          </a:bodyPr>
           <a:lstStyle>
-            <a:lvl1pPr marL="0" indent="0">
+            <a:lvl1pPr marL="0" indent="0" algn="l">
               <a:buNone/>
-              <a:defRPr sz="2400">
+              <a:defRPr sz="1800">
                 <a:solidFill>
-                  <a:schemeClr val="tx1">
-                    <a:tint val="82000"/>
-                  </a:schemeClr>
+                  <a:schemeClr val="tx1"/>
                 </a:solidFill>
               </a:defRPr>
             </a:lvl1pPr>
             <a:lvl2pPr marL="457200" indent="0">
               <a:buNone/>
-              <a:defRPr sz="2000">
+              <a:defRPr sz="1800">
                 <a:solidFill>
                   <a:schemeClr val="tx1">
-                    <a:tint val="82000"/>
+                    <a:tint val="75000"/>
                   </a:schemeClr>
                 </a:solidFill>
               </a:defRPr>
@@ -1036,7 +1108,7 @@
               <a:defRPr sz="1800">
                 <a:solidFill>
                   <a:schemeClr val="tx1">
-                    <a:tint val="82000"/>
+                    <a:tint val="75000"/>
                   </a:schemeClr>
                 </a:solidFill>
               </a:defRPr>
@@ -1046,7 +1118,7 @@
               <a:defRPr sz="1600">
                 <a:solidFill>
                   <a:schemeClr val="tx1">
-                    <a:tint val="82000"/>
+                    <a:tint val="75000"/>
                   </a:schemeClr>
                 </a:solidFill>
               </a:defRPr>
@@ -1056,7 +1128,7 @@
               <a:defRPr sz="1600">
                 <a:solidFill>
                   <a:schemeClr val="tx1">
-                    <a:tint val="82000"/>
+                    <a:tint val="75000"/>
                   </a:schemeClr>
                 </a:solidFill>
               </a:defRPr>
@@ -1066,7 +1138,7 @@
               <a:defRPr sz="1600">
                 <a:solidFill>
                   <a:schemeClr val="tx1">
-                    <a:tint val="82000"/>
+                    <a:tint val="75000"/>
                   </a:schemeClr>
                 </a:solidFill>
               </a:defRPr>
@@ -1076,7 +1148,7 @@
               <a:defRPr sz="1600">
                 <a:solidFill>
                   <a:schemeClr val="tx1">
-                    <a:tint val="82000"/>
+                    <a:tint val="75000"/>
                   </a:schemeClr>
                 </a:solidFill>
               </a:defRPr>
@@ -1086,7 +1158,7 @@
               <a:defRPr sz="1600">
                 <a:solidFill>
                   <a:schemeClr val="tx1">
-                    <a:tint val="82000"/>
+                    <a:tint val="75000"/>
                   </a:schemeClr>
                 </a:solidFill>
               </a:defRPr>
@@ -1096,7 +1168,7 @@
               <a:defRPr sz="1600">
                 <a:solidFill>
                   <a:schemeClr val="tx1">
-                    <a:tint val="82000"/>
+                    <a:tint val="75000"/>
                   </a:schemeClr>
                 </a:solidFill>
               </a:defRPr>
@@ -1113,13 +1185,7 @@
       </p:sp>
       <p:sp>
         <p:nvSpPr>
-          <p:cNvPr id="4" name="Date Placeholder 3">
-            <a:extLst>
-              <a:ext uri="{FF2B5EF4-FFF2-40B4-BE49-F238E27FC236}">
-                <a16:creationId xmlns:a16="http://schemas.microsoft.com/office/drawing/2014/main" id="{0A92701D-102C-90DA-31DC-84A17E2736FB}"/>
-              </a:ext>
-            </a:extLst>
-          </p:cNvPr>
+          <p:cNvPr id="4" name="Date Placeholder 3"/>
           <p:cNvSpPr>
             <a:spLocks noGrp="1"/>
           </p:cNvSpPr>
@@ -1134,7 +1200,7 @@
           <a:p>
             <a:fld id="{EDD6D029-C5C2-4A54-AFF0-13E169563693}" type="datetimeFigureOut">
               <a:rPr lang="en-US" smtClean="0"/>
-              <a:t>8/17/2025</a:t>
+              <a:t>8/18/2025</a:t>
             </a:fld>
             <a:endParaRPr lang="en-US"/>
           </a:p>
@@ -1142,13 +1208,7 @@
       </p:sp>
       <p:sp>
         <p:nvSpPr>
-          <p:cNvPr id="5" name="Footer Placeholder 4">
-            <a:extLst>
-              <a:ext uri="{FF2B5EF4-FFF2-40B4-BE49-F238E27FC236}">
-                <a16:creationId xmlns:a16="http://schemas.microsoft.com/office/drawing/2014/main" id="{7ED92A83-A2BB-25AD-6EEA-CA2B97313D99}"/>
-              </a:ext>
-            </a:extLst>
-          </p:cNvPr>
+          <p:cNvPr id="5" name="Footer Placeholder 4"/>
           <p:cNvSpPr>
             <a:spLocks noGrp="1"/>
           </p:cNvSpPr>
@@ -1167,13 +1227,7 @@
       </p:sp>
       <p:sp>
         <p:nvSpPr>
-          <p:cNvPr id="6" name="Slide Number Placeholder 5">
-            <a:extLst>
-              <a:ext uri="{FF2B5EF4-FFF2-40B4-BE49-F238E27FC236}">
-                <a16:creationId xmlns:a16="http://schemas.microsoft.com/office/drawing/2014/main" id="{30DEB905-6ADE-BAC0-961A-9232FA650E6A}"/>
-              </a:ext>
-            </a:extLst>
-          </p:cNvPr>
+          <p:cNvPr id="6" name="Slide Number Placeholder 5"/>
           <p:cNvSpPr>
             <a:spLocks noGrp="1"/>
           </p:cNvSpPr>
@@ -1194,10 +1248,41 @@
           </a:p>
         </p:txBody>
       </p:sp>
+      <p:cxnSp>
+        <p:nvCxnSpPr>
+          <p:cNvPr id="15" name="Straight Connector 14"/>
+          <p:cNvCxnSpPr/>
+          <p:nvPr/>
+        </p:nvCxnSpPr>
+        <p:spPr>
+          <a:xfrm>
+            <a:off x="1454239" y="3804985"/>
+            <a:ext cx="8630446" cy="0"/>
+          </a:xfrm>
+          <a:prstGeom prst="line">
+            <a:avLst/>
+          </a:prstGeom>
+          <a:ln w="31750"/>
+        </p:spPr>
+        <p:style>
+          <a:lnRef idx="3">
+            <a:schemeClr val="accent1"/>
+          </a:lnRef>
+          <a:fillRef idx="0">
+            <a:schemeClr val="accent1"/>
+          </a:fillRef>
+          <a:effectRef idx="2">
+            <a:schemeClr val="accent1"/>
+          </a:effectRef>
+          <a:fontRef idx="minor">
+            <a:schemeClr val="tx1"/>
+          </a:fontRef>
+        </p:style>
+      </p:cxnSp>
     </p:spTree>
     <p:extLst>
       <p:ext uri="{BB962C8B-B14F-4D97-AF65-F5344CB8AC3E}">
-        <p14:creationId xmlns:p14="http://schemas.microsoft.com/office/powerpoint/2010/main" val="1616181485"/>
+        <p14:creationId xmlns:p14="http://schemas.microsoft.com/office/powerpoint/2010/main" val="2407484613"/>
       </p:ext>
     </p:extLst>
   </p:cSld>
@@ -1226,13 +1311,7 @@
       </p:grpSpPr>
       <p:sp>
         <p:nvSpPr>
-          <p:cNvPr id="2" name="Title 1">
-            <a:extLst>
-              <a:ext uri="{FF2B5EF4-FFF2-40B4-BE49-F238E27FC236}">
-                <a16:creationId xmlns:a16="http://schemas.microsoft.com/office/drawing/2014/main" id="{86001447-E95D-86C3-45DD-210CE883E0ED}"/>
-              </a:ext>
-            </a:extLst>
-          </p:cNvPr>
+          <p:cNvPr id="2" name="Title 1"/>
           <p:cNvSpPr>
             <a:spLocks noGrp="1"/>
           </p:cNvSpPr>
@@ -1240,7 +1319,12 @@
             <p:ph type="title"/>
           </p:nvPr>
         </p:nvSpPr>
-        <p:spPr/>
+        <p:spPr>
+          <a:xfrm>
+            <a:off x="1449217" y="804889"/>
+            <a:ext cx="9605635" cy="1059305"/>
+          </a:xfrm>
+        </p:spPr>
         <p:txBody>
           <a:bodyPr/>
           <a:lstStyle/>
@@ -1249,18 +1333,13 @@
               <a:rPr lang="en-US"/>
               <a:t>Click to edit Master title style</a:t>
             </a:r>
-          </a:p>
-        </p:txBody>
-      </p:sp>
-      <p:sp>
-        <p:nvSpPr>
-          <p:cNvPr id="3" name="Content Placeholder 2">
-            <a:extLst>
-              <a:ext uri="{FF2B5EF4-FFF2-40B4-BE49-F238E27FC236}">
-                <a16:creationId xmlns:a16="http://schemas.microsoft.com/office/drawing/2014/main" id="{8D07881B-1265-9752-91F3-E0AC778E16EB}"/>
-              </a:ext>
-            </a:extLst>
-          </p:cNvPr>
+            <a:endParaRPr lang="en-US" dirty="0"/>
+          </a:p>
+        </p:txBody>
+      </p:sp>
+      <p:sp>
+        <p:nvSpPr>
+          <p:cNvPr id="3" name="Content Placeholder 2"/>
           <p:cNvSpPr>
             <a:spLocks noGrp="1"/>
           </p:cNvSpPr>
@@ -1270,8 +1349,8 @@
         </p:nvSpPr>
         <p:spPr>
           <a:xfrm>
-            <a:off x="838200" y="1825625"/>
-            <a:ext cx="5181600" cy="4351338"/>
+            <a:off x="1447331" y="2010878"/>
+            <a:ext cx="4645152" cy="3448595"/>
           </a:xfrm>
         </p:spPr>
         <p:txBody>
@@ -1311,18 +1390,13 @@
               <a:rPr lang="en-US"/>
               <a:t>Fifth level</a:t>
             </a:r>
-          </a:p>
-        </p:txBody>
-      </p:sp>
-      <p:sp>
-        <p:nvSpPr>
-          <p:cNvPr id="4" name="Content Placeholder 3">
-            <a:extLst>
-              <a:ext uri="{FF2B5EF4-FFF2-40B4-BE49-F238E27FC236}">
-                <a16:creationId xmlns:a16="http://schemas.microsoft.com/office/drawing/2014/main" id="{F0DF28DE-3EB3-26A3-E78C-B7D29FF746A2}"/>
-              </a:ext>
-            </a:extLst>
-          </p:cNvPr>
+            <a:endParaRPr lang="en-US" dirty="0"/>
+          </a:p>
+        </p:txBody>
+      </p:sp>
+      <p:sp>
+        <p:nvSpPr>
+          <p:cNvPr id="4" name="Content Placeholder 3"/>
           <p:cNvSpPr>
             <a:spLocks noGrp="1"/>
           </p:cNvSpPr>
@@ -1332,8 +1406,8 @@
         </p:nvSpPr>
         <p:spPr>
           <a:xfrm>
-            <a:off x="6172200" y="1825625"/>
-            <a:ext cx="5181600" cy="4351338"/>
+            <a:off x="6413771" y="2017343"/>
+            <a:ext cx="4645152" cy="3441520"/>
           </a:xfrm>
         </p:spPr>
         <p:txBody>
@@ -1373,18 +1447,13 @@
               <a:rPr lang="en-US"/>
               <a:t>Fifth level</a:t>
             </a:r>
-          </a:p>
-        </p:txBody>
-      </p:sp>
-      <p:sp>
-        <p:nvSpPr>
-          <p:cNvPr id="5" name="Date Placeholder 4">
-            <a:extLst>
-              <a:ext uri="{FF2B5EF4-FFF2-40B4-BE49-F238E27FC236}">
-                <a16:creationId xmlns:a16="http://schemas.microsoft.com/office/drawing/2014/main" id="{C80E6828-6948-2E91-9E44-0768E86B0B9E}"/>
-              </a:ext>
-            </a:extLst>
-          </p:cNvPr>
+            <a:endParaRPr lang="en-US" dirty="0"/>
+          </a:p>
+        </p:txBody>
+      </p:sp>
+      <p:sp>
+        <p:nvSpPr>
+          <p:cNvPr id="5" name="Date Placeholder 4"/>
           <p:cNvSpPr>
             <a:spLocks noGrp="1"/>
           </p:cNvSpPr>
@@ -1399,7 +1468,7 @@
           <a:p>
             <a:fld id="{EDD6D029-C5C2-4A54-AFF0-13E169563693}" type="datetimeFigureOut">
               <a:rPr lang="en-US" smtClean="0"/>
-              <a:t>8/17/2025</a:t>
+              <a:t>8/18/2025</a:t>
             </a:fld>
             <a:endParaRPr lang="en-US"/>
           </a:p>
@@ -1407,13 +1476,7 @@
       </p:sp>
       <p:sp>
         <p:nvSpPr>
-          <p:cNvPr id="6" name="Footer Placeholder 5">
-            <a:extLst>
-              <a:ext uri="{FF2B5EF4-FFF2-40B4-BE49-F238E27FC236}">
-                <a16:creationId xmlns:a16="http://schemas.microsoft.com/office/drawing/2014/main" id="{CC5C03BE-F04A-9DE1-0A85-ED7ED5CE34EE}"/>
-              </a:ext>
-            </a:extLst>
-          </p:cNvPr>
+          <p:cNvPr id="6" name="Footer Placeholder 5"/>
           <p:cNvSpPr>
             <a:spLocks noGrp="1"/>
           </p:cNvSpPr>
@@ -1432,13 +1495,7 @@
       </p:sp>
       <p:sp>
         <p:nvSpPr>
-          <p:cNvPr id="7" name="Slide Number Placeholder 6">
-            <a:extLst>
-              <a:ext uri="{FF2B5EF4-FFF2-40B4-BE49-F238E27FC236}">
-                <a16:creationId xmlns:a16="http://schemas.microsoft.com/office/drawing/2014/main" id="{C5CB50A5-BB5A-2033-4545-C7587DE61F52}"/>
-              </a:ext>
-            </a:extLst>
-          </p:cNvPr>
+          <p:cNvPr id="7" name="Slide Number Placeholder 6"/>
           <p:cNvSpPr>
             <a:spLocks noGrp="1"/>
           </p:cNvSpPr>
@@ -1459,10 +1516,41 @@
           </a:p>
         </p:txBody>
       </p:sp>
+      <p:cxnSp>
+        <p:nvCxnSpPr>
+          <p:cNvPr id="35" name="Straight Connector 34"/>
+          <p:cNvCxnSpPr/>
+          <p:nvPr/>
+        </p:nvCxnSpPr>
+        <p:spPr>
+          <a:xfrm>
+            <a:off x="1453896" y="1847088"/>
+            <a:ext cx="9607522" cy="0"/>
+          </a:xfrm>
+          <a:prstGeom prst="line">
+            <a:avLst/>
+          </a:prstGeom>
+          <a:ln w="31750"/>
+        </p:spPr>
+        <p:style>
+          <a:lnRef idx="3">
+            <a:schemeClr val="accent1"/>
+          </a:lnRef>
+          <a:fillRef idx="0">
+            <a:schemeClr val="accent1"/>
+          </a:fillRef>
+          <a:effectRef idx="2">
+            <a:schemeClr val="accent1"/>
+          </a:effectRef>
+          <a:fontRef idx="minor">
+            <a:schemeClr val="tx1"/>
+          </a:fontRef>
+        </p:style>
+      </p:cxnSp>
     </p:spTree>
     <p:extLst>
       <p:ext uri="{BB962C8B-B14F-4D97-AF65-F5344CB8AC3E}">
-        <p14:creationId xmlns:p14="http://schemas.microsoft.com/office/powerpoint/2010/main" val="342031785"/>
+        <p14:creationId xmlns:p14="http://schemas.microsoft.com/office/powerpoint/2010/main" val="1706304107"/>
       </p:ext>
     </p:extLst>
   </p:cSld>
@@ -1491,13 +1579,7 @@
       </p:grpSpPr>
       <p:sp>
         <p:nvSpPr>
-          <p:cNvPr id="2" name="Title 1">
-            <a:extLst>
-              <a:ext uri="{FF2B5EF4-FFF2-40B4-BE49-F238E27FC236}">
-                <a16:creationId xmlns:a16="http://schemas.microsoft.com/office/drawing/2014/main" id="{84653BFD-D80D-98CD-F2B4-E690714F3F86}"/>
-              </a:ext>
-            </a:extLst>
-          </p:cNvPr>
+          <p:cNvPr id="2" name="Title 1"/>
           <p:cNvSpPr>
             <a:spLocks noGrp="1"/>
           </p:cNvSpPr>
@@ -1507,8 +1589,8 @@
         </p:nvSpPr>
         <p:spPr>
           <a:xfrm>
-            <a:off x="839788" y="365125"/>
-            <a:ext cx="10515600" cy="1325563"/>
+            <a:off x="1447191" y="804163"/>
+            <a:ext cx="9607661" cy="1056319"/>
           </a:xfrm>
         </p:spPr>
         <p:txBody>
@@ -1519,18 +1601,13 @@
               <a:rPr lang="en-US"/>
               <a:t>Click to edit Master title style</a:t>
             </a:r>
-          </a:p>
-        </p:txBody>
-      </p:sp>
-      <p:sp>
-        <p:nvSpPr>
-          <p:cNvPr id="3" name="Text Placeholder 2">
-            <a:extLst>
-              <a:ext uri="{FF2B5EF4-FFF2-40B4-BE49-F238E27FC236}">
-                <a16:creationId xmlns:a16="http://schemas.microsoft.com/office/drawing/2014/main" id="{A11E22B2-5519-F52C-D67C-05725CA70219}"/>
-              </a:ext>
-            </a:extLst>
-          </p:cNvPr>
+            <a:endParaRPr lang="en-US" dirty="0"/>
+          </a:p>
+        </p:txBody>
+      </p:sp>
+      <p:sp>
+        <p:nvSpPr>
+          <p:cNvPr id="3" name="Text Placeholder 2"/>
           <p:cNvSpPr>
             <a:spLocks noGrp="1"/>
           </p:cNvSpPr>
@@ -1540,16 +1617,25 @@
         </p:nvSpPr>
         <p:spPr>
           <a:xfrm>
-            <a:off x="839788" y="1681163"/>
-            <a:ext cx="5157787" cy="823912"/>
+            <a:off x="1447191" y="2019549"/>
+            <a:ext cx="4645152" cy="801943"/>
           </a:xfrm>
         </p:spPr>
         <p:txBody>
-          <a:bodyPr anchor="b"/>
+          <a:bodyPr anchor="b">
+            <a:normAutofit/>
+          </a:bodyPr>
           <a:lstStyle>
             <a:lvl1pPr marL="0" indent="0">
+              <a:lnSpc>
+                <a:spcPct val="100000"/>
+              </a:lnSpc>
               <a:buNone/>
-              <a:defRPr sz="2400" b="1"/>
+              <a:defRPr sz="2200" b="0" cap="all" baseline="0">
+                <a:solidFill>
+                  <a:schemeClr val="accent1"/>
+                </a:solidFill>
+              </a:defRPr>
             </a:lvl1pPr>
             <a:lvl2pPr marL="457200" indent="0">
               <a:buNone/>
@@ -1595,13 +1681,7 @@
       </p:sp>
       <p:sp>
         <p:nvSpPr>
-          <p:cNvPr id="4" name="Content Placeholder 3">
-            <a:extLst>
-              <a:ext uri="{FF2B5EF4-FFF2-40B4-BE49-F238E27FC236}">
-                <a16:creationId xmlns:a16="http://schemas.microsoft.com/office/drawing/2014/main" id="{00B97A38-8E36-1C42-A5EC-BA5CB9BCBB15}"/>
-              </a:ext>
-            </a:extLst>
-          </p:cNvPr>
+          <p:cNvPr id="4" name="Content Placeholder 3"/>
           <p:cNvSpPr>
             <a:spLocks noGrp="1"/>
           </p:cNvSpPr>
@@ -1611,8 +1691,8 @@
         </p:nvSpPr>
         <p:spPr>
           <a:xfrm>
-            <a:off x="839788" y="2505075"/>
-            <a:ext cx="5157787" cy="3684588"/>
+            <a:off x="1447191" y="2824269"/>
+            <a:ext cx="4645152" cy="2644457"/>
           </a:xfrm>
         </p:spPr>
         <p:txBody>
@@ -1652,18 +1732,13 @@
               <a:rPr lang="en-US"/>
               <a:t>Fifth level</a:t>
             </a:r>
-          </a:p>
-        </p:txBody>
-      </p:sp>
-      <p:sp>
-        <p:nvSpPr>
-          <p:cNvPr id="5" name="Text Placeholder 4">
-            <a:extLst>
-              <a:ext uri="{FF2B5EF4-FFF2-40B4-BE49-F238E27FC236}">
-                <a16:creationId xmlns:a16="http://schemas.microsoft.com/office/drawing/2014/main" id="{5A3F9C65-2BE7-02A4-12D0-5836C3137C74}"/>
-              </a:ext>
-            </a:extLst>
-          </p:cNvPr>
+            <a:endParaRPr lang="en-US" dirty="0"/>
+          </a:p>
+        </p:txBody>
+      </p:sp>
+      <p:sp>
+        <p:nvSpPr>
+          <p:cNvPr id="5" name="Text Placeholder 4"/>
           <p:cNvSpPr>
             <a:spLocks noGrp="1"/>
           </p:cNvSpPr>
@@ -1673,16 +1748,25 @@
         </p:nvSpPr>
         <p:spPr>
           <a:xfrm>
-            <a:off x="6172200" y="1681163"/>
-            <a:ext cx="5183188" cy="823912"/>
+            <a:off x="6412362" y="2023003"/>
+            <a:ext cx="4645152" cy="802237"/>
           </a:xfrm>
         </p:spPr>
         <p:txBody>
-          <a:bodyPr anchor="b"/>
+          <a:bodyPr anchor="b">
+            <a:normAutofit/>
+          </a:bodyPr>
           <a:lstStyle>
             <a:lvl1pPr marL="0" indent="0">
+              <a:lnSpc>
+                <a:spcPct val="100000"/>
+              </a:lnSpc>
               <a:buNone/>
-              <a:defRPr sz="2400" b="1"/>
+              <a:defRPr sz="2200" b="0" cap="all" baseline="0">
+                <a:solidFill>
+                  <a:schemeClr val="accent1"/>
+                </a:solidFill>
+              </a:defRPr>
             </a:lvl1pPr>
             <a:lvl2pPr marL="457200" indent="0">
               <a:buNone/>
@@ -1728,13 +1812,7 @@
       </p:sp>
       <p:sp>
         <p:nvSpPr>
-          <p:cNvPr id="6" name="Content Placeholder 5">
-            <a:extLst>
-              <a:ext uri="{FF2B5EF4-FFF2-40B4-BE49-F238E27FC236}">
-                <a16:creationId xmlns:a16="http://schemas.microsoft.com/office/drawing/2014/main" id="{82CB43C5-7DA0-4B58-AF88-5DC1E3036B6B}"/>
-              </a:ext>
-            </a:extLst>
-          </p:cNvPr>
+          <p:cNvPr id="6" name="Content Placeholder 5"/>
           <p:cNvSpPr>
             <a:spLocks noGrp="1"/>
           </p:cNvSpPr>
@@ -1744,8 +1822,8 @@
         </p:nvSpPr>
         <p:spPr>
           <a:xfrm>
-            <a:off x="6172200" y="2505075"/>
-            <a:ext cx="5183188" cy="3684588"/>
+            <a:off x="6412362" y="2821491"/>
+            <a:ext cx="4645152" cy="2637371"/>
           </a:xfrm>
         </p:spPr>
         <p:txBody>
@@ -1785,18 +1863,13 @@
               <a:rPr lang="en-US"/>
               <a:t>Fifth level</a:t>
             </a:r>
-          </a:p>
-        </p:txBody>
-      </p:sp>
-      <p:sp>
-        <p:nvSpPr>
-          <p:cNvPr id="7" name="Date Placeholder 6">
-            <a:extLst>
-              <a:ext uri="{FF2B5EF4-FFF2-40B4-BE49-F238E27FC236}">
-                <a16:creationId xmlns:a16="http://schemas.microsoft.com/office/drawing/2014/main" id="{ADFB9866-288F-D632-638C-D1C6522147BA}"/>
-              </a:ext>
-            </a:extLst>
-          </p:cNvPr>
+            <a:endParaRPr lang="en-US" dirty="0"/>
+          </a:p>
+        </p:txBody>
+      </p:sp>
+      <p:sp>
+        <p:nvSpPr>
+          <p:cNvPr id="7" name="Date Placeholder 6"/>
           <p:cNvSpPr>
             <a:spLocks noGrp="1"/>
           </p:cNvSpPr>
@@ -1811,7 +1884,7 @@
           <a:p>
             <a:fld id="{EDD6D029-C5C2-4A54-AFF0-13E169563693}" type="datetimeFigureOut">
               <a:rPr lang="en-US" smtClean="0"/>
-              <a:t>8/17/2025</a:t>
+              <a:t>8/18/2025</a:t>
             </a:fld>
             <a:endParaRPr lang="en-US"/>
           </a:p>
@@ -1819,13 +1892,7 @@
       </p:sp>
       <p:sp>
         <p:nvSpPr>
-          <p:cNvPr id="8" name="Footer Placeholder 7">
-            <a:extLst>
-              <a:ext uri="{FF2B5EF4-FFF2-40B4-BE49-F238E27FC236}">
-                <a16:creationId xmlns:a16="http://schemas.microsoft.com/office/drawing/2014/main" id="{660E127E-BBF5-546E-2523-1FF72E6710AF}"/>
-              </a:ext>
-            </a:extLst>
-          </p:cNvPr>
+          <p:cNvPr id="8" name="Footer Placeholder 7"/>
           <p:cNvSpPr>
             <a:spLocks noGrp="1"/>
           </p:cNvSpPr>
@@ -1844,13 +1911,7 @@
       </p:sp>
       <p:sp>
         <p:nvSpPr>
-          <p:cNvPr id="9" name="Slide Number Placeholder 8">
-            <a:extLst>
-              <a:ext uri="{FF2B5EF4-FFF2-40B4-BE49-F238E27FC236}">
-                <a16:creationId xmlns:a16="http://schemas.microsoft.com/office/drawing/2014/main" id="{9935A4E0-B31C-6A12-F9EB-33F1C0A76CC8}"/>
-              </a:ext>
-            </a:extLst>
-          </p:cNvPr>
+          <p:cNvPr id="9" name="Slide Number Placeholder 8"/>
           <p:cNvSpPr>
             <a:spLocks noGrp="1"/>
           </p:cNvSpPr>
@@ -1871,10 +1932,41 @@
           </a:p>
         </p:txBody>
       </p:sp>
+      <p:cxnSp>
+        <p:nvCxnSpPr>
+          <p:cNvPr id="29" name="Straight Connector 28"/>
+          <p:cNvCxnSpPr/>
+          <p:nvPr/>
+        </p:nvCxnSpPr>
+        <p:spPr>
+          <a:xfrm>
+            <a:off x="1453896" y="1847088"/>
+            <a:ext cx="9607522" cy="0"/>
+          </a:xfrm>
+          <a:prstGeom prst="line">
+            <a:avLst/>
+          </a:prstGeom>
+          <a:ln w="31750"/>
+        </p:spPr>
+        <p:style>
+          <a:lnRef idx="3">
+            <a:schemeClr val="accent1"/>
+          </a:lnRef>
+          <a:fillRef idx="0">
+            <a:schemeClr val="accent1"/>
+          </a:fillRef>
+          <a:effectRef idx="2">
+            <a:schemeClr val="accent1"/>
+          </a:effectRef>
+          <a:fontRef idx="minor">
+            <a:schemeClr val="tx1"/>
+          </a:fontRef>
+        </p:style>
+      </p:cxnSp>
     </p:spTree>
     <p:extLst>
       <p:ext uri="{BB962C8B-B14F-4D97-AF65-F5344CB8AC3E}">
-        <p14:creationId xmlns:p14="http://schemas.microsoft.com/office/powerpoint/2010/main" val="2680507055"/>
+        <p14:creationId xmlns:p14="http://schemas.microsoft.com/office/powerpoint/2010/main" val="845397903"/>
       </p:ext>
     </p:extLst>
   </p:cSld>
@@ -1903,13 +1995,7 @@
       </p:grpSpPr>
       <p:sp>
         <p:nvSpPr>
-          <p:cNvPr id="2" name="Title 1">
-            <a:extLst>
-              <a:ext uri="{FF2B5EF4-FFF2-40B4-BE49-F238E27FC236}">
-                <a16:creationId xmlns:a16="http://schemas.microsoft.com/office/drawing/2014/main" id="{BAE4DCE3-93AB-2E26-5CFB-12282BFE2BC3}"/>
-              </a:ext>
-            </a:extLst>
-          </p:cNvPr>
+          <p:cNvPr id="2" name="Title 1"/>
           <p:cNvSpPr>
             <a:spLocks noGrp="1"/>
           </p:cNvSpPr>
@@ -1926,18 +2012,13 @@
               <a:rPr lang="en-US"/>
               <a:t>Click to edit Master title style</a:t>
             </a:r>
-          </a:p>
-        </p:txBody>
-      </p:sp>
-      <p:sp>
-        <p:nvSpPr>
-          <p:cNvPr id="3" name="Date Placeholder 2">
-            <a:extLst>
-              <a:ext uri="{FF2B5EF4-FFF2-40B4-BE49-F238E27FC236}">
-                <a16:creationId xmlns:a16="http://schemas.microsoft.com/office/drawing/2014/main" id="{0783BE22-8C57-4D72-6631-59792999B193}"/>
-              </a:ext>
-            </a:extLst>
-          </p:cNvPr>
+            <a:endParaRPr lang="en-US" dirty="0"/>
+          </a:p>
+        </p:txBody>
+      </p:sp>
+      <p:sp>
+        <p:nvSpPr>
+          <p:cNvPr id="3" name="Date Placeholder 2"/>
           <p:cNvSpPr>
             <a:spLocks noGrp="1"/>
           </p:cNvSpPr>
@@ -1952,7 +2033,7 @@
           <a:p>
             <a:fld id="{EDD6D029-C5C2-4A54-AFF0-13E169563693}" type="datetimeFigureOut">
               <a:rPr lang="en-US" smtClean="0"/>
-              <a:t>8/17/2025</a:t>
+              <a:t>8/18/2025</a:t>
             </a:fld>
             <a:endParaRPr lang="en-US"/>
           </a:p>
@@ -1960,13 +2041,7 @@
       </p:sp>
       <p:sp>
         <p:nvSpPr>
-          <p:cNvPr id="4" name="Footer Placeholder 3">
-            <a:extLst>
-              <a:ext uri="{FF2B5EF4-FFF2-40B4-BE49-F238E27FC236}">
-                <a16:creationId xmlns:a16="http://schemas.microsoft.com/office/drawing/2014/main" id="{C0DB2311-5DD0-4518-82E7-8F9524ED4FE9}"/>
-              </a:ext>
-            </a:extLst>
-          </p:cNvPr>
+          <p:cNvPr id="4" name="Footer Placeholder 3"/>
           <p:cNvSpPr>
             <a:spLocks noGrp="1"/>
           </p:cNvSpPr>
@@ -1985,13 +2060,7 @@
       </p:sp>
       <p:sp>
         <p:nvSpPr>
-          <p:cNvPr id="5" name="Slide Number Placeholder 4">
-            <a:extLst>
-              <a:ext uri="{FF2B5EF4-FFF2-40B4-BE49-F238E27FC236}">
-                <a16:creationId xmlns:a16="http://schemas.microsoft.com/office/drawing/2014/main" id="{948DCE86-B8CA-28D2-51F4-44A5638E8E27}"/>
-              </a:ext>
-            </a:extLst>
-          </p:cNvPr>
+          <p:cNvPr id="5" name="Slide Number Placeholder 4"/>
           <p:cNvSpPr>
             <a:spLocks noGrp="1"/>
           </p:cNvSpPr>
@@ -2012,10 +2081,41 @@
           </a:p>
         </p:txBody>
       </p:sp>
+      <p:cxnSp>
+        <p:nvCxnSpPr>
+          <p:cNvPr id="25" name="Straight Connector 24"/>
+          <p:cNvCxnSpPr/>
+          <p:nvPr/>
+        </p:nvCxnSpPr>
+        <p:spPr>
+          <a:xfrm>
+            <a:off x="1453896" y="1847088"/>
+            <a:ext cx="9607522" cy="0"/>
+          </a:xfrm>
+          <a:prstGeom prst="line">
+            <a:avLst/>
+          </a:prstGeom>
+          <a:ln w="31750"/>
+        </p:spPr>
+        <p:style>
+          <a:lnRef idx="3">
+            <a:schemeClr val="accent1"/>
+          </a:lnRef>
+          <a:fillRef idx="0">
+            <a:schemeClr val="accent1"/>
+          </a:fillRef>
+          <a:effectRef idx="2">
+            <a:schemeClr val="accent1"/>
+          </a:effectRef>
+          <a:fontRef idx="minor">
+            <a:schemeClr val="tx1"/>
+          </a:fontRef>
+        </p:style>
+      </p:cxnSp>
     </p:spTree>
     <p:extLst>
       <p:ext uri="{BB962C8B-B14F-4D97-AF65-F5344CB8AC3E}">
-        <p14:creationId xmlns:p14="http://schemas.microsoft.com/office/powerpoint/2010/main" val="470785817"/>
+        <p14:creationId xmlns:p14="http://schemas.microsoft.com/office/powerpoint/2010/main" val="2412559606"/>
       </p:ext>
     </p:extLst>
   </p:cSld>
@@ -2044,13 +2144,7 @@
       </p:grpSpPr>
       <p:sp>
         <p:nvSpPr>
-          <p:cNvPr id="2" name="Date Placeholder 1">
-            <a:extLst>
-              <a:ext uri="{FF2B5EF4-FFF2-40B4-BE49-F238E27FC236}">
-                <a16:creationId xmlns:a16="http://schemas.microsoft.com/office/drawing/2014/main" id="{3830EFBB-B42F-2C27-50B3-6B9378A26C0E}"/>
-              </a:ext>
-            </a:extLst>
-          </p:cNvPr>
+          <p:cNvPr id="2" name="Date Placeholder 1"/>
           <p:cNvSpPr>
             <a:spLocks noGrp="1"/>
           </p:cNvSpPr>
@@ -2065,7 +2159,7 @@
           <a:p>
             <a:fld id="{EDD6D029-C5C2-4A54-AFF0-13E169563693}" type="datetimeFigureOut">
               <a:rPr lang="en-US" smtClean="0"/>
-              <a:t>8/17/2025</a:t>
+              <a:t>8/18/2025</a:t>
             </a:fld>
             <a:endParaRPr lang="en-US"/>
           </a:p>
@@ -2073,13 +2167,7 @@
       </p:sp>
       <p:sp>
         <p:nvSpPr>
-          <p:cNvPr id="3" name="Footer Placeholder 2">
-            <a:extLst>
-              <a:ext uri="{FF2B5EF4-FFF2-40B4-BE49-F238E27FC236}">
-                <a16:creationId xmlns:a16="http://schemas.microsoft.com/office/drawing/2014/main" id="{56AA4CBE-D2C9-E42B-59A6-DDAC3E1E45B8}"/>
-              </a:ext>
-            </a:extLst>
-          </p:cNvPr>
+          <p:cNvPr id="3" name="Footer Placeholder 2"/>
           <p:cNvSpPr>
             <a:spLocks noGrp="1"/>
           </p:cNvSpPr>
@@ -2098,13 +2186,7 @@
       </p:sp>
       <p:sp>
         <p:nvSpPr>
-          <p:cNvPr id="4" name="Slide Number Placeholder 3">
-            <a:extLst>
-              <a:ext uri="{FF2B5EF4-FFF2-40B4-BE49-F238E27FC236}">
-                <a16:creationId xmlns:a16="http://schemas.microsoft.com/office/drawing/2014/main" id="{3C532CC9-2938-0F77-4CFF-914C8717D4D7}"/>
-              </a:ext>
-            </a:extLst>
-          </p:cNvPr>
+          <p:cNvPr id="4" name="Slide Number Placeholder 3"/>
           <p:cNvSpPr>
             <a:spLocks noGrp="1"/>
           </p:cNvSpPr>
@@ -2128,7 +2210,7 @@
     </p:spTree>
     <p:extLst>
       <p:ext uri="{BB962C8B-B14F-4D97-AF65-F5344CB8AC3E}">
-        <p14:creationId xmlns:p14="http://schemas.microsoft.com/office/powerpoint/2010/main" val="130389946"/>
+        <p14:creationId xmlns:p14="http://schemas.microsoft.com/office/powerpoint/2010/main" val="2061504645"/>
       </p:ext>
     </p:extLst>
   </p:cSld>
@@ -2157,13 +2239,7 @@
       </p:grpSpPr>
       <p:sp>
         <p:nvSpPr>
-          <p:cNvPr id="2" name="Title 1">
-            <a:extLst>
-              <a:ext uri="{FF2B5EF4-FFF2-40B4-BE49-F238E27FC236}">
-                <a16:creationId xmlns:a16="http://schemas.microsoft.com/office/drawing/2014/main" id="{F5B78F2A-722D-250D-96D8-60CBDE9DD3DC}"/>
-              </a:ext>
-            </a:extLst>
-          </p:cNvPr>
+          <p:cNvPr id="2" name="Title 1"/>
           <p:cNvSpPr>
             <a:spLocks noGrp="1"/>
           </p:cNvSpPr>
@@ -2173,15 +2249,17 @@
         </p:nvSpPr>
         <p:spPr>
           <a:xfrm>
-            <a:off x="839788" y="457200"/>
-            <a:ext cx="3932237" cy="1600200"/>
+            <a:off x="1444671" y="798973"/>
+            <a:ext cx="3273099" cy="2247117"/>
           </a:xfrm>
         </p:spPr>
         <p:txBody>
-          <a:bodyPr anchor="b"/>
+          <a:bodyPr anchor="b">
+            <a:normAutofit/>
+          </a:bodyPr>
           <a:lstStyle>
-            <a:lvl1pPr>
-              <a:defRPr sz="3200"/>
+            <a:lvl1pPr algn="l">
+              <a:defRPr sz="2400"/>
             </a:lvl1pPr>
           </a:lstStyle>
           <a:p>
@@ -2189,18 +2267,13 @@
               <a:rPr lang="en-US"/>
               <a:t>Click to edit Master title style</a:t>
             </a:r>
-          </a:p>
-        </p:txBody>
-      </p:sp>
-      <p:sp>
-        <p:nvSpPr>
-          <p:cNvPr id="3" name="Content Placeholder 2">
-            <a:extLst>
-              <a:ext uri="{FF2B5EF4-FFF2-40B4-BE49-F238E27FC236}">
-                <a16:creationId xmlns:a16="http://schemas.microsoft.com/office/drawing/2014/main" id="{BA97468D-99FE-5125-BF8B-272A70059CA0}"/>
-              </a:ext>
-            </a:extLst>
-          </p:cNvPr>
+            <a:endParaRPr lang="en-US" dirty="0"/>
+          </a:p>
+        </p:txBody>
+      </p:sp>
+      <p:sp>
+        <p:nvSpPr>
+          <p:cNvPr id="3" name="Content Placeholder 2"/>
           <p:cNvSpPr>
             <a:spLocks noGrp="1"/>
           </p:cNvSpPr>
@@ -2210,41 +2283,13 @@
         </p:nvSpPr>
         <p:spPr>
           <a:xfrm>
-            <a:off x="5183188" y="987425"/>
-            <a:ext cx="6172200" cy="4873625"/>
+            <a:off x="5043714" y="798974"/>
+            <a:ext cx="6012470" cy="4658826"/>
           </a:xfrm>
         </p:spPr>
         <p:txBody>
-          <a:bodyPr/>
-          <a:lstStyle>
-            <a:lvl1pPr>
-              <a:defRPr sz="3200"/>
-            </a:lvl1pPr>
-            <a:lvl2pPr>
-              <a:defRPr sz="2800"/>
-            </a:lvl2pPr>
-            <a:lvl3pPr>
-              <a:defRPr sz="2400"/>
-            </a:lvl3pPr>
-            <a:lvl4pPr>
-              <a:defRPr sz="2000"/>
-            </a:lvl4pPr>
-            <a:lvl5pPr>
-              <a:defRPr sz="2000"/>
-            </a:lvl5pPr>
-            <a:lvl6pPr>
-              <a:defRPr sz="2000"/>
-            </a:lvl6pPr>
-            <a:lvl7pPr>
-              <a:defRPr sz="2000"/>
-            </a:lvl7pPr>
-            <a:lvl8pPr>
-              <a:defRPr sz="2000"/>
-            </a:lvl8pPr>
-            <a:lvl9pPr>
-              <a:defRPr sz="2000"/>
-            </a:lvl9pPr>
-          </a:lstStyle>
+          <a:bodyPr anchor="ctr"/>
+          <a:lstStyle/>
           <a:p>
             <a:pPr lvl="0"/>
             <a:r>
@@ -2279,18 +2324,13 @@
               <a:rPr lang="en-US"/>
               <a:t>Fifth level</a:t>
             </a:r>
-          </a:p>
-        </p:txBody>
-      </p:sp>
-      <p:sp>
-        <p:nvSpPr>
-          <p:cNvPr id="4" name="Text Placeholder 3">
-            <a:extLst>
-              <a:ext uri="{FF2B5EF4-FFF2-40B4-BE49-F238E27FC236}">
-                <a16:creationId xmlns:a16="http://schemas.microsoft.com/office/drawing/2014/main" id="{29476179-E65A-5A3E-954A-60EF2062E31D}"/>
-              </a:ext>
-            </a:extLst>
-          </p:cNvPr>
+            <a:endParaRPr lang="en-US" dirty="0"/>
+          </a:p>
+        </p:txBody>
+      </p:sp>
+      <p:sp>
+        <p:nvSpPr>
+          <p:cNvPr id="4" name="Text Placeholder 3"/>
           <p:cNvSpPr>
             <a:spLocks noGrp="1"/>
           </p:cNvSpPr>
@@ -2300,14 +2340,14 @@
         </p:nvSpPr>
         <p:spPr>
           <a:xfrm>
-            <a:off x="839788" y="2057400"/>
-            <a:ext cx="3932237" cy="3811588"/>
+            <a:off x="1444671" y="3205491"/>
+            <a:ext cx="3275013" cy="2248181"/>
           </a:xfrm>
         </p:spPr>
         <p:txBody>
           <a:bodyPr/>
           <a:lstStyle>
-            <a:lvl1pPr marL="0" indent="0">
+            <a:lvl1pPr marL="0" indent="0" algn="l">
               <a:buNone/>
               <a:defRPr sz="1600"/>
             </a:lvl1pPr>
@@ -2355,13 +2395,7 @@
       </p:sp>
       <p:sp>
         <p:nvSpPr>
-          <p:cNvPr id="5" name="Date Placeholder 4">
-            <a:extLst>
-              <a:ext uri="{FF2B5EF4-FFF2-40B4-BE49-F238E27FC236}">
-                <a16:creationId xmlns:a16="http://schemas.microsoft.com/office/drawing/2014/main" id="{B8203628-708B-B554-8598-5D65DA1799DC}"/>
-              </a:ext>
-            </a:extLst>
-          </p:cNvPr>
+          <p:cNvPr id="5" name="Date Placeholder 4"/>
           <p:cNvSpPr>
             <a:spLocks noGrp="1"/>
           </p:cNvSpPr>
@@ -2376,7 +2410,7 @@
           <a:p>
             <a:fld id="{EDD6D029-C5C2-4A54-AFF0-13E169563693}" type="datetimeFigureOut">
               <a:rPr lang="en-US" smtClean="0"/>
-              <a:t>8/17/2025</a:t>
+              <a:t>8/18/2025</a:t>
             </a:fld>
             <a:endParaRPr lang="en-US"/>
           </a:p>
@@ -2384,13 +2418,7 @@
       </p:sp>
       <p:sp>
         <p:nvSpPr>
-          <p:cNvPr id="6" name="Footer Placeholder 5">
-            <a:extLst>
-              <a:ext uri="{FF2B5EF4-FFF2-40B4-BE49-F238E27FC236}">
-                <a16:creationId xmlns:a16="http://schemas.microsoft.com/office/drawing/2014/main" id="{663E2461-333D-2A2B-D6DA-A7B7B9F1E60C}"/>
-              </a:ext>
-            </a:extLst>
-          </p:cNvPr>
+          <p:cNvPr id="6" name="Footer Placeholder 5"/>
           <p:cNvSpPr>
             <a:spLocks noGrp="1"/>
           </p:cNvSpPr>
@@ -2409,13 +2437,7 @@
       </p:sp>
       <p:sp>
         <p:nvSpPr>
-          <p:cNvPr id="7" name="Slide Number Placeholder 6">
-            <a:extLst>
-              <a:ext uri="{FF2B5EF4-FFF2-40B4-BE49-F238E27FC236}">
-                <a16:creationId xmlns:a16="http://schemas.microsoft.com/office/drawing/2014/main" id="{2FFC020D-6A48-4952-26A8-993787546965}"/>
-              </a:ext>
-            </a:extLst>
-          </p:cNvPr>
+          <p:cNvPr id="7" name="Slide Number Placeholder 6"/>
           <p:cNvSpPr>
             <a:spLocks noGrp="1"/>
           </p:cNvSpPr>
@@ -2436,10 +2458,41 @@
           </a:p>
         </p:txBody>
       </p:sp>
+      <p:cxnSp>
+        <p:nvCxnSpPr>
+          <p:cNvPr id="17" name="Straight Connector 16"/>
+          <p:cNvCxnSpPr/>
+          <p:nvPr/>
+        </p:nvCxnSpPr>
+        <p:spPr>
+          <a:xfrm>
+            <a:off x="1448280" y="3205491"/>
+            <a:ext cx="3269490" cy="0"/>
+          </a:xfrm>
+          <a:prstGeom prst="line">
+            <a:avLst/>
+          </a:prstGeom>
+          <a:ln w="31750"/>
+        </p:spPr>
+        <p:style>
+          <a:lnRef idx="3">
+            <a:schemeClr val="accent1"/>
+          </a:lnRef>
+          <a:fillRef idx="0">
+            <a:schemeClr val="accent1"/>
+          </a:fillRef>
+          <a:effectRef idx="2">
+            <a:schemeClr val="accent1"/>
+          </a:effectRef>
+          <a:fontRef idx="minor">
+            <a:schemeClr val="tx1"/>
+          </a:fontRef>
+        </p:style>
+      </p:cxnSp>
     </p:spTree>
     <p:extLst>
       <p:ext uri="{BB962C8B-B14F-4D97-AF65-F5344CB8AC3E}">
-        <p14:creationId xmlns:p14="http://schemas.microsoft.com/office/powerpoint/2010/main" val="2383351639"/>
+        <p14:creationId xmlns:p14="http://schemas.microsoft.com/office/powerpoint/2010/main" val="3590736601"/>
       </p:ext>
     </p:extLst>
   </p:cSld>
@@ -2466,15 +2519,143 @@
           <a:chExt cx="0" cy="0"/>
         </a:xfrm>
       </p:grpSpPr>
-      <p:sp>
-        <p:nvSpPr>
-          <p:cNvPr id="2" name="Title 1">
-            <a:extLst>
-              <a:ext uri="{FF2B5EF4-FFF2-40B4-BE49-F238E27FC236}">
-                <a16:creationId xmlns:a16="http://schemas.microsoft.com/office/drawing/2014/main" id="{EAFAB8C7-3FA0-53CF-3C4A-F2A05546EECA}"/>
-              </a:ext>
-            </a:extLst>
-          </p:cNvPr>
+      <p:grpSp>
+        <p:nvGrpSpPr>
+          <p:cNvPr id="8" name="Group 7"/>
+          <p:cNvGrpSpPr/>
+          <p:nvPr/>
+        </p:nvGrpSpPr>
+        <p:grpSpPr>
+          <a:xfrm>
+            <a:off x="7477387" y="482170"/>
+            <a:ext cx="4074533" cy="5149101"/>
+            <a:chOff x="7477387" y="482170"/>
+            <a:chExt cx="4074533" cy="5149101"/>
+          </a:xfrm>
+        </p:grpSpPr>
+        <p:sp>
+          <p:nvSpPr>
+            <p:cNvPr id="18" name="Rectangle 17"/>
+            <p:cNvSpPr/>
+            <p:nvPr/>
+          </p:nvSpPr>
+          <p:spPr bwMode="black">
+            <a:xfrm>
+              <a:off x="7477387" y="482170"/>
+              <a:ext cx="4074533" cy="5149101"/>
+            </a:xfrm>
+            <a:prstGeom prst="rect">
+              <a:avLst/>
+            </a:prstGeom>
+            <a:gradFill>
+              <a:gsLst>
+                <a:gs pos="0">
+                  <a:srgbClr val="000001"/>
+                </a:gs>
+                <a:gs pos="100000">
+                  <a:srgbClr val="191919"/>
+                </a:gs>
+              </a:gsLst>
+            </a:gradFill>
+            <a:ln w="76200" cmpd="sng">
+              <a:noFill/>
+              <a:miter lim="800000"/>
+            </a:ln>
+            <a:effectLst>
+              <a:outerShdw blurRad="127000" dist="228600" dir="4740000" sx="98000" sy="98000" algn="tl" rotWithShape="0">
+                <a:srgbClr val="000000">
+                  <a:alpha val="34000"/>
+                </a:srgbClr>
+              </a:outerShdw>
+            </a:effectLst>
+            <a:scene3d>
+              <a:camera prst="orthographicFront"/>
+              <a:lightRig rig="threePt" dir="t"/>
+            </a:scene3d>
+            <a:sp3d>
+              <a:bevelT w="152400" h="50800" prst="softRound"/>
+            </a:sp3d>
+          </p:spPr>
+          <p:style>
+            <a:lnRef idx="1">
+              <a:schemeClr val="accent1"/>
+            </a:lnRef>
+            <a:fillRef idx="3">
+              <a:schemeClr val="accent1"/>
+            </a:fillRef>
+            <a:effectRef idx="2">
+              <a:schemeClr val="accent1"/>
+            </a:effectRef>
+            <a:fontRef idx="minor">
+              <a:schemeClr val="lt1"/>
+            </a:fontRef>
+          </p:style>
+        </p:sp>
+        <p:sp>
+          <p:nvSpPr>
+            <p:cNvPr id="19" name="Rectangle 18"/>
+            <p:cNvSpPr/>
+            <p:nvPr/>
+          </p:nvSpPr>
+          <p:spPr bwMode="blackWhite">
+            <a:xfrm>
+              <a:off x="7790446" y="812506"/>
+              <a:ext cx="3450289" cy="4466452"/>
+            </a:xfrm>
+            <a:prstGeom prst="rect">
+              <a:avLst/>
+            </a:prstGeom>
+            <a:gradFill>
+              <a:gsLst>
+                <a:gs pos="0">
+                  <a:srgbClr val="DADADA"/>
+                </a:gs>
+                <a:gs pos="100000">
+                  <a:srgbClr val="FFFFFE"/>
+                </a:gs>
+              </a:gsLst>
+              <a:lin ang="16200000" scaled="0"/>
+            </a:gradFill>
+            <a:ln w="50800" cmpd="sng">
+              <a:solidFill>
+                <a:srgbClr val="191919"/>
+              </a:solidFill>
+              <a:miter lim="800000"/>
+            </a:ln>
+            <a:effectLst>
+              <a:innerShdw blurRad="63500" dist="88900" dir="14100000">
+                <a:srgbClr val="000000">
+                  <a:alpha val="30000"/>
+                </a:srgbClr>
+              </a:innerShdw>
+            </a:effectLst>
+            <a:scene3d>
+              <a:camera prst="orthographicFront"/>
+              <a:lightRig rig="threePt" dir="t"/>
+            </a:scene3d>
+            <a:sp3d>
+              <a:bevelT prst="relaxedInset"/>
+            </a:sp3d>
+          </p:spPr>
+          <p:style>
+            <a:lnRef idx="1">
+              <a:schemeClr val="accent1"/>
+            </a:lnRef>
+            <a:fillRef idx="3">
+              <a:schemeClr val="accent1"/>
+            </a:fillRef>
+            <a:effectRef idx="2">
+              <a:schemeClr val="accent1"/>
+            </a:effectRef>
+            <a:fontRef idx="minor">
+              <a:schemeClr val="lt1"/>
+            </a:fontRef>
+          </p:style>
+        </p:sp>
+      </p:grpSp>
+      <p:sp>
+        <p:nvSpPr>
+          <p:cNvPr id="2" name="Title 1"/>
           <p:cNvSpPr>
             <a:spLocks noGrp="1"/>
           </p:cNvSpPr>
@@ -2484,12 +2665,14 @@
         </p:nvSpPr>
         <p:spPr>
           <a:xfrm>
-            <a:off x="839788" y="457200"/>
-            <a:ext cx="3932237" cy="1600200"/>
+            <a:off x="1451206" y="1129513"/>
+            <a:ext cx="5532328" cy="1830584"/>
           </a:xfrm>
         </p:spPr>
         <p:txBody>
-          <a:bodyPr anchor="b"/>
+          <a:bodyPr anchor="b">
+            <a:normAutofit/>
+          </a:bodyPr>
           <a:lstStyle>
             <a:lvl1pPr>
               <a:defRPr sz="3200"/>
@@ -2500,20 +2683,15 @@
               <a:rPr lang="en-US"/>
               <a:t>Click to edit Master title style</a:t>
             </a:r>
-          </a:p>
-        </p:txBody>
-      </p:sp>
-      <p:sp>
-        <p:nvSpPr>
-          <p:cNvPr id="3" name="Picture Placeholder 2">
-            <a:extLst>
-              <a:ext uri="{FF2B5EF4-FFF2-40B4-BE49-F238E27FC236}">
-                <a16:creationId xmlns:a16="http://schemas.microsoft.com/office/drawing/2014/main" id="{891BCF34-6202-303C-1864-4FCC99A0FF16}"/>
-              </a:ext>
-            </a:extLst>
-          </p:cNvPr>
-          <p:cNvSpPr>
-            <a:spLocks noGrp="1"/>
+            <a:endParaRPr lang="en-US" dirty="0"/>
+          </a:p>
+        </p:txBody>
+      </p:sp>
+      <p:sp>
+        <p:nvSpPr>
+          <p:cNvPr id="3" name="Picture Placeholder 2"/>
+          <p:cNvSpPr>
+            <a:spLocks noGrp="1" noChangeAspect="1"/>
           </p:cNvSpPr>
           <p:nvPr>
             <p:ph type="pic" idx="1"/>
@@ -2521,14 +2699,24 @@
         </p:nvSpPr>
         <p:spPr>
           <a:xfrm>
-            <a:off x="5183188" y="987425"/>
-            <a:ext cx="6172200" cy="4873625"/>
+            <a:off x="8124389" y="1122542"/>
+            <a:ext cx="2791171" cy="3866327"/>
           </a:xfrm>
+          <a:solidFill>
+            <a:schemeClr val="bg1">
+              <a:lumMod val="85000"/>
+            </a:schemeClr>
+          </a:solidFill>
+          <a:ln w="9525" cap="sq">
+            <a:noFill/>
+            <a:miter lim="800000"/>
+          </a:ln>
+          <a:effectLst/>
         </p:spPr>
         <p:txBody>
-          <a:bodyPr/>
+          <a:bodyPr anchor="t"/>
           <a:lstStyle>
-            <a:lvl1pPr marL="0" indent="0">
+            <a:lvl1pPr marL="0" indent="0" algn="ctr">
               <a:buNone/>
               <a:defRPr sz="3200"/>
             </a:lvl1pPr>
@@ -2566,19 +2754,17 @@
             </a:lvl9pPr>
           </a:lstStyle>
           <a:p>
-            <a:endParaRPr lang="en-US"/>
-          </a:p>
-        </p:txBody>
-      </p:sp>
-      <p:sp>
-        <p:nvSpPr>
-          <p:cNvPr id="4" name="Text Placeholder 3">
-            <a:extLst>
-              <a:ext uri="{FF2B5EF4-FFF2-40B4-BE49-F238E27FC236}">
-                <a16:creationId xmlns:a16="http://schemas.microsoft.com/office/drawing/2014/main" id="{2B2B00F4-940F-E341-A677-4BBB875A4813}"/>
-              </a:ext>
-            </a:extLst>
-          </p:cNvPr>
+            <a:r>
+              <a:rPr lang="en-US"/>
+              <a:t>Click icon to add picture</a:t>
+            </a:r>
+            <a:endParaRPr lang="en-US" dirty="0"/>
+          </a:p>
+        </p:txBody>
+      </p:sp>
+      <p:sp>
+        <p:nvSpPr>
+          <p:cNvPr id="4" name="Text Placeholder 3"/>
           <p:cNvSpPr>
             <a:spLocks noGrp="1"/>
           </p:cNvSpPr>
@@ -2588,16 +2774,18 @@
         </p:nvSpPr>
         <p:spPr>
           <a:xfrm>
-            <a:off x="839788" y="2057400"/>
-            <a:ext cx="3932237" cy="3811588"/>
+            <a:off x="1450329" y="3145992"/>
+            <a:ext cx="5524404" cy="2003742"/>
           </a:xfrm>
         </p:spPr>
         <p:txBody>
-          <a:bodyPr/>
+          <a:bodyPr>
+            <a:normAutofit/>
+          </a:bodyPr>
           <a:lstStyle>
-            <a:lvl1pPr marL="0" indent="0">
+            <a:lvl1pPr marL="0" indent="0" algn="l">
               <a:buNone/>
-              <a:defRPr sz="1600"/>
+              <a:defRPr sz="1800"/>
             </a:lvl1pPr>
             <a:lvl2pPr marL="457200" indent="0">
               <a:buNone/>
@@ -2643,13 +2831,7 @@
       </p:sp>
       <p:sp>
         <p:nvSpPr>
-          <p:cNvPr id="5" name="Date Placeholder 4">
-            <a:extLst>
-              <a:ext uri="{FF2B5EF4-FFF2-40B4-BE49-F238E27FC236}">
-                <a16:creationId xmlns:a16="http://schemas.microsoft.com/office/drawing/2014/main" id="{4C4E7F14-6818-0567-5EB0-DAEB98608B90}"/>
-              </a:ext>
-            </a:extLst>
-          </p:cNvPr>
+          <p:cNvPr id="5" name="Date Placeholder 4"/>
           <p:cNvSpPr>
             <a:spLocks noGrp="1"/>
           </p:cNvSpPr>
@@ -2657,14 +2839,23 @@
             <p:ph type="dt" sz="half" idx="10"/>
           </p:nvPr>
         </p:nvSpPr>
-        <p:spPr/>
-        <p:txBody>
-          <a:bodyPr/>
-          <a:lstStyle/>
+        <p:spPr>
+          <a:xfrm>
+            <a:off x="1447382" y="5469856"/>
+            <a:ext cx="5527351" cy="320123"/>
+          </a:xfrm>
+        </p:spPr>
+        <p:txBody>
+          <a:bodyPr/>
+          <a:lstStyle>
+            <a:lvl1pPr algn="l">
+              <a:defRPr/>
+            </a:lvl1pPr>
+          </a:lstStyle>
           <a:p>
             <a:fld id="{EDD6D029-C5C2-4A54-AFF0-13E169563693}" type="datetimeFigureOut">
               <a:rPr lang="en-US" smtClean="0"/>
-              <a:t>8/17/2025</a:t>
+              <a:t>8/18/2025</a:t>
             </a:fld>
             <a:endParaRPr lang="en-US"/>
           </a:p>
@@ -2672,13 +2863,7 @@
       </p:sp>
       <p:sp>
         <p:nvSpPr>
-          <p:cNvPr id="6" name="Footer Placeholder 5">
-            <a:extLst>
-              <a:ext uri="{FF2B5EF4-FFF2-40B4-BE49-F238E27FC236}">
-                <a16:creationId xmlns:a16="http://schemas.microsoft.com/office/drawing/2014/main" id="{E9A99A66-6787-8806-D4B5-1479EDE9CEF1}"/>
-              </a:ext>
-            </a:extLst>
-          </p:cNvPr>
+          <p:cNvPr id="6" name="Footer Placeholder 5"/>
           <p:cNvSpPr>
             <a:spLocks noGrp="1"/>
           </p:cNvSpPr>
@@ -2686,7 +2871,12 @@
             <p:ph type="ftr" sz="quarter" idx="11"/>
           </p:nvPr>
         </p:nvSpPr>
-        <p:spPr/>
+        <p:spPr>
+          <a:xfrm>
+            <a:off x="1447382" y="318640"/>
+            <a:ext cx="5541004" cy="320931"/>
+          </a:xfrm>
+        </p:spPr>
         <p:txBody>
           <a:bodyPr/>
           <a:lstStyle/>
@@ -2697,13 +2887,7 @@
       </p:sp>
       <p:sp>
         <p:nvSpPr>
-          <p:cNvPr id="7" name="Slide Number Placeholder 6">
-            <a:extLst>
-              <a:ext uri="{FF2B5EF4-FFF2-40B4-BE49-F238E27FC236}">
-                <a16:creationId xmlns:a16="http://schemas.microsoft.com/office/drawing/2014/main" id="{7AB5769B-4E3E-2939-56F0-0E69AEE5F247}"/>
-              </a:ext>
-            </a:extLst>
-          </p:cNvPr>
+          <p:cNvPr id="7" name="Slide Number Placeholder 6"/>
           <p:cNvSpPr>
             <a:spLocks noGrp="1"/>
           </p:cNvSpPr>
@@ -2724,10 +2908,41 @@
           </a:p>
         </p:txBody>
       </p:sp>
+      <p:cxnSp>
+        <p:nvCxnSpPr>
+          <p:cNvPr id="31" name="Straight Connector 30"/>
+          <p:cNvCxnSpPr/>
+          <p:nvPr/>
+        </p:nvCxnSpPr>
+        <p:spPr>
+          <a:xfrm>
+            <a:off x="1447382" y="3143605"/>
+            <a:ext cx="5527351" cy="0"/>
+          </a:xfrm>
+          <a:prstGeom prst="line">
+            <a:avLst/>
+          </a:prstGeom>
+          <a:ln w="31750"/>
+        </p:spPr>
+        <p:style>
+          <a:lnRef idx="3">
+            <a:schemeClr val="accent1"/>
+          </a:lnRef>
+          <a:fillRef idx="0">
+            <a:schemeClr val="accent1"/>
+          </a:fillRef>
+          <a:effectRef idx="2">
+            <a:schemeClr val="accent1"/>
+          </a:effectRef>
+          <a:fontRef idx="minor">
+            <a:schemeClr val="tx1"/>
+          </a:fontRef>
+        </p:style>
+      </p:cxnSp>
     </p:spTree>
     <p:extLst>
       <p:ext uri="{BB962C8B-B14F-4D97-AF65-F5344CB8AC3E}">
-        <p14:creationId xmlns:p14="http://schemas.microsoft.com/office/powerpoint/2010/main" val="665380116"/>
+        <p14:creationId xmlns:p14="http://schemas.microsoft.com/office/powerpoint/2010/main" val="2415326950"/>
       </p:ext>
     </p:extLst>
   </p:cSld>
@@ -2741,8 +2956,8 @@
 <p:sldMaster xmlns:a="http://schemas.openxmlformats.org/drawingml/2006/main" xmlns:r="http://schemas.openxmlformats.org/officeDocument/2006/relationships" xmlns:p="http://schemas.openxmlformats.org/presentationml/2006/main">
   <p:cSld>
     <p:bg>
-      <p:bgRef idx="1001">
-        <a:schemeClr val="bg1"/>
+      <p:bgRef idx="1003">
+        <a:schemeClr val="bg2"/>
       </p:bgRef>
     </p:bg>
     <p:spTree>
@@ -2761,142 +2976,204 @@
       </p:grpSpPr>
       <p:sp>
         <p:nvSpPr>
-          <p:cNvPr id="2" name="Title Placeholder 1">
-            <a:extLst>
-              <a:ext uri="{FF2B5EF4-FFF2-40B4-BE49-F238E27FC236}">
-                <a16:creationId xmlns:a16="http://schemas.microsoft.com/office/drawing/2014/main" id="{21E1F004-5F4A-5509-6FD8-9370A1F30BA5}"/>
-              </a:ext>
-            </a:extLst>
-          </p:cNvPr>
-          <p:cNvSpPr>
-            <a:spLocks noGrp="1"/>
-          </p:cNvSpPr>
-          <p:nvPr>
-            <p:ph type="title"/>
-          </p:nvPr>
+          <p:cNvPr id="8" name="Rectangle 7"/>
+          <p:cNvSpPr/>
+          <p:nvPr/>
         </p:nvSpPr>
         <p:spPr>
           <a:xfrm>
-            <a:off x="838200" y="365125"/>
-            <a:ext cx="10515600" cy="1325563"/>
+            <a:off x="0" y="2019476"/>
+            <a:ext cx="12192000" cy="4105941"/>
+          </a:xfrm>
+          <a:prstGeom prst="rect">
+            <a:avLst/>
+          </a:prstGeom>
+          <a:gradFill flip="none" rotWithShape="1">
+            <a:gsLst>
+              <a:gs pos="0">
+                <a:schemeClr val="bg2">
+                  <a:alpha val="0"/>
+                </a:schemeClr>
+              </a:gs>
+              <a:gs pos="100000">
+                <a:schemeClr val="bg2"/>
+              </a:gs>
+            </a:gsLst>
+            <a:lin ang="5400000" scaled="0"/>
+            <a:tileRect/>
+          </a:gradFill>
+          <a:ln>
+            <a:noFill/>
+          </a:ln>
+        </p:spPr>
+        <p:style>
+          <a:lnRef idx="2">
+            <a:schemeClr val="accent1">
+              <a:shade val="50000"/>
+            </a:schemeClr>
+          </a:lnRef>
+          <a:fillRef idx="1">
+            <a:schemeClr val="accent1"/>
+          </a:fillRef>
+          <a:effectRef idx="0">
+            <a:schemeClr val="accent1"/>
+          </a:effectRef>
+          <a:fontRef idx="minor">
+            <a:schemeClr val="lt1"/>
+          </a:fontRef>
+        </p:style>
+      </p:sp>
+      <p:pic>
+        <p:nvPicPr>
+          <p:cNvPr id="7" name="Picture 6"/>
+          <p:cNvPicPr>
+            <a:picLocks noChangeAspect="1"/>
+          </p:cNvPicPr>
+          <p:nvPr/>
+        </p:nvPicPr>
+        <p:blipFill rotWithShape="1">
+          <a:blip r:embed="rId13">
+            <a:extLst>
+              <a:ext uri="{28A0092B-C50C-407E-A947-70E740481C1C}">
+                <a14:useLocalDpi xmlns:a14="http://schemas.microsoft.com/office/drawing/2010/main" val="0"/>
+              </a:ext>
+            </a:extLst>
+          </a:blip>
+          <a:srcRect t="1538" b="-1538"/>
+          <a:stretch/>
+        </p:blipFill>
+        <p:spPr bwMode="black">
+          <a:xfrm>
+            <a:off x="0" y="6126480"/>
+            <a:ext cx="12192000" cy="742950"/>
           </a:xfrm>
           <a:prstGeom prst="rect">
             <a:avLst/>
           </a:prstGeom>
         </p:spPr>
-        <p:txBody>
-          <a:bodyPr vert="horz" lIns="91440" tIns="45720" rIns="91440" bIns="45720" rtlCol="0" anchor="ctr">
-            <a:normAutofit/>
-          </a:bodyPr>
-          <a:lstStyle/>
-          <a:p>
-            <a:r>
-              <a:rPr lang="en-US"/>
-              <a:t>Click to edit Master title style</a:t>
-            </a:r>
-          </a:p>
-        </p:txBody>
-      </p:sp>
-      <p:sp>
-        <p:nvSpPr>
-          <p:cNvPr id="3" name="Text Placeholder 2">
-            <a:extLst>
-              <a:ext uri="{FF2B5EF4-FFF2-40B4-BE49-F238E27FC236}">
-                <a16:creationId xmlns:a16="http://schemas.microsoft.com/office/drawing/2014/main" id="{7A90A8BD-BAFB-8747-CF29-13EA7211D58D}"/>
-              </a:ext>
-            </a:extLst>
-          </p:cNvPr>
-          <p:cNvSpPr>
-            <a:spLocks noGrp="1"/>
-          </p:cNvSpPr>
-          <p:nvPr>
-            <p:ph type="body" idx="1"/>
+      </p:pic>
+      <p:sp>
+        <p:nvSpPr>
+          <p:cNvPr id="2" name="Title Placeholder 1"/>
+          <p:cNvSpPr>
+            <a:spLocks noGrp="1"/>
+          </p:cNvSpPr>
+          <p:nvPr>
+            <p:ph type="title"/>
           </p:nvPr>
         </p:nvSpPr>
         <p:spPr>
           <a:xfrm>
-            <a:off x="838200" y="1825625"/>
-            <a:ext cx="10515600" cy="4351338"/>
+            <a:off x="1451579" y="804519"/>
+            <a:ext cx="9603275" cy="1049235"/>
           </a:xfrm>
           <a:prstGeom prst="rect">
             <a:avLst/>
           </a:prstGeom>
         </p:spPr>
         <p:txBody>
-          <a:bodyPr vert="horz" lIns="91440" tIns="45720" rIns="91440" bIns="45720" rtlCol="0">
+          <a:bodyPr vert="horz" lIns="91440" tIns="45720" rIns="91440" bIns="45720" rtlCol="0" anchor="t">
             <a:normAutofit/>
           </a:bodyPr>
           <a:lstStyle/>
           <a:p>
-            <a:pPr lvl="0"/>
             <a:r>
               <a:rPr lang="en-US"/>
-              <a:t>Click to edit Master text styles</a:t>
-            </a:r>
-          </a:p>
-          <a:p>
-            <a:pPr lvl="1"/>
-            <a:r>
-              <a:rPr lang="en-US"/>
-              <a:t>Second level</a:t>
-            </a:r>
-          </a:p>
-          <a:p>
-            <a:pPr lvl="2"/>
-            <a:r>
-              <a:rPr lang="en-US"/>
-              <a:t>Third level</a:t>
-            </a:r>
-          </a:p>
-          <a:p>
-            <a:pPr lvl="3"/>
-            <a:r>
-              <a:rPr lang="en-US"/>
-              <a:t>Fourth level</a:t>
-            </a:r>
-          </a:p>
-          <a:p>
-            <a:pPr lvl="4"/>
-            <a:r>
-              <a:rPr lang="en-US"/>
-              <a:t>Fifth level</a:t>
-            </a:r>
-          </a:p>
-        </p:txBody>
-      </p:sp>
-      <p:sp>
-        <p:nvSpPr>
-          <p:cNvPr id="4" name="Date Placeholder 3">
-            <a:extLst>
-              <a:ext uri="{FF2B5EF4-FFF2-40B4-BE49-F238E27FC236}">
-                <a16:creationId xmlns:a16="http://schemas.microsoft.com/office/drawing/2014/main" id="{D54185A0-007D-90CD-BEB7-7F4AE0A9415F}"/>
-              </a:ext>
-            </a:extLst>
-          </p:cNvPr>
-          <p:cNvSpPr>
-            <a:spLocks noGrp="1"/>
-          </p:cNvSpPr>
-          <p:nvPr>
-            <p:ph type="dt" sz="half" idx="2"/>
+              <a:t>Click to edit Master title style</a:t>
+            </a:r>
+            <a:endParaRPr lang="en-US" dirty="0"/>
+          </a:p>
+        </p:txBody>
+      </p:sp>
+      <p:sp>
+        <p:nvSpPr>
+          <p:cNvPr id="3" name="Text Placeholder 2"/>
+          <p:cNvSpPr>
+            <a:spLocks noGrp="1"/>
+          </p:cNvSpPr>
+          <p:nvPr>
+            <p:ph type="body" idx="1"/>
           </p:nvPr>
         </p:nvSpPr>
         <p:spPr>
           <a:xfrm>
-            <a:off x="838200" y="6356350"/>
-            <a:ext cx="2743200" cy="365125"/>
+            <a:off x="1451579" y="2015732"/>
+            <a:ext cx="9603275" cy="3450613"/>
           </a:xfrm>
           <a:prstGeom prst="rect">
             <a:avLst/>
           </a:prstGeom>
         </p:spPr>
         <p:txBody>
+          <a:bodyPr vert="horz" lIns="91440" tIns="45720" rIns="91440" bIns="45720" rtlCol="0">
+            <a:normAutofit/>
+          </a:bodyPr>
+          <a:lstStyle/>
+          <a:p>
+            <a:pPr lvl="0"/>
+            <a:r>
+              <a:rPr lang="en-US"/>
+              <a:t>Click to edit Master text styles</a:t>
+            </a:r>
+          </a:p>
+          <a:p>
+            <a:pPr lvl="1"/>
+            <a:r>
+              <a:rPr lang="en-US"/>
+              <a:t>Second level</a:t>
+            </a:r>
+          </a:p>
+          <a:p>
+            <a:pPr lvl="2"/>
+            <a:r>
+              <a:rPr lang="en-US"/>
+              <a:t>Third level</a:t>
+            </a:r>
+          </a:p>
+          <a:p>
+            <a:pPr lvl="3"/>
+            <a:r>
+              <a:rPr lang="en-US"/>
+              <a:t>Fourth level</a:t>
+            </a:r>
+          </a:p>
+          <a:p>
+            <a:pPr lvl="4"/>
+            <a:r>
+              <a:rPr lang="en-US"/>
+              <a:t>Fifth level</a:t>
+            </a:r>
+            <a:endParaRPr lang="en-US" dirty="0"/>
+          </a:p>
+        </p:txBody>
+      </p:sp>
+      <p:sp>
+        <p:nvSpPr>
+          <p:cNvPr id="4" name="Date Placeholder 3"/>
+          <p:cNvSpPr>
+            <a:spLocks noGrp="1"/>
+          </p:cNvSpPr>
+          <p:nvPr>
+            <p:ph type="dt" sz="half" idx="2"/>
+          </p:nvPr>
+        </p:nvSpPr>
+        <p:spPr>
+          <a:xfrm>
+            <a:off x="7554138" y="330370"/>
+            <a:ext cx="3500715" cy="309201"/>
+          </a:xfrm>
+          <a:prstGeom prst="rect">
+            <a:avLst/>
+          </a:prstGeom>
+        </p:spPr>
+        <p:txBody>
           <a:bodyPr vert="horz" lIns="91440" tIns="45720" rIns="91440" bIns="45720" rtlCol="0" anchor="ctr"/>
           <a:lstStyle>
-            <a:lvl1pPr algn="l">
-              <a:defRPr sz="1200">
+            <a:lvl1pPr algn="r">
+              <a:defRPr sz="1000">
                 <a:solidFill>
                   <a:schemeClr val="tx1">
-                    <a:tint val="82000"/>
+                    <a:tint val="75000"/>
                   </a:schemeClr>
                 </a:solidFill>
               </a:defRPr>
@@ -2905,7 +3182,7 @@
           <a:p>
             <a:fld id="{EDD6D029-C5C2-4A54-AFF0-13E169563693}" type="datetimeFigureOut">
               <a:rPr lang="en-US" smtClean="0"/>
-              <a:t>8/17/2025</a:t>
+              <a:t>8/18/2025</a:t>
             </a:fld>
             <a:endParaRPr lang="en-US"/>
           </a:p>
@@ -2913,13 +3190,7 @@
       </p:sp>
       <p:sp>
         <p:nvSpPr>
-          <p:cNvPr id="5" name="Footer Placeholder 4">
-            <a:extLst>
-              <a:ext uri="{FF2B5EF4-FFF2-40B4-BE49-F238E27FC236}">
-                <a16:creationId xmlns:a16="http://schemas.microsoft.com/office/drawing/2014/main" id="{7F8B7DA2-6C82-2F47-6D7F-AA04AD36C527}"/>
-              </a:ext>
-            </a:extLst>
-          </p:cNvPr>
+          <p:cNvPr id="5" name="Footer Placeholder 4"/>
           <p:cNvSpPr>
             <a:spLocks noGrp="1"/>
           </p:cNvSpPr>
@@ -2929,8 +3200,8 @@
         </p:nvSpPr>
         <p:spPr>
           <a:xfrm>
-            <a:off x="4038600" y="6356350"/>
-            <a:ext cx="4114800" cy="365125"/>
+            <a:off x="1451579" y="329307"/>
+            <a:ext cx="5938836" cy="309201"/>
           </a:xfrm>
           <a:prstGeom prst="rect">
             <a:avLst/>
@@ -2939,11 +3210,11 @@
         <p:txBody>
           <a:bodyPr vert="horz" lIns="91440" tIns="45720" rIns="91440" bIns="45720" rtlCol="0" anchor="ctr"/>
           <a:lstStyle>
-            <a:lvl1pPr algn="ctr">
-              <a:defRPr sz="1200">
+            <a:lvl1pPr algn="l">
+              <a:defRPr sz="1000">
                 <a:solidFill>
                   <a:schemeClr val="tx1">
-                    <a:tint val="82000"/>
+                    <a:tint val="75000"/>
                   </a:schemeClr>
                 </a:solidFill>
               </a:defRPr>
@@ -2956,13 +3227,7 @@
       </p:sp>
       <p:sp>
         <p:nvSpPr>
-          <p:cNvPr id="6" name="Slide Number Placeholder 5">
-            <a:extLst>
-              <a:ext uri="{FF2B5EF4-FFF2-40B4-BE49-F238E27FC236}">
-                <a16:creationId xmlns:a16="http://schemas.microsoft.com/office/drawing/2014/main" id="{7DBFF31C-472C-267F-543B-651FA0D6230B}"/>
-              </a:ext>
-            </a:extLst>
-          </p:cNvPr>
+          <p:cNvPr id="6" name="Slide Number Placeholder 5"/>
           <p:cNvSpPr>
             <a:spLocks noGrp="1"/>
           </p:cNvSpPr>
@@ -2972,22 +3237,20 @@
         </p:nvSpPr>
         <p:spPr>
           <a:xfrm>
-            <a:off x="8610600" y="6356350"/>
-            <a:ext cx="2743200" cy="365125"/>
+            <a:off x="480060" y="798973"/>
+            <a:ext cx="811019" cy="503578"/>
           </a:xfrm>
           <a:prstGeom prst="rect">
             <a:avLst/>
           </a:prstGeom>
         </p:spPr>
         <p:txBody>
-          <a:bodyPr vert="horz" lIns="91440" tIns="45720" rIns="91440" bIns="45720" rtlCol="0" anchor="ctr"/>
+          <a:bodyPr vert="horz" lIns="91440" tIns="45720" rIns="91440" bIns="45720" rtlCol="0" anchor="t"/>
           <a:lstStyle>
             <a:lvl1pPr algn="r">
-              <a:defRPr sz="1200">
+              <a:defRPr sz="2800">
                 <a:solidFill>
-                  <a:schemeClr val="tx1">
-                    <a:tint val="82000"/>
-                  </a:schemeClr>
+                  <a:schemeClr val="accent1"/>
                 </a:solidFill>
               </a:defRPr>
             </a:lvl1pPr>
@@ -3001,26 +3264,63 @@
           </a:p>
         </p:txBody>
       </p:sp>
+      <p:cxnSp>
+        <p:nvCxnSpPr>
+          <p:cNvPr id="10" name="Straight Connector 9"/>
+          <p:cNvCxnSpPr/>
+          <p:nvPr/>
+        </p:nvCxnSpPr>
+        <p:spPr>
+          <a:xfrm>
+            <a:off x="0" y="6128413"/>
+            <a:ext cx="12192000" cy="0"/>
+          </a:xfrm>
+          <a:prstGeom prst="line">
+            <a:avLst/>
+          </a:prstGeom>
+          <a:ln w="12700">
+            <a:solidFill>
+              <a:srgbClr val="000001">
+                <a:alpha val="20000"/>
+              </a:srgbClr>
+            </a:solidFill>
+          </a:ln>
+        </p:spPr>
+        <p:style>
+          <a:lnRef idx="1">
+            <a:schemeClr val="accent1"/>
+          </a:lnRef>
+          <a:fillRef idx="0">
+            <a:schemeClr val="accent1"/>
+          </a:fillRef>
+          <a:effectRef idx="0">
+            <a:schemeClr val="accent1"/>
+          </a:effectRef>
+          <a:fontRef idx="minor">
+            <a:schemeClr val="tx1"/>
+          </a:fontRef>
+        </p:style>
+      </p:cxnSp>
     </p:spTree>
     <p:extLst>
       <p:ext uri="{BB962C8B-B14F-4D97-AF65-F5344CB8AC3E}">
-        <p14:creationId xmlns:p14="http://schemas.microsoft.com/office/powerpoint/2010/main" val="356705944"/>
+        <p14:creationId xmlns:p14="http://schemas.microsoft.com/office/powerpoint/2010/main" val="2938459273"/>
       </p:ext>
     </p:extLst>
   </p:cSld>
   <p:clrMap bg1="lt1" tx1="dk1" bg2="lt2" tx2="dk2" accent1="accent1" accent2="accent2" accent3="accent3" accent4="accent4" accent5="accent5" accent6="accent6" hlink="hlink" folHlink="folHlink"/>
   <p:sldLayoutIdLst>
-    <p:sldLayoutId id="2147483649" r:id="rId1"/>
-    <p:sldLayoutId id="2147483650" r:id="rId2"/>
-    <p:sldLayoutId id="2147483651" r:id="rId3"/>
-    <p:sldLayoutId id="2147483652" r:id="rId4"/>
-    <p:sldLayoutId id="2147483653" r:id="rId5"/>
-    <p:sldLayoutId id="2147483654" r:id="rId6"/>
-    <p:sldLayoutId id="2147483655" r:id="rId7"/>
-    <p:sldLayoutId id="2147483656" r:id="rId8"/>
-    <p:sldLayoutId id="2147483657" r:id="rId9"/>
-    <p:sldLayoutId id="2147483658" r:id="rId10"/>
-    <p:sldLayoutId id="2147483659" r:id="rId11"/>
+    <p:sldLayoutId id="2147483661" r:id="rId1"/>
+    <p:sldLayoutId id="2147483662" r:id="rId2"/>
+    <p:sldLayoutId id="2147483663" r:id="rId3"/>
+    <p:sldLayoutId id="2147483664" r:id="rId4"/>
+    <p:sldLayoutId id="2147483665" r:id="rId5"/>
+    <p:sldLayoutId id="2147483666" r:id="rId6"/>
+    <p:sldLayoutId id="2147483667" r:id="rId7"/>
+    <p:sldLayoutId id="2147483668" r:id="rId8"/>
+    <p:sldLayoutId id="2147483669" r:id="rId9"/>
+    <p:sldLayoutId id="2147483670" r:id="rId10"/>
+    <p:sldLayoutId id="2147483671" r:id="rId11"/>
   </p:sldLayoutIdLst>
   <p:txStyles>
     <p:titleStyle>
@@ -3032,10 +3332,11 @@
           <a:spcPct val="0"/>
         </a:spcBef>
         <a:buNone/>
-        <a:defRPr sz="4400" kern="1200">
+        <a:defRPr sz="3200" b="0" i="0" kern="1200" cap="all">
           <a:solidFill>
             <a:schemeClr val="tx1"/>
           </a:solidFill>
+          <a:effectLst/>
           <a:latin typeface="+mj-lt"/>
           <a:ea typeface="+mj-ea"/>
           <a:cs typeface="+mj-cs"/>
@@ -3045,17 +3346,22 @@
     <p:bodyStyle>
       <a:lvl1pPr marL="228600" indent="-228600" algn="l" defTabSz="914400" rtl="0" eaLnBrk="1" latinLnBrk="0" hangingPunct="1">
         <a:lnSpc>
-          <a:spcPct val="90000"/>
+          <a:spcPct val="120000"/>
         </a:lnSpc>
         <a:spcBef>
           <a:spcPts val="1000"/>
         </a:spcBef>
+        <a:buClr>
+          <a:schemeClr val="accent1"/>
+        </a:buClr>
+        <a:buSzPct val="100000"/>
         <a:buFont typeface="Arial" panose="020B0604020202020204" pitchFamily="34" charset="0"/>
         <a:buChar char="•"/>
-        <a:defRPr sz="2800" kern="1200">
+        <a:defRPr sz="2000" kern="1200">
           <a:solidFill>
             <a:schemeClr val="tx1"/>
           </a:solidFill>
+          <a:effectLst/>
           <a:latin typeface="+mn-lt"/>
           <a:ea typeface="+mn-ea"/>
           <a:cs typeface="+mn-cs"/>
@@ -3063,17 +3369,22 @@
       </a:lvl1pPr>
       <a:lvl2pPr marL="685800" indent="-228600" algn="l" defTabSz="914400" rtl="0" eaLnBrk="1" latinLnBrk="0" hangingPunct="1">
         <a:lnSpc>
-          <a:spcPct val="90000"/>
+          <a:spcPct val="120000"/>
         </a:lnSpc>
         <a:spcBef>
           <a:spcPts val="500"/>
         </a:spcBef>
+        <a:buClr>
+          <a:schemeClr val="accent1"/>
+        </a:buClr>
+        <a:buSzPct val="100000"/>
         <a:buFont typeface="Arial" panose="020B0604020202020204" pitchFamily="34" charset="0"/>
         <a:buChar char="•"/>
-        <a:defRPr sz="2400" kern="1200">
+        <a:defRPr sz="1800" kern="1200" cap="none" baseline="0">
           <a:solidFill>
             <a:schemeClr val="tx1"/>
           </a:solidFill>
+          <a:effectLst/>
           <a:latin typeface="+mn-lt"/>
           <a:ea typeface="+mn-ea"/>
           <a:cs typeface="+mn-cs"/>
@@ -3081,17 +3392,22 @@
       </a:lvl2pPr>
       <a:lvl3pPr marL="1143000" indent="-228600" algn="l" defTabSz="914400" rtl="0" eaLnBrk="1" latinLnBrk="0" hangingPunct="1">
         <a:lnSpc>
-          <a:spcPct val="90000"/>
+          <a:spcPct val="120000"/>
         </a:lnSpc>
         <a:spcBef>
           <a:spcPts val="500"/>
         </a:spcBef>
+        <a:buClr>
+          <a:schemeClr val="accent1"/>
+        </a:buClr>
+        <a:buSzPct val="100000"/>
         <a:buFont typeface="Arial" panose="020B0604020202020204" pitchFamily="34" charset="0"/>
         <a:buChar char="•"/>
-        <a:defRPr sz="2000" kern="1200">
+        <a:defRPr sz="1600" kern="1200">
           <a:solidFill>
             <a:schemeClr val="tx1"/>
           </a:solidFill>
+          <a:effectLst/>
           <a:latin typeface="+mn-lt"/>
           <a:ea typeface="+mn-ea"/>
           <a:cs typeface="+mn-cs"/>
@@ -3099,17 +3415,22 @@
       </a:lvl3pPr>
       <a:lvl4pPr marL="1600200" indent="-228600" algn="l" defTabSz="914400" rtl="0" eaLnBrk="1" latinLnBrk="0" hangingPunct="1">
         <a:lnSpc>
-          <a:spcPct val="90000"/>
+          <a:spcPct val="120000"/>
         </a:lnSpc>
         <a:spcBef>
           <a:spcPts val="500"/>
         </a:spcBef>
+        <a:buClr>
+          <a:schemeClr val="accent1"/>
+        </a:buClr>
+        <a:buSzPct val="100000"/>
         <a:buFont typeface="Arial" panose="020B0604020202020204" pitchFamily="34" charset="0"/>
         <a:buChar char="•"/>
-        <a:defRPr sz="1800" kern="1200">
+        <a:defRPr sz="1400" kern="1200" cap="none" baseline="0">
           <a:solidFill>
             <a:schemeClr val="tx1"/>
           </a:solidFill>
+          <a:effectLst/>
           <a:latin typeface="+mn-lt"/>
           <a:ea typeface="+mn-ea"/>
           <a:cs typeface="+mn-cs"/>
@@ -3117,17 +3438,22 @@
       </a:lvl4pPr>
       <a:lvl5pPr marL="2057400" indent="-228600" algn="l" defTabSz="914400" rtl="0" eaLnBrk="1" latinLnBrk="0" hangingPunct="1">
         <a:lnSpc>
-          <a:spcPct val="90000"/>
+          <a:spcPct val="120000"/>
         </a:lnSpc>
         <a:spcBef>
           <a:spcPts val="500"/>
         </a:spcBef>
+        <a:buClr>
+          <a:schemeClr val="accent1"/>
+        </a:buClr>
+        <a:buSzPct val="100000"/>
         <a:buFont typeface="Arial" panose="020B0604020202020204" pitchFamily="34" charset="0"/>
         <a:buChar char="•"/>
-        <a:defRPr sz="1800" kern="1200">
+        <a:defRPr sz="1200" kern="1200">
           <a:solidFill>
             <a:schemeClr val="tx1"/>
           </a:solidFill>
+          <a:effectLst/>
           <a:latin typeface="+mn-lt"/>
           <a:ea typeface="+mn-ea"/>
           <a:cs typeface="+mn-cs"/>
@@ -3135,17 +3461,22 @@
       </a:lvl5pPr>
       <a:lvl6pPr marL="2514600" indent="-228600" algn="l" defTabSz="914400" rtl="0" eaLnBrk="1" latinLnBrk="0" hangingPunct="1">
         <a:lnSpc>
-          <a:spcPct val="90000"/>
+          <a:spcPct val="120000"/>
         </a:lnSpc>
         <a:spcBef>
           <a:spcPts val="500"/>
         </a:spcBef>
+        <a:buClr>
+          <a:schemeClr val="accent1"/>
+        </a:buClr>
+        <a:buSzPct val="100000"/>
         <a:buFont typeface="Arial" panose="020B0604020202020204" pitchFamily="34" charset="0"/>
         <a:buChar char="•"/>
-        <a:defRPr sz="1800" kern="1200">
+        <a:defRPr sz="1200" kern="1200">
           <a:solidFill>
             <a:schemeClr val="tx1"/>
           </a:solidFill>
+          <a:effectLst/>
           <a:latin typeface="+mn-lt"/>
           <a:ea typeface="+mn-ea"/>
           <a:cs typeface="+mn-cs"/>
@@ -3153,17 +3484,22 @@
       </a:lvl6pPr>
       <a:lvl7pPr marL="2971800" indent="-228600" algn="l" defTabSz="914400" rtl="0" eaLnBrk="1" latinLnBrk="0" hangingPunct="1">
         <a:lnSpc>
-          <a:spcPct val="90000"/>
+          <a:spcPct val="120000"/>
         </a:lnSpc>
         <a:spcBef>
           <a:spcPts val="500"/>
         </a:spcBef>
+        <a:buClr>
+          <a:schemeClr val="accent1"/>
+        </a:buClr>
+        <a:buSzPct val="100000"/>
         <a:buFont typeface="Arial" panose="020B0604020202020204" pitchFamily="34" charset="0"/>
         <a:buChar char="•"/>
-        <a:defRPr sz="1800" kern="1200">
+        <a:defRPr sz="1200" kern="1200">
           <a:solidFill>
             <a:schemeClr val="tx1"/>
           </a:solidFill>
+          <a:effectLst/>
           <a:latin typeface="+mn-lt"/>
           <a:ea typeface="+mn-ea"/>
           <a:cs typeface="+mn-cs"/>
@@ -3171,17 +3507,22 @@
       </a:lvl7pPr>
       <a:lvl8pPr marL="3429000" indent="-228600" algn="l" defTabSz="914400" rtl="0" eaLnBrk="1" latinLnBrk="0" hangingPunct="1">
         <a:lnSpc>
-          <a:spcPct val="90000"/>
+          <a:spcPct val="120000"/>
         </a:lnSpc>
         <a:spcBef>
           <a:spcPts val="500"/>
         </a:spcBef>
+        <a:buClr>
+          <a:schemeClr val="accent1"/>
+        </a:buClr>
+        <a:buSzPct val="100000"/>
         <a:buFont typeface="Arial" panose="020B0604020202020204" pitchFamily="34" charset="0"/>
         <a:buChar char="•"/>
-        <a:defRPr sz="1800" kern="1200">
+        <a:defRPr sz="1200" kern="1200" baseline="0">
           <a:solidFill>
             <a:schemeClr val="tx1"/>
           </a:solidFill>
+          <a:effectLst/>
           <a:latin typeface="+mn-lt"/>
           <a:ea typeface="+mn-ea"/>
           <a:cs typeface="+mn-cs"/>
@@ -3189,17 +3530,22 @@
       </a:lvl8pPr>
       <a:lvl9pPr marL="3886200" indent="-228600" algn="l" defTabSz="914400" rtl="0" eaLnBrk="1" latinLnBrk="0" hangingPunct="1">
         <a:lnSpc>
-          <a:spcPct val="90000"/>
+          <a:spcPct val="120000"/>
         </a:lnSpc>
         <a:spcBef>
           <a:spcPts val="500"/>
         </a:spcBef>
+        <a:buClr>
+          <a:schemeClr val="accent1"/>
+        </a:buClr>
+        <a:buSzPct val="100000"/>
         <a:buFont typeface="Arial" panose="020B0604020202020204" pitchFamily="34" charset="0"/>
         <a:buChar char="•"/>
-        <a:defRPr sz="1800" kern="1200">
+        <a:defRPr sz="1200" kern="1200" baseline="0">
           <a:solidFill>
             <a:schemeClr val="tx1"/>
           </a:solidFill>
+          <a:effectLst/>
           <a:latin typeface="+mn-lt"/>
           <a:ea typeface="+mn-ea"/>
           <a:cs typeface="+mn-cs"/>
@@ -3340,38 +3686,69 @@
         </p:nvSpPr>
         <p:spPr/>
         <p:txBody>
-          <a:bodyPr/>
-          <a:lstStyle/>
-          <a:p>
+          <a:bodyPr>
+            <a:normAutofit fontScale="90000"/>
+          </a:bodyPr>
+          <a:lstStyle/>
+          <a:p>
+            <a:r>
+              <a:rPr lang="en-US" dirty="0">
+                <a:latin typeface="Times New Roman" panose="02020603050405020304" pitchFamily="18" charset="0"/>
+                <a:cs typeface="Times New Roman" panose="02020603050405020304" pitchFamily="18" charset="0"/>
+              </a:rPr>
+              <a:t>EC4206</a:t>
+            </a:r>
+            <a:br>
+              <a:rPr lang="en-US" dirty="0">
+                <a:latin typeface="Times New Roman" panose="02020603050405020304" pitchFamily="18" charset="0"/>
+                <a:cs typeface="Times New Roman" panose="02020603050405020304" pitchFamily="18" charset="0"/>
+              </a:rPr>
+            </a:br>
+            <a:r>
+              <a:rPr lang="en-US" dirty="0">
+                <a:latin typeface="Times New Roman" panose="02020603050405020304" pitchFamily="18" charset="0"/>
+                <a:cs typeface="Times New Roman" panose="02020603050405020304" pitchFamily="18" charset="0"/>
+              </a:rPr>
+              <a:t>Software Testing &amp; Quality Assurance</a:t>
+            </a:r>
+          </a:p>
+        </p:txBody>
+      </p:sp>
+      <p:sp>
+        <p:nvSpPr>
+          <p:cNvPr id="3" name="Subtitle 2">
+            <a:extLst>
+              <a:ext uri="{FF2B5EF4-FFF2-40B4-BE49-F238E27FC236}">
+                <a16:creationId xmlns:a16="http://schemas.microsoft.com/office/drawing/2014/main" id="{F631E9E9-3BDB-2A8A-3732-D856DA2960A5}"/>
+              </a:ext>
+            </a:extLst>
+          </p:cNvPr>
+          <p:cNvSpPr>
+            <a:spLocks noGrp="1"/>
+          </p:cNvSpPr>
+          <p:nvPr>
+            <p:ph type="subTitle" idx="1"/>
+          </p:nvPr>
+        </p:nvSpPr>
+        <p:spPr/>
+        <p:txBody>
+          <a:bodyPr>
+            <a:normAutofit fontScale="92500" lnSpcReduction="20000"/>
+          </a:bodyPr>
+          <a:lstStyle/>
+          <a:p>
+            <a:r>
+              <a:rPr lang="en-US" b="1" dirty="0"/>
+              <a:t>Practical Assignment: Software Testing and Quality for MERN, Spring Boot, or .NET Applications</a:t>
+            </a:r>
             <a:r>
               <a:rPr lang="en-US" dirty="0"/>
-              <a:t>QA</a:t>
-            </a:r>
-          </a:p>
-        </p:txBody>
-      </p:sp>
-      <p:sp>
-        <p:nvSpPr>
-          <p:cNvPr id="3" name="Subtitle 2">
-            <a:extLst>
-              <a:ext uri="{FF2B5EF4-FFF2-40B4-BE49-F238E27FC236}">
-                <a16:creationId xmlns:a16="http://schemas.microsoft.com/office/drawing/2014/main" id="{F631E9E9-3BDB-2A8A-3732-D856DA2960A5}"/>
-              </a:ext>
-            </a:extLst>
-          </p:cNvPr>
-          <p:cNvSpPr>
-            <a:spLocks noGrp="1"/>
-          </p:cNvSpPr>
-          <p:nvPr>
-            <p:ph type="subTitle" idx="1"/>
-          </p:nvPr>
-        </p:nvSpPr>
-        <p:spPr/>
-        <p:txBody>
-          <a:bodyPr/>
-          <a:lstStyle/>
-          <a:p>
-            <a:endParaRPr lang="en-US"/>
+              <a:t> </a:t>
+            </a:r>
+            <a:br>
+              <a:rPr lang="en-US" dirty="0"/>
+            </a:br>
+            <a:endParaRPr lang="en-US" dirty="0"/>
           </a:p>
         </p:txBody>
       </p:sp>
@@ -3379,6 +3756,1326 @@
     <p:extLst>
       <p:ext uri="{BB962C8B-B14F-4D97-AF65-F5344CB8AC3E}">
         <p14:creationId xmlns:p14="http://schemas.microsoft.com/office/powerpoint/2010/main" val="2943657380"/>
+      </p:ext>
+    </p:extLst>
+  </p:cSld>
+  <p:clrMapOvr>
+    <a:masterClrMapping/>
+  </p:clrMapOvr>
+</p:sld>
+</file>
+
+<file path=ppt/slides/slide10.xml><?xml version="1.0" encoding="utf-8"?>
+<p:sld xmlns:a="http://schemas.openxmlformats.org/drawingml/2006/main" xmlns:r="http://schemas.openxmlformats.org/officeDocument/2006/relationships" xmlns:p="http://schemas.openxmlformats.org/presentationml/2006/main">
+  <p:cSld>
+    <p:spTree>
+      <p:nvGrpSpPr>
+        <p:cNvPr id="1" name="">
+          <a:extLst>
+            <a:ext uri="{FF2B5EF4-FFF2-40B4-BE49-F238E27FC236}">
+              <a16:creationId xmlns:a16="http://schemas.microsoft.com/office/drawing/2014/main" id="{7780C444-695F-F868-8BBF-953D74399518}"/>
+            </a:ext>
+          </a:extLst>
+        </p:cNvPr>
+        <p:cNvGrpSpPr/>
+        <p:nvPr/>
+      </p:nvGrpSpPr>
+      <p:grpSpPr>
+        <a:xfrm>
+          <a:off x="0" y="0"/>
+          <a:ext cx="0" cy="0"/>
+          <a:chOff x="0" y="0"/>
+          <a:chExt cx="0" cy="0"/>
+        </a:xfrm>
+      </p:grpSpPr>
+      <p:sp>
+        <p:nvSpPr>
+          <p:cNvPr id="2" name="Title 1">
+            <a:extLst>
+              <a:ext uri="{FF2B5EF4-FFF2-40B4-BE49-F238E27FC236}">
+                <a16:creationId xmlns:a16="http://schemas.microsoft.com/office/drawing/2014/main" id="{C1094C04-2BCE-58E4-0503-48322A33A1B2}"/>
+              </a:ext>
+            </a:extLst>
+          </p:cNvPr>
+          <p:cNvSpPr>
+            <a:spLocks noGrp="1"/>
+          </p:cNvSpPr>
+          <p:nvPr>
+            <p:ph type="title"/>
+          </p:nvPr>
+        </p:nvSpPr>
+        <p:spPr/>
+        <p:txBody>
+          <a:bodyPr>
+            <a:normAutofit/>
+          </a:bodyPr>
+          <a:lstStyle/>
+          <a:p>
+            <a:r>
+              <a:rPr lang="en-US" b="1" dirty="0">
+                <a:latin typeface="Times New Roman" panose="02020603050405020304" pitchFamily="18" charset="0"/>
+                <a:cs typeface="Times New Roman" panose="02020603050405020304" pitchFamily="18" charset="0"/>
+              </a:rPr>
+              <a:t>1. Test-Driven Development (TDD) &amp; Behavior-Driven Development (BDD)</a:t>
+            </a:r>
+            <a:r>
+              <a:rPr lang="en-US" dirty="0">
+                <a:latin typeface="Times New Roman" panose="02020603050405020304" pitchFamily="18" charset="0"/>
+                <a:cs typeface="Times New Roman" panose="02020603050405020304" pitchFamily="18" charset="0"/>
+              </a:rPr>
+              <a:t> </a:t>
+            </a:r>
+          </a:p>
+        </p:txBody>
+      </p:sp>
+      <p:sp>
+        <p:nvSpPr>
+          <p:cNvPr id="3" name="Content Placeholder 2">
+            <a:extLst>
+              <a:ext uri="{FF2B5EF4-FFF2-40B4-BE49-F238E27FC236}">
+                <a16:creationId xmlns:a16="http://schemas.microsoft.com/office/drawing/2014/main" id="{5DDA2E59-75A6-1A53-73BF-599DE65383AF}"/>
+              </a:ext>
+            </a:extLst>
+          </p:cNvPr>
+          <p:cNvSpPr>
+            <a:spLocks noGrp="1"/>
+          </p:cNvSpPr>
+          <p:nvPr>
+            <p:ph idx="1"/>
+          </p:nvPr>
+        </p:nvSpPr>
+        <p:spPr/>
+        <p:txBody>
+          <a:bodyPr/>
+          <a:lstStyle/>
+          <a:p>
+            <a:r>
+              <a:rPr lang="en-US" dirty="0"/>
+              <a:t>A) TDD</a:t>
+            </a:r>
+          </a:p>
+          <a:p>
+            <a:pPr lvl="1"/>
+            <a:r>
+              <a:rPr lang="en-US" dirty="0"/>
+              <a:t>Made a simple backend using </a:t>
+            </a:r>
+            <a:r>
+              <a:rPr lang="en-US" dirty="0" err="1"/>
+              <a:t>Sprinboot</a:t>
+            </a:r>
+            <a:r>
+              <a:rPr lang="en-US" dirty="0"/>
+              <a:t> with only Login/Signup APIs.</a:t>
+            </a:r>
+          </a:p>
+          <a:p>
+            <a:pPr lvl="1"/>
+            <a:r>
+              <a:rPr lang="en-US" dirty="0"/>
+              <a:t>Wrote above unit tests using Junit.</a:t>
+            </a:r>
+          </a:p>
+          <a:p>
+            <a:pPr lvl="1"/>
+            <a:r>
+              <a:rPr lang="en-US" dirty="0"/>
+              <a:t>Made an intentional bug to get </a:t>
+            </a:r>
+            <a:r>
+              <a:rPr lang="en-US" dirty="0">
+                <a:solidFill>
+                  <a:srgbClr val="FF0000"/>
+                </a:solidFill>
+              </a:rPr>
+              <a:t>RED</a:t>
+            </a:r>
+            <a:r>
+              <a:rPr lang="en-US" dirty="0"/>
+              <a:t>/ Failing test as above.</a:t>
+            </a:r>
+          </a:p>
+          <a:p>
+            <a:pPr lvl="1"/>
+            <a:r>
+              <a:rPr lang="en-US" dirty="0"/>
+              <a:t>Ran test and test cases failed as above.</a:t>
+            </a:r>
+          </a:p>
+          <a:p>
+            <a:pPr lvl="1"/>
+            <a:r>
+              <a:rPr lang="en-US" dirty="0"/>
+              <a:t>Commented </a:t>
+            </a:r>
+            <a:r>
+              <a:rPr lang="en-US" dirty="0" err="1"/>
+              <a:t>erro</a:t>
+            </a:r>
+            <a:r>
+              <a:rPr lang="en-US" dirty="0"/>
+              <a:t>-some code and added correct code (REFACTORED) as below.</a:t>
+            </a:r>
+          </a:p>
+          <a:p>
+            <a:pPr lvl="1"/>
+            <a:endParaRPr lang="en-US" dirty="0"/>
+          </a:p>
+        </p:txBody>
+      </p:sp>
+    </p:spTree>
+    <p:extLst>
+      <p:ext uri="{BB962C8B-B14F-4D97-AF65-F5344CB8AC3E}">
+        <p14:creationId xmlns:p14="http://schemas.microsoft.com/office/powerpoint/2010/main" val="1926286734"/>
+      </p:ext>
+    </p:extLst>
+  </p:cSld>
+  <p:clrMapOvr>
+    <a:masterClrMapping/>
+  </p:clrMapOvr>
+</p:sld>
+</file>
+
+<file path=ppt/slides/slide11.xml><?xml version="1.0" encoding="utf-8"?>
+<p:sld xmlns:a="http://schemas.openxmlformats.org/drawingml/2006/main" xmlns:r="http://schemas.openxmlformats.org/officeDocument/2006/relationships" xmlns:p="http://schemas.openxmlformats.org/presentationml/2006/main">
+  <p:cSld>
+    <p:spTree>
+      <p:nvGrpSpPr>
+        <p:cNvPr id="1" name=""/>
+        <p:cNvGrpSpPr/>
+        <p:nvPr/>
+      </p:nvGrpSpPr>
+      <p:grpSpPr>
+        <a:xfrm>
+          <a:off x="0" y="0"/>
+          <a:ext cx="0" cy="0"/>
+          <a:chOff x="0" y="0"/>
+          <a:chExt cx="0" cy="0"/>
+        </a:xfrm>
+      </p:grpSpPr>
+      <p:sp>
+        <p:nvSpPr>
+          <p:cNvPr id="2" name="Title 1">
+            <a:extLst>
+              <a:ext uri="{FF2B5EF4-FFF2-40B4-BE49-F238E27FC236}">
+                <a16:creationId xmlns:a16="http://schemas.microsoft.com/office/drawing/2014/main" id="{22EA1F30-73CE-843C-ED50-E8B89C4607C4}"/>
+              </a:ext>
+            </a:extLst>
+          </p:cNvPr>
+          <p:cNvSpPr>
+            <a:spLocks noGrp="1"/>
+          </p:cNvSpPr>
+          <p:nvPr>
+            <p:ph type="title"/>
+          </p:nvPr>
+        </p:nvSpPr>
+        <p:spPr/>
+        <p:txBody>
+          <a:bodyPr/>
+          <a:lstStyle/>
+          <a:p>
+            <a:endParaRPr lang="en-US"/>
+          </a:p>
+        </p:txBody>
+      </p:sp>
+      <p:sp>
+        <p:nvSpPr>
+          <p:cNvPr id="3" name="Content Placeholder 2">
+            <a:extLst>
+              <a:ext uri="{FF2B5EF4-FFF2-40B4-BE49-F238E27FC236}">
+                <a16:creationId xmlns:a16="http://schemas.microsoft.com/office/drawing/2014/main" id="{771F0090-0AC2-87EC-FD97-B136B6055ED5}"/>
+              </a:ext>
+            </a:extLst>
+          </p:cNvPr>
+          <p:cNvSpPr>
+            <a:spLocks noGrp="1"/>
+          </p:cNvSpPr>
+          <p:nvPr>
+            <p:ph idx="1"/>
+          </p:nvPr>
+        </p:nvSpPr>
+        <p:spPr/>
+        <p:txBody>
+          <a:bodyPr/>
+          <a:lstStyle/>
+          <a:p>
+            <a:endParaRPr lang="en-US"/>
+          </a:p>
+        </p:txBody>
+      </p:sp>
+      <p:pic>
+        <p:nvPicPr>
+          <p:cNvPr id="5" name="Picture 4">
+            <a:extLst>
+              <a:ext uri="{FF2B5EF4-FFF2-40B4-BE49-F238E27FC236}">
+                <a16:creationId xmlns:a16="http://schemas.microsoft.com/office/drawing/2014/main" id="{EA40E1F9-CE80-E640-9359-1C28B6FA869B}"/>
+              </a:ext>
+            </a:extLst>
+          </p:cNvPr>
+          <p:cNvPicPr>
+            <a:picLocks noChangeAspect="1"/>
+          </p:cNvPicPr>
+          <p:nvPr/>
+        </p:nvPicPr>
+        <p:blipFill>
+          <a:blip r:embed="rId2"/>
+          <a:stretch>
+            <a:fillRect/>
+          </a:stretch>
+        </p:blipFill>
+        <p:spPr>
+          <a:xfrm>
+            <a:off x="1517904" y="171815"/>
+            <a:ext cx="9153144" cy="6512202"/>
+          </a:xfrm>
+          <a:prstGeom prst="rect">
+            <a:avLst/>
+          </a:prstGeom>
+        </p:spPr>
+      </p:pic>
+    </p:spTree>
+    <p:extLst>
+      <p:ext uri="{BB962C8B-B14F-4D97-AF65-F5344CB8AC3E}">
+        <p14:creationId xmlns:p14="http://schemas.microsoft.com/office/powerpoint/2010/main" val="622137508"/>
+      </p:ext>
+    </p:extLst>
+  </p:cSld>
+  <p:clrMapOvr>
+    <a:masterClrMapping/>
+  </p:clrMapOvr>
+</p:sld>
+</file>
+
+<file path=ppt/slides/slide12.xml><?xml version="1.0" encoding="utf-8"?>
+<p:sld xmlns:a="http://schemas.openxmlformats.org/drawingml/2006/main" xmlns:r="http://schemas.openxmlformats.org/officeDocument/2006/relationships" xmlns:p="http://schemas.openxmlformats.org/presentationml/2006/main">
+  <p:cSld>
+    <p:spTree>
+      <p:nvGrpSpPr>
+        <p:cNvPr id="1" name="">
+          <a:extLst>
+            <a:ext uri="{FF2B5EF4-FFF2-40B4-BE49-F238E27FC236}">
+              <a16:creationId xmlns:a16="http://schemas.microsoft.com/office/drawing/2014/main" id="{E60D5F66-47A7-496B-5A6D-49BA4FA4ABF9}"/>
+            </a:ext>
+          </a:extLst>
+        </p:cNvPr>
+        <p:cNvGrpSpPr/>
+        <p:nvPr/>
+      </p:nvGrpSpPr>
+      <p:grpSpPr>
+        <a:xfrm>
+          <a:off x="0" y="0"/>
+          <a:ext cx="0" cy="0"/>
+          <a:chOff x="0" y="0"/>
+          <a:chExt cx="0" cy="0"/>
+        </a:xfrm>
+      </p:grpSpPr>
+      <p:sp>
+        <p:nvSpPr>
+          <p:cNvPr id="2" name="Title 1">
+            <a:extLst>
+              <a:ext uri="{FF2B5EF4-FFF2-40B4-BE49-F238E27FC236}">
+                <a16:creationId xmlns:a16="http://schemas.microsoft.com/office/drawing/2014/main" id="{F04E66B4-FF23-292E-D77B-ED37ECA8E6F0}"/>
+              </a:ext>
+            </a:extLst>
+          </p:cNvPr>
+          <p:cNvSpPr>
+            <a:spLocks noGrp="1"/>
+          </p:cNvSpPr>
+          <p:nvPr>
+            <p:ph type="title"/>
+          </p:nvPr>
+        </p:nvSpPr>
+        <p:spPr/>
+        <p:txBody>
+          <a:bodyPr>
+            <a:normAutofit/>
+          </a:bodyPr>
+          <a:lstStyle/>
+          <a:p>
+            <a:r>
+              <a:rPr lang="en-US" b="1" dirty="0">
+                <a:latin typeface="Times New Roman" panose="02020603050405020304" pitchFamily="18" charset="0"/>
+                <a:cs typeface="Times New Roman" panose="02020603050405020304" pitchFamily="18" charset="0"/>
+              </a:rPr>
+              <a:t>1. Test-Driven Development (TDD) &amp; Behavior-Driven Development (BDD)</a:t>
+            </a:r>
+            <a:r>
+              <a:rPr lang="en-US" dirty="0">
+                <a:latin typeface="Times New Roman" panose="02020603050405020304" pitchFamily="18" charset="0"/>
+                <a:cs typeface="Times New Roman" panose="02020603050405020304" pitchFamily="18" charset="0"/>
+              </a:rPr>
+              <a:t> </a:t>
+            </a:r>
+          </a:p>
+        </p:txBody>
+      </p:sp>
+      <p:sp>
+        <p:nvSpPr>
+          <p:cNvPr id="3" name="Content Placeholder 2">
+            <a:extLst>
+              <a:ext uri="{FF2B5EF4-FFF2-40B4-BE49-F238E27FC236}">
+                <a16:creationId xmlns:a16="http://schemas.microsoft.com/office/drawing/2014/main" id="{DDB43AF9-8625-9C8B-FD43-5DF12DA9B923}"/>
+              </a:ext>
+            </a:extLst>
+          </p:cNvPr>
+          <p:cNvSpPr>
+            <a:spLocks noGrp="1"/>
+          </p:cNvSpPr>
+          <p:nvPr>
+            <p:ph idx="1"/>
+          </p:nvPr>
+        </p:nvSpPr>
+        <p:spPr/>
+        <p:txBody>
+          <a:bodyPr/>
+          <a:lstStyle/>
+          <a:p>
+            <a:r>
+              <a:rPr lang="en-US" dirty="0"/>
+              <a:t>A) TDD</a:t>
+            </a:r>
+          </a:p>
+          <a:p>
+            <a:pPr lvl="1"/>
+            <a:r>
+              <a:rPr lang="en-US" dirty="0"/>
+              <a:t>Made a simple backend using </a:t>
+            </a:r>
+            <a:r>
+              <a:rPr lang="en-US" dirty="0" err="1"/>
+              <a:t>Sprinboot</a:t>
+            </a:r>
+            <a:r>
+              <a:rPr lang="en-US" dirty="0"/>
+              <a:t> with only Login/Signup APIs.</a:t>
+            </a:r>
+          </a:p>
+          <a:p>
+            <a:pPr lvl="1"/>
+            <a:r>
+              <a:rPr lang="en-US" dirty="0"/>
+              <a:t>Wrote above unit tests using Junit.</a:t>
+            </a:r>
+          </a:p>
+          <a:p>
+            <a:pPr lvl="1"/>
+            <a:r>
+              <a:rPr lang="en-US" dirty="0"/>
+              <a:t>Made an intentional bug to get </a:t>
+            </a:r>
+            <a:r>
+              <a:rPr lang="en-US" dirty="0">
+                <a:solidFill>
+                  <a:srgbClr val="FF0000"/>
+                </a:solidFill>
+              </a:rPr>
+              <a:t>RED</a:t>
+            </a:r>
+            <a:r>
+              <a:rPr lang="en-US" dirty="0"/>
+              <a:t>/ Failing test as above.</a:t>
+            </a:r>
+          </a:p>
+          <a:p>
+            <a:pPr lvl="1"/>
+            <a:r>
+              <a:rPr lang="en-US" dirty="0"/>
+              <a:t>Ran test and test cases failed as above.</a:t>
+            </a:r>
+          </a:p>
+          <a:p>
+            <a:pPr lvl="1"/>
+            <a:r>
+              <a:rPr lang="en-US" dirty="0"/>
+              <a:t>Commented </a:t>
+            </a:r>
+            <a:r>
+              <a:rPr lang="en-US" dirty="0" err="1"/>
+              <a:t>erro</a:t>
+            </a:r>
+            <a:r>
+              <a:rPr lang="en-US" dirty="0"/>
+              <a:t>-some code and added correct code (REFACTORED) as above.</a:t>
+            </a:r>
+          </a:p>
+          <a:p>
+            <a:pPr lvl="1"/>
+            <a:r>
+              <a:rPr lang="en-US" dirty="0"/>
+              <a:t>Re-ran test and all test cases have passed like below (</a:t>
+            </a:r>
+            <a:r>
+              <a:rPr lang="en-US" dirty="0">
+                <a:solidFill>
+                  <a:srgbClr val="00B050"/>
+                </a:solidFill>
+              </a:rPr>
+              <a:t>GREEN</a:t>
+            </a:r>
+            <a:r>
+              <a:rPr lang="en-US" dirty="0"/>
+              <a:t>)</a:t>
+            </a:r>
+          </a:p>
+          <a:p>
+            <a:pPr lvl="1"/>
+            <a:endParaRPr lang="en-US" dirty="0"/>
+          </a:p>
+        </p:txBody>
+      </p:sp>
+    </p:spTree>
+    <p:extLst>
+      <p:ext uri="{BB962C8B-B14F-4D97-AF65-F5344CB8AC3E}">
+        <p14:creationId xmlns:p14="http://schemas.microsoft.com/office/powerpoint/2010/main" val="1122101286"/>
+      </p:ext>
+    </p:extLst>
+  </p:cSld>
+  <p:clrMapOvr>
+    <a:masterClrMapping/>
+  </p:clrMapOvr>
+</p:sld>
+</file>
+
+<file path=ppt/slides/slide13.xml><?xml version="1.0" encoding="utf-8"?>
+<p:sld xmlns:a="http://schemas.openxmlformats.org/drawingml/2006/main" xmlns:r="http://schemas.openxmlformats.org/officeDocument/2006/relationships" xmlns:p="http://schemas.openxmlformats.org/presentationml/2006/main">
+  <p:cSld>
+    <p:spTree>
+      <p:nvGrpSpPr>
+        <p:cNvPr id="1" name=""/>
+        <p:cNvGrpSpPr/>
+        <p:nvPr/>
+      </p:nvGrpSpPr>
+      <p:grpSpPr>
+        <a:xfrm>
+          <a:off x="0" y="0"/>
+          <a:ext cx="0" cy="0"/>
+          <a:chOff x="0" y="0"/>
+          <a:chExt cx="0" cy="0"/>
+        </a:xfrm>
+      </p:grpSpPr>
+      <p:sp>
+        <p:nvSpPr>
+          <p:cNvPr id="2" name="Title 1">
+            <a:extLst>
+              <a:ext uri="{FF2B5EF4-FFF2-40B4-BE49-F238E27FC236}">
+                <a16:creationId xmlns:a16="http://schemas.microsoft.com/office/drawing/2014/main" id="{2C8D7B89-6CD5-4548-A7B0-32ADDAFC32B2}"/>
+              </a:ext>
+            </a:extLst>
+          </p:cNvPr>
+          <p:cNvSpPr>
+            <a:spLocks noGrp="1"/>
+          </p:cNvSpPr>
+          <p:nvPr>
+            <p:ph type="title"/>
+          </p:nvPr>
+        </p:nvSpPr>
+        <p:spPr/>
+        <p:txBody>
+          <a:bodyPr/>
+          <a:lstStyle/>
+          <a:p>
+            <a:endParaRPr lang="en-US"/>
+          </a:p>
+        </p:txBody>
+      </p:sp>
+      <p:sp>
+        <p:nvSpPr>
+          <p:cNvPr id="3" name="Content Placeholder 2">
+            <a:extLst>
+              <a:ext uri="{FF2B5EF4-FFF2-40B4-BE49-F238E27FC236}">
+                <a16:creationId xmlns:a16="http://schemas.microsoft.com/office/drawing/2014/main" id="{4AEAD9B3-F8C9-0801-D621-DABEF8439687}"/>
+              </a:ext>
+            </a:extLst>
+          </p:cNvPr>
+          <p:cNvSpPr>
+            <a:spLocks noGrp="1"/>
+          </p:cNvSpPr>
+          <p:nvPr>
+            <p:ph idx="1"/>
+          </p:nvPr>
+        </p:nvSpPr>
+        <p:spPr/>
+        <p:txBody>
+          <a:bodyPr/>
+          <a:lstStyle/>
+          <a:p>
+            <a:endParaRPr lang="en-US"/>
+          </a:p>
+        </p:txBody>
+      </p:sp>
+      <p:pic>
+        <p:nvPicPr>
+          <p:cNvPr id="5" name="Picture 4">
+            <a:extLst>
+              <a:ext uri="{FF2B5EF4-FFF2-40B4-BE49-F238E27FC236}">
+                <a16:creationId xmlns:a16="http://schemas.microsoft.com/office/drawing/2014/main" id="{547F791D-BB37-BAFF-209B-82BEFFEECAC4}"/>
+              </a:ext>
+            </a:extLst>
+          </p:cNvPr>
+          <p:cNvPicPr>
+            <a:picLocks noChangeAspect="1"/>
+          </p:cNvPicPr>
+          <p:nvPr/>
+        </p:nvPicPr>
+        <p:blipFill>
+          <a:blip r:embed="rId2"/>
+          <a:stretch>
+            <a:fillRect/>
+          </a:stretch>
+        </p:blipFill>
+        <p:spPr>
+          <a:xfrm>
+            <a:off x="1929383" y="153286"/>
+            <a:ext cx="8742327" cy="6551428"/>
+          </a:xfrm>
+          <a:prstGeom prst="rect">
+            <a:avLst/>
+          </a:prstGeom>
+        </p:spPr>
+      </p:pic>
+    </p:spTree>
+    <p:extLst>
+      <p:ext uri="{BB962C8B-B14F-4D97-AF65-F5344CB8AC3E}">
+        <p14:creationId xmlns:p14="http://schemas.microsoft.com/office/powerpoint/2010/main" val="3103344285"/>
+      </p:ext>
+    </p:extLst>
+  </p:cSld>
+  <p:clrMapOvr>
+    <a:masterClrMapping/>
+  </p:clrMapOvr>
+</p:sld>
+</file>
+
+<file path=ppt/slides/slide14.xml><?xml version="1.0" encoding="utf-8"?>
+<p:sld xmlns:a="http://schemas.openxmlformats.org/drawingml/2006/main" xmlns:r="http://schemas.openxmlformats.org/officeDocument/2006/relationships" xmlns:p="http://schemas.openxmlformats.org/presentationml/2006/main">
+  <p:cSld>
+    <p:spTree>
+      <p:nvGrpSpPr>
+        <p:cNvPr id="1" name="">
+          <a:extLst>
+            <a:ext uri="{FF2B5EF4-FFF2-40B4-BE49-F238E27FC236}">
+              <a16:creationId xmlns:a16="http://schemas.microsoft.com/office/drawing/2014/main" id="{EAF359C4-16AE-4A04-C696-77E0D6B61DBC}"/>
+            </a:ext>
+          </a:extLst>
+        </p:cNvPr>
+        <p:cNvGrpSpPr/>
+        <p:nvPr/>
+      </p:nvGrpSpPr>
+      <p:grpSpPr>
+        <a:xfrm>
+          <a:off x="0" y="0"/>
+          <a:ext cx="0" cy="0"/>
+          <a:chOff x="0" y="0"/>
+          <a:chExt cx="0" cy="0"/>
+        </a:xfrm>
+      </p:grpSpPr>
+      <p:sp>
+        <p:nvSpPr>
+          <p:cNvPr id="2" name="Title 1">
+            <a:extLst>
+              <a:ext uri="{FF2B5EF4-FFF2-40B4-BE49-F238E27FC236}">
+                <a16:creationId xmlns:a16="http://schemas.microsoft.com/office/drawing/2014/main" id="{E36B1261-CE35-4403-F323-6BA5770CE597}"/>
+              </a:ext>
+            </a:extLst>
+          </p:cNvPr>
+          <p:cNvSpPr>
+            <a:spLocks noGrp="1"/>
+          </p:cNvSpPr>
+          <p:nvPr>
+            <p:ph type="title"/>
+          </p:nvPr>
+        </p:nvSpPr>
+        <p:spPr/>
+        <p:txBody>
+          <a:bodyPr>
+            <a:normAutofit/>
+          </a:bodyPr>
+          <a:lstStyle/>
+          <a:p>
+            <a:r>
+              <a:rPr lang="en-US" b="1" dirty="0">
+                <a:latin typeface="Times New Roman" panose="02020603050405020304" pitchFamily="18" charset="0"/>
+                <a:cs typeface="Times New Roman" panose="02020603050405020304" pitchFamily="18" charset="0"/>
+              </a:rPr>
+              <a:t>1. Test-Driven Development (TDD) &amp; Behavior-Driven Development (BDD)</a:t>
+            </a:r>
+            <a:r>
+              <a:rPr lang="en-US" dirty="0">
+                <a:latin typeface="Times New Roman" panose="02020603050405020304" pitchFamily="18" charset="0"/>
+                <a:cs typeface="Times New Roman" panose="02020603050405020304" pitchFamily="18" charset="0"/>
+              </a:rPr>
+              <a:t> </a:t>
+            </a:r>
+          </a:p>
+        </p:txBody>
+      </p:sp>
+      <p:sp>
+        <p:nvSpPr>
+          <p:cNvPr id="3" name="Content Placeholder 2">
+            <a:extLst>
+              <a:ext uri="{FF2B5EF4-FFF2-40B4-BE49-F238E27FC236}">
+                <a16:creationId xmlns:a16="http://schemas.microsoft.com/office/drawing/2014/main" id="{73CF499F-70CF-EB6D-D836-3F0A40E398C2}"/>
+              </a:ext>
+            </a:extLst>
+          </p:cNvPr>
+          <p:cNvSpPr>
+            <a:spLocks noGrp="1"/>
+          </p:cNvSpPr>
+          <p:nvPr>
+            <p:ph idx="1"/>
+          </p:nvPr>
+        </p:nvSpPr>
+        <p:spPr/>
+        <p:txBody>
+          <a:bodyPr/>
+          <a:lstStyle/>
+          <a:p>
+            <a:r>
+              <a:rPr lang="en-US" dirty="0"/>
+              <a:t>Part B) BDD – Behavior Driven Development</a:t>
+            </a:r>
+          </a:p>
+          <a:p>
+            <a:pPr lvl="1"/>
+            <a:r>
+              <a:rPr lang="en-US" dirty="0"/>
+              <a:t>Made a simple backend using </a:t>
+            </a:r>
+            <a:r>
+              <a:rPr lang="en-US" dirty="0" err="1"/>
+              <a:t>Sprinboot</a:t>
+            </a:r>
+            <a:r>
+              <a:rPr lang="en-US" dirty="0"/>
+              <a:t> with only Login/Signup APIs.</a:t>
+            </a:r>
+          </a:p>
+          <a:p>
+            <a:pPr lvl="1"/>
+            <a:r>
+              <a:rPr lang="en-US" dirty="0"/>
+              <a:t>User scenarios were written in Gherkin as below.</a:t>
+            </a:r>
+          </a:p>
+          <a:p>
+            <a:pPr lvl="1"/>
+            <a:endParaRPr lang="en-US" dirty="0"/>
+          </a:p>
+        </p:txBody>
+      </p:sp>
+    </p:spTree>
+    <p:extLst>
+      <p:ext uri="{BB962C8B-B14F-4D97-AF65-F5344CB8AC3E}">
+        <p14:creationId xmlns:p14="http://schemas.microsoft.com/office/powerpoint/2010/main" val="3303665925"/>
+      </p:ext>
+    </p:extLst>
+  </p:cSld>
+  <p:clrMapOvr>
+    <a:masterClrMapping/>
+  </p:clrMapOvr>
+</p:sld>
+</file>
+
+<file path=ppt/slides/slide15.xml><?xml version="1.0" encoding="utf-8"?>
+<p:sld xmlns:a="http://schemas.openxmlformats.org/drawingml/2006/main" xmlns:r="http://schemas.openxmlformats.org/officeDocument/2006/relationships" xmlns:p="http://schemas.openxmlformats.org/presentationml/2006/main">
+  <p:cSld>
+    <p:spTree>
+      <p:nvGrpSpPr>
+        <p:cNvPr id="1" name=""/>
+        <p:cNvGrpSpPr/>
+        <p:nvPr/>
+      </p:nvGrpSpPr>
+      <p:grpSpPr>
+        <a:xfrm>
+          <a:off x="0" y="0"/>
+          <a:ext cx="0" cy="0"/>
+          <a:chOff x="0" y="0"/>
+          <a:chExt cx="0" cy="0"/>
+        </a:xfrm>
+      </p:grpSpPr>
+      <p:sp>
+        <p:nvSpPr>
+          <p:cNvPr id="2" name="Title 1">
+            <a:extLst>
+              <a:ext uri="{FF2B5EF4-FFF2-40B4-BE49-F238E27FC236}">
+                <a16:creationId xmlns:a16="http://schemas.microsoft.com/office/drawing/2014/main" id="{0CC96F0D-6177-F503-84DB-1ADAAFC36559}"/>
+              </a:ext>
+            </a:extLst>
+          </p:cNvPr>
+          <p:cNvSpPr>
+            <a:spLocks noGrp="1"/>
+          </p:cNvSpPr>
+          <p:nvPr>
+            <p:ph type="title"/>
+          </p:nvPr>
+        </p:nvSpPr>
+        <p:spPr/>
+        <p:txBody>
+          <a:bodyPr/>
+          <a:lstStyle/>
+          <a:p>
+            <a:endParaRPr lang="en-US"/>
+          </a:p>
+        </p:txBody>
+      </p:sp>
+      <p:sp>
+        <p:nvSpPr>
+          <p:cNvPr id="3" name="Content Placeholder 2">
+            <a:extLst>
+              <a:ext uri="{FF2B5EF4-FFF2-40B4-BE49-F238E27FC236}">
+                <a16:creationId xmlns:a16="http://schemas.microsoft.com/office/drawing/2014/main" id="{1D141E7A-ECC4-CB20-3DB3-158619E1CE23}"/>
+              </a:ext>
+            </a:extLst>
+          </p:cNvPr>
+          <p:cNvSpPr>
+            <a:spLocks noGrp="1"/>
+          </p:cNvSpPr>
+          <p:nvPr>
+            <p:ph idx="1"/>
+          </p:nvPr>
+        </p:nvSpPr>
+        <p:spPr/>
+        <p:txBody>
+          <a:bodyPr/>
+          <a:lstStyle/>
+          <a:p>
+            <a:endParaRPr lang="en-US"/>
+          </a:p>
+        </p:txBody>
+      </p:sp>
+      <p:pic>
+        <p:nvPicPr>
+          <p:cNvPr id="5" name="Picture 4">
+            <a:extLst>
+              <a:ext uri="{FF2B5EF4-FFF2-40B4-BE49-F238E27FC236}">
+                <a16:creationId xmlns:a16="http://schemas.microsoft.com/office/drawing/2014/main" id="{E537E652-AD01-C391-B1D3-468411F6CC93}"/>
+              </a:ext>
+            </a:extLst>
+          </p:cNvPr>
+          <p:cNvPicPr>
+            <a:picLocks noChangeAspect="1"/>
+          </p:cNvPicPr>
+          <p:nvPr/>
+        </p:nvPicPr>
+        <p:blipFill>
+          <a:blip r:embed="rId2"/>
+          <a:stretch>
+            <a:fillRect/>
+          </a:stretch>
+        </p:blipFill>
+        <p:spPr>
+          <a:xfrm>
+            <a:off x="749479" y="347472"/>
+            <a:ext cx="10486798" cy="6044184"/>
+          </a:xfrm>
+          <a:prstGeom prst="rect">
+            <a:avLst/>
+          </a:prstGeom>
+        </p:spPr>
+      </p:pic>
+    </p:spTree>
+    <p:extLst>
+      <p:ext uri="{BB962C8B-B14F-4D97-AF65-F5344CB8AC3E}">
+        <p14:creationId xmlns:p14="http://schemas.microsoft.com/office/powerpoint/2010/main" val="3157049666"/>
+      </p:ext>
+    </p:extLst>
+  </p:cSld>
+  <p:clrMapOvr>
+    <a:masterClrMapping/>
+  </p:clrMapOvr>
+</p:sld>
+</file>
+
+<file path=ppt/slides/slide16.xml><?xml version="1.0" encoding="utf-8"?>
+<p:sld xmlns:a="http://schemas.openxmlformats.org/drawingml/2006/main" xmlns:r="http://schemas.openxmlformats.org/officeDocument/2006/relationships" xmlns:p="http://schemas.openxmlformats.org/presentationml/2006/main">
+  <p:cSld>
+    <p:spTree>
+      <p:nvGrpSpPr>
+        <p:cNvPr id="1" name="">
+          <a:extLst>
+            <a:ext uri="{FF2B5EF4-FFF2-40B4-BE49-F238E27FC236}">
+              <a16:creationId xmlns:a16="http://schemas.microsoft.com/office/drawing/2014/main" id="{B9BAA76B-8117-0E66-9FB1-5A1A596F6352}"/>
+            </a:ext>
+          </a:extLst>
+        </p:cNvPr>
+        <p:cNvGrpSpPr/>
+        <p:nvPr/>
+      </p:nvGrpSpPr>
+      <p:grpSpPr>
+        <a:xfrm>
+          <a:off x="0" y="0"/>
+          <a:ext cx="0" cy="0"/>
+          <a:chOff x="0" y="0"/>
+          <a:chExt cx="0" cy="0"/>
+        </a:xfrm>
+      </p:grpSpPr>
+      <p:sp>
+        <p:nvSpPr>
+          <p:cNvPr id="2" name="Title 1">
+            <a:extLst>
+              <a:ext uri="{FF2B5EF4-FFF2-40B4-BE49-F238E27FC236}">
+                <a16:creationId xmlns:a16="http://schemas.microsoft.com/office/drawing/2014/main" id="{44289BDD-88D7-E006-A6DC-7E6792611856}"/>
+              </a:ext>
+            </a:extLst>
+          </p:cNvPr>
+          <p:cNvSpPr>
+            <a:spLocks noGrp="1"/>
+          </p:cNvSpPr>
+          <p:nvPr>
+            <p:ph type="title"/>
+          </p:nvPr>
+        </p:nvSpPr>
+        <p:spPr/>
+        <p:txBody>
+          <a:bodyPr>
+            <a:normAutofit/>
+          </a:bodyPr>
+          <a:lstStyle/>
+          <a:p>
+            <a:r>
+              <a:rPr lang="en-US" b="1" dirty="0"/>
+              <a:t>1. Test-Driven Development (TDD) &amp; Behavior-Driven Development (BDD)</a:t>
+            </a:r>
+            <a:r>
+              <a:rPr lang="en-US" dirty="0"/>
+              <a:t> </a:t>
+            </a:r>
+          </a:p>
+        </p:txBody>
+      </p:sp>
+      <p:sp>
+        <p:nvSpPr>
+          <p:cNvPr id="3" name="Content Placeholder 2">
+            <a:extLst>
+              <a:ext uri="{FF2B5EF4-FFF2-40B4-BE49-F238E27FC236}">
+                <a16:creationId xmlns:a16="http://schemas.microsoft.com/office/drawing/2014/main" id="{C7247E1C-78DD-E4BA-F9B8-895E1DF60E45}"/>
+              </a:ext>
+            </a:extLst>
+          </p:cNvPr>
+          <p:cNvSpPr>
+            <a:spLocks noGrp="1"/>
+          </p:cNvSpPr>
+          <p:nvPr>
+            <p:ph idx="1"/>
+          </p:nvPr>
+        </p:nvSpPr>
+        <p:spPr/>
+        <p:txBody>
+          <a:bodyPr/>
+          <a:lstStyle/>
+          <a:p>
+            <a:r>
+              <a:rPr lang="en-US" dirty="0"/>
+              <a:t>Part B) BDD – Behavior Driven Development</a:t>
+            </a:r>
+          </a:p>
+          <a:p>
+            <a:pPr lvl="1"/>
+            <a:r>
+              <a:rPr lang="en-US" dirty="0"/>
+              <a:t>Made a simple backend using </a:t>
+            </a:r>
+            <a:r>
+              <a:rPr lang="en-US" dirty="0" err="1"/>
+              <a:t>Sprinboot</a:t>
+            </a:r>
+            <a:r>
+              <a:rPr lang="en-US" dirty="0"/>
+              <a:t> with only Login/Signup APIs.</a:t>
+            </a:r>
+          </a:p>
+          <a:p>
+            <a:pPr lvl="1"/>
+            <a:r>
+              <a:rPr lang="en-US" dirty="0"/>
+              <a:t>User scenarios were written in Gherkin as above.</a:t>
+            </a:r>
+          </a:p>
+          <a:p>
+            <a:pPr lvl="1"/>
+            <a:r>
+              <a:rPr lang="en-US" dirty="0"/>
+              <a:t>Following Cucumber tests were written.</a:t>
+            </a:r>
+          </a:p>
+          <a:p>
+            <a:pPr lvl="1"/>
+            <a:endParaRPr lang="en-US" dirty="0"/>
+          </a:p>
+        </p:txBody>
+      </p:sp>
+    </p:spTree>
+    <p:extLst>
+      <p:ext uri="{BB962C8B-B14F-4D97-AF65-F5344CB8AC3E}">
+        <p14:creationId xmlns:p14="http://schemas.microsoft.com/office/powerpoint/2010/main" val="4181098252"/>
+      </p:ext>
+    </p:extLst>
+  </p:cSld>
+  <p:clrMapOvr>
+    <a:masterClrMapping/>
+  </p:clrMapOvr>
+</p:sld>
+</file>
+
+<file path=ppt/slides/slide17.xml><?xml version="1.0" encoding="utf-8"?>
+<p:sld xmlns:a="http://schemas.openxmlformats.org/drawingml/2006/main" xmlns:r="http://schemas.openxmlformats.org/officeDocument/2006/relationships" xmlns:p="http://schemas.openxmlformats.org/presentationml/2006/main">
+  <p:cSld>
+    <p:spTree>
+      <p:nvGrpSpPr>
+        <p:cNvPr id="1" name=""/>
+        <p:cNvGrpSpPr/>
+        <p:nvPr/>
+      </p:nvGrpSpPr>
+      <p:grpSpPr>
+        <a:xfrm>
+          <a:off x="0" y="0"/>
+          <a:ext cx="0" cy="0"/>
+          <a:chOff x="0" y="0"/>
+          <a:chExt cx="0" cy="0"/>
+        </a:xfrm>
+      </p:grpSpPr>
+      <p:sp>
+        <p:nvSpPr>
+          <p:cNvPr id="2" name="Title 1">
+            <a:extLst>
+              <a:ext uri="{FF2B5EF4-FFF2-40B4-BE49-F238E27FC236}">
+                <a16:creationId xmlns:a16="http://schemas.microsoft.com/office/drawing/2014/main" id="{5AC574B5-D7EE-4450-FCB4-D86731F637D8}"/>
+              </a:ext>
+            </a:extLst>
+          </p:cNvPr>
+          <p:cNvSpPr>
+            <a:spLocks noGrp="1"/>
+          </p:cNvSpPr>
+          <p:nvPr>
+            <p:ph type="title"/>
+          </p:nvPr>
+        </p:nvSpPr>
+        <p:spPr/>
+        <p:txBody>
+          <a:bodyPr/>
+          <a:lstStyle/>
+          <a:p>
+            <a:endParaRPr lang="en-US"/>
+          </a:p>
+        </p:txBody>
+      </p:sp>
+      <p:sp>
+        <p:nvSpPr>
+          <p:cNvPr id="3" name="Content Placeholder 2">
+            <a:extLst>
+              <a:ext uri="{FF2B5EF4-FFF2-40B4-BE49-F238E27FC236}">
+                <a16:creationId xmlns:a16="http://schemas.microsoft.com/office/drawing/2014/main" id="{205DA2F1-6701-A571-27BF-CE3E3E0984DE}"/>
+              </a:ext>
+            </a:extLst>
+          </p:cNvPr>
+          <p:cNvSpPr>
+            <a:spLocks noGrp="1"/>
+          </p:cNvSpPr>
+          <p:nvPr>
+            <p:ph idx="1"/>
+          </p:nvPr>
+        </p:nvSpPr>
+        <p:spPr/>
+        <p:txBody>
+          <a:bodyPr/>
+          <a:lstStyle/>
+          <a:p>
+            <a:endParaRPr lang="en-US"/>
+          </a:p>
+        </p:txBody>
+      </p:sp>
+      <p:pic>
+        <p:nvPicPr>
+          <p:cNvPr id="5" name="Picture 4">
+            <a:extLst>
+              <a:ext uri="{FF2B5EF4-FFF2-40B4-BE49-F238E27FC236}">
+                <a16:creationId xmlns:a16="http://schemas.microsoft.com/office/drawing/2014/main" id="{DD7A2945-1748-E17C-1912-870E574DDEF1}"/>
+              </a:ext>
+            </a:extLst>
+          </p:cNvPr>
+          <p:cNvPicPr>
+            <a:picLocks noChangeAspect="1"/>
+          </p:cNvPicPr>
+          <p:nvPr/>
+        </p:nvPicPr>
+        <p:blipFill>
+          <a:blip r:embed="rId2"/>
+          <a:stretch>
+            <a:fillRect/>
+          </a:stretch>
+        </p:blipFill>
+        <p:spPr>
+          <a:xfrm>
+            <a:off x="2569464" y="403834"/>
+            <a:ext cx="6755415" cy="6207278"/>
+          </a:xfrm>
+          <a:prstGeom prst="rect">
+            <a:avLst/>
+          </a:prstGeom>
+        </p:spPr>
+      </p:pic>
+    </p:spTree>
+    <p:extLst>
+      <p:ext uri="{BB962C8B-B14F-4D97-AF65-F5344CB8AC3E}">
+        <p14:creationId xmlns:p14="http://schemas.microsoft.com/office/powerpoint/2010/main" val="4178194260"/>
+      </p:ext>
+    </p:extLst>
+  </p:cSld>
+  <p:clrMapOvr>
+    <a:masterClrMapping/>
+  </p:clrMapOvr>
+</p:sld>
+</file>
+
+<file path=ppt/slides/slide18.xml><?xml version="1.0" encoding="utf-8"?>
+<p:sld xmlns:a="http://schemas.openxmlformats.org/drawingml/2006/main" xmlns:r="http://schemas.openxmlformats.org/officeDocument/2006/relationships" xmlns:p="http://schemas.openxmlformats.org/presentationml/2006/main">
+  <p:cSld>
+    <p:spTree>
+      <p:nvGrpSpPr>
+        <p:cNvPr id="1" name="">
+          <a:extLst>
+            <a:ext uri="{FF2B5EF4-FFF2-40B4-BE49-F238E27FC236}">
+              <a16:creationId xmlns:a16="http://schemas.microsoft.com/office/drawing/2014/main" id="{5F6B040C-7FC9-76F8-D606-0B7E709F2943}"/>
+            </a:ext>
+          </a:extLst>
+        </p:cNvPr>
+        <p:cNvGrpSpPr/>
+        <p:nvPr/>
+      </p:nvGrpSpPr>
+      <p:grpSpPr>
+        <a:xfrm>
+          <a:off x="0" y="0"/>
+          <a:ext cx="0" cy="0"/>
+          <a:chOff x="0" y="0"/>
+          <a:chExt cx="0" cy="0"/>
+        </a:xfrm>
+      </p:grpSpPr>
+      <p:sp>
+        <p:nvSpPr>
+          <p:cNvPr id="2" name="Title 1">
+            <a:extLst>
+              <a:ext uri="{FF2B5EF4-FFF2-40B4-BE49-F238E27FC236}">
+                <a16:creationId xmlns:a16="http://schemas.microsoft.com/office/drawing/2014/main" id="{E855EE45-B69F-862A-D6E5-0684227C07CF}"/>
+              </a:ext>
+            </a:extLst>
+          </p:cNvPr>
+          <p:cNvSpPr>
+            <a:spLocks noGrp="1"/>
+          </p:cNvSpPr>
+          <p:nvPr>
+            <p:ph type="title"/>
+          </p:nvPr>
+        </p:nvSpPr>
+        <p:spPr/>
+        <p:txBody>
+          <a:bodyPr>
+            <a:normAutofit/>
+          </a:bodyPr>
+          <a:lstStyle/>
+          <a:p>
+            <a:r>
+              <a:rPr lang="en-US" b="1" dirty="0">
+                <a:latin typeface="Times New Roman" panose="02020603050405020304" pitchFamily="18" charset="0"/>
+                <a:cs typeface="Times New Roman" panose="02020603050405020304" pitchFamily="18" charset="0"/>
+              </a:rPr>
+              <a:t>1. Test-Driven Development (TDD) &amp; Behavior-Driven Development (BDD)</a:t>
+            </a:r>
+            <a:r>
+              <a:rPr lang="en-US" dirty="0">
+                <a:latin typeface="Times New Roman" panose="02020603050405020304" pitchFamily="18" charset="0"/>
+                <a:cs typeface="Times New Roman" panose="02020603050405020304" pitchFamily="18" charset="0"/>
+              </a:rPr>
+              <a:t> </a:t>
+            </a:r>
+          </a:p>
+        </p:txBody>
+      </p:sp>
+      <p:sp>
+        <p:nvSpPr>
+          <p:cNvPr id="3" name="Content Placeholder 2">
+            <a:extLst>
+              <a:ext uri="{FF2B5EF4-FFF2-40B4-BE49-F238E27FC236}">
+                <a16:creationId xmlns:a16="http://schemas.microsoft.com/office/drawing/2014/main" id="{7178867F-C629-5D17-6E87-ADF60558356D}"/>
+              </a:ext>
+            </a:extLst>
+          </p:cNvPr>
+          <p:cNvSpPr>
+            <a:spLocks noGrp="1"/>
+          </p:cNvSpPr>
+          <p:nvPr>
+            <p:ph idx="1"/>
+          </p:nvPr>
+        </p:nvSpPr>
+        <p:spPr/>
+        <p:txBody>
+          <a:bodyPr/>
+          <a:lstStyle/>
+          <a:p>
+            <a:r>
+              <a:rPr lang="en-US" dirty="0"/>
+              <a:t>Part B) BDD – Behavior Driven Development</a:t>
+            </a:r>
+          </a:p>
+          <a:p>
+            <a:pPr lvl="1"/>
+            <a:r>
+              <a:rPr lang="en-US" dirty="0"/>
+              <a:t>Made a simple backend using </a:t>
+            </a:r>
+            <a:r>
+              <a:rPr lang="en-US" dirty="0" err="1"/>
+              <a:t>Sprinboot</a:t>
+            </a:r>
+            <a:r>
+              <a:rPr lang="en-US" dirty="0"/>
+              <a:t> with only Login/Signup APIs.</a:t>
+            </a:r>
+          </a:p>
+          <a:p>
+            <a:pPr lvl="1"/>
+            <a:r>
+              <a:rPr lang="en-US" dirty="0"/>
+              <a:t>User scenarios were written in Gherkin as above.</a:t>
+            </a:r>
+          </a:p>
+          <a:p>
+            <a:pPr lvl="1"/>
+            <a:r>
+              <a:rPr lang="en-US" dirty="0"/>
+              <a:t>Above Cucumber tests were written.</a:t>
+            </a:r>
+          </a:p>
+          <a:p>
+            <a:pPr lvl="1"/>
+            <a:r>
+              <a:rPr lang="en-US" dirty="0"/>
+              <a:t>Tests were passed giving following result.</a:t>
+            </a:r>
+          </a:p>
+          <a:p>
+            <a:pPr lvl="1"/>
+            <a:endParaRPr lang="en-US" dirty="0"/>
+          </a:p>
+          <a:p>
+            <a:pPr lvl="1"/>
+            <a:endParaRPr lang="en-US" dirty="0"/>
+          </a:p>
+        </p:txBody>
+      </p:sp>
+    </p:spTree>
+    <p:extLst>
+      <p:ext uri="{BB962C8B-B14F-4D97-AF65-F5344CB8AC3E}">
+        <p14:creationId xmlns:p14="http://schemas.microsoft.com/office/powerpoint/2010/main" val="329916549"/>
+      </p:ext>
+    </p:extLst>
+  </p:cSld>
+  <p:clrMapOvr>
+    <a:masterClrMapping/>
+  </p:clrMapOvr>
+</p:sld>
+</file>
+
+<file path=ppt/slides/slide19.xml><?xml version="1.0" encoding="utf-8"?>
+<p:sld xmlns:a="http://schemas.openxmlformats.org/drawingml/2006/main" xmlns:r="http://schemas.openxmlformats.org/officeDocument/2006/relationships" xmlns:p="http://schemas.openxmlformats.org/presentationml/2006/main">
+  <p:cSld>
+    <p:spTree>
+      <p:nvGrpSpPr>
+        <p:cNvPr id="1" name=""/>
+        <p:cNvGrpSpPr/>
+        <p:nvPr/>
+      </p:nvGrpSpPr>
+      <p:grpSpPr>
+        <a:xfrm>
+          <a:off x="0" y="0"/>
+          <a:ext cx="0" cy="0"/>
+          <a:chOff x="0" y="0"/>
+          <a:chExt cx="0" cy="0"/>
+        </a:xfrm>
+      </p:grpSpPr>
+      <p:sp>
+        <p:nvSpPr>
+          <p:cNvPr id="2" name="Title 1">
+            <a:extLst>
+              <a:ext uri="{FF2B5EF4-FFF2-40B4-BE49-F238E27FC236}">
+                <a16:creationId xmlns:a16="http://schemas.microsoft.com/office/drawing/2014/main" id="{6C7B6C16-F81A-9699-38CE-E7947B66A04C}"/>
+              </a:ext>
+            </a:extLst>
+          </p:cNvPr>
+          <p:cNvSpPr>
+            <a:spLocks noGrp="1"/>
+          </p:cNvSpPr>
+          <p:nvPr>
+            <p:ph type="title"/>
+          </p:nvPr>
+        </p:nvSpPr>
+        <p:spPr/>
+        <p:txBody>
+          <a:bodyPr/>
+          <a:lstStyle/>
+          <a:p>
+            <a:endParaRPr lang="en-US"/>
+          </a:p>
+        </p:txBody>
+      </p:sp>
+      <p:sp>
+        <p:nvSpPr>
+          <p:cNvPr id="3" name="Content Placeholder 2">
+            <a:extLst>
+              <a:ext uri="{FF2B5EF4-FFF2-40B4-BE49-F238E27FC236}">
+                <a16:creationId xmlns:a16="http://schemas.microsoft.com/office/drawing/2014/main" id="{E7CFD5F7-51E1-4812-119A-A1A1297933AA}"/>
+              </a:ext>
+            </a:extLst>
+          </p:cNvPr>
+          <p:cNvSpPr>
+            <a:spLocks noGrp="1"/>
+          </p:cNvSpPr>
+          <p:nvPr>
+            <p:ph idx="1"/>
+          </p:nvPr>
+        </p:nvSpPr>
+        <p:spPr/>
+        <p:txBody>
+          <a:bodyPr/>
+          <a:lstStyle/>
+          <a:p>
+            <a:endParaRPr lang="en-US"/>
+          </a:p>
+        </p:txBody>
+      </p:sp>
+      <p:pic>
+        <p:nvPicPr>
+          <p:cNvPr id="5" name="Picture 4">
+            <a:extLst>
+              <a:ext uri="{FF2B5EF4-FFF2-40B4-BE49-F238E27FC236}">
+                <a16:creationId xmlns:a16="http://schemas.microsoft.com/office/drawing/2014/main" id="{C9EA5694-278A-354E-9B48-1F5C0715630A}"/>
+              </a:ext>
+            </a:extLst>
+          </p:cNvPr>
+          <p:cNvPicPr>
+            <a:picLocks noChangeAspect="1"/>
+          </p:cNvPicPr>
+          <p:nvPr/>
+        </p:nvPicPr>
+        <p:blipFill>
+          <a:blip r:embed="rId2"/>
+          <a:stretch>
+            <a:fillRect/>
+          </a:stretch>
+        </p:blipFill>
+        <p:spPr>
+          <a:xfrm>
+            <a:off x="1617228" y="453332"/>
+            <a:ext cx="9769127" cy="6139491"/>
+          </a:xfrm>
+          <a:prstGeom prst="rect">
+            <a:avLst/>
+          </a:prstGeom>
+        </p:spPr>
+      </p:pic>
+    </p:spTree>
+    <p:extLst>
+      <p:ext uri="{BB962C8B-B14F-4D97-AF65-F5344CB8AC3E}">
+        <p14:creationId xmlns:p14="http://schemas.microsoft.com/office/powerpoint/2010/main" val="985561381"/>
       </p:ext>
     </p:extLst>
   </p:cSld>
@@ -3423,10 +5120,25 @@
         </p:nvSpPr>
         <p:spPr/>
         <p:txBody>
-          <a:bodyPr/>
-          <a:lstStyle/>
-          <a:p>
-            <a:endParaRPr lang="en-US"/>
+          <a:bodyPr>
+            <a:normAutofit/>
+          </a:bodyPr>
+          <a:lstStyle/>
+          <a:p>
+            <a:r>
+              <a:rPr lang="en-US" b="1" dirty="0">
+                <a:latin typeface="Times New Roman" panose="02020603050405020304" pitchFamily="18" charset="0"/>
+                <a:cs typeface="Times New Roman" panose="02020603050405020304" pitchFamily="18" charset="0"/>
+              </a:rPr>
+              <a:t>1. Test-Driven Development (TDD) &amp; Behavior-Driven Development (BDD)</a:t>
+            </a:r>
+            <a:r>
+              <a:rPr lang="en-US" dirty="0">
+                <a:latin typeface="Times New Roman" panose="02020603050405020304" pitchFamily="18" charset="0"/>
+                <a:cs typeface="Times New Roman" panose="02020603050405020304" pitchFamily="18" charset="0"/>
+              </a:rPr>
+              <a:t> </a:t>
+            </a:r>
           </a:p>
         </p:txBody>
       </p:sp>
@@ -3451,7 +5163,36 @@
           <a:bodyPr/>
           <a:lstStyle/>
           <a:p>
-            <a:endParaRPr lang="en-US"/>
+            <a:r>
+              <a:rPr lang="en-US" dirty="0"/>
+              <a:t>Part A) TDD – Test Driven Development</a:t>
+            </a:r>
+          </a:p>
+          <a:p>
+            <a:pPr lvl="1"/>
+            <a:r>
+              <a:rPr lang="en-US" dirty="0"/>
+              <a:t>Made a simple backend using </a:t>
+            </a:r>
+            <a:r>
+              <a:rPr lang="en-US" dirty="0" err="1"/>
+              <a:t>Sprinboot</a:t>
+            </a:r>
+            <a:r>
+              <a:rPr lang="en-US" dirty="0"/>
+              <a:t> with only Login/Signup APIs.</a:t>
+            </a:r>
+          </a:p>
+          <a:p>
+            <a:pPr lvl="1"/>
+            <a:r>
+              <a:rPr lang="en-US" dirty="0"/>
+              <a:t>Wrote following unit tests using Junit.</a:t>
+            </a:r>
+          </a:p>
+          <a:p>
+            <a:pPr lvl="1"/>
+            <a:endParaRPr lang="en-US" dirty="0"/>
           </a:p>
         </p:txBody>
       </p:sp>
@@ -3468,10 +5209,4137 @@
 </p:sld>
 </file>
 
+<file path=ppt/slides/slide20.xml><?xml version="1.0" encoding="utf-8"?>
+<p:sld xmlns:a="http://schemas.openxmlformats.org/drawingml/2006/main" xmlns:r="http://schemas.openxmlformats.org/officeDocument/2006/relationships" xmlns:p="http://schemas.openxmlformats.org/presentationml/2006/main">
+  <p:cSld>
+    <p:spTree>
+      <p:nvGrpSpPr>
+        <p:cNvPr id="1" name="">
+          <a:extLst>
+            <a:ext uri="{FF2B5EF4-FFF2-40B4-BE49-F238E27FC236}">
+              <a16:creationId xmlns:a16="http://schemas.microsoft.com/office/drawing/2014/main" id="{4B06779A-6240-C242-2213-BCA395152962}"/>
+            </a:ext>
+          </a:extLst>
+        </p:cNvPr>
+        <p:cNvGrpSpPr/>
+        <p:nvPr/>
+      </p:nvGrpSpPr>
+      <p:grpSpPr>
+        <a:xfrm>
+          <a:off x="0" y="0"/>
+          <a:ext cx="0" cy="0"/>
+          <a:chOff x="0" y="0"/>
+          <a:chExt cx="0" cy="0"/>
+        </a:xfrm>
+      </p:grpSpPr>
+      <p:sp>
+        <p:nvSpPr>
+          <p:cNvPr id="2" name="Title 1">
+            <a:extLst>
+              <a:ext uri="{FF2B5EF4-FFF2-40B4-BE49-F238E27FC236}">
+                <a16:creationId xmlns:a16="http://schemas.microsoft.com/office/drawing/2014/main" id="{10A406E1-E512-AAC9-8216-252CF43AC964}"/>
+              </a:ext>
+            </a:extLst>
+          </p:cNvPr>
+          <p:cNvSpPr>
+            <a:spLocks noGrp="1"/>
+          </p:cNvSpPr>
+          <p:nvPr>
+            <p:ph type="title"/>
+          </p:nvPr>
+        </p:nvSpPr>
+        <p:spPr/>
+        <p:txBody>
+          <a:bodyPr>
+            <a:normAutofit/>
+          </a:bodyPr>
+          <a:lstStyle/>
+          <a:p>
+            <a:r>
+              <a:rPr lang="en-US" b="1" dirty="0">
+                <a:latin typeface="Times New Roman" panose="02020603050405020304" pitchFamily="18" charset="0"/>
+                <a:cs typeface="Times New Roman" panose="02020603050405020304" pitchFamily="18" charset="0"/>
+              </a:rPr>
+              <a:t>2. Test Automation &amp; Continuous Integration</a:t>
+            </a:r>
+            <a:r>
+              <a:rPr lang="en-US" dirty="0">
+                <a:latin typeface="Times New Roman" panose="02020603050405020304" pitchFamily="18" charset="0"/>
+                <a:cs typeface="Times New Roman" panose="02020603050405020304" pitchFamily="18" charset="0"/>
+              </a:rPr>
+              <a:t> </a:t>
+            </a:r>
+          </a:p>
+        </p:txBody>
+      </p:sp>
+      <p:sp>
+        <p:nvSpPr>
+          <p:cNvPr id="3" name="Content Placeholder 2">
+            <a:extLst>
+              <a:ext uri="{FF2B5EF4-FFF2-40B4-BE49-F238E27FC236}">
+                <a16:creationId xmlns:a16="http://schemas.microsoft.com/office/drawing/2014/main" id="{4A47E9DF-F3C9-1B64-656D-B9EAFA364D56}"/>
+              </a:ext>
+            </a:extLst>
+          </p:cNvPr>
+          <p:cNvSpPr>
+            <a:spLocks noGrp="1"/>
+          </p:cNvSpPr>
+          <p:nvPr>
+            <p:ph idx="1"/>
+          </p:nvPr>
+        </p:nvSpPr>
+        <p:spPr/>
+        <p:txBody>
+          <a:bodyPr/>
+          <a:lstStyle/>
+          <a:p>
+            <a:r>
+              <a:rPr lang="en-US" dirty="0"/>
+              <a:t>Part A) Selenium Automated Tests</a:t>
+            </a:r>
+          </a:p>
+          <a:p>
+            <a:pPr lvl="1"/>
+            <a:r>
+              <a:rPr lang="en-US" dirty="0"/>
+              <a:t>Used MERN Web project made for EC4307 – Web Application Development module.</a:t>
+            </a:r>
+          </a:p>
+          <a:p>
+            <a:pPr lvl="1"/>
+            <a:r>
+              <a:rPr lang="en-US" dirty="0"/>
+              <a:t>Wrote following selenium unit tests.</a:t>
+            </a:r>
+          </a:p>
+          <a:p>
+            <a:pPr lvl="1"/>
+            <a:endParaRPr lang="en-US" dirty="0"/>
+          </a:p>
+        </p:txBody>
+      </p:sp>
+    </p:spTree>
+    <p:extLst>
+      <p:ext uri="{BB962C8B-B14F-4D97-AF65-F5344CB8AC3E}">
+        <p14:creationId xmlns:p14="http://schemas.microsoft.com/office/powerpoint/2010/main" val="3843481572"/>
+      </p:ext>
+    </p:extLst>
+  </p:cSld>
+  <p:clrMapOvr>
+    <a:masterClrMapping/>
+  </p:clrMapOvr>
+</p:sld>
+</file>
+
+<file path=ppt/slides/slide21.xml><?xml version="1.0" encoding="utf-8"?>
+<p:sld xmlns:a="http://schemas.openxmlformats.org/drawingml/2006/main" xmlns:r="http://schemas.openxmlformats.org/officeDocument/2006/relationships" xmlns:p="http://schemas.openxmlformats.org/presentationml/2006/main">
+  <p:cSld>
+    <p:spTree>
+      <p:nvGrpSpPr>
+        <p:cNvPr id="1" name=""/>
+        <p:cNvGrpSpPr/>
+        <p:nvPr/>
+      </p:nvGrpSpPr>
+      <p:grpSpPr>
+        <a:xfrm>
+          <a:off x="0" y="0"/>
+          <a:ext cx="0" cy="0"/>
+          <a:chOff x="0" y="0"/>
+          <a:chExt cx="0" cy="0"/>
+        </a:xfrm>
+      </p:grpSpPr>
+      <p:sp>
+        <p:nvSpPr>
+          <p:cNvPr id="2" name="Title 1">
+            <a:extLst>
+              <a:ext uri="{FF2B5EF4-FFF2-40B4-BE49-F238E27FC236}">
+                <a16:creationId xmlns:a16="http://schemas.microsoft.com/office/drawing/2014/main" id="{541100F7-1FBB-D6A2-BD2D-CD980B1751DA}"/>
+              </a:ext>
+            </a:extLst>
+          </p:cNvPr>
+          <p:cNvSpPr>
+            <a:spLocks noGrp="1"/>
+          </p:cNvSpPr>
+          <p:nvPr>
+            <p:ph type="title"/>
+          </p:nvPr>
+        </p:nvSpPr>
+        <p:spPr/>
+        <p:txBody>
+          <a:bodyPr/>
+          <a:lstStyle/>
+          <a:p>
+            <a:endParaRPr lang="en-US"/>
+          </a:p>
+        </p:txBody>
+      </p:sp>
+      <p:sp>
+        <p:nvSpPr>
+          <p:cNvPr id="3" name="Content Placeholder 2">
+            <a:extLst>
+              <a:ext uri="{FF2B5EF4-FFF2-40B4-BE49-F238E27FC236}">
+                <a16:creationId xmlns:a16="http://schemas.microsoft.com/office/drawing/2014/main" id="{AD013798-1CA8-BE87-F282-80B36FE71DA8}"/>
+              </a:ext>
+            </a:extLst>
+          </p:cNvPr>
+          <p:cNvSpPr>
+            <a:spLocks noGrp="1"/>
+          </p:cNvSpPr>
+          <p:nvPr>
+            <p:ph idx="1"/>
+          </p:nvPr>
+        </p:nvSpPr>
+        <p:spPr/>
+        <p:txBody>
+          <a:bodyPr/>
+          <a:lstStyle/>
+          <a:p>
+            <a:endParaRPr lang="en-US"/>
+          </a:p>
+        </p:txBody>
+      </p:sp>
+      <p:pic>
+        <p:nvPicPr>
+          <p:cNvPr id="5" name="Picture 4">
+            <a:extLst>
+              <a:ext uri="{FF2B5EF4-FFF2-40B4-BE49-F238E27FC236}">
+                <a16:creationId xmlns:a16="http://schemas.microsoft.com/office/drawing/2014/main" id="{0AC8F02E-293A-78B2-4AF1-0FB9022D2818}"/>
+              </a:ext>
+            </a:extLst>
+          </p:cNvPr>
+          <p:cNvPicPr>
+            <a:picLocks noChangeAspect="1"/>
+          </p:cNvPicPr>
+          <p:nvPr/>
+        </p:nvPicPr>
+        <p:blipFill>
+          <a:blip r:embed="rId2"/>
+          <a:stretch>
+            <a:fillRect/>
+          </a:stretch>
+        </p:blipFill>
+        <p:spPr>
+          <a:xfrm>
+            <a:off x="2185442" y="923575"/>
+            <a:ext cx="7821116" cy="5010849"/>
+          </a:xfrm>
+          <a:prstGeom prst="rect">
+            <a:avLst/>
+          </a:prstGeom>
+        </p:spPr>
+      </p:pic>
+    </p:spTree>
+    <p:extLst>
+      <p:ext uri="{BB962C8B-B14F-4D97-AF65-F5344CB8AC3E}">
+        <p14:creationId xmlns:p14="http://schemas.microsoft.com/office/powerpoint/2010/main" val="205243861"/>
+      </p:ext>
+    </p:extLst>
+  </p:cSld>
+  <p:clrMapOvr>
+    <a:masterClrMapping/>
+  </p:clrMapOvr>
+</p:sld>
+</file>
+
+<file path=ppt/slides/slide22.xml><?xml version="1.0" encoding="utf-8"?>
+<p:sld xmlns:a="http://schemas.openxmlformats.org/drawingml/2006/main" xmlns:r="http://schemas.openxmlformats.org/officeDocument/2006/relationships" xmlns:p="http://schemas.openxmlformats.org/presentationml/2006/main">
+  <p:cSld>
+    <p:spTree>
+      <p:nvGrpSpPr>
+        <p:cNvPr id="1" name=""/>
+        <p:cNvGrpSpPr/>
+        <p:nvPr/>
+      </p:nvGrpSpPr>
+      <p:grpSpPr>
+        <a:xfrm>
+          <a:off x="0" y="0"/>
+          <a:ext cx="0" cy="0"/>
+          <a:chOff x="0" y="0"/>
+          <a:chExt cx="0" cy="0"/>
+        </a:xfrm>
+      </p:grpSpPr>
+      <p:sp>
+        <p:nvSpPr>
+          <p:cNvPr id="2" name="Title 1">
+            <a:extLst>
+              <a:ext uri="{FF2B5EF4-FFF2-40B4-BE49-F238E27FC236}">
+                <a16:creationId xmlns:a16="http://schemas.microsoft.com/office/drawing/2014/main" id="{107D45E7-B63F-DCBB-A632-0E1FE9AA647C}"/>
+              </a:ext>
+            </a:extLst>
+          </p:cNvPr>
+          <p:cNvSpPr>
+            <a:spLocks noGrp="1"/>
+          </p:cNvSpPr>
+          <p:nvPr>
+            <p:ph type="title"/>
+          </p:nvPr>
+        </p:nvSpPr>
+        <p:spPr/>
+        <p:txBody>
+          <a:bodyPr/>
+          <a:lstStyle/>
+          <a:p>
+            <a:endParaRPr lang="en-US"/>
+          </a:p>
+        </p:txBody>
+      </p:sp>
+      <p:sp>
+        <p:nvSpPr>
+          <p:cNvPr id="3" name="Content Placeholder 2">
+            <a:extLst>
+              <a:ext uri="{FF2B5EF4-FFF2-40B4-BE49-F238E27FC236}">
+                <a16:creationId xmlns:a16="http://schemas.microsoft.com/office/drawing/2014/main" id="{0E53EE85-23DB-9D76-15D0-646F5555B780}"/>
+              </a:ext>
+            </a:extLst>
+          </p:cNvPr>
+          <p:cNvSpPr>
+            <a:spLocks noGrp="1"/>
+          </p:cNvSpPr>
+          <p:nvPr>
+            <p:ph idx="1"/>
+          </p:nvPr>
+        </p:nvSpPr>
+        <p:spPr/>
+        <p:txBody>
+          <a:bodyPr/>
+          <a:lstStyle/>
+          <a:p>
+            <a:endParaRPr lang="en-US"/>
+          </a:p>
+        </p:txBody>
+      </p:sp>
+      <p:pic>
+        <p:nvPicPr>
+          <p:cNvPr id="5" name="Picture 4">
+            <a:extLst>
+              <a:ext uri="{FF2B5EF4-FFF2-40B4-BE49-F238E27FC236}">
+                <a16:creationId xmlns:a16="http://schemas.microsoft.com/office/drawing/2014/main" id="{31E5523C-1C4E-2B27-9CA4-9B2DAEA835C0}"/>
+              </a:ext>
+            </a:extLst>
+          </p:cNvPr>
+          <p:cNvPicPr>
+            <a:picLocks noChangeAspect="1"/>
+          </p:cNvPicPr>
+          <p:nvPr/>
+        </p:nvPicPr>
+        <p:blipFill>
+          <a:blip r:embed="rId2"/>
+          <a:stretch>
+            <a:fillRect/>
+          </a:stretch>
+        </p:blipFill>
+        <p:spPr>
+          <a:xfrm>
+            <a:off x="466262" y="658368"/>
+            <a:ext cx="11259476" cy="4951811"/>
+          </a:xfrm>
+          <a:prstGeom prst="rect">
+            <a:avLst/>
+          </a:prstGeom>
+        </p:spPr>
+      </p:pic>
+    </p:spTree>
+    <p:extLst>
+      <p:ext uri="{BB962C8B-B14F-4D97-AF65-F5344CB8AC3E}">
+        <p14:creationId xmlns:p14="http://schemas.microsoft.com/office/powerpoint/2010/main" val="3765373028"/>
+      </p:ext>
+    </p:extLst>
+  </p:cSld>
+  <p:clrMapOvr>
+    <a:masterClrMapping/>
+  </p:clrMapOvr>
+</p:sld>
+</file>
+
+<file path=ppt/slides/slide23.xml><?xml version="1.0" encoding="utf-8"?>
+<p:sld xmlns:a="http://schemas.openxmlformats.org/drawingml/2006/main" xmlns:r="http://schemas.openxmlformats.org/officeDocument/2006/relationships" xmlns:p="http://schemas.openxmlformats.org/presentationml/2006/main">
+  <p:cSld>
+    <p:spTree>
+      <p:nvGrpSpPr>
+        <p:cNvPr id="1" name="">
+          <a:extLst>
+            <a:ext uri="{FF2B5EF4-FFF2-40B4-BE49-F238E27FC236}">
+              <a16:creationId xmlns:a16="http://schemas.microsoft.com/office/drawing/2014/main" id="{C43EAB74-D372-4503-2043-08C512AB224B}"/>
+            </a:ext>
+          </a:extLst>
+        </p:cNvPr>
+        <p:cNvGrpSpPr/>
+        <p:nvPr/>
+      </p:nvGrpSpPr>
+      <p:grpSpPr>
+        <a:xfrm>
+          <a:off x="0" y="0"/>
+          <a:ext cx="0" cy="0"/>
+          <a:chOff x="0" y="0"/>
+          <a:chExt cx="0" cy="0"/>
+        </a:xfrm>
+      </p:grpSpPr>
+      <p:sp>
+        <p:nvSpPr>
+          <p:cNvPr id="2" name="Title 1">
+            <a:extLst>
+              <a:ext uri="{FF2B5EF4-FFF2-40B4-BE49-F238E27FC236}">
+                <a16:creationId xmlns:a16="http://schemas.microsoft.com/office/drawing/2014/main" id="{F0CE0334-3B46-C20D-3DEA-C6328298F39A}"/>
+              </a:ext>
+            </a:extLst>
+          </p:cNvPr>
+          <p:cNvSpPr>
+            <a:spLocks noGrp="1"/>
+          </p:cNvSpPr>
+          <p:nvPr>
+            <p:ph type="title"/>
+          </p:nvPr>
+        </p:nvSpPr>
+        <p:spPr/>
+        <p:txBody>
+          <a:bodyPr>
+            <a:normAutofit/>
+          </a:bodyPr>
+          <a:lstStyle/>
+          <a:p>
+            <a:r>
+              <a:rPr lang="en-US" b="1" dirty="0">
+                <a:latin typeface="Times New Roman" panose="02020603050405020304" pitchFamily="18" charset="0"/>
+                <a:cs typeface="Times New Roman" panose="02020603050405020304" pitchFamily="18" charset="0"/>
+              </a:rPr>
+              <a:t>2. Test Automation &amp; Continuous Integration</a:t>
+            </a:r>
+            <a:r>
+              <a:rPr lang="en-US" dirty="0">
+                <a:latin typeface="Times New Roman" panose="02020603050405020304" pitchFamily="18" charset="0"/>
+                <a:cs typeface="Times New Roman" panose="02020603050405020304" pitchFamily="18" charset="0"/>
+              </a:rPr>
+              <a:t> </a:t>
+            </a:r>
+          </a:p>
+        </p:txBody>
+      </p:sp>
+      <p:sp>
+        <p:nvSpPr>
+          <p:cNvPr id="3" name="Content Placeholder 2">
+            <a:extLst>
+              <a:ext uri="{FF2B5EF4-FFF2-40B4-BE49-F238E27FC236}">
+                <a16:creationId xmlns:a16="http://schemas.microsoft.com/office/drawing/2014/main" id="{9C801E70-4AD4-6CC7-EA93-C6EF700E9B95}"/>
+              </a:ext>
+            </a:extLst>
+          </p:cNvPr>
+          <p:cNvSpPr>
+            <a:spLocks noGrp="1"/>
+          </p:cNvSpPr>
+          <p:nvPr>
+            <p:ph idx="1"/>
+          </p:nvPr>
+        </p:nvSpPr>
+        <p:spPr/>
+        <p:txBody>
+          <a:bodyPr/>
+          <a:lstStyle/>
+          <a:p>
+            <a:r>
+              <a:rPr lang="en-US" dirty="0"/>
+              <a:t>Part A) Selenium Automated Tests</a:t>
+            </a:r>
+          </a:p>
+          <a:p>
+            <a:pPr lvl="1"/>
+            <a:r>
+              <a:rPr lang="en-US" dirty="0"/>
+              <a:t>Used MERN Web project made for EC4307 – Web Application Development module.</a:t>
+            </a:r>
+          </a:p>
+          <a:p>
+            <a:pPr lvl="1"/>
+            <a:r>
+              <a:rPr lang="en-US" dirty="0"/>
+              <a:t>Wrote above selenium unit tests.</a:t>
+            </a:r>
+          </a:p>
+          <a:p>
+            <a:pPr lvl="1"/>
+            <a:r>
+              <a:rPr lang="en-US" dirty="0"/>
+              <a:t>Started backend &amp; frontend and Ran the test and got following result with fails.</a:t>
+            </a:r>
+          </a:p>
+          <a:p>
+            <a:pPr lvl="1"/>
+            <a:endParaRPr lang="en-US" dirty="0"/>
+          </a:p>
+        </p:txBody>
+      </p:sp>
+    </p:spTree>
+    <p:extLst>
+      <p:ext uri="{BB962C8B-B14F-4D97-AF65-F5344CB8AC3E}">
+        <p14:creationId xmlns:p14="http://schemas.microsoft.com/office/powerpoint/2010/main" val="2310690039"/>
+      </p:ext>
+    </p:extLst>
+  </p:cSld>
+  <p:clrMapOvr>
+    <a:masterClrMapping/>
+  </p:clrMapOvr>
+</p:sld>
+</file>
+
+<file path=ppt/slides/slide24.xml><?xml version="1.0" encoding="utf-8"?>
+<p:sld xmlns:a="http://schemas.openxmlformats.org/drawingml/2006/main" xmlns:r="http://schemas.openxmlformats.org/officeDocument/2006/relationships" xmlns:p="http://schemas.openxmlformats.org/presentationml/2006/main">
+  <p:cSld>
+    <p:spTree>
+      <p:nvGrpSpPr>
+        <p:cNvPr id="1" name=""/>
+        <p:cNvGrpSpPr/>
+        <p:nvPr/>
+      </p:nvGrpSpPr>
+      <p:grpSpPr>
+        <a:xfrm>
+          <a:off x="0" y="0"/>
+          <a:ext cx="0" cy="0"/>
+          <a:chOff x="0" y="0"/>
+          <a:chExt cx="0" cy="0"/>
+        </a:xfrm>
+      </p:grpSpPr>
+      <p:sp>
+        <p:nvSpPr>
+          <p:cNvPr id="2" name="Title 1">
+            <a:extLst>
+              <a:ext uri="{FF2B5EF4-FFF2-40B4-BE49-F238E27FC236}">
+                <a16:creationId xmlns:a16="http://schemas.microsoft.com/office/drawing/2014/main" id="{CD2EECAC-8FB1-DC5E-9CFF-0855C814A49F}"/>
+              </a:ext>
+            </a:extLst>
+          </p:cNvPr>
+          <p:cNvSpPr>
+            <a:spLocks noGrp="1"/>
+          </p:cNvSpPr>
+          <p:nvPr>
+            <p:ph type="title"/>
+          </p:nvPr>
+        </p:nvSpPr>
+        <p:spPr/>
+        <p:txBody>
+          <a:bodyPr/>
+          <a:lstStyle/>
+          <a:p>
+            <a:endParaRPr lang="en-US"/>
+          </a:p>
+        </p:txBody>
+      </p:sp>
+      <p:sp>
+        <p:nvSpPr>
+          <p:cNvPr id="3" name="Content Placeholder 2">
+            <a:extLst>
+              <a:ext uri="{FF2B5EF4-FFF2-40B4-BE49-F238E27FC236}">
+                <a16:creationId xmlns:a16="http://schemas.microsoft.com/office/drawing/2014/main" id="{8CC607E1-82D4-F40D-886B-A894DD76B50D}"/>
+              </a:ext>
+            </a:extLst>
+          </p:cNvPr>
+          <p:cNvSpPr>
+            <a:spLocks noGrp="1"/>
+          </p:cNvSpPr>
+          <p:nvPr>
+            <p:ph idx="1"/>
+          </p:nvPr>
+        </p:nvSpPr>
+        <p:spPr/>
+        <p:txBody>
+          <a:bodyPr/>
+          <a:lstStyle/>
+          <a:p>
+            <a:endParaRPr lang="en-US"/>
+          </a:p>
+        </p:txBody>
+      </p:sp>
+      <p:pic>
+        <p:nvPicPr>
+          <p:cNvPr id="5" name="Picture 4">
+            <a:extLst>
+              <a:ext uri="{FF2B5EF4-FFF2-40B4-BE49-F238E27FC236}">
+                <a16:creationId xmlns:a16="http://schemas.microsoft.com/office/drawing/2014/main" id="{2D2D06CD-A9E9-A047-65BB-31B4E2B6F716}"/>
+              </a:ext>
+            </a:extLst>
+          </p:cNvPr>
+          <p:cNvPicPr>
+            <a:picLocks noChangeAspect="1"/>
+          </p:cNvPicPr>
+          <p:nvPr/>
+        </p:nvPicPr>
+        <p:blipFill>
+          <a:blip r:embed="rId2"/>
+          <a:stretch>
+            <a:fillRect/>
+          </a:stretch>
+        </p:blipFill>
+        <p:spPr>
+          <a:xfrm>
+            <a:off x="818413" y="242443"/>
+            <a:ext cx="10555173" cy="6373114"/>
+          </a:xfrm>
+          <a:prstGeom prst="rect">
+            <a:avLst/>
+          </a:prstGeom>
+        </p:spPr>
+      </p:pic>
+    </p:spTree>
+    <p:extLst>
+      <p:ext uri="{BB962C8B-B14F-4D97-AF65-F5344CB8AC3E}">
+        <p14:creationId xmlns:p14="http://schemas.microsoft.com/office/powerpoint/2010/main" val="2464027649"/>
+      </p:ext>
+    </p:extLst>
+  </p:cSld>
+  <p:clrMapOvr>
+    <a:masterClrMapping/>
+  </p:clrMapOvr>
+</p:sld>
+</file>
+
+<file path=ppt/slides/slide25.xml><?xml version="1.0" encoding="utf-8"?>
+<p:sld xmlns:a="http://schemas.openxmlformats.org/drawingml/2006/main" xmlns:r="http://schemas.openxmlformats.org/officeDocument/2006/relationships" xmlns:p="http://schemas.openxmlformats.org/presentationml/2006/main">
+  <p:cSld>
+    <p:spTree>
+      <p:nvGrpSpPr>
+        <p:cNvPr id="1" name="">
+          <a:extLst>
+            <a:ext uri="{FF2B5EF4-FFF2-40B4-BE49-F238E27FC236}">
+              <a16:creationId xmlns:a16="http://schemas.microsoft.com/office/drawing/2014/main" id="{7B695B67-C0B8-4435-0066-1268E2624B47}"/>
+            </a:ext>
+          </a:extLst>
+        </p:cNvPr>
+        <p:cNvGrpSpPr/>
+        <p:nvPr/>
+      </p:nvGrpSpPr>
+      <p:grpSpPr>
+        <a:xfrm>
+          <a:off x="0" y="0"/>
+          <a:ext cx="0" cy="0"/>
+          <a:chOff x="0" y="0"/>
+          <a:chExt cx="0" cy="0"/>
+        </a:xfrm>
+      </p:grpSpPr>
+      <p:sp>
+        <p:nvSpPr>
+          <p:cNvPr id="2" name="Title 1">
+            <a:extLst>
+              <a:ext uri="{FF2B5EF4-FFF2-40B4-BE49-F238E27FC236}">
+                <a16:creationId xmlns:a16="http://schemas.microsoft.com/office/drawing/2014/main" id="{DEDD47E0-5340-5AE8-2D2E-8DB190D6C240}"/>
+              </a:ext>
+            </a:extLst>
+          </p:cNvPr>
+          <p:cNvSpPr>
+            <a:spLocks noGrp="1"/>
+          </p:cNvSpPr>
+          <p:nvPr>
+            <p:ph type="title"/>
+          </p:nvPr>
+        </p:nvSpPr>
+        <p:spPr/>
+        <p:txBody>
+          <a:bodyPr>
+            <a:normAutofit/>
+          </a:bodyPr>
+          <a:lstStyle/>
+          <a:p>
+            <a:r>
+              <a:rPr lang="en-US" b="1" dirty="0">
+                <a:latin typeface="Times New Roman" panose="02020603050405020304" pitchFamily="18" charset="0"/>
+                <a:cs typeface="Times New Roman" panose="02020603050405020304" pitchFamily="18" charset="0"/>
+              </a:rPr>
+              <a:t>2. Test Automation &amp; Continuous Integration</a:t>
+            </a:r>
+            <a:r>
+              <a:rPr lang="en-US" dirty="0">
+                <a:latin typeface="Times New Roman" panose="02020603050405020304" pitchFamily="18" charset="0"/>
+                <a:cs typeface="Times New Roman" panose="02020603050405020304" pitchFamily="18" charset="0"/>
+              </a:rPr>
+              <a:t> </a:t>
+            </a:r>
+          </a:p>
+        </p:txBody>
+      </p:sp>
+      <p:sp>
+        <p:nvSpPr>
+          <p:cNvPr id="3" name="Content Placeholder 2">
+            <a:extLst>
+              <a:ext uri="{FF2B5EF4-FFF2-40B4-BE49-F238E27FC236}">
+                <a16:creationId xmlns:a16="http://schemas.microsoft.com/office/drawing/2014/main" id="{A3E7D462-ACBC-556B-602A-F40C455440A7}"/>
+              </a:ext>
+            </a:extLst>
+          </p:cNvPr>
+          <p:cNvSpPr>
+            <a:spLocks noGrp="1"/>
+          </p:cNvSpPr>
+          <p:nvPr>
+            <p:ph idx="1"/>
+          </p:nvPr>
+        </p:nvSpPr>
+        <p:spPr/>
+        <p:txBody>
+          <a:bodyPr/>
+          <a:lstStyle/>
+          <a:p>
+            <a:r>
+              <a:rPr lang="en-US" dirty="0"/>
+              <a:t>Part A) Selenium Automated Tests</a:t>
+            </a:r>
+          </a:p>
+          <a:p>
+            <a:pPr lvl="1"/>
+            <a:r>
+              <a:rPr lang="en-US" dirty="0"/>
+              <a:t>Used MERN Web project made for EC4307 – Web Application Development module.</a:t>
+            </a:r>
+          </a:p>
+          <a:p>
+            <a:pPr lvl="1"/>
+            <a:r>
+              <a:rPr lang="en-US" dirty="0"/>
+              <a:t>Wrote above selenium unit tests.</a:t>
+            </a:r>
+          </a:p>
+          <a:p>
+            <a:pPr lvl="1"/>
+            <a:r>
+              <a:rPr lang="en-US" dirty="0"/>
+              <a:t>Started backend &amp; frontend and Ran the test and got above result with fails.</a:t>
+            </a:r>
+          </a:p>
+          <a:p>
+            <a:pPr lvl="1"/>
+            <a:r>
+              <a:rPr lang="en-US" dirty="0"/>
+              <a:t>Then did some refactoring and got following passing test results.</a:t>
+            </a:r>
+          </a:p>
+          <a:p>
+            <a:pPr lvl="1"/>
+            <a:endParaRPr lang="en-US" dirty="0"/>
+          </a:p>
+        </p:txBody>
+      </p:sp>
+    </p:spTree>
+    <p:extLst>
+      <p:ext uri="{BB962C8B-B14F-4D97-AF65-F5344CB8AC3E}">
+        <p14:creationId xmlns:p14="http://schemas.microsoft.com/office/powerpoint/2010/main" val="899421631"/>
+      </p:ext>
+    </p:extLst>
+  </p:cSld>
+  <p:clrMapOvr>
+    <a:masterClrMapping/>
+  </p:clrMapOvr>
+</p:sld>
+</file>
+
+<file path=ppt/slides/slide26.xml><?xml version="1.0" encoding="utf-8"?>
+<p:sld xmlns:a="http://schemas.openxmlformats.org/drawingml/2006/main" xmlns:r="http://schemas.openxmlformats.org/officeDocument/2006/relationships" xmlns:p="http://schemas.openxmlformats.org/presentationml/2006/main">
+  <p:cSld>
+    <p:spTree>
+      <p:nvGrpSpPr>
+        <p:cNvPr id="1" name=""/>
+        <p:cNvGrpSpPr/>
+        <p:nvPr/>
+      </p:nvGrpSpPr>
+      <p:grpSpPr>
+        <a:xfrm>
+          <a:off x="0" y="0"/>
+          <a:ext cx="0" cy="0"/>
+          <a:chOff x="0" y="0"/>
+          <a:chExt cx="0" cy="0"/>
+        </a:xfrm>
+      </p:grpSpPr>
+      <p:sp>
+        <p:nvSpPr>
+          <p:cNvPr id="2" name="Title 1">
+            <a:extLst>
+              <a:ext uri="{FF2B5EF4-FFF2-40B4-BE49-F238E27FC236}">
+                <a16:creationId xmlns:a16="http://schemas.microsoft.com/office/drawing/2014/main" id="{A27683C6-36A7-8968-A3F0-A3D386365405}"/>
+              </a:ext>
+            </a:extLst>
+          </p:cNvPr>
+          <p:cNvSpPr>
+            <a:spLocks noGrp="1"/>
+          </p:cNvSpPr>
+          <p:nvPr>
+            <p:ph type="title"/>
+          </p:nvPr>
+        </p:nvSpPr>
+        <p:spPr/>
+        <p:txBody>
+          <a:bodyPr/>
+          <a:lstStyle/>
+          <a:p>
+            <a:endParaRPr lang="en-US"/>
+          </a:p>
+        </p:txBody>
+      </p:sp>
+      <p:sp>
+        <p:nvSpPr>
+          <p:cNvPr id="3" name="Content Placeholder 2">
+            <a:extLst>
+              <a:ext uri="{FF2B5EF4-FFF2-40B4-BE49-F238E27FC236}">
+                <a16:creationId xmlns:a16="http://schemas.microsoft.com/office/drawing/2014/main" id="{43FAC807-8C91-4265-7857-B11B24BF8F0A}"/>
+              </a:ext>
+            </a:extLst>
+          </p:cNvPr>
+          <p:cNvSpPr>
+            <a:spLocks noGrp="1"/>
+          </p:cNvSpPr>
+          <p:nvPr>
+            <p:ph idx="1"/>
+          </p:nvPr>
+        </p:nvSpPr>
+        <p:spPr/>
+        <p:txBody>
+          <a:bodyPr/>
+          <a:lstStyle/>
+          <a:p>
+            <a:endParaRPr lang="en-US"/>
+          </a:p>
+        </p:txBody>
+      </p:sp>
+      <p:pic>
+        <p:nvPicPr>
+          <p:cNvPr id="5" name="Picture 4">
+            <a:extLst>
+              <a:ext uri="{FF2B5EF4-FFF2-40B4-BE49-F238E27FC236}">
+                <a16:creationId xmlns:a16="http://schemas.microsoft.com/office/drawing/2014/main" id="{7CFE7D59-F77A-CEEB-4C89-C1C63F9D3E9E}"/>
+              </a:ext>
+            </a:extLst>
+          </p:cNvPr>
+          <p:cNvPicPr>
+            <a:picLocks noChangeAspect="1"/>
+          </p:cNvPicPr>
+          <p:nvPr/>
+        </p:nvPicPr>
+        <p:blipFill>
+          <a:blip r:embed="rId2"/>
+          <a:stretch>
+            <a:fillRect/>
+          </a:stretch>
+        </p:blipFill>
+        <p:spPr>
+          <a:xfrm>
+            <a:off x="4443182" y="2600209"/>
+            <a:ext cx="3305636" cy="1657581"/>
+          </a:xfrm>
+          <a:prstGeom prst="rect">
+            <a:avLst/>
+          </a:prstGeom>
+        </p:spPr>
+      </p:pic>
+    </p:spTree>
+    <p:extLst>
+      <p:ext uri="{BB962C8B-B14F-4D97-AF65-F5344CB8AC3E}">
+        <p14:creationId xmlns:p14="http://schemas.microsoft.com/office/powerpoint/2010/main" val="1100883161"/>
+      </p:ext>
+    </p:extLst>
+  </p:cSld>
+  <p:clrMapOvr>
+    <a:masterClrMapping/>
+  </p:clrMapOvr>
+</p:sld>
+</file>
+
+<file path=ppt/slides/slide27.xml><?xml version="1.0" encoding="utf-8"?>
+<p:sld xmlns:a="http://schemas.openxmlformats.org/drawingml/2006/main" xmlns:r="http://schemas.openxmlformats.org/officeDocument/2006/relationships" xmlns:p="http://schemas.openxmlformats.org/presentationml/2006/main">
+  <p:cSld>
+    <p:spTree>
+      <p:nvGrpSpPr>
+        <p:cNvPr id="1" name="">
+          <a:extLst>
+            <a:ext uri="{FF2B5EF4-FFF2-40B4-BE49-F238E27FC236}">
+              <a16:creationId xmlns:a16="http://schemas.microsoft.com/office/drawing/2014/main" id="{1D143B9A-7044-3AD4-DECB-6880E8D9339C}"/>
+            </a:ext>
+          </a:extLst>
+        </p:cNvPr>
+        <p:cNvGrpSpPr/>
+        <p:nvPr/>
+      </p:nvGrpSpPr>
+      <p:grpSpPr>
+        <a:xfrm>
+          <a:off x="0" y="0"/>
+          <a:ext cx="0" cy="0"/>
+          <a:chOff x="0" y="0"/>
+          <a:chExt cx="0" cy="0"/>
+        </a:xfrm>
+      </p:grpSpPr>
+      <p:sp>
+        <p:nvSpPr>
+          <p:cNvPr id="2" name="Title 1">
+            <a:extLst>
+              <a:ext uri="{FF2B5EF4-FFF2-40B4-BE49-F238E27FC236}">
+                <a16:creationId xmlns:a16="http://schemas.microsoft.com/office/drawing/2014/main" id="{9A3AE8C3-30C9-EEB3-5533-276E582919E2}"/>
+              </a:ext>
+            </a:extLst>
+          </p:cNvPr>
+          <p:cNvSpPr>
+            <a:spLocks noGrp="1"/>
+          </p:cNvSpPr>
+          <p:nvPr>
+            <p:ph type="title"/>
+          </p:nvPr>
+        </p:nvSpPr>
+        <p:spPr/>
+        <p:txBody>
+          <a:bodyPr>
+            <a:normAutofit/>
+          </a:bodyPr>
+          <a:lstStyle/>
+          <a:p>
+            <a:r>
+              <a:rPr lang="en-US" b="1" dirty="0">
+                <a:latin typeface="Times New Roman" panose="02020603050405020304" pitchFamily="18" charset="0"/>
+                <a:cs typeface="Times New Roman" panose="02020603050405020304" pitchFamily="18" charset="0"/>
+              </a:rPr>
+              <a:t>2. Test Automation &amp; Continuous Integration</a:t>
+            </a:r>
+            <a:r>
+              <a:rPr lang="en-US" dirty="0">
+                <a:latin typeface="Times New Roman" panose="02020603050405020304" pitchFamily="18" charset="0"/>
+                <a:cs typeface="Times New Roman" panose="02020603050405020304" pitchFamily="18" charset="0"/>
+              </a:rPr>
+              <a:t> </a:t>
+            </a:r>
+          </a:p>
+        </p:txBody>
+      </p:sp>
+      <p:sp>
+        <p:nvSpPr>
+          <p:cNvPr id="3" name="Content Placeholder 2">
+            <a:extLst>
+              <a:ext uri="{FF2B5EF4-FFF2-40B4-BE49-F238E27FC236}">
+                <a16:creationId xmlns:a16="http://schemas.microsoft.com/office/drawing/2014/main" id="{55D4C61E-1265-5EDD-4740-72633A0F2404}"/>
+              </a:ext>
+            </a:extLst>
+          </p:cNvPr>
+          <p:cNvSpPr>
+            <a:spLocks noGrp="1"/>
+          </p:cNvSpPr>
+          <p:nvPr>
+            <p:ph idx="1"/>
+          </p:nvPr>
+        </p:nvSpPr>
+        <p:spPr/>
+        <p:txBody>
+          <a:bodyPr/>
+          <a:lstStyle/>
+          <a:p>
+            <a:r>
+              <a:rPr lang="en-US" dirty="0"/>
+              <a:t>Part B) API Tests (using Postman)</a:t>
+            </a:r>
+          </a:p>
+          <a:p>
+            <a:pPr lvl="1"/>
+            <a:r>
+              <a:rPr lang="en-US" dirty="0"/>
+              <a:t>Used MERN Web project made for EC4307 – Web Application Development module.</a:t>
+            </a:r>
+          </a:p>
+          <a:p>
+            <a:pPr lvl="1"/>
+            <a:r>
+              <a:rPr lang="en-US" dirty="0"/>
+              <a:t>Wrote following API tests (and more) in Postman.</a:t>
+            </a:r>
+          </a:p>
+          <a:p>
+            <a:pPr lvl="1"/>
+            <a:endParaRPr lang="en-US" dirty="0"/>
+          </a:p>
+        </p:txBody>
+      </p:sp>
+    </p:spTree>
+    <p:extLst>
+      <p:ext uri="{BB962C8B-B14F-4D97-AF65-F5344CB8AC3E}">
+        <p14:creationId xmlns:p14="http://schemas.microsoft.com/office/powerpoint/2010/main" val="3845106247"/>
+      </p:ext>
+    </p:extLst>
+  </p:cSld>
+  <p:clrMapOvr>
+    <a:masterClrMapping/>
+  </p:clrMapOvr>
+</p:sld>
+</file>
+
+<file path=ppt/slides/slide28.xml><?xml version="1.0" encoding="utf-8"?>
+<p:sld xmlns:a="http://schemas.openxmlformats.org/drawingml/2006/main" xmlns:r="http://schemas.openxmlformats.org/officeDocument/2006/relationships" xmlns:p="http://schemas.openxmlformats.org/presentationml/2006/main">
+  <p:cSld>
+    <p:spTree>
+      <p:nvGrpSpPr>
+        <p:cNvPr id="1" name=""/>
+        <p:cNvGrpSpPr/>
+        <p:nvPr/>
+      </p:nvGrpSpPr>
+      <p:grpSpPr>
+        <a:xfrm>
+          <a:off x="0" y="0"/>
+          <a:ext cx="0" cy="0"/>
+          <a:chOff x="0" y="0"/>
+          <a:chExt cx="0" cy="0"/>
+        </a:xfrm>
+      </p:grpSpPr>
+      <p:sp>
+        <p:nvSpPr>
+          <p:cNvPr id="2" name="Title 1">
+            <a:extLst>
+              <a:ext uri="{FF2B5EF4-FFF2-40B4-BE49-F238E27FC236}">
+                <a16:creationId xmlns:a16="http://schemas.microsoft.com/office/drawing/2014/main" id="{777F3F7A-86BF-0D23-2211-453FF79A6663}"/>
+              </a:ext>
+            </a:extLst>
+          </p:cNvPr>
+          <p:cNvSpPr>
+            <a:spLocks noGrp="1"/>
+          </p:cNvSpPr>
+          <p:nvPr>
+            <p:ph type="title"/>
+          </p:nvPr>
+        </p:nvSpPr>
+        <p:spPr/>
+        <p:txBody>
+          <a:bodyPr/>
+          <a:lstStyle/>
+          <a:p>
+            <a:endParaRPr lang="en-US"/>
+          </a:p>
+        </p:txBody>
+      </p:sp>
+      <p:pic>
+        <p:nvPicPr>
+          <p:cNvPr id="7" name="Content Placeholder 6">
+            <a:extLst>
+              <a:ext uri="{FF2B5EF4-FFF2-40B4-BE49-F238E27FC236}">
+                <a16:creationId xmlns:a16="http://schemas.microsoft.com/office/drawing/2014/main" id="{5919777A-7B50-86DB-512F-F50F2DFE9971}"/>
+              </a:ext>
+            </a:extLst>
+          </p:cNvPr>
+          <p:cNvPicPr>
+            <a:picLocks noGrp="1" noChangeAspect="1"/>
+          </p:cNvPicPr>
+          <p:nvPr>
+            <p:ph idx="1"/>
+          </p:nvPr>
+        </p:nvPicPr>
+        <p:blipFill>
+          <a:blip r:embed="rId2"/>
+          <a:stretch>
+            <a:fillRect/>
+          </a:stretch>
+        </p:blipFill>
+        <p:spPr>
+          <a:xfrm>
+            <a:off x="3576308" y="868527"/>
+            <a:ext cx="5631084" cy="2336225"/>
+          </a:xfrm>
+          <a:prstGeom prst="rect">
+            <a:avLst/>
+          </a:prstGeom>
+        </p:spPr>
+      </p:pic>
+      <p:pic>
+        <p:nvPicPr>
+          <p:cNvPr id="5" name="Picture 4">
+            <a:extLst>
+              <a:ext uri="{FF2B5EF4-FFF2-40B4-BE49-F238E27FC236}">
+                <a16:creationId xmlns:a16="http://schemas.microsoft.com/office/drawing/2014/main" id="{D933A3F5-7A01-6731-4361-5C726D537B24}"/>
+              </a:ext>
+            </a:extLst>
+          </p:cNvPr>
+          <p:cNvPicPr>
+            <a:picLocks noChangeAspect="1"/>
+          </p:cNvPicPr>
+          <p:nvPr/>
+        </p:nvPicPr>
+        <p:blipFill>
+          <a:blip r:embed="rId3"/>
+          <a:stretch>
+            <a:fillRect/>
+          </a:stretch>
+        </p:blipFill>
+        <p:spPr>
+          <a:xfrm>
+            <a:off x="706520" y="804519"/>
+            <a:ext cx="2615878" cy="4914008"/>
+          </a:xfrm>
+          <a:prstGeom prst="rect">
+            <a:avLst/>
+          </a:prstGeom>
+        </p:spPr>
+      </p:pic>
+      <p:pic>
+        <p:nvPicPr>
+          <p:cNvPr id="9" name="Picture 8">
+            <a:extLst>
+              <a:ext uri="{FF2B5EF4-FFF2-40B4-BE49-F238E27FC236}">
+                <a16:creationId xmlns:a16="http://schemas.microsoft.com/office/drawing/2014/main" id="{C0C3D076-4DD6-9228-A96F-027EFF5327AB}"/>
+              </a:ext>
+            </a:extLst>
+          </p:cNvPr>
+          <p:cNvPicPr>
+            <a:picLocks noChangeAspect="1"/>
+          </p:cNvPicPr>
+          <p:nvPr/>
+        </p:nvPicPr>
+        <p:blipFill>
+          <a:blip r:embed="rId4"/>
+          <a:stretch>
+            <a:fillRect/>
+          </a:stretch>
+        </p:blipFill>
+        <p:spPr>
+          <a:xfrm>
+            <a:off x="3597821" y="3873496"/>
+            <a:ext cx="3156901" cy="2115977"/>
+          </a:xfrm>
+          <a:prstGeom prst="rect">
+            <a:avLst/>
+          </a:prstGeom>
+        </p:spPr>
+      </p:pic>
+      <p:pic>
+        <p:nvPicPr>
+          <p:cNvPr id="11" name="Picture 10">
+            <a:extLst>
+              <a:ext uri="{FF2B5EF4-FFF2-40B4-BE49-F238E27FC236}">
+                <a16:creationId xmlns:a16="http://schemas.microsoft.com/office/drawing/2014/main" id="{8923FC3A-F725-FAC4-B08B-99B124B73494}"/>
+              </a:ext>
+            </a:extLst>
+          </p:cNvPr>
+          <p:cNvPicPr>
+            <a:picLocks noChangeAspect="1"/>
+          </p:cNvPicPr>
+          <p:nvPr/>
+        </p:nvPicPr>
+        <p:blipFill>
+          <a:blip r:embed="rId5"/>
+          <a:stretch>
+            <a:fillRect/>
+          </a:stretch>
+        </p:blipFill>
+        <p:spPr>
+          <a:xfrm>
+            <a:off x="3597821" y="152782"/>
+            <a:ext cx="5639587" cy="628738"/>
+          </a:xfrm>
+          <a:prstGeom prst="rect">
+            <a:avLst/>
+          </a:prstGeom>
+        </p:spPr>
+      </p:pic>
+      <p:pic>
+        <p:nvPicPr>
+          <p:cNvPr id="13" name="Picture 12">
+            <a:extLst>
+              <a:ext uri="{FF2B5EF4-FFF2-40B4-BE49-F238E27FC236}">
+                <a16:creationId xmlns:a16="http://schemas.microsoft.com/office/drawing/2014/main" id="{5FC57A36-A098-2688-0907-C13C12261162}"/>
+              </a:ext>
+            </a:extLst>
+          </p:cNvPr>
+          <p:cNvPicPr>
+            <a:picLocks noChangeAspect="1"/>
+          </p:cNvPicPr>
+          <p:nvPr/>
+        </p:nvPicPr>
+        <p:blipFill>
+          <a:blip r:embed="rId6"/>
+          <a:stretch>
+            <a:fillRect/>
+          </a:stretch>
+        </p:blipFill>
+        <p:spPr>
+          <a:xfrm>
+            <a:off x="6987119" y="4160664"/>
+            <a:ext cx="4341627" cy="1687161"/>
+          </a:xfrm>
+          <a:prstGeom prst="rect">
+            <a:avLst/>
+          </a:prstGeom>
+        </p:spPr>
+      </p:pic>
+      <p:pic>
+        <p:nvPicPr>
+          <p:cNvPr id="15" name="Picture 14">
+            <a:extLst>
+              <a:ext uri="{FF2B5EF4-FFF2-40B4-BE49-F238E27FC236}">
+                <a16:creationId xmlns:a16="http://schemas.microsoft.com/office/drawing/2014/main" id="{C861CC5F-C96F-71AC-1568-7004440727F0}"/>
+              </a:ext>
+            </a:extLst>
+          </p:cNvPr>
+          <p:cNvPicPr>
+            <a:picLocks noChangeAspect="1"/>
+          </p:cNvPicPr>
+          <p:nvPr/>
+        </p:nvPicPr>
+        <p:blipFill>
+          <a:blip r:embed="rId7"/>
+          <a:stretch>
+            <a:fillRect/>
+          </a:stretch>
+        </p:blipFill>
+        <p:spPr>
+          <a:xfrm>
+            <a:off x="6922009" y="3439339"/>
+            <a:ext cx="4800600" cy="551793"/>
+          </a:xfrm>
+          <a:prstGeom prst="rect">
+            <a:avLst/>
+          </a:prstGeom>
+        </p:spPr>
+      </p:pic>
+    </p:spTree>
+    <p:extLst>
+      <p:ext uri="{BB962C8B-B14F-4D97-AF65-F5344CB8AC3E}">
+        <p14:creationId xmlns:p14="http://schemas.microsoft.com/office/powerpoint/2010/main" val="279117080"/>
+      </p:ext>
+    </p:extLst>
+  </p:cSld>
+  <p:clrMapOvr>
+    <a:masterClrMapping/>
+  </p:clrMapOvr>
+</p:sld>
+</file>
+
+<file path=ppt/slides/slide29.xml><?xml version="1.0" encoding="utf-8"?>
+<p:sld xmlns:a="http://schemas.openxmlformats.org/drawingml/2006/main" xmlns:r="http://schemas.openxmlformats.org/officeDocument/2006/relationships" xmlns:p="http://schemas.openxmlformats.org/presentationml/2006/main">
+  <p:cSld>
+    <p:spTree>
+      <p:nvGrpSpPr>
+        <p:cNvPr id="1" name="">
+          <a:extLst>
+            <a:ext uri="{FF2B5EF4-FFF2-40B4-BE49-F238E27FC236}">
+              <a16:creationId xmlns:a16="http://schemas.microsoft.com/office/drawing/2014/main" id="{8DEB9CE2-81D6-DF20-AEFF-1F5CB35B9DEA}"/>
+            </a:ext>
+          </a:extLst>
+        </p:cNvPr>
+        <p:cNvGrpSpPr/>
+        <p:nvPr/>
+      </p:nvGrpSpPr>
+      <p:grpSpPr>
+        <a:xfrm>
+          <a:off x="0" y="0"/>
+          <a:ext cx="0" cy="0"/>
+          <a:chOff x="0" y="0"/>
+          <a:chExt cx="0" cy="0"/>
+        </a:xfrm>
+      </p:grpSpPr>
+      <p:sp>
+        <p:nvSpPr>
+          <p:cNvPr id="2" name="Title 1">
+            <a:extLst>
+              <a:ext uri="{FF2B5EF4-FFF2-40B4-BE49-F238E27FC236}">
+                <a16:creationId xmlns:a16="http://schemas.microsoft.com/office/drawing/2014/main" id="{30166DAE-CCF0-FA0F-7007-AB9EBE9101F7}"/>
+              </a:ext>
+            </a:extLst>
+          </p:cNvPr>
+          <p:cNvSpPr>
+            <a:spLocks noGrp="1"/>
+          </p:cNvSpPr>
+          <p:nvPr>
+            <p:ph type="title"/>
+          </p:nvPr>
+        </p:nvSpPr>
+        <p:spPr/>
+        <p:txBody>
+          <a:bodyPr>
+            <a:normAutofit/>
+          </a:bodyPr>
+          <a:lstStyle/>
+          <a:p>
+            <a:r>
+              <a:rPr lang="en-US" b="1" dirty="0">
+                <a:latin typeface="Times New Roman" panose="02020603050405020304" pitchFamily="18" charset="0"/>
+                <a:cs typeface="Times New Roman" panose="02020603050405020304" pitchFamily="18" charset="0"/>
+              </a:rPr>
+              <a:t>2. Test Automation &amp; Continuous Integration</a:t>
+            </a:r>
+            <a:r>
+              <a:rPr lang="en-US" dirty="0">
+                <a:latin typeface="Times New Roman" panose="02020603050405020304" pitchFamily="18" charset="0"/>
+                <a:cs typeface="Times New Roman" panose="02020603050405020304" pitchFamily="18" charset="0"/>
+              </a:rPr>
+              <a:t> </a:t>
+            </a:r>
+          </a:p>
+        </p:txBody>
+      </p:sp>
+      <p:sp>
+        <p:nvSpPr>
+          <p:cNvPr id="3" name="Content Placeholder 2">
+            <a:extLst>
+              <a:ext uri="{FF2B5EF4-FFF2-40B4-BE49-F238E27FC236}">
+                <a16:creationId xmlns:a16="http://schemas.microsoft.com/office/drawing/2014/main" id="{87BF87A5-7CB5-7B02-9228-0B51C3192305}"/>
+              </a:ext>
+            </a:extLst>
+          </p:cNvPr>
+          <p:cNvSpPr>
+            <a:spLocks noGrp="1"/>
+          </p:cNvSpPr>
+          <p:nvPr>
+            <p:ph idx="1"/>
+          </p:nvPr>
+        </p:nvSpPr>
+        <p:spPr/>
+        <p:txBody>
+          <a:bodyPr/>
+          <a:lstStyle/>
+          <a:p>
+            <a:r>
+              <a:rPr lang="en-US" dirty="0"/>
+              <a:t>Part B) API Tests (using Postman)</a:t>
+            </a:r>
+          </a:p>
+          <a:p>
+            <a:pPr lvl="1"/>
+            <a:r>
+              <a:rPr lang="en-US" dirty="0"/>
+              <a:t>Used MERN Web project made for EC4307 – Web Application Development module.</a:t>
+            </a:r>
+          </a:p>
+          <a:p>
+            <a:pPr lvl="1"/>
+            <a:r>
+              <a:rPr lang="en-US" dirty="0"/>
+              <a:t>Wrote above API tests (and more) in Postman.</a:t>
+            </a:r>
+          </a:p>
+          <a:p>
+            <a:pPr lvl="1"/>
+            <a:r>
+              <a:rPr lang="en-US" dirty="0"/>
+              <a:t>Ran the tests in 1 iteration and got following result</a:t>
+            </a:r>
+          </a:p>
+          <a:p>
+            <a:pPr lvl="1"/>
+            <a:endParaRPr lang="en-US" dirty="0"/>
+          </a:p>
+        </p:txBody>
+      </p:sp>
+    </p:spTree>
+    <p:extLst>
+      <p:ext uri="{BB962C8B-B14F-4D97-AF65-F5344CB8AC3E}">
+        <p14:creationId xmlns:p14="http://schemas.microsoft.com/office/powerpoint/2010/main" val="688505587"/>
+      </p:ext>
+    </p:extLst>
+  </p:cSld>
+  <p:clrMapOvr>
+    <a:masterClrMapping/>
+  </p:clrMapOvr>
+</p:sld>
+</file>
+
+<file path=ppt/slides/slide3.xml><?xml version="1.0" encoding="utf-8"?>
+<p:sld xmlns:a="http://schemas.openxmlformats.org/drawingml/2006/main" xmlns:r="http://schemas.openxmlformats.org/officeDocument/2006/relationships" xmlns:p="http://schemas.openxmlformats.org/presentationml/2006/main">
+  <p:cSld>
+    <p:spTree>
+      <p:nvGrpSpPr>
+        <p:cNvPr id="1" name=""/>
+        <p:cNvGrpSpPr/>
+        <p:nvPr/>
+      </p:nvGrpSpPr>
+      <p:grpSpPr>
+        <a:xfrm>
+          <a:off x="0" y="0"/>
+          <a:ext cx="0" cy="0"/>
+          <a:chOff x="0" y="0"/>
+          <a:chExt cx="0" cy="0"/>
+        </a:xfrm>
+      </p:grpSpPr>
+      <p:sp>
+        <p:nvSpPr>
+          <p:cNvPr id="2" name="Title 1">
+            <a:extLst>
+              <a:ext uri="{FF2B5EF4-FFF2-40B4-BE49-F238E27FC236}">
+                <a16:creationId xmlns:a16="http://schemas.microsoft.com/office/drawing/2014/main" id="{57F499F7-1AFE-89AE-FFF3-F31D8AF6E0DB}"/>
+              </a:ext>
+            </a:extLst>
+          </p:cNvPr>
+          <p:cNvSpPr>
+            <a:spLocks noGrp="1"/>
+          </p:cNvSpPr>
+          <p:nvPr>
+            <p:ph type="title"/>
+          </p:nvPr>
+        </p:nvSpPr>
+        <p:spPr/>
+        <p:txBody>
+          <a:bodyPr/>
+          <a:lstStyle/>
+          <a:p>
+            <a:endParaRPr lang="en-US"/>
+          </a:p>
+        </p:txBody>
+      </p:sp>
+      <p:sp>
+        <p:nvSpPr>
+          <p:cNvPr id="3" name="Content Placeholder 2">
+            <a:extLst>
+              <a:ext uri="{FF2B5EF4-FFF2-40B4-BE49-F238E27FC236}">
+                <a16:creationId xmlns:a16="http://schemas.microsoft.com/office/drawing/2014/main" id="{884380F9-24AF-9063-54B0-D7B7E114246B}"/>
+              </a:ext>
+            </a:extLst>
+          </p:cNvPr>
+          <p:cNvSpPr>
+            <a:spLocks noGrp="1"/>
+          </p:cNvSpPr>
+          <p:nvPr>
+            <p:ph idx="1"/>
+          </p:nvPr>
+        </p:nvSpPr>
+        <p:spPr/>
+        <p:txBody>
+          <a:bodyPr/>
+          <a:lstStyle/>
+          <a:p>
+            <a:endParaRPr lang="en-US"/>
+          </a:p>
+        </p:txBody>
+      </p:sp>
+      <p:pic>
+        <p:nvPicPr>
+          <p:cNvPr id="5" name="Picture 4">
+            <a:extLst>
+              <a:ext uri="{FF2B5EF4-FFF2-40B4-BE49-F238E27FC236}">
+                <a16:creationId xmlns:a16="http://schemas.microsoft.com/office/drawing/2014/main" id="{37781D21-45FB-2D53-E5E1-F37CB7019910}"/>
+              </a:ext>
+            </a:extLst>
+          </p:cNvPr>
+          <p:cNvPicPr>
+            <a:picLocks noChangeAspect="1"/>
+          </p:cNvPicPr>
+          <p:nvPr/>
+        </p:nvPicPr>
+        <p:blipFill>
+          <a:blip r:embed="rId2"/>
+          <a:stretch>
+            <a:fillRect/>
+          </a:stretch>
+        </p:blipFill>
+        <p:spPr>
+          <a:xfrm>
+            <a:off x="1981200" y="298845"/>
+            <a:ext cx="8229600" cy="5672340"/>
+          </a:xfrm>
+          <a:prstGeom prst="rect">
+            <a:avLst/>
+          </a:prstGeom>
+        </p:spPr>
+      </p:pic>
+    </p:spTree>
+    <p:extLst>
+      <p:ext uri="{BB962C8B-B14F-4D97-AF65-F5344CB8AC3E}">
+        <p14:creationId xmlns:p14="http://schemas.microsoft.com/office/powerpoint/2010/main" val="807380610"/>
+      </p:ext>
+    </p:extLst>
+  </p:cSld>
+  <p:clrMapOvr>
+    <a:masterClrMapping/>
+  </p:clrMapOvr>
+</p:sld>
+</file>
+
+<file path=ppt/slides/slide30.xml><?xml version="1.0" encoding="utf-8"?>
+<p:sld xmlns:a="http://schemas.openxmlformats.org/drawingml/2006/main" xmlns:r="http://schemas.openxmlformats.org/officeDocument/2006/relationships" xmlns:p="http://schemas.openxmlformats.org/presentationml/2006/main">
+  <p:cSld>
+    <p:spTree>
+      <p:nvGrpSpPr>
+        <p:cNvPr id="1" name=""/>
+        <p:cNvGrpSpPr/>
+        <p:nvPr/>
+      </p:nvGrpSpPr>
+      <p:grpSpPr>
+        <a:xfrm>
+          <a:off x="0" y="0"/>
+          <a:ext cx="0" cy="0"/>
+          <a:chOff x="0" y="0"/>
+          <a:chExt cx="0" cy="0"/>
+        </a:xfrm>
+      </p:grpSpPr>
+      <p:sp>
+        <p:nvSpPr>
+          <p:cNvPr id="2" name="Title 1">
+            <a:extLst>
+              <a:ext uri="{FF2B5EF4-FFF2-40B4-BE49-F238E27FC236}">
+                <a16:creationId xmlns:a16="http://schemas.microsoft.com/office/drawing/2014/main" id="{80BE3C82-765E-AE16-716E-0A59D91459BD}"/>
+              </a:ext>
+            </a:extLst>
+          </p:cNvPr>
+          <p:cNvSpPr>
+            <a:spLocks noGrp="1"/>
+          </p:cNvSpPr>
+          <p:nvPr>
+            <p:ph type="title"/>
+          </p:nvPr>
+        </p:nvSpPr>
+        <p:spPr/>
+        <p:txBody>
+          <a:bodyPr/>
+          <a:lstStyle/>
+          <a:p>
+            <a:endParaRPr lang="en-US"/>
+          </a:p>
+        </p:txBody>
+      </p:sp>
+      <p:sp>
+        <p:nvSpPr>
+          <p:cNvPr id="3" name="Content Placeholder 2">
+            <a:extLst>
+              <a:ext uri="{FF2B5EF4-FFF2-40B4-BE49-F238E27FC236}">
+                <a16:creationId xmlns:a16="http://schemas.microsoft.com/office/drawing/2014/main" id="{7FFD5393-6357-121A-9791-36EDC7901E0C}"/>
+              </a:ext>
+            </a:extLst>
+          </p:cNvPr>
+          <p:cNvSpPr>
+            <a:spLocks noGrp="1"/>
+          </p:cNvSpPr>
+          <p:nvPr>
+            <p:ph idx="1"/>
+          </p:nvPr>
+        </p:nvSpPr>
+        <p:spPr/>
+        <p:txBody>
+          <a:bodyPr/>
+          <a:lstStyle/>
+          <a:p>
+            <a:endParaRPr lang="en-US" dirty="0"/>
+          </a:p>
+        </p:txBody>
+      </p:sp>
+      <p:pic>
+        <p:nvPicPr>
+          <p:cNvPr id="5" name="Picture 4">
+            <a:extLst>
+              <a:ext uri="{FF2B5EF4-FFF2-40B4-BE49-F238E27FC236}">
+                <a16:creationId xmlns:a16="http://schemas.microsoft.com/office/drawing/2014/main" id="{70893E72-2875-DD4A-B0BE-F81A85640E0F}"/>
+              </a:ext>
+            </a:extLst>
+          </p:cNvPr>
+          <p:cNvPicPr>
+            <a:picLocks noChangeAspect="1"/>
+          </p:cNvPicPr>
+          <p:nvPr/>
+        </p:nvPicPr>
+        <p:blipFill>
+          <a:blip r:embed="rId2"/>
+          <a:stretch>
+            <a:fillRect/>
+          </a:stretch>
+        </p:blipFill>
+        <p:spPr>
+          <a:xfrm>
+            <a:off x="1325880" y="986028"/>
+            <a:ext cx="9098280" cy="4480317"/>
+          </a:xfrm>
+          <a:prstGeom prst="rect">
+            <a:avLst/>
+          </a:prstGeom>
+        </p:spPr>
+      </p:pic>
+    </p:spTree>
+    <p:extLst>
+      <p:ext uri="{BB962C8B-B14F-4D97-AF65-F5344CB8AC3E}">
+        <p14:creationId xmlns:p14="http://schemas.microsoft.com/office/powerpoint/2010/main" val="2438416594"/>
+      </p:ext>
+    </p:extLst>
+  </p:cSld>
+  <p:clrMapOvr>
+    <a:masterClrMapping/>
+  </p:clrMapOvr>
+</p:sld>
+</file>
+
+<file path=ppt/slides/slide31.xml><?xml version="1.0" encoding="utf-8"?>
+<p:sld xmlns:a="http://schemas.openxmlformats.org/drawingml/2006/main" xmlns:r="http://schemas.openxmlformats.org/officeDocument/2006/relationships" xmlns:p="http://schemas.openxmlformats.org/presentationml/2006/main">
+  <p:cSld>
+    <p:spTree>
+      <p:nvGrpSpPr>
+        <p:cNvPr id="1" name=""/>
+        <p:cNvGrpSpPr/>
+        <p:nvPr/>
+      </p:nvGrpSpPr>
+      <p:grpSpPr>
+        <a:xfrm>
+          <a:off x="0" y="0"/>
+          <a:ext cx="0" cy="0"/>
+          <a:chOff x="0" y="0"/>
+          <a:chExt cx="0" cy="0"/>
+        </a:xfrm>
+      </p:grpSpPr>
+      <p:sp>
+        <p:nvSpPr>
+          <p:cNvPr id="2" name="Title 1">
+            <a:extLst>
+              <a:ext uri="{FF2B5EF4-FFF2-40B4-BE49-F238E27FC236}">
+                <a16:creationId xmlns:a16="http://schemas.microsoft.com/office/drawing/2014/main" id="{A5898343-1F53-9609-E493-494CA90A4FC9}"/>
+              </a:ext>
+            </a:extLst>
+          </p:cNvPr>
+          <p:cNvSpPr>
+            <a:spLocks noGrp="1"/>
+          </p:cNvSpPr>
+          <p:nvPr>
+            <p:ph type="title"/>
+          </p:nvPr>
+        </p:nvSpPr>
+        <p:spPr/>
+        <p:txBody>
+          <a:bodyPr/>
+          <a:lstStyle/>
+          <a:p>
+            <a:endParaRPr lang="en-US"/>
+          </a:p>
+        </p:txBody>
+      </p:sp>
+      <p:sp>
+        <p:nvSpPr>
+          <p:cNvPr id="3" name="Content Placeholder 2">
+            <a:extLst>
+              <a:ext uri="{FF2B5EF4-FFF2-40B4-BE49-F238E27FC236}">
+                <a16:creationId xmlns:a16="http://schemas.microsoft.com/office/drawing/2014/main" id="{22F804F0-AB57-E05D-378C-7C2879C92141}"/>
+              </a:ext>
+            </a:extLst>
+          </p:cNvPr>
+          <p:cNvSpPr>
+            <a:spLocks noGrp="1"/>
+          </p:cNvSpPr>
+          <p:nvPr>
+            <p:ph idx="1"/>
+          </p:nvPr>
+        </p:nvSpPr>
+        <p:spPr/>
+        <p:txBody>
+          <a:bodyPr/>
+          <a:lstStyle/>
+          <a:p>
+            <a:endParaRPr lang="en-US"/>
+          </a:p>
+        </p:txBody>
+      </p:sp>
+      <p:pic>
+        <p:nvPicPr>
+          <p:cNvPr id="5" name="Picture 4">
+            <a:extLst>
+              <a:ext uri="{FF2B5EF4-FFF2-40B4-BE49-F238E27FC236}">
+                <a16:creationId xmlns:a16="http://schemas.microsoft.com/office/drawing/2014/main" id="{53B04505-60DD-9E75-3A8E-C084B2E7F35B}"/>
+              </a:ext>
+            </a:extLst>
+          </p:cNvPr>
+          <p:cNvPicPr>
+            <a:picLocks noChangeAspect="1"/>
+          </p:cNvPicPr>
+          <p:nvPr/>
+        </p:nvPicPr>
+        <p:blipFill>
+          <a:blip r:embed="rId2"/>
+          <a:stretch>
+            <a:fillRect/>
+          </a:stretch>
+        </p:blipFill>
+        <p:spPr>
+          <a:xfrm>
+            <a:off x="1137146" y="987551"/>
+            <a:ext cx="9934130" cy="4544097"/>
+          </a:xfrm>
+          <a:prstGeom prst="rect">
+            <a:avLst/>
+          </a:prstGeom>
+        </p:spPr>
+      </p:pic>
+    </p:spTree>
+    <p:extLst>
+      <p:ext uri="{BB962C8B-B14F-4D97-AF65-F5344CB8AC3E}">
+        <p14:creationId xmlns:p14="http://schemas.microsoft.com/office/powerpoint/2010/main" val="931137766"/>
+      </p:ext>
+    </p:extLst>
+  </p:cSld>
+  <p:clrMapOvr>
+    <a:masterClrMapping/>
+  </p:clrMapOvr>
+</p:sld>
+</file>
+
+<file path=ppt/slides/slide32.xml><?xml version="1.0" encoding="utf-8"?>
+<p:sld xmlns:a="http://schemas.openxmlformats.org/drawingml/2006/main" xmlns:r="http://schemas.openxmlformats.org/officeDocument/2006/relationships" xmlns:p="http://schemas.openxmlformats.org/presentationml/2006/main">
+  <p:cSld>
+    <p:spTree>
+      <p:nvGrpSpPr>
+        <p:cNvPr id="1" name=""/>
+        <p:cNvGrpSpPr/>
+        <p:nvPr/>
+      </p:nvGrpSpPr>
+      <p:grpSpPr>
+        <a:xfrm>
+          <a:off x="0" y="0"/>
+          <a:ext cx="0" cy="0"/>
+          <a:chOff x="0" y="0"/>
+          <a:chExt cx="0" cy="0"/>
+        </a:xfrm>
+      </p:grpSpPr>
+      <p:sp>
+        <p:nvSpPr>
+          <p:cNvPr id="2" name="Title 1">
+            <a:extLst>
+              <a:ext uri="{FF2B5EF4-FFF2-40B4-BE49-F238E27FC236}">
+                <a16:creationId xmlns:a16="http://schemas.microsoft.com/office/drawing/2014/main" id="{B0E63B63-5446-F33A-8F73-428DBF3168EC}"/>
+              </a:ext>
+            </a:extLst>
+          </p:cNvPr>
+          <p:cNvSpPr>
+            <a:spLocks noGrp="1"/>
+          </p:cNvSpPr>
+          <p:nvPr>
+            <p:ph type="title"/>
+          </p:nvPr>
+        </p:nvSpPr>
+        <p:spPr/>
+        <p:txBody>
+          <a:bodyPr/>
+          <a:lstStyle/>
+          <a:p>
+            <a:endParaRPr lang="en-US"/>
+          </a:p>
+        </p:txBody>
+      </p:sp>
+      <p:sp>
+        <p:nvSpPr>
+          <p:cNvPr id="3" name="Content Placeholder 2">
+            <a:extLst>
+              <a:ext uri="{FF2B5EF4-FFF2-40B4-BE49-F238E27FC236}">
+                <a16:creationId xmlns:a16="http://schemas.microsoft.com/office/drawing/2014/main" id="{27855BFC-C484-8AFC-78B0-A34071DB6EBF}"/>
+              </a:ext>
+            </a:extLst>
+          </p:cNvPr>
+          <p:cNvSpPr>
+            <a:spLocks noGrp="1"/>
+          </p:cNvSpPr>
+          <p:nvPr>
+            <p:ph idx="1"/>
+          </p:nvPr>
+        </p:nvSpPr>
+        <p:spPr/>
+        <p:txBody>
+          <a:bodyPr/>
+          <a:lstStyle/>
+          <a:p>
+            <a:endParaRPr lang="en-US"/>
+          </a:p>
+        </p:txBody>
+      </p:sp>
+      <p:pic>
+        <p:nvPicPr>
+          <p:cNvPr id="5" name="Picture 4">
+            <a:extLst>
+              <a:ext uri="{FF2B5EF4-FFF2-40B4-BE49-F238E27FC236}">
+                <a16:creationId xmlns:a16="http://schemas.microsoft.com/office/drawing/2014/main" id="{87AAAEBA-ECE8-E3C3-6220-CBF486DC3090}"/>
+              </a:ext>
+            </a:extLst>
+          </p:cNvPr>
+          <p:cNvPicPr>
+            <a:picLocks noChangeAspect="1"/>
+          </p:cNvPicPr>
+          <p:nvPr/>
+        </p:nvPicPr>
+        <p:blipFill>
+          <a:blip r:embed="rId2"/>
+          <a:stretch>
+            <a:fillRect/>
+          </a:stretch>
+        </p:blipFill>
+        <p:spPr>
+          <a:xfrm>
+            <a:off x="1069848" y="1391655"/>
+            <a:ext cx="10582656" cy="3770372"/>
+          </a:xfrm>
+          <a:prstGeom prst="rect">
+            <a:avLst/>
+          </a:prstGeom>
+        </p:spPr>
+      </p:pic>
+    </p:spTree>
+    <p:extLst>
+      <p:ext uri="{BB962C8B-B14F-4D97-AF65-F5344CB8AC3E}">
+        <p14:creationId xmlns:p14="http://schemas.microsoft.com/office/powerpoint/2010/main" val="2182238299"/>
+      </p:ext>
+    </p:extLst>
+  </p:cSld>
+  <p:clrMapOvr>
+    <a:masterClrMapping/>
+  </p:clrMapOvr>
+</p:sld>
+</file>
+
+<file path=ppt/slides/slide33.xml><?xml version="1.0" encoding="utf-8"?>
+<p:sld xmlns:a="http://schemas.openxmlformats.org/drawingml/2006/main" xmlns:r="http://schemas.openxmlformats.org/officeDocument/2006/relationships" xmlns:p="http://schemas.openxmlformats.org/presentationml/2006/main">
+  <p:cSld>
+    <p:spTree>
+      <p:nvGrpSpPr>
+        <p:cNvPr id="1" name="">
+          <a:extLst>
+            <a:ext uri="{FF2B5EF4-FFF2-40B4-BE49-F238E27FC236}">
+              <a16:creationId xmlns:a16="http://schemas.microsoft.com/office/drawing/2014/main" id="{B2119986-57C6-6280-9C7A-0C69FD80E890}"/>
+            </a:ext>
+          </a:extLst>
+        </p:cNvPr>
+        <p:cNvGrpSpPr/>
+        <p:nvPr/>
+      </p:nvGrpSpPr>
+      <p:grpSpPr>
+        <a:xfrm>
+          <a:off x="0" y="0"/>
+          <a:ext cx="0" cy="0"/>
+          <a:chOff x="0" y="0"/>
+          <a:chExt cx="0" cy="0"/>
+        </a:xfrm>
+      </p:grpSpPr>
+      <p:sp>
+        <p:nvSpPr>
+          <p:cNvPr id="2" name="Title 1">
+            <a:extLst>
+              <a:ext uri="{FF2B5EF4-FFF2-40B4-BE49-F238E27FC236}">
+                <a16:creationId xmlns:a16="http://schemas.microsoft.com/office/drawing/2014/main" id="{C0A6E9D8-101A-659E-88B4-53093F2A2229}"/>
+              </a:ext>
+            </a:extLst>
+          </p:cNvPr>
+          <p:cNvSpPr>
+            <a:spLocks noGrp="1"/>
+          </p:cNvSpPr>
+          <p:nvPr>
+            <p:ph type="title"/>
+          </p:nvPr>
+        </p:nvSpPr>
+        <p:spPr/>
+        <p:txBody>
+          <a:bodyPr>
+            <a:normAutofit/>
+          </a:bodyPr>
+          <a:lstStyle/>
+          <a:p>
+            <a:r>
+              <a:rPr lang="en-US" b="1" dirty="0">
+                <a:latin typeface="Times New Roman" panose="02020603050405020304" pitchFamily="18" charset="0"/>
+                <a:cs typeface="Times New Roman" panose="02020603050405020304" pitchFamily="18" charset="0"/>
+              </a:rPr>
+              <a:t>2. Test Automation &amp; Continuous Integration</a:t>
+            </a:r>
+            <a:r>
+              <a:rPr lang="en-US" dirty="0">
+                <a:latin typeface="Times New Roman" panose="02020603050405020304" pitchFamily="18" charset="0"/>
+                <a:cs typeface="Times New Roman" panose="02020603050405020304" pitchFamily="18" charset="0"/>
+              </a:rPr>
+              <a:t> </a:t>
+            </a:r>
+          </a:p>
+        </p:txBody>
+      </p:sp>
+      <p:sp>
+        <p:nvSpPr>
+          <p:cNvPr id="3" name="Content Placeholder 2">
+            <a:extLst>
+              <a:ext uri="{FF2B5EF4-FFF2-40B4-BE49-F238E27FC236}">
+                <a16:creationId xmlns:a16="http://schemas.microsoft.com/office/drawing/2014/main" id="{0B692449-53D6-4770-84DE-4595D6544E37}"/>
+              </a:ext>
+            </a:extLst>
+          </p:cNvPr>
+          <p:cNvSpPr>
+            <a:spLocks noGrp="1"/>
+          </p:cNvSpPr>
+          <p:nvPr>
+            <p:ph idx="1"/>
+          </p:nvPr>
+        </p:nvSpPr>
+        <p:spPr/>
+        <p:txBody>
+          <a:bodyPr/>
+          <a:lstStyle/>
+          <a:p>
+            <a:r>
+              <a:rPr lang="en-US" dirty="0"/>
+              <a:t>Part C) CI/CD Pipeline using </a:t>
+            </a:r>
+            <a:r>
+              <a:rPr lang="en-US" dirty="0" err="1"/>
+              <a:t>Github</a:t>
+            </a:r>
+            <a:r>
+              <a:rPr lang="en-US" dirty="0"/>
+              <a:t> Actions</a:t>
+            </a:r>
+          </a:p>
+          <a:p>
+            <a:pPr lvl="1"/>
+            <a:r>
+              <a:rPr lang="en-US" dirty="0"/>
+              <a:t>Used MERN Web project made for EC4307 – Web Application Development module.</a:t>
+            </a:r>
+          </a:p>
+          <a:p>
+            <a:pPr lvl="1"/>
+            <a:r>
+              <a:rPr lang="en-US" dirty="0"/>
+              <a:t>Wrote following Workflow for </a:t>
+            </a:r>
+            <a:r>
+              <a:rPr lang="en-US" dirty="0" err="1"/>
+              <a:t>Github</a:t>
+            </a:r>
+            <a:r>
+              <a:rPr lang="en-US" dirty="0"/>
+              <a:t> Actions as </a:t>
+            </a:r>
+            <a:r>
+              <a:rPr lang="en-US" dirty="0" err="1"/>
+              <a:t>ci.yml</a:t>
+            </a:r>
+            <a:endParaRPr lang="en-US" dirty="0"/>
+          </a:p>
+          <a:p>
+            <a:pPr lvl="1"/>
+            <a:endParaRPr lang="en-US" dirty="0"/>
+          </a:p>
+        </p:txBody>
+      </p:sp>
+    </p:spTree>
+    <p:extLst>
+      <p:ext uri="{BB962C8B-B14F-4D97-AF65-F5344CB8AC3E}">
+        <p14:creationId xmlns:p14="http://schemas.microsoft.com/office/powerpoint/2010/main" val="2708900545"/>
+      </p:ext>
+    </p:extLst>
+  </p:cSld>
+  <p:clrMapOvr>
+    <a:masterClrMapping/>
+  </p:clrMapOvr>
+</p:sld>
+</file>
+
+<file path=ppt/slides/slide34.xml><?xml version="1.0" encoding="utf-8"?>
+<p:sld xmlns:a="http://schemas.openxmlformats.org/drawingml/2006/main" xmlns:r="http://schemas.openxmlformats.org/officeDocument/2006/relationships" xmlns:p="http://schemas.openxmlformats.org/presentationml/2006/main">
+  <p:cSld>
+    <p:spTree>
+      <p:nvGrpSpPr>
+        <p:cNvPr id="1" name=""/>
+        <p:cNvGrpSpPr/>
+        <p:nvPr/>
+      </p:nvGrpSpPr>
+      <p:grpSpPr>
+        <a:xfrm>
+          <a:off x="0" y="0"/>
+          <a:ext cx="0" cy="0"/>
+          <a:chOff x="0" y="0"/>
+          <a:chExt cx="0" cy="0"/>
+        </a:xfrm>
+      </p:grpSpPr>
+      <p:sp>
+        <p:nvSpPr>
+          <p:cNvPr id="2" name="Title 1">
+            <a:extLst>
+              <a:ext uri="{FF2B5EF4-FFF2-40B4-BE49-F238E27FC236}">
+                <a16:creationId xmlns:a16="http://schemas.microsoft.com/office/drawing/2014/main" id="{8D8A30C8-A916-4A02-7E95-C3582A8F527B}"/>
+              </a:ext>
+            </a:extLst>
+          </p:cNvPr>
+          <p:cNvSpPr>
+            <a:spLocks noGrp="1"/>
+          </p:cNvSpPr>
+          <p:nvPr>
+            <p:ph type="title"/>
+          </p:nvPr>
+        </p:nvSpPr>
+        <p:spPr/>
+        <p:txBody>
+          <a:bodyPr/>
+          <a:lstStyle/>
+          <a:p>
+            <a:endParaRPr lang="en-US"/>
+          </a:p>
+        </p:txBody>
+      </p:sp>
+      <p:sp>
+        <p:nvSpPr>
+          <p:cNvPr id="3" name="Content Placeholder 2">
+            <a:extLst>
+              <a:ext uri="{FF2B5EF4-FFF2-40B4-BE49-F238E27FC236}">
+                <a16:creationId xmlns:a16="http://schemas.microsoft.com/office/drawing/2014/main" id="{755E603B-C9F0-FFB5-1B2A-F6F1217477D0}"/>
+              </a:ext>
+            </a:extLst>
+          </p:cNvPr>
+          <p:cNvSpPr>
+            <a:spLocks noGrp="1"/>
+          </p:cNvSpPr>
+          <p:nvPr>
+            <p:ph idx="1"/>
+          </p:nvPr>
+        </p:nvSpPr>
+        <p:spPr/>
+        <p:txBody>
+          <a:bodyPr/>
+          <a:lstStyle/>
+          <a:p>
+            <a:endParaRPr lang="en-US"/>
+          </a:p>
+        </p:txBody>
+      </p:sp>
+      <p:pic>
+        <p:nvPicPr>
+          <p:cNvPr id="9" name="Picture 8">
+            <a:extLst>
+              <a:ext uri="{FF2B5EF4-FFF2-40B4-BE49-F238E27FC236}">
+                <a16:creationId xmlns:a16="http://schemas.microsoft.com/office/drawing/2014/main" id="{9BD4D426-15C7-D309-F83B-2354164F3C49}"/>
+              </a:ext>
+            </a:extLst>
+          </p:cNvPr>
+          <p:cNvPicPr>
+            <a:picLocks noChangeAspect="1"/>
+          </p:cNvPicPr>
+          <p:nvPr/>
+        </p:nvPicPr>
+        <p:blipFill>
+          <a:blip r:embed="rId2"/>
+          <a:stretch>
+            <a:fillRect/>
+          </a:stretch>
+        </p:blipFill>
+        <p:spPr>
+          <a:xfrm>
+            <a:off x="812083" y="539952"/>
+            <a:ext cx="4637741" cy="5147613"/>
+          </a:xfrm>
+          <a:prstGeom prst="rect">
+            <a:avLst/>
+          </a:prstGeom>
+        </p:spPr>
+      </p:pic>
+      <p:pic>
+        <p:nvPicPr>
+          <p:cNvPr id="11" name="Picture 10">
+            <a:extLst>
+              <a:ext uri="{FF2B5EF4-FFF2-40B4-BE49-F238E27FC236}">
+                <a16:creationId xmlns:a16="http://schemas.microsoft.com/office/drawing/2014/main" id="{8273AFEA-D2DC-A14C-3EC9-4590CDAA7634}"/>
+              </a:ext>
+            </a:extLst>
+          </p:cNvPr>
+          <p:cNvPicPr>
+            <a:picLocks noChangeAspect="1"/>
+          </p:cNvPicPr>
+          <p:nvPr/>
+        </p:nvPicPr>
+        <p:blipFill>
+          <a:blip r:embed="rId3"/>
+          <a:stretch>
+            <a:fillRect/>
+          </a:stretch>
+        </p:blipFill>
+        <p:spPr>
+          <a:xfrm>
+            <a:off x="6253216" y="380587"/>
+            <a:ext cx="4639727" cy="5466345"/>
+          </a:xfrm>
+          <a:prstGeom prst="rect">
+            <a:avLst/>
+          </a:prstGeom>
+        </p:spPr>
+      </p:pic>
+    </p:spTree>
+    <p:extLst>
+      <p:ext uri="{BB962C8B-B14F-4D97-AF65-F5344CB8AC3E}">
+        <p14:creationId xmlns:p14="http://schemas.microsoft.com/office/powerpoint/2010/main" val="2649336330"/>
+      </p:ext>
+    </p:extLst>
+  </p:cSld>
+  <p:clrMapOvr>
+    <a:masterClrMapping/>
+  </p:clrMapOvr>
+</p:sld>
+</file>
+
+<file path=ppt/slides/slide35.xml><?xml version="1.0" encoding="utf-8"?>
+<p:sld xmlns:a="http://schemas.openxmlformats.org/drawingml/2006/main" xmlns:r="http://schemas.openxmlformats.org/officeDocument/2006/relationships" xmlns:p="http://schemas.openxmlformats.org/presentationml/2006/main">
+  <p:cSld>
+    <p:spTree>
+      <p:nvGrpSpPr>
+        <p:cNvPr id="1" name="">
+          <a:extLst>
+            <a:ext uri="{FF2B5EF4-FFF2-40B4-BE49-F238E27FC236}">
+              <a16:creationId xmlns:a16="http://schemas.microsoft.com/office/drawing/2014/main" id="{11E8A030-DF02-0774-F106-8A9C3BFAF38A}"/>
+            </a:ext>
+          </a:extLst>
+        </p:cNvPr>
+        <p:cNvGrpSpPr/>
+        <p:nvPr/>
+      </p:nvGrpSpPr>
+      <p:grpSpPr>
+        <a:xfrm>
+          <a:off x="0" y="0"/>
+          <a:ext cx="0" cy="0"/>
+          <a:chOff x="0" y="0"/>
+          <a:chExt cx="0" cy="0"/>
+        </a:xfrm>
+      </p:grpSpPr>
+      <p:sp>
+        <p:nvSpPr>
+          <p:cNvPr id="2" name="Title 1">
+            <a:extLst>
+              <a:ext uri="{FF2B5EF4-FFF2-40B4-BE49-F238E27FC236}">
+                <a16:creationId xmlns:a16="http://schemas.microsoft.com/office/drawing/2014/main" id="{1759BD76-9DA6-1BC2-3289-207DBC140D26}"/>
+              </a:ext>
+            </a:extLst>
+          </p:cNvPr>
+          <p:cNvSpPr>
+            <a:spLocks noGrp="1"/>
+          </p:cNvSpPr>
+          <p:nvPr>
+            <p:ph type="title"/>
+          </p:nvPr>
+        </p:nvSpPr>
+        <p:spPr/>
+        <p:txBody>
+          <a:bodyPr>
+            <a:normAutofit/>
+          </a:bodyPr>
+          <a:lstStyle/>
+          <a:p>
+            <a:r>
+              <a:rPr lang="en-US" b="1" dirty="0">
+                <a:latin typeface="Times New Roman" panose="02020603050405020304" pitchFamily="18" charset="0"/>
+                <a:cs typeface="Times New Roman" panose="02020603050405020304" pitchFamily="18" charset="0"/>
+              </a:rPr>
+              <a:t>2. Test Automation &amp; Continuous Integration</a:t>
+            </a:r>
+            <a:r>
+              <a:rPr lang="en-US" dirty="0">
+                <a:latin typeface="Times New Roman" panose="02020603050405020304" pitchFamily="18" charset="0"/>
+                <a:cs typeface="Times New Roman" panose="02020603050405020304" pitchFamily="18" charset="0"/>
+              </a:rPr>
+              <a:t> </a:t>
+            </a:r>
+          </a:p>
+        </p:txBody>
+      </p:sp>
+      <p:sp>
+        <p:nvSpPr>
+          <p:cNvPr id="3" name="Content Placeholder 2">
+            <a:extLst>
+              <a:ext uri="{FF2B5EF4-FFF2-40B4-BE49-F238E27FC236}">
+                <a16:creationId xmlns:a16="http://schemas.microsoft.com/office/drawing/2014/main" id="{3A8CF317-ECAE-18E6-EE90-3061A6A4BAD5}"/>
+              </a:ext>
+            </a:extLst>
+          </p:cNvPr>
+          <p:cNvSpPr>
+            <a:spLocks noGrp="1"/>
+          </p:cNvSpPr>
+          <p:nvPr>
+            <p:ph idx="1"/>
+          </p:nvPr>
+        </p:nvSpPr>
+        <p:spPr/>
+        <p:txBody>
+          <a:bodyPr/>
+          <a:lstStyle/>
+          <a:p>
+            <a:r>
+              <a:rPr lang="en-US" dirty="0"/>
+              <a:t>Part C) CI/CD Pipeline using </a:t>
+            </a:r>
+            <a:r>
+              <a:rPr lang="en-US" dirty="0" err="1"/>
+              <a:t>Github</a:t>
+            </a:r>
+            <a:r>
+              <a:rPr lang="en-US" dirty="0"/>
+              <a:t> Actions</a:t>
+            </a:r>
+          </a:p>
+          <a:p>
+            <a:pPr lvl="1"/>
+            <a:r>
+              <a:rPr lang="en-US" dirty="0"/>
+              <a:t>Used MERN Web project made for EC4307 – Web Application Development module.</a:t>
+            </a:r>
+          </a:p>
+          <a:p>
+            <a:pPr lvl="1"/>
+            <a:r>
+              <a:rPr lang="en-US" dirty="0"/>
+              <a:t>Wrote above Workflow for </a:t>
+            </a:r>
+            <a:r>
+              <a:rPr lang="en-US" dirty="0" err="1"/>
+              <a:t>Github</a:t>
+            </a:r>
+            <a:r>
+              <a:rPr lang="en-US" dirty="0"/>
+              <a:t> Actions as </a:t>
+            </a:r>
+            <a:r>
+              <a:rPr lang="en-US" dirty="0" err="1"/>
+              <a:t>ci.yml</a:t>
+            </a:r>
+            <a:endParaRPr lang="en-US" dirty="0"/>
+          </a:p>
+          <a:p>
+            <a:pPr lvl="1"/>
+            <a:r>
+              <a:rPr lang="en-US" dirty="0"/>
+              <a:t>Got test result in Actions page as follows.</a:t>
+            </a:r>
+          </a:p>
+          <a:p>
+            <a:pPr lvl="1"/>
+            <a:endParaRPr lang="en-US" dirty="0"/>
+          </a:p>
+        </p:txBody>
+      </p:sp>
+    </p:spTree>
+    <p:extLst>
+      <p:ext uri="{BB962C8B-B14F-4D97-AF65-F5344CB8AC3E}">
+        <p14:creationId xmlns:p14="http://schemas.microsoft.com/office/powerpoint/2010/main" val="170358037"/>
+      </p:ext>
+    </p:extLst>
+  </p:cSld>
+  <p:clrMapOvr>
+    <a:masterClrMapping/>
+  </p:clrMapOvr>
+</p:sld>
+</file>
+
+<file path=ppt/slides/slide36.xml><?xml version="1.0" encoding="utf-8"?>
+<p:sld xmlns:a="http://schemas.openxmlformats.org/drawingml/2006/main" xmlns:r="http://schemas.openxmlformats.org/officeDocument/2006/relationships" xmlns:p="http://schemas.openxmlformats.org/presentationml/2006/main">
+  <p:cSld>
+    <p:spTree>
+      <p:nvGrpSpPr>
+        <p:cNvPr id="1" name=""/>
+        <p:cNvGrpSpPr/>
+        <p:nvPr/>
+      </p:nvGrpSpPr>
+      <p:grpSpPr>
+        <a:xfrm>
+          <a:off x="0" y="0"/>
+          <a:ext cx="0" cy="0"/>
+          <a:chOff x="0" y="0"/>
+          <a:chExt cx="0" cy="0"/>
+        </a:xfrm>
+      </p:grpSpPr>
+      <p:sp>
+        <p:nvSpPr>
+          <p:cNvPr id="2" name="Title 1">
+            <a:extLst>
+              <a:ext uri="{FF2B5EF4-FFF2-40B4-BE49-F238E27FC236}">
+                <a16:creationId xmlns:a16="http://schemas.microsoft.com/office/drawing/2014/main" id="{2F46543D-E3EE-DE50-898F-407AE2380514}"/>
+              </a:ext>
+            </a:extLst>
+          </p:cNvPr>
+          <p:cNvSpPr>
+            <a:spLocks noGrp="1"/>
+          </p:cNvSpPr>
+          <p:nvPr>
+            <p:ph type="title"/>
+          </p:nvPr>
+        </p:nvSpPr>
+        <p:spPr/>
+        <p:txBody>
+          <a:bodyPr/>
+          <a:lstStyle/>
+          <a:p>
+            <a:endParaRPr lang="en-US"/>
+          </a:p>
+        </p:txBody>
+      </p:sp>
+      <p:sp>
+        <p:nvSpPr>
+          <p:cNvPr id="3" name="Content Placeholder 2">
+            <a:extLst>
+              <a:ext uri="{FF2B5EF4-FFF2-40B4-BE49-F238E27FC236}">
+                <a16:creationId xmlns:a16="http://schemas.microsoft.com/office/drawing/2014/main" id="{1643E1FF-3D20-C2D3-C37B-CCE6B4F36BDF}"/>
+              </a:ext>
+            </a:extLst>
+          </p:cNvPr>
+          <p:cNvSpPr>
+            <a:spLocks noGrp="1"/>
+          </p:cNvSpPr>
+          <p:nvPr>
+            <p:ph idx="1"/>
+          </p:nvPr>
+        </p:nvSpPr>
+        <p:spPr/>
+        <p:txBody>
+          <a:bodyPr/>
+          <a:lstStyle/>
+          <a:p>
+            <a:endParaRPr lang="en-US"/>
+          </a:p>
+        </p:txBody>
+      </p:sp>
+      <p:pic>
+        <p:nvPicPr>
+          <p:cNvPr id="7" name="Picture 6">
+            <a:extLst>
+              <a:ext uri="{FF2B5EF4-FFF2-40B4-BE49-F238E27FC236}">
+                <a16:creationId xmlns:a16="http://schemas.microsoft.com/office/drawing/2014/main" id="{F56CA399-F47D-3441-BA53-C8B253267A4F}"/>
+              </a:ext>
+            </a:extLst>
+          </p:cNvPr>
+          <p:cNvPicPr>
+            <a:picLocks noChangeAspect="1"/>
+          </p:cNvPicPr>
+          <p:nvPr/>
+        </p:nvPicPr>
+        <p:blipFill>
+          <a:blip r:embed="rId2"/>
+          <a:stretch>
+            <a:fillRect/>
+          </a:stretch>
+        </p:blipFill>
+        <p:spPr>
+          <a:xfrm>
+            <a:off x="494190" y="804519"/>
+            <a:ext cx="11432633" cy="5622408"/>
+          </a:xfrm>
+          <a:prstGeom prst="rect">
+            <a:avLst/>
+          </a:prstGeom>
+        </p:spPr>
+      </p:pic>
+    </p:spTree>
+    <p:extLst>
+      <p:ext uri="{BB962C8B-B14F-4D97-AF65-F5344CB8AC3E}">
+        <p14:creationId xmlns:p14="http://schemas.microsoft.com/office/powerpoint/2010/main" val="3242607356"/>
+      </p:ext>
+    </p:extLst>
+  </p:cSld>
+  <p:clrMapOvr>
+    <a:masterClrMapping/>
+  </p:clrMapOvr>
+</p:sld>
+</file>
+
+<file path=ppt/slides/slide37.xml><?xml version="1.0" encoding="utf-8"?>
+<p:sld xmlns:a="http://schemas.openxmlformats.org/drawingml/2006/main" xmlns:r="http://schemas.openxmlformats.org/officeDocument/2006/relationships" xmlns:p="http://schemas.openxmlformats.org/presentationml/2006/main">
+  <p:cSld>
+    <p:spTree>
+      <p:nvGrpSpPr>
+        <p:cNvPr id="1" name=""/>
+        <p:cNvGrpSpPr/>
+        <p:nvPr/>
+      </p:nvGrpSpPr>
+      <p:grpSpPr>
+        <a:xfrm>
+          <a:off x="0" y="0"/>
+          <a:ext cx="0" cy="0"/>
+          <a:chOff x="0" y="0"/>
+          <a:chExt cx="0" cy="0"/>
+        </a:xfrm>
+      </p:grpSpPr>
+      <p:sp>
+        <p:nvSpPr>
+          <p:cNvPr id="2" name="Title 1">
+            <a:extLst>
+              <a:ext uri="{FF2B5EF4-FFF2-40B4-BE49-F238E27FC236}">
+                <a16:creationId xmlns:a16="http://schemas.microsoft.com/office/drawing/2014/main" id="{3C9C6659-1730-ACE7-BBE2-E23C1850C76B}"/>
+              </a:ext>
+            </a:extLst>
+          </p:cNvPr>
+          <p:cNvSpPr>
+            <a:spLocks noGrp="1"/>
+          </p:cNvSpPr>
+          <p:nvPr>
+            <p:ph type="title"/>
+          </p:nvPr>
+        </p:nvSpPr>
+        <p:spPr/>
+        <p:txBody>
+          <a:bodyPr/>
+          <a:lstStyle/>
+          <a:p>
+            <a:endParaRPr lang="en-US"/>
+          </a:p>
+        </p:txBody>
+      </p:sp>
+      <p:sp>
+        <p:nvSpPr>
+          <p:cNvPr id="3" name="Content Placeholder 2">
+            <a:extLst>
+              <a:ext uri="{FF2B5EF4-FFF2-40B4-BE49-F238E27FC236}">
+                <a16:creationId xmlns:a16="http://schemas.microsoft.com/office/drawing/2014/main" id="{B2037833-2785-4D51-260C-AD14CB8D1D1D}"/>
+              </a:ext>
+            </a:extLst>
+          </p:cNvPr>
+          <p:cNvSpPr>
+            <a:spLocks noGrp="1"/>
+          </p:cNvSpPr>
+          <p:nvPr>
+            <p:ph idx="1"/>
+          </p:nvPr>
+        </p:nvSpPr>
+        <p:spPr/>
+        <p:txBody>
+          <a:bodyPr/>
+          <a:lstStyle/>
+          <a:p>
+            <a:endParaRPr lang="en-US"/>
+          </a:p>
+        </p:txBody>
+      </p:sp>
+      <p:pic>
+        <p:nvPicPr>
+          <p:cNvPr id="5" name="Picture 4">
+            <a:extLst>
+              <a:ext uri="{FF2B5EF4-FFF2-40B4-BE49-F238E27FC236}">
+                <a16:creationId xmlns:a16="http://schemas.microsoft.com/office/drawing/2014/main" id="{74F9CF84-7891-1207-BA2E-3EA4DB976852}"/>
+              </a:ext>
+            </a:extLst>
+          </p:cNvPr>
+          <p:cNvPicPr>
+            <a:picLocks noChangeAspect="1"/>
+          </p:cNvPicPr>
+          <p:nvPr/>
+        </p:nvPicPr>
+        <p:blipFill>
+          <a:blip r:embed="rId2"/>
+          <a:stretch>
+            <a:fillRect/>
+          </a:stretch>
+        </p:blipFill>
+        <p:spPr>
+          <a:xfrm>
+            <a:off x="568573" y="804519"/>
+            <a:ext cx="11054854" cy="5022085"/>
+          </a:xfrm>
+          <a:prstGeom prst="rect">
+            <a:avLst/>
+          </a:prstGeom>
+        </p:spPr>
+      </p:pic>
+    </p:spTree>
+    <p:extLst>
+      <p:ext uri="{BB962C8B-B14F-4D97-AF65-F5344CB8AC3E}">
+        <p14:creationId xmlns:p14="http://schemas.microsoft.com/office/powerpoint/2010/main" val="837596208"/>
+      </p:ext>
+    </p:extLst>
+  </p:cSld>
+  <p:clrMapOvr>
+    <a:masterClrMapping/>
+  </p:clrMapOvr>
+</p:sld>
+</file>
+
+<file path=ppt/slides/slide38.xml><?xml version="1.0" encoding="utf-8"?>
+<p:sld xmlns:a="http://schemas.openxmlformats.org/drawingml/2006/main" xmlns:r="http://schemas.openxmlformats.org/officeDocument/2006/relationships" xmlns:p="http://schemas.openxmlformats.org/presentationml/2006/main">
+  <p:cSld>
+    <p:spTree>
+      <p:nvGrpSpPr>
+        <p:cNvPr id="1" name="">
+          <a:extLst>
+            <a:ext uri="{FF2B5EF4-FFF2-40B4-BE49-F238E27FC236}">
+              <a16:creationId xmlns:a16="http://schemas.microsoft.com/office/drawing/2014/main" id="{D2A26C27-D0BE-5F7C-59D9-CFE221A13BA0}"/>
+            </a:ext>
+          </a:extLst>
+        </p:cNvPr>
+        <p:cNvGrpSpPr/>
+        <p:nvPr/>
+      </p:nvGrpSpPr>
+      <p:grpSpPr>
+        <a:xfrm>
+          <a:off x="0" y="0"/>
+          <a:ext cx="0" cy="0"/>
+          <a:chOff x="0" y="0"/>
+          <a:chExt cx="0" cy="0"/>
+        </a:xfrm>
+      </p:grpSpPr>
+      <p:sp>
+        <p:nvSpPr>
+          <p:cNvPr id="2" name="Title 1">
+            <a:extLst>
+              <a:ext uri="{FF2B5EF4-FFF2-40B4-BE49-F238E27FC236}">
+                <a16:creationId xmlns:a16="http://schemas.microsoft.com/office/drawing/2014/main" id="{527EEB82-59AB-6E7E-89D6-6D8FEB0C59C5}"/>
+              </a:ext>
+            </a:extLst>
+          </p:cNvPr>
+          <p:cNvSpPr>
+            <a:spLocks noGrp="1"/>
+          </p:cNvSpPr>
+          <p:nvPr>
+            <p:ph type="title"/>
+          </p:nvPr>
+        </p:nvSpPr>
+        <p:spPr/>
+        <p:txBody>
+          <a:bodyPr>
+            <a:normAutofit/>
+          </a:bodyPr>
+          <a:lstStyle/>
+          <a:p>
+            <a:r>
+              <a:rPr lang="en-US" b="1" dirty="0">
+                <a:latin typeface="Times New Roman" panose="02020603050405020304" pitchFamily="18" charset="0"/>
+                <a:cs typeface="Times New Roman" panose="02020603050405020304" pitchFamily="18" charset="0"/>
+              </a:rPr>
+              <a:t>3. Performance, Security, and Usability Testing</a:t>
+            </a:r>
+            <a:r>
+              <a:rPr lang="en-US" dirty="0">
+                <a:latin typeface="Times New Roman" panose="02020603050405020304" pitchFamily="18" charset="0"/>
+                <a:cs typeface="Times New Roman" panose="02020603050405020304" pitchFamily="18" charset="0"/>
+              </a:rPr>
+              <a:t> </a:t>
+            </a:r>
+          </a:p>
+        </p:txBody>
+      </p:sp>
+      <p:sp>
+        <p:nvSpPr>
+          <p:cNvPr id="3" name="Content Placeholder 2">
+            <a:extLst>
+              <a:ext uri="{FF2B5EF4-FFF2-40B4-BE49-F238E27FC236}">
+                <a16:creationId xmlns:a16="http://schemas.microsoft.com/office/drawing/2014/main" id="{F32C8F16-3BA2-DC3E-324B-92AF27F083BD}"/>
+              </a:ext>
+            </a:extLst>
+          </p:cNvPr>
+          <p:cNvSpPr>
+            <a:spLocks noGrp="1"/>
+          </p:cNvSpPr>
+          <p:nvPr>
+            <p:ph idx="1"/>
+          </p:nvPr>
+        </p:nvSpPr>
+        <p:spPr/>
+        <p:txBody>
+          <a:bodyPr/>
+          <a:lstStyle/>
+          <a:p>
+            <a:r>
+              <a:rPr lang="en-US" dirty="0"/>
+              <a:t>Part A) Load Testing with JMeter </a:t>
+            </a:r>
+          </a:p>
+          <a:p>
+            <a:pPr lvl="1"/>
+            <a:r>
+              <a:rPr lang="en-US" dirty="0"/>
+              <a:t>Used MERN Web project made for EC4307 – Web Application Development module.</a:t>
+            </a:r>
+          </a:p>
+          <a:p>
+            <a:pPr lvl="1"/>
+            <a:r>
+              <a:rPr lang="en-US" dirty="0"/>
+              <a:t>Made test plan as below.</a:t>
+            </a:r>
+          </a:p>
+          <a:p>
+            <a:pPr lvl="1"/>
+            <a:endParaRPr lang="en-US" dirty="0"/>
+          </a:p>
+        </p:txBody>
+      </p:sp>
+    </p:spTree>
+    <p:extLst>
+      <p:ext uri="{BB962C8B-B14F-4D97-AF65-F5344CB8AC3E}">
+        <p14:creationId xmlns:p14="http://schemas.microsoft.com/office/powerpoint/2010/main" val="3142321819"/>
+      </p:ext>
+    </p:extLst>
+  </p:cSld>
+  <p:clrMapOvr>
+    <a:masterClrMapping/>
+  </p:clrMapOvr>
+</p:sld>
+</file>
+
+<file path=ppt/slides/slide39.xml><?xml version="1.0" encoding="utf-8"?>
+<p:sld xmlns:a="http://schemas.openxmlformats.org/drawingml/2006/main" xmlns:r="http://schemas.openxmlformats.org/officeDocument/2006/relationships" xmlns:p="http://schemas.openxmlformats.org/presentationml/2006/main">
+  <p:cSld>
+    <p:spTree>
+      <p:nvGrpSpPr>
+        <p:cNvPr id="1" name=""/>
+        <p:cNvGrpSpPr/>
+        <p:nvPr/>
+      </p:nvGrpSpPr>
+      <p:grpSpPr>
+        <a:xfrm>
+          <a:off x="0" y="0"/>
+          <a:ext cx="0" cy="0"/>
+          <a:chOff x="0" y="0"/>
+          <a:chExt cx="0" cy="0"/>
+        </a:xfrm>
+      </p:grpSpPr>
+      <p:sp>
+        <p:nvSpPr>
+          <p:cNvPr id="2" name="Title 1">
+            <a:extLst>
+              <a:ext uri="{FF2B5EF4-FFF2-40B4-BE49-F238E27FC236}">
+                <a16:creationId xmlns:a16="http://schemas.microsoft.com/office/drawing/2014/main" id="{BA474202-38F4-F65D-716A-2B936303192D}"/>
+              </a:ext>
+            </a:extLst>
+          </p:cNvPr>
+          <p:cNvSpPr>
+            <a:spLocks noGrp="1"/>
+          </p:cNvSpPr>
+          <p:nvPr>
+            <p:ph type="title"/>
+          </p:nvPr>
+        </p:nvSpPr>
+        <p:spPr/>
+        <p:txBody>
+          <a:bodyPr/>
+          <a:lstStyle/>
+          <a:p>
+            <a:endParaRPr lang="en-US"/>
+          </a:p>
+        </p:txBody>
+      </p:sp>
+      <p:sp>
+        <p:nvSpPr>
+          <p:cNvPr id="3" name="Content Placeholder 2">
+            <a:extLst>
+              <a:ext uri="{FF2B5EF4-FFF2-40B4-BE49-F238E27FC236}">
+                <a16:creationId xmlns:a16="http://schemas.microsoft.com/office/drawing/2014/main" id="{61130A2B-B059-3FC8-231E-30FE623192DB}"/>
+              </a:ext>
+            </a:extLst>
+          </p:cNvPr>
+          <p:cNvSpPr>
+            <a:spLocks noGrp="1"/>
+          </p:cNvSpPr>
+          <p:nvPr>
+            <p:ph idx="1"/>
+          </p:nvPr>
+        </p:nvSpPr>
+        <p:spPr/>
+        <p:txBody>
+          <a:bodyPr/>
+          <a:lstStyle/>
+          <a:p>
+            <a:endParaRPr lang="en-US"/>
+          </a:p>
+        </p:txBody>
+      </p:sp>
+      <p:pic>
+        <p:nvPicPr>
+          <p:cNvPr id="5" name="Picture 4">
+            <a:extLst>
+              <a:ext uri="{FF2B5EF4-FFF2-40B4-BE49-F238E27FC236}">
+                <a16:creationId xmlns:a16="http://schemas.microsoft.com/office/drawing/2014/main" id="{84D302EC-8589-5EC0-D0C1-4041F6DFD1BD}"/>
+              </a:ext>
+            </a:extLst>
+          </p:cNvPr>
+          <p:cNvPicPr>
+            <a:picLocks noChangeAspect="1"/>
+          </p:cNvPicPr>
+          <p:nvPr/>
+        </p:nvPicPr>
+        <p:blipFill>
+          <a:blip r:embed="rId2"/>
+          <a:stretch>
+            <a:fillRect/>
+          </a:stretch>
+        </p:blipFill>
+        <p:spPr>
+          <a:xfrm>
+            <a:off x="1569151" y="120440"/>
+            <a:ext cx="9053697" cy="6573891"/>
+          </a:xfrm>
+          <a:prstGeom prst="rect">
+            <a:avLst/>
+          </a:prstGeom>
+        </p:spPr>
+      </p:pic>
+    </p:spTree>
+    <p:extLst>
+      <p:ext uri="{BB962C8B-B14F-4D97-AF65-F5344CB8AC3E}">
+        <p14:creationId xmlns:p14="http://schemas.microsoft.com/office/powerpoint/2010/main" val="770798822"/>
+      </p:ext>
+    </p:extLst>
+  </p:cSld>
+  <p:clrMapOvr>
+    <a:masterClrMapping/>
+  </p:clrMapOvr>
+</p:sld>
+</file>
+
+<file path=ppt/slides/slide4.xml><?xml version="1.0" encoding="utf-8"?>
+<p:sld xmlns:a="http://schemas.openxmlformats.org/drawingml/2006/main" xmlns:r="http://schemas.openxmlformats.org/officeDocument/2006/relationships" xmlns:p="http://schemas.openxmlformats.org/presentationml/2006/main">
+  <p:cSld>
+    <p:spTree>
+      <p:nvGrpSpPr>
+        <p:cNvPr id="1" name=""/>
+        <p:cNvGrpSpPr/>
+        <p:nvPr/>
+      </p:nvGrpSpPr>
+      <p:grpSpPr>
+        <a:xfrm>
+          <a:off x="0" y="0"/>
+          <a:ext cx="0" cy="0"/>
+          <a:chOff x="0" y="0"/>
+          <a:chExt cx="0" cy="0"/>
+        </a:xfrm>
+      </p:grpSpPr>
+      <p:sp>
+        <p:nvSpPr>
+          <p:cNvPr id="2" name="Title 1">
+            <a:extLst>
+              <a:ext uri="{FF2B5EF4-FFF2-40B4-BE49-F238E27FC236}">
+                <a16:creationId xmlns:a16="http://schemas.microsoft.com/office/drawing/2014/main" id="{B4B65D0E-E600-E568-4F71-BA5B8171F8FE}"/>
+              </a:ext>
+            </a:extLst>
+          </p:cNvPr>
+          <p:cNvSpPr>
+            <a:spLocks noGrp="1"/>
+          </p:cNvSpPr>
+          <p:nvPr>
+            <p:ph type="title"/>
+          </p:nvPr>
+        </p:nvSpPr>
+        <p:spPr/>
+        <p:txBody>
+          <a:bodyPr/>
+          <a:lstStyle/>
+          <a:p>
+            <a:endParaRPr lang="en-US"/>
+          </a:p>
+        </p:txBody>
+      </p:sp>
+      <p:sp>
+        <p:nvSpPr>
+          <p:cNvPr id="3" name="Content Placeholder 2">
+            <a:extLst>
+              <a:ext uri="{FF2B5EF4-FFF2-40B4-BE49-F238E27FC236}">
+                <a16:creationId xmlns:a16="http://schemas.microsoft.com/office/drawing/2014/main" id="{0AFB1978-82DB-9DAE-2FDB-C3A5C475392D}"/>
+              </a:ext>
+            </a:extLst>
+          </p:cNvPr>
+          <p:cNvSpPr>
+            <a:spLocks noGrp="1"/>
+          </p:cNvSpPr>
+          <p:nvPr>
+            <p:ph idx="1"/>
+          </p:nvPr>
+        </p:nvSpPr>
+        <p:spPr/>
+        <p:txBody>
+          <a:bodyPr/>
+          <a:lstStyle/>
+          <a:p>
+            <a:endParaRPr lang="en-US"/>
+          </a:p>
+        </p:txBody>
+      </p:sp>
+      <p:pic>
+        <p:nvPicPr>
+          <p:cNvPr id="5" name="Picture 4">
+            <a:extLst>
+              <a:ext uri="{FF2B5EF4-FFF2-40B4-BE49-F238E27FC236}">
+                <a16:creationId xmlns:a16="http://schemas.microsoft.com/office/drawing/2014/main" id="{27ECB360-3BBA-2590-54E3-229CA6B80872}"/>
+              </a:ext>
+            </a:extLst>
+          </p:cNvPr>
+          <p:cNvPicPr>
+            <a:picLocks noChangeAspect="1"/>
+          </p:cNvPicPr>
+          <p:nvPr/>
+        </p:nvPicPr>
+        <p:blipFill>
+          <a:blip r:embed="rId2"/>
+          <a:stretch>
+            <a:fillRect/>
+          </a:stretch>
+        </p:blipFill>
+        <p:spPr>
+          <a:xfrm>
+            <a:off x="2487168" y="266500"/>
+            <a:ext cx="7564044" cy="6281771"/>
+          </a:xfrm>
+          <a:prstGeom prst="rect">
+            <a:avLst/>
+          </a:prstGeom>
+        </p:spPr>
+      </p:pic>
+    </p:spTree>
+    <p:extLst>
+      <p:ext uri="{BB962C8B-B14F-4D97-AF65-F5344CB8AC3E}">
+        <p14:creationId xmlns:p14="http://schemas.microsoft.com/office/powerpoint/2010/main" val="4217283064"/>
+      </p:ext>
+    </p:extLst>
+  </p:cSld>
+  <p:clrMapOvr>
+    <a:masterClrMapping/>
+  </p:clrMapOvr>
+</p:sld>
+</file>
+
+<file path=ppt/slides/slide40.xml><?xml version="1.0" encoding="utf-8"?>
+<p:sld xmlns:a="http://schemas.openxmlformats.org/drawingml/2006/main" xmlns:r="http://schemas.openxmlformats.org/officeDocument/2006/relationships" xmlns:p="http://schemas.openxmlformats.org/presentationml/2006/main">
+  <p:cSld>
+    <p:spTree>
+      <p:nvGrpSpPr>
+        <p:cNvPr id="1" name="">
+          <a:extLst>
+            <a:ext uri="{FF2B5EF4-FFF2-40B4-BE49-F238E27FC236}">
+              <a16:creationId xmlns:a16="http://schemas.microsoft.com/office/drawing/2014/main" id="{91813F41-8C87-1CAF-D534-7CDCA2762DFD}"/>
+            </a:ext>
+          </a:extLst>
+        </p:cNvPr>
+        <p:cNvGrpSpPr/>
+        <p:nvPr/>
+      </p:nvGrpSpPr>
+      <p:grpSpPr>
+        <a:xfrm>
+          <a:off x="0" y="0"/>
+          <a:ext cx="0" cy="0"/>
+          <a:chOff x="0" y="0"/>
+          <a:chExt cx="0" cy="0"/>
+        </a:xfrm>
+      </p:grpSpPr>
+      <p:sp>
+        <p:nvSpPr>
+          <p:cNvPr id="2" name="Title 1">
+            <a:extLst>
+              <a:ext uri="{FF2B5EF4-FFF2-40B4-BE49-F238E27FC236}">
+                <a16:creationId xmlns:a16="http://schemas.microsoft.com/office/drawing/2014/main" id="{ABBD40D3-2DAE-3F05-FC96-A1AB764ADBBC}"/>
+              </a:ext>
+            </a:extLst>
+          </p:cNvPr>
+          <p:cNvSpPr>
+            <a:spLocks noGrp="1"/>
+          </p:cNvSpPr>
+          <p:nvPr>
+            <p:ph type="title"/>
+          </p:nvPr>
+        </p:nvSpPr>
+        <p:spPr/>
+        <p:txBody>
+          <a:bodyPr>
+            <a:normAutofit/>
+          </a:bodyPr>
+          <a:lstStyle/>
+          <a:p>
+            <a:r>
+              <a:rPr lang="en-US" b="1" dirty="0">
+                <a:latin typeface="Times New Roman" panose="02020603050405020304" pitchFamily="18" charset="0"/>
+                <a:cs typeface="Times New Roman" panose="02020603050405020304" pitchFamily="18" charset="0"/>
+              </a:rPr>
+              <a:t>3. Performance, Security, and Usability Testing</a:t>
+            </a:r>
+            <a:r>
+              <a:rPr lang="en-US" dirty="0">
+                <a:latin typeface="Times New Roman" panose="02020603050405020304" pitchFamily="18" charset="0"/>
+                <a:cs typeface="Times New Roman" panose="02020603050405020304" pitchFamily="18" charset="0"/>
+              </a:rPr>
+              <a:t> </a:t>
+            </a:r>
+          </a:p>
+        </p:txBody>
+      </p:sp>
+      <p:sp>
+        <p:nvSpPr>
+          <p:cNvPr id="3" name="Content Placeholder 2">
+            <a:extLst>
+              <a:ext uri="{FF2B5EF4-FFF2-40B4-BE49-F238E27FC236}">
+                <a16:creationId xmlns:a16="http://schemas.microsoft.com/office/drawing/2014/main" id="{561A323B-B1E4-B7F4-CD6E-697B0B753A4E}"/>
+              </a:ext>
+            </a:extLst>
+          </p:cNvPr>
+          <p:cNvSpPr>
+            <a:spLocks noGrp="1"/>
+          </p:cNvSpPr>
+          <p:nvPr>
+            <p:ph idx="1"/>
+          </p:nvPr>
+        </p:nvSpPr>
+        <p:spPr/>
+        <p:txBody>
+          <a:bodyPr/>
+          <a:lstStyle/>
+          <a:p>
+            <a:r>
+              <a:rPr lang="en-US" dirty="0"/>
+              <a:t>Part A) Load Testing with JMeter </a:t>
+            </a:r>
+          </a:p>
+          <a:p>
+            <a:pPr lvl="1"/>
+            <a:r>
+              <a:rPr lang="en-US" dirty="0"/>
+              <a:t>Used MERN Web project made for EC4307 – Web Application Development module.</a:t>
+            </a:r>
+          </a:p>
+          <a:p>
+            <a:pPr lvl="1"/>
+            <a:r>
+              <a:rPr lang="en-US" dirty="0"/>
+              <a:t>Made test plan as above.</a:t>
+            </a:r>
+          </a:p>
+          <a:p>
+            <a:pPr lvl="1"/>
+            <a:r>
+              <a:rPr lang="en-US" dirty="0"/>
+              <a:t>Wrote </a:t>
+            </a:r>
+            <a:r>
+              <a:rPr lang="en-US" dirty="0" err="1"/>
+              <a:t>powershell</a:t>
+            </a:r>
+            <a:r>
+              <a:rPr lang="en-US" dirty="0"/>
+              <a:t> script to run the </a:t>
+            </a:r>
+            <a:r>
+              <a:rPr lang="en-US" dirty="0" err="1"/>
+              <a:t>jmeter</a:t>
+            </a:r>
+            <a:r>
+              <a:rPr lang="en-US" dirty="0"/>
+              <a:t> test as below.</a:t>
+            </a:r>
+          </a:p>
+          <a:p>
+            <a:pPr lvl="1"/>
+            <a:endParaRPr lang="en-US" dirty="0"/>
+          </a:p>
+        </p:txBody>
+      </p:sp>
+    </p:spTree>
+    <p:extLst>
+      <p:ext uri="{BB962C8B-B14F-4D97-AF65-F5344CB8AC3E}">
+        <p14:creationId xmlns:p14="http://schemas.microsoft.com/office/powerpoint/2010/main" val="2478171930"/>
+      </p:ext>
+    </p:extLst>
+  </p:cSld>
+  <p:clrMapOvr>
+    <a:masterClrMapping/>
+  </p:clrMapOvr>
+</p:sld>
+</file>
+
+<file path=ppt/slides/slide41.xml><?xml version="1.0" encoding="utf-8"?>
+<p:sld xmlns:a="http://schemas.openxmlformats.org/drawingml/2006/main" xmlns:r="http://schemas.openxmlformats.org/officeDocument/2006/relationships" xmlns:p="http://schemas.openxmlformats.org/presentationml/2006/main">
+  <p:cSld>
+    <p:spTree>
+      <p:nvGrpSpPr>
+        <p:cNvPr id="1" name=""/>
+        <p:cNvGrpSpPr/>
+        <p:nvPr/>
+      </p:nvGrpSpPr>
+      <p:grpSpPr>
+        <a:xfrm>
+          <a:off x="0" y="0"/>
+          <a:ext cx="0" cy="0"/>
+          <a:chOff x="0" y="0"/>
+          <a:chExt cx="0" cy="0"/>
+        </a:xfrm>
+      </p:grpSpPr>
+      <p:sp>
+        <p:nvSpPr>
+          <p:cNvPr id="2" name="Title 1">
+            <a:extLst>
+              <a:ext uri="{FF2B5EF4-FFF2-40B4-BE49-F238E27FC236}">
+                <a16:creationId xmlns:a16="http://schemas.microsoft.com/office/drawing/2014/main" id="{9A32915D-2CFA-13F2-1BFB-DC54B026D731}"/>
+              </a:ext>
+            </a:extLst>
+          </p:cNvPr>
+          <p:cNvSpPr>
+            <a:spLocks noGrp="1"/>
+          </p:cNvSpPr>
+          <p:nvPr>
+            <p:ph type="title"/>
+          </p:nvPr>
+        </p:nvSpPr>
+        <p:spPr/>
+        <p:txBody>
+          <a:bodyPr/>
+          <a:lstStyle/>
+          <a:p>
+            <a:endParaRPr lang="en-US"/>
+          </a:p>
+        </p:txBody>
+      </p:sp>
+      <p:sp>
+        <p:nvSpPr>
+          <p:cNvPr id="3" name="Content Placeholder 2">
+            <a:extLst>
+              <a:ext uri="{FF2B5EF4-FFF2-40B4-BE49-F238E27FC236}">
+                <a16:creationId xmlns:a16="http://schemas.microsoft.com/office/drawing/2014/main" id="{D72876B8-FF05-1449-A8EA-48A33436F739}"/>
+              </a:ext>
+            </a:extLst>
+          </p:cNvPr>
+          <p:cNvSpPr>
+            <a:spLocks noGrp="1"/>
+          </p:cNvSpPr>
+          <p:nvPr>
+            <p:ph idx="1"/>
+          </p:nvPr>
+        </p:nvSpPr>
+        <p:spPr/>
+        <p:txBody>
+          <a:bodyPr/>
+          <a:lstStyle/>
+          <a:p>
+            <a:endParaRPr lang="en-US"/>
+          </a:p>
+        </p:txBody>
+      </p:sp>
+      <p:pic>
+        <p:nvPicPr>
+          <p:cNvPr id="5" name="Picture 4">
+            <a:extLst>
+              <a:ext uri="{FF2B5EF4-FFF2-40B4-BE49-F238E27FC236}">
+                <a16:creationId xmlns:a16="http://schemas.microsoft.com/office/drawing/2014/main" id="{68C4ACB4-0BEA-B691-EBE3-E6A37879E760}"/>
+              </a:ext>
+            </a:extLst>
+          </p:cNvPr>
+          <p:cNvPicPr>
+            <a:picLocks noChangeAspect="1"/>
+          </p:cNvPicPr>
+          <p:nvPr/>
+        </p:nvPicPr>
+        <p:blipFill>
+          <a:blip r:embed="rId2"/>
+          <a:stretch>
+            <a:fillRect/>
+          </a:stretch>
+        </p:blipFill>
+        <p:spPr>
+          <a:xfrm>
+            <a:off x="1636090" y="515900"/>
+            <a:ext cx="9104331" cy="5826199"/>
+          </a:xfrm>
+          <a:prstGeom prst="rect">
+            <a:avLst/>
+          </a:prstGeom>
+        </p:spPr>
+      </p:pic>
+    </p:spTree>
+    <p:extLst>
+      <p:ext uri="{BB962C8B-B14F-4D97-AF65-F5344CB8AC3E}">
+        <p14:creationId xmlns:p14="http://schemas.microsoft.com/office/powerpoint/2010/main" val="1126014105"/>
+      </p:ext>
+    </p:extLst>
+  </p:cSld>
+  <p:clrMapOvr>
+    <a:masterClrMapping/>
+  </p:clrMapOvr>
+</p:sld>
+</file>
+
+<file path=ppt/slides/slide42.xml><?xml version="1.0" encoding="utf-8"?>
+<p:sld xmlns:a="http://schemas.openxmlformats.org/drawingml/2006/main" xmlns:r="http://schemas.openxmlformats.org/officeDocument/2006/relationships" xmlns:p="http://schemas.openxmlformats.org/presentationml/2006/main">
+  <p:cSld>
+    <p:spTree>
+      <p:nvGrpSpPr>
+        <p:cNvPr id="1" name="">
+          <a:extLst>
+            <a:ext uri="{FF2B5EF4-FFF2-40B4-BE49-F238E27FC236}">
+              <a16:creationId xmlns:a16="http://schemas.microsoft.com/office/drawing/2014/main" id="{0761CA0F-47DF-C670-5EA3-421D456C714F}"/>
+            </a:ext>
+          </a:extLst>
+        </p:cNvPr>
+        <p:cNvGrpSpPr/>
+        <p:nvPr/>
+      </p:nvGrpSpPr>
+      <p:grpSpPr>
+        <a:xfrm>
+          <a:off x="0" y="0"/>
+          <a:ext cx="0" cy="0"/>
+          <a:chOff x="0" y="0"/>
+          <a:chExt cx="0" cy="0"/>
+        </a:xfrm>
+      </p:grpSpPr>
+      <p:sp>
+        <p:nvSpPr>
+          <p:cNvPr id="2" name="Title 1">
+            <a:extLst>
+              <a:ext uri="{FF2B5EF4-FFF2-40B4-BE49-F238E27FC236}">
+                <a16:creationId xmlns:a16="http://schemas.microsoft.com/office/drawing/2014/main" id="{3227EDC7-071D-1123-994E-FAC25FB42A21}"/>
+              </a:ext>
+            </a:extLst>
+          </p:cNvPr>
+          <p:cNvSpPr>
+            <a:spLocks noGrp="1"/>
+          </p:cNvSpPr>
+          <p:nvPr>
+            <p:ph type="title"/>
+          </p:nvPr>
+        </p:nvSpPr>
+        <p:spPr/>
+        <p:txBody>
+          <a:bodyPr>
+            <a:normAutofit/>
+          </a:bodyPr>
+          <a:lstStyle/>
+          <a:p>
+            <a:r>
+              <a:rPr lang="en-US" b="1" dirty="0">
+                <a:latin typeface="Times New Roman" panose="02020603050405020304" pitchFamily="18" charset="0"/>
+                <a:cs typeface="Times New Roman" panose="02020603050405020304" pitchFamily="18" charset="0"/>
+              </a:rPr>
+              <a:t>3. Performance, Security, and Usability Testing</a:t>
+            </a:r>
+            <a:r>
+              <a:rPr lang="en-US" dirty="0">
+                <a:latin typeface="Times New Roman" panose="02020603050405020304" pitchFamily="18" charset="0"/>
+                <a:cs typeface="Times New Roman" panose="02020603050405020304" pitchFamily="18" charset="0"/>
+              </a:rPr>
+              <a:t> </a:t>
+            </a:r>
+          </a:p>
+        </p:txBody>
+      </p:sp>
+      <p:sp>
+        <p:nvSpPr>
+          <p:cNvPr id="3" name="Content Placeholder 2">
+            <a:extLst>
+              <a:ext uri="{FF2B5EF4-FFF2-40B4-BE49-F238E27FC236}">
+                <a16:creationId xmlns:a16="http://schemas.microsoft.com/office/drawing/2014/main" id="{E552ACA8-AE4C-7028-C0F1-C7486FD9CF62}"/>
+              </a:ext>
+            </a:extLst>
+          </p:cNvPr>
+          <p:cNvSpPr>
+            <a:spLocks noGrp="1"/>
+          </p:cNvSpPr>
+          <p:nvPr>
+            <p:ph idx="1"/>
+          </p:nvPr>
+        </p:nvSpPr>
+        <p:spPr/>
+        <p:txBody>
+          <a:bodyPr/>
+          <a:lstStyle/>
+          <a:p>
+            <a:r>
+              <a:rPr lang="en-US" dirty="0"/>
+              <a:t>Part A) Load Testing with JMeter </a:t>
+            </a:r>
+          </a:p>
+          <a:p>
+            <a:pPr lvl="1"/>
+            <a:r>
+              <a:rPr lang="en-US" dirty="0"/>
+              <a:t>Used MERN Web project made for EC4307 – Web Application Development module.</a:t>
+            </a:r>
+          </a:p>
+          <a:p>
+            <a:pPr lvl="1"/>
+            <a:r>
+              <a:rPr lang="en-US" dirty="0"/>
+              <a:t>Made test plan as above.</a:t>
+            </a:r>
+          </a:p>
+          <a:p>
+            <a:pPr lvl="1"/>
+            <a:r>
+              <a:rPr lang="en-US" dirty="0"/>
+              <a:t>Wrote </a:t>
+            </a:r>
+            <a:r>
+              <a:rPr lang="en-US" dirty="0" err="1"/>
+              <a:t>powershell</a:t>
+            </a:r>
+            <a:r>
+              <a:rPr lang="en-US" dirty="0"/>
+              <a:t> script to run the </a:t>
+            </a:r>
+            <a:r>
+              <a:rPr lang="en-US" dirty="0" err="1"/>
+              <a:t>jmeter</a:t>
+            </a:r>
+            <a:r>
+              <a:rPr lang="en-US" dirty="0"/>
+              <a:t> test as below.</a:t>
+            </a:r>
+          </a:p>
+          <a:p>
+            <a:pPr lvl="1"/>
+            <a:r>
+              <a:rPr lang="en-US" dirty="0"/>
+              <a:t>Ran the test and acquired following test report .html file</a:t>
+            </a:r>
+          </a:p>
+          <a:p>
+            <a:pPr lvl="1"/>
+            <a:endParaRPr lang="en-US" dirty="0"/>
+          </a:p>
+        </p:txBody>
+      </p:sp>
+    </p:spTree>
+    <p:extLst>
+      <p:ext uri="{BB962C8B-B14F-4D97-AF65-F5344CB8AC3E}">
+        <p14:creationId xmlns:p14="http://schemas.microsoft.com/office/powerpoint/2010/main" val="3516105891"/>
+      </p:ext>
+    </p:extLst>
+  </p:cSld>
+  <p:clrMapOvr>
+    <a:masterClrMapping/>
+  </p:clrMapOvr>
+</p:sld>
+</file>
+
+<file path=ppt/slides/slide43.xml><?xml version="1.0" encoding="utf-8"?>
+<p:sld xmlns:a="http://schemas.openxmlformats.org/drawingml/2006/main" xmlns:r="http://schemas.openxmlformats.org/officeDocument/2006/relationships" xmlns:p="http://schemas.openxmlformats.org/presentationml/2006/main">
+  <p:cSld>
+    <p:spTree>
+      <p:nvGrpSpPr>
+        <p:cNvPr id="1" name=""/>
+        <p:cNvGrpSpPr/>
+        <p:nvPr/>
+      </p:nvGrpSpPr>
+      <p:grpSpPr>
+        <a:xfrm>
+          <a:off x="0" y="0"/>
+          <a:ext cx="0" cy="0"/>
+          <a:chOff x="0" y="0"/>
+          <a:chExt cx="0" cy="0"/>
+        </a:xfrm>
+      </p:grpSpPr>
+      <p:sp>
+        <p:nvSpPr>
+          <p:cNvPr id="2" name="Title 1">
+            <a:extLst>
+              <a:ext uri="{FF2B5EF4-FFF2-40B4-BE49-F238E27FC236}">
+                <a16:creationId xmlns:a16="http://schemas.microsoft.com/office/drawing/2014/main" id="{4EBBCB95-413E-ED49-A303-291661D0A8C2}"/>
+              </a:ext>
+            </a:extLst>
+          </p:cNvPr>
+          <p:cNvSpPr>
+            <a:spLocks noGrp="1"/>
+          </p:cNvSpPr>
+          <p:nvPr>
+            <p:ph type="title"/>
+          </p:nvPr>
+        </p:nvSpPr>
+        <p:spPr/>
+        <p:txBody>
+          <a:bodyPr/>
+          <a:lstStyle/>
+          <a:p>
+            <a:endParaRPr lang="en-US"/>
+          </a:p>
+        </p:txBody>
+      </p:sp>
+      <p:sp>
+        <p:nvSpPr>
+          <p:cNvPr id="3" name="Content Placeholder 2">
+            <a:extLst>
+              <a:ext uri="{FF2B5EF4-FFF2-40B4-BE49-F238E27FC236}">
+                <a16:creationId xmlns:a16="http://schemas.microsoft.com/office/drawing/2014/main" id="{CC246390-52C7-EA6E-9816-8E729B30DD01}"/>
+              </a:ext>
+            </a:extLst>
+          </p:cNvPr>
+          <p:cNvSpPr>
+            <a:spLocks noGrp="1"/>
+          </p:cNvSpPr>
+          <p:nvPr>
+            <p:ph idx="1"/>
+          </p:nvPr>
+        </p:nvSpPr>
+        <p:spPr/>
+        <p:txBody>
+          <a:bodyPr/>
+          <a:lstStyle/>
+          <a:p>
+            <a:endParaRPr lang="en-US"/>
+          </a:p>
+        </p:txBody>
+      </p:sp>
+      <p:pic>
+        <p:nvPicPr>
+          <p:cNvPr id="5" name="Picture 4">
+            <a:extLst>
+              <a:ext uri="{FF2B5EF4-FFF2-40B4-BE49-F238E27FC236}">
+                <a16:creationId xmlns:a16="http://schemas.microsoft.com/office/drawing/2014/main" id="{4B96B5FC-BDFA-382F-DCC5-E3F33656E539}"/>
+              </a:ext>
+            </a:extLst>
+          </p:cNvPr>
+          <p:cNvPicPr>
+            <a:picLocks noChangeAspect="1"/>
+          </p:cNvPicPr>
+          <p:nvPr/>
+        </p:nvPicPr>
+        <p:blipFill>
+          <a:blip r:embed="rId2"/>
+          <a:stretch>
+            <a:fillRect/>
+          </a:stretch>
+        </p:blipFill>
+        <p:spPr>
+          <a:xfrm>
+            <a:off x="247700" y="274320"/>
+            <a:ext cx="11696600" cy="5881823"/>
+          </a:xfrm>
+          <a:prstGeom prst="rect">
+            <a:avLst/>
+          </a:prstGeom>
+        </p:spPr>
+      </p:pic>
+    </p:spTree>
+    <p:extLst>
+      <p:ext uri="{BB962C8B-B14F-4D97-AF65-F5344CB8AC3E}">
+        <p14:creationId xmlns:p14="http://schemas.microsoft.com/office/powerpoint/2010/main" val="2867996805"/>
+      </p:ext>
+    </p:extLst>
+  </p:cSld>
+  <p:clrMapOvr>
+    <a:masterClrMapping/>
+  </p:clrMapOvr>
+</p:sld>
+</file>
+
+<file path=ppt/slides/slide44.xml><?xml version="1.0" encoding="utf-8"?>
+<p:sld xmlns:a="http://schemas.openxmlformats.org/drawingml/2006/main" xmlns:r="http://schemas.openxmlformats.org/officeDocument/2006/relationships" xmlns:p="http://schemas.openxmlformats.org/presentationml/2006/main">
+  <p:cSld>
+    <p:spTree>
+      <p:nvGrpSpPr>
+        <p:cNvPr id="1" name=""/>
+        <p:cNvGrpSpPr/>
+        <p:nvPr/>
+      </p:nvGrpSpPr>
+      <p:grpSpPr>
+        <a:xfrm>
+          <a:off x="0" y="0"/>
+          <a:ext cx="0" cy="0"/>
+          <a:chOff x="0" y="0"/>
+          <a:chExt cx="0" cy="0"/>
+        </a:xfrm>
+      </p:grpSpPr>
+      <p:sp>
+        <p:nvSpPr>
+          <p:cNvPr id="2" name="Title 1">
+            <a:extLst>
+              <a:ext uri="{FF2B5EF4-FFF2-40B4-BE49-F238E27FC236}">
+                <a16:creationId xmlns:a16="http://schemas.microsoft.com/office/drawing/2014/main" id="{02BAF1FA-D258-850E-4A34-2FE792670C65}"/>
+              </a:ext>
+            </a:extLst>
+          </p:cNvPr>
+          <p:cNvSpPr>
+            <a:spLocks noGrp="1"/>
+          </p:cNvSpPr>
+          <p:nvPr>
+            <p:ph type="title"/>
+          </p:nvPr>
+        </p:nvSpPr>
+        <p:spPr/>
+        <p:txBody>
+          <a:bodyPr/>
+          <a:lstStyle/>
+          <a:p>
+            <a:endParaRPr lang="en-US"/>
+          </a:p>
+        </p:txBody>
+      </p:sp>
+      <p:sp>
+        <p:nvSpPr>
+          <p:cNvPr id="3" name="Content Placeholder 2">
+            <a:extLst>
+              <a:ext uri="{FF2B5EF4-FFF2-40B4-BE49-F238E27FC236}">
+                <a16:creationId xmlns:a16="http://schemas.microsoft.com/office/drawing/2014/main" id="{3615B4FC-766A-1B05-505F-B7C5ABA756FA}"/>
+              </a:ext>
+            </a:extLst>
+          </p:cNvPr>
+          <p:cNvSpPr>
+            <a:spLocks noGrp="1"/>
+          </p:cNvSpPr>
+          <p:nvPr>
+            <p:ph idx="1"/>
+          </p:nvPr>
+        </p:nvSpPr>
+        <p:spPr/>
+        <p:txBody>
+          <a:bodyPr/>
+          <a:lstStyle/>
+          <a:p>
+            <a:endParaRPr lang="en-US"/>
+          </a:p>
+        </p:txBody>
+      </p:sp>
+      <p:pic>
+        <p:nvPicPr>
+          <p:cNvPr id="5" name="Picture 4">
+            <a:extLst>
+              <a:ext uri="{FF2B5EF4-FFF2-40B4-BE49-F238E27FC236}">
+                <a16:creationId xmlns:a16="http://schemas.microsoft.com/office/drawing/2014/main" id="{F162AF41-7E28-E899-4B95-74739C3EE1BE}"/>
+              </a:ext>
+            </a:extLst>
+          </p:cNvPr>
+          <p:cNvPicPr>
+            <a:picLocks noChangeAspect="1"/>
+          </p:cNvPicPr>
+          <p:nvPr/>
+        </p:nvPicPr>
+        <p:blipFill>
+          <a:blip r:embed="rId2"/>
+          <a:stretch>
+            <a:fillRect/>
+          </a:stretch>
+        </p:blipFill>
+        <p:spPr>
+          <a:xfrm>
+            <a:off x="603504" y="206326"/>
+            <a:ext cx="11177016" cy="6284523"/>
+          </a:xfrm>
+          <a:prstGeom prst="rect">
+            <a:avLst/>
+          </a:prstGeom>
+        </p:spPr>
+      </p:pic>
+    </p:spTree>
+    <p:extLst>
+      <p:ext uri="{BB962C8B-B14F-4D97-AF65-F5344CB8AC3E}">
+        <p14:creationId xmlns:p14="http://schemas.microsoft.com/office/powerpoint/2010/main" val="893097697"/>
+      </p:ext>
+    </p:extLst>
+  </p:cSld>
+  <p:clrMapOvr>
+    <a:masterClrMapping/>
+  </p:clrMapOvr>
+</p:sld>
+</file>
+
+<file path=ppt/slides/slide5.xml><?xml version="1.0" encoding="utf-8"?>
+<p:sld xmlns:a="http://schemas.openxmlformats.org/drawingml/2006/main" xmlns:r="http://schemas.openxmlformats.org/officeDocument/2006/relationships" xmlns:p="http://schemas.openxmlformats.org/presentationml/2006/main">
+  <p:cSld>
+    <p:spTree>
+      <p:nvGrpSpPr>
+        <p:cNvPr id="1" name="">
+          <a:extLst>
+            <a:ext uri="{FF2B5EF4-FFF2-40B4-BE49-F238E27FC236}">
+              <a16:creationId xmlns:a16="http://schemas.microsoft.com/office/drawing/2014/main" id="{D50AB0B3-BACA-A7D4-0A1A-9DFCFD76B628}"/>
+            </a:ext>
+          </a:extLst>
+        </p:cNvPr>
+        <p:cNvGrpSpPr/>
+        <p:nvPr/>
+      </p:nvGrpSpPr>
+      <p:grpSpPr>
+        <a:xfrm>
+          <a:off x="0" y="0"/>
+          <a:ext cx="0" cy="0"/>
+          <a:chOff x="0" y="0"/>
+          <a:chExt cx="0" cy="0"/>
+        </a:xfrm>
+      </p:grpSpPr>
+      <p:sp>
+        <p:nvSpPr>
+          <p:cNvPr id="2" name="Title 1">
+            <a:extLst>
+              <a:ext uri="{FF2B5EF4-FFF2-40B4-BE49-F238E27FC236}">
+                <a16:creationId xmlns:a16="http://schemas.microsoft.com/office/drawing/2014/main" id="{3829A616-1096-4E5D-44E0-082A7AD4FD85}"/>
+              </a:ext>
+            </a:extLst>
+          </p:cNvPr>
+          <p:cNvSpPr>
+            <a:spLocks noGrp="1"/>
+          </p:cNvSpPr>
+          <p:nvPr>
+            <p:ph type="title"/>
+          </p:nvPr>
+        </p:nvSpPr>
+        <p:spPr/>
+        <p:txBody>
+          <a:bodyPr>
+            <a:normAutofit/>
+          </a:bodyPr>
+          <a:lstStyle/>
+          <a:p>
+            <a:r>
+              <a:rPr lang="en-US" b="1" dirty="0">
+                <a:latin typeface="Times New Roman" panose="02020603050405020304" pitchFamily="18" charset="0"/>
+                <a:cs typeface="Times New Roman" panose="02020603050405020304" pitchFamily="18" charset="0"/>
+              </a:rPr>
+              <a:t>1. Test-Driven Development (TDD) &amp; Behavior-Driven Development (BDD)</a:t>
+            </a:r>
+            <a:r>
+              <a:rPr lang="en-US" dirty="0">
+                <a:latin typeface="Times New Roman" panose="02020603050405020304" pitchFamily="18" charset="0"/>
+                <a:cs typeface="Times New Roman" panose="02020603050405020304" pitchFamily="18" charset="0"/>
+              </a:rPr>
+              <a:t> </a:t>
+            </a:r>
+          </a:p>
+        </p:txBody>
+      </p:sp>
+      <p:sp>
+        <p:nvSpPr>
+          <p:cNvPr id="3" name="Content Placeholder 2">
+            <a:extLst>
+              <a:ext uri="{FF2B5EF4-FFF2-40B4-BE49-F238E27FC236}">
+                <a16:creationId xmlns:a16="http://schemas.microsoft.com/office/drawing/2014/main" id="{E246B4C8-117C-38A9-E8F2-BCA744F6620A}"/>
+              </a:ext>
+            </a:extLst>
+          </p:cNvPr>
+          <p:cNvSpPr>
+            <a:spLocks noGrp="1"/>
+          </p:cNvSpPr>
+          <p:nvPr>
+            <p:ph idx="1"/>
+          </p:nvPr>
+        </p:nvSpPr>
+        <p:spPr/>
+        <p:txBody>
+          <a:bodyPr/>
+          <a:lstStyle/>
+          <a:p>
+            <a:r>
+              <a:rPr lang="en-US" dirty="0"/>
+              <a:t>A) TDD</a:t>
+            </a:r>
+          </a:p>
+          <a:p>
+            <a:pPr lvl="1"/>
+            <a:r>
+              <a:rPr lang="en-US" dirty="0"/>
+              <a:t>Made a simple backend using </a:t>
+            </a:r>
+            <a:r>
+              <a:rPr lang="en-US" dirty="0" err="1"/>
+              <a:t>Sprinboot</a:t>
+            </a:r>
+            <a:r>
+              <a:rPr lang="en-US" dirty="0"/>
+              <a:t> with only Login/Signup APIs.</a:t>
+            </a:r>
+          </a:p>
+          <a:p>
+            <a:pPr lvl="1"/>
+            <a:r>
+              <a:rPr lang="en-US" dirty="0"/>
+              <a:t>Wrote above unit tests using Junit.</a:t>
+            </a:r>
+          </a:p>
+          <a:p>
+            <a:pPr lvl="1"/>
+            <a:r>
+              <a:rPr lang="en-US" dirty="0"/>
+              <a:t>Made an intentional bug to get RED/ Failing test as below</a:t>
+            </a:r>
+          </a:p>
+          <a:p>
+            <a:pPr lvl="1"/>
+            <a:endParaRPr lang="en-US" dirty="0"/>
+          </a:p>
+        </p:txBody>
+      </p:sp>
+    </p:spTree>
+    <p:extLst>
+      <p:ext uri="{BB962C8B-B14F-4D97-AF65-F5344CB8AC3E}">
+        <p14:creationId xmlns:p14="http://schemas.microsoft.com/office/powerpoint/2010/main" val="271875150"/>
+      </p:ext>
+    </p:extLst>
+  </p:cSld>
+  <p:clrMapOvr>
+    <a:masterClrMapping/>
+  </p:clrMapOvr>
+</p:sld>
+</file>
+
+<file path=ppt/slides/slide6.xml><?xml version="1.0" encoding="utf-8"?>
+<p:sld xmlns:a="http://schemas.openxmlformats.org/drawingml/2006/main" xmlns:r="http://schemas.openxmlformats.org/officeDocument/2006/relationships" xmlns:p="http://schemas.openxmlformats.org/presentationml/2006/main">
+  <p:cSld>
+    <p:spTree>
+      <p:nvGrpSpPr>
+        <p:cNvPr id="1" name=""/>
+        <p:cNvGrpSpPr/>
+        <p:nvPr/>
+      </p:nvGrpSpPr>
+      <p:grpSpPr>
+        <a:xfrm>
+          <a:off x="0" y="0"/>
+          <a:ext cx="0" cy="0"/>
+          <a:chOff x="0" y="0"/>
+          <a:chExt cx="0" cy="0"/>
+        </a:xfrm>
+      </p:grpSpPr>
+      <p:sp>
+        <p:nvSpPr>
+          <p:cNvPr id="2" name="Title 1">
+            <a:extLst>
+              <a:ext uri="{FF2B5EF4-FFF2-40B4-BE49-F238E27FC236}">
+                <a16:creationId xmlns:a16="http://schemas.microsoft.com/office/drawing/2014/main" id="{8B716585-D12E-2EA4-187C-3EAA1C430C68}"/>
+              </a:ext>
+            </a:extLst>
+          </p:cNvPr>
+          <p:cNvSpPr>
+            <a:spLocks noGrp="1"/>
+          </p:cNvSpPr>
+          <p:nvPr>
+            <p:ph type="title"/>
+          </p:nvPr>
+        </p:nvSpPr>
+        <p:spPr/>
+        <p:txBody>
+          <a:bodyPr/>
+          <a:lstStyle/>
+          <a:p>
+            <a:endParaRPr lang="en-US"/>
+          </a:p>
+        </p:txBody>
+      </p:sp>
+      <p:sp>
+        <p:nvSpPr>
+          <p:cNvPr id="3" name="Content Placeholder 2">
+            <a:extLst>
+              <a:ext uri="{FF2B5EF4-FFF2-40B4-BE49-F238E27FC236}">
+                <a16:creationId xmlns:a16="http://schemas.microsoft.com/office/drawing/2014/main" id="{B54017DE-578E-0DB6-191A-FB30520DF8DF}"/>
+              </a:ext>
+            </a:extLst>
+          </p:cNvPr>
+          <p:cNvSpPr>
+            <a:spLocks noGrp="1"/>
+          </p:cNvSpPr>
+          <p:nvPr>
+            <p:ph idx="1"/>
+          </p:nvPr>
+        </p:nvSpPr>
+        <p:spPr/>
+        <p:txBody>
+          <a:bodyPr/>
+          <a:lstStyle/>
+          <a:p>
+            <a:endParaRPr lang="en-US"/>
+          </a:p>
+        </p:txBody>
+      </p:sp>
+      <p:pic>
+        <p:nvPicPr>
+          <p:cNvPr id="5" name="Picture 4">
+            <a:extLst>
+              <a:ext uri="{FF2B5EF4-FFF2-40B4-BE49-F238E27FC236}">
+                <a16:creationId xmlns:a16="http://schemas.microsoft.com/office/drawing/2014/main" id="{483CF64F-2CE0-41E7-4D0C-8BB42BC954A3}"/>
+              </a:ext>
+            </a:extLst>
+          </p:cNvPr>
+          <p:cNvPicPr>
+            <a:picLocks noChangeAspect="1"/>
+          </p:cNvPicPr>
+          <p:nvPr/>
+        </p:nvPicPr>
+        <p:blipFill>
+          <a:blip r:embed="rId2"/>
+          <a:stretch>
+            <a:fillRect/>
+          </a:stretch>
+        </p:blipFill>
+        <p:spPr>
+          <a:xfrm>
+            <a:off x="1567791" y="354375"/>
+            <a:ext cx="9172630" cy="6149249"/>
+          </a:xfrm>
+          <a:prstGeom prst="rect">
+            <a:avLst/>
+          </a:prstGeom>
+        </p:spPr>
+      </p:pic>
+    </p:spTree>
+    <p:extLst>
+      <p:ext uri="{BB962C8B-B14F-4D97-AF65-F5344CB8AC3E}">
+        <p14:creationId xmlns:p14="http://schemas.microsoft.com/office/powerpoint/2010/main" val="911073584"/>
+      </p:ext>
+    </p:extLst>
+  </p:cSld>
+  <p:clrMapOvr>
+    <a:masterClrMapping/>
+  </p:clrMapOvr>
+</p:sld>
+</file>
+
+<file path=ppt/slides/slide7.xml><?xml version="1.0" encoding="utf-8"?>
+<p:sld xmlns:a="http://schemas.openxmlformats.org/drawingml/2006/main" xmlns:r="http://schemas.openxmlformats.org/officeDocument/2006/relationships" xmlns:p="http://schemas.openxmlformats.org/presentationml/2006/main">
+  <p:cSld>
+    <p:spTree>
+      <p:nvGrpSpPr>
+        <p:cNvPr id="1" name="">
+          <a:extLst>
+            <a:ext uri="{FF2B5EF4-FFF2-40B4-BE49-F238E27FC236}">
+              <a16:creationId xmlns:a16="http://schemas.microsoft.com/office/drawing/2014/main" id="{AA4DC40C-1249-6136-306B-7ADB98C903AF}"/>
+            </a:ext>
+          </a:extLst>
+        </p:cNvPr>
+        <p:cNvGrpSpPr/>
+        <p:nvPr/>
+      </p:nvGrpSpPr>
+      <p:grpSpPr>
+        <a:xfrm>
+          <a:off x="0" y="0"/>
+          <a:ext cx="0" cy="0"/>
+          <a:chOff x="0" y="0"/>
+          <a:chExt cx="0" cy="0"/>
+        </a:xfrm>
+      </p:grpSpPr>
+      <p:sp>
+        <p:nvSpPr>
+          <p:cNvPr id="2" name="Title 1">
+            <a:extLst>
+              <a:ext uri="{FF2B5EF4-FFF2-40B4-BE49-F238E27FC236}">
+                <a16:creationId xmlns:a16="http://schemas.microsoft.com/office/drawing/2014/main" id="{191FBC6C-AF58-E1CD-E814-B06445BB168D}"/>
+              </a:ext>
+            </a:extLst>
+          </p:cNvPr>
+          <p:cNvSpPr>
+            <a:spLocks noGrp="1"/>
+          </p:cNvSpPr>
+          <p:nvPr>
+            <p:ph type="title"/>
+          </p:nvPr>
+        </p:nvSpPr>
+        <p:spPr/>
+        <p:txBody>
+          <a:bodyPr>
+            <a:normAutofit/>
+          </a:bodyPr>
+          <a:lstStyle/>
+          <a:p>
+            <a:r>
+              <a:rPr lang="en-US" b="1" dirty="0">
+                <a:latin typeface="Times New Roman" panose="02020603050405020304" pitchFamily="18" charset="0"/>
+                <a:cs typeface="Times New Roman" panose="02020603050405020304" pitchFamily="18" charset="0"/>
+              </a:rPr>
+              <a:t>1. Test-Driven Development (TDD) &amp; Behavior-Driven Development (BDD)</a:t>
+            </a:r>
+            <a:r>
+              <a:rPr lang="en-US" dirty="0">
+                <a:latin typeface="Times New Roman" panose="02020603050405020304" pitchFamily="18" charset="0"/>
+                <a:cs typeface="Times New Roman" panose="02020603050405020304" pitchFamily="18" charset="0"/>
+              </a:rPr>
+              <a:t> </a:t>
+            </a:r>
+          </a:p>
+        </p:txBody>
+      </p:sp>
+      <p:sp>
+        <p:nvSpPr>
+          <p:cNvPr id="3" name="Content Placeholder 2">
+            <a:extLst>
+              <a:ext uri="{FF2B5EF4-FFF2-40B4-BE49-F238E27FC236}">
+                <a16:creationId xmlns:a16="http://schemas.microsoft.com/office/drawing/2014/main" id="{AD34CC41-54AD-BB51-6332-943C813A4DC1}"/>
+              </a:ext>
+            </a:extLst>
+          </p:cNvPr>
+          <p:cNvSpPr>
+            <a:spLocks noGrp="1"/>
+          </p:cNvSpPr>
+          <p:nvPr>
+            <p:ph idx="1"/>
+          </p:nvPr>
+        </p:nvSpPr>
+        <p:spPr/>
+        <p:txBody>
+          <a:bodyPr/>
+          <a:lstStyle/>
+          <a:p>
+            <a:r>
+              <a:rPr lang="en-US" dirty="0"/>
+              <a:t>A) TDD</a:t>
+            </a:r>
+          </a:p>
+          <a:p>
+            <a:pPr lvl="1"/>
+            <a:r>
+              <a:rPr lang="en-US" dirty="0"/>
+              <a:t>Made a simple backend using </a:t>
+            </a:r>
+            <a:r>
+              <a:rPr lang="en-US" dirty="0" err="1"/>
+              <a:t>Sprinboot</a:t>
+            </a:r>
+            <a:r>
+              <a:rPr lang="en-US" dirty="0"/>
+              <a:t> with only Login/Signup APIs.</a:t>
+            </a:r>
+          </a:p>
+          <a:p>
+            <a:pPr lvl="1"/>
+            <a:r>
+              <a:rPr lang="en-US" dirty="0"/>
+              <a:t>Wrote above unit tests using Junit.</a:t>
+            </a:r>
+          </a:p>
+          <a:p>
+            <a:pPr lvl="1"/>
+            <a:r>
+              <a:rPr lang="en-US" dirty="0"/>
+              <a:t>Made an intentional bug to get RED/ Failing test as above.</a:t>
+            </a:r>
+          </a:p>
+          <a:p>
+            <a:pPr lvl="1"/>
+            <a:r>
+              <a:rPr lang="en-US" dirty="0"/>
+              <a:t>Ran test and test cases failed as below.</a:t>
+            </a:r>
+          </a:p>
+          <a:p>
+            <a:pPr lvl="1"/>
+            <a:endParaRPr lang="en-US" dirty="0"/>
+          </a:p>
+        </p:txBody>
+      </p:sp>
+    </p:spTree>
+    <p:extLst>
+      <p:ext uri="{BB962C8B-B14F-4D97-AF65-F5344CB8AC3E}">
+        <p14:creationId xmlns:p14="http://schemas.microsoft.com/office/powerpoint/2010/main" val="813004473"/>
+      </p:ext>
+    </p:extLst>
+  </p:cSld>
+  <p:clrMapOvr>
+    <a:masterClrMapping/>
+  </p:clrMapOvr>
+</p:sld>
+</file>
+
+<file path=ppt/slides/slide8.xml><?xml version="1.0" encoding="utf-8"?>
+<p:sld xmlns:a="http://schemas.openxmlformats.org/drawingml/2006/main" xmlns:r="http://schemas.openxmlformats.org/officeDocument/2006/relationships" xmlns:p="http://schemas.openxmlformats.org/presentationml/2006/main">
+  <p:cSld>
+    <p:spTree>
+      <p:nvGrpSpPr>
+        <p:cNvPr id="1" name=""/>
+        <p:cNvGrpSpPr/>
+        <p:nvPr/>
+      </p:nvGrpSpPr>
+      <p:grpSpPr>
+        <a:xfrm>
+          <a:off x="0" y="0"/>
+          <a:ext cx="0" cy="0"/>
+          <a:chOff x="0" y="0"/>
+          <a:chExt cx="0" cy="0"/>
+        </a:xfrm>
+      </p:grpSpPr>
+      <p:sp>
+        <p:nvSpPr>
+          <p:cNvPr id="2" name="Title 1">
+            <a:extLst>
+              <a:ext uri="{FF2B5EF4-FFF2-40B4-BE49-F238E27FC236}">
+                <a16:creationId xmlns:a16="http://schemas.microsoft.com/office/drawing/2014/main" id="{F373E881-9C2A-59CC-D3A3-44846AEBD041}"/>
+              </a:ext>
+            </a:extLst>
+          </p:cNvPr>
+          <p:cNvSpPr>
+            <a:spLocks noGrp="1"/>
+          </p:cNvSpPr>
+          <p:nvPr>
+            <p:ph type="title"/>
+          </p:nvPr>
+        </p:nvSpPr>
+        <p:spPr/>
+        <p:txBody>
+          <a:bodyPr/>
+          <a:lstStyle/>
+          <a:p>
+            <a:endParaRPr lang="en-US"/>
+          </a:p>
+        </p:txBody>
+      </p:sp>
+      <p:pic>
+        <p:nvPicPr>
+          <p:cNvPr id="5" name="Content Placeholder 4">
+            <a:extLst>
+              <a:ext uri="{FF2B5EF4-FFF2-40B4-BE49-F238E27FC236}">
+                <a16:creationId xmlns:a16="http://schemas.microsoft.com/office/drawing/2014/main" id="{58F9C1A5-1B4C-4F3F-E258-F60135CDCEC7}"/>
+              </a:ext>
+            </a:extLst>
+          </p:cNvPr>
+          <p:cNvPicPr>
+            <a:picLocks noGrp="1" noChangeAspect="1"/>
+          </p:cNvPicPr>
+          <p:nvPr>
+            <p:ph idx="1"/>
+          </p:nvPr>
+        </p:nvPicPr>
+        <p:blipFill>
+          <a:blip r:embed="rId2"/>
+          <a:stretch>
+            <a:fillRect/>
+          </a:stretch>
+        </p:blipFill>
+        <p:spPr>
+          <a:xfrm>
+            <a:off x="1451579" y="178180"/>
+            <a:ext cx="9722389" cy="6501992"/>
+          </a:xfrm>
+          <a:prstGeom prst="rect">
+            <a:avLst/>
+          </a:prstGeom>
+        </p:spPr>
+      </p:pic>
+      <p:sp>
+        <p:nvSpPr>
+          <p:cNvPr id="6" name="Rectangle: Rounded Corners 5">
+            <a:extLst>
+              <a:ext uri="{FF2B5EF4-FFF2-40B4-BE49-F238E27FC236}">
+                <a16:creationId xmlns:a16="http://schemas.microsoft.com/office/drawing/2014/main" id="{1443230C-7E50-F4FF-0EE8-B698A01282F6}"/>
+              </a:ext>
+            </a:extLst>
+          </p:cNvPr>
+          <p:cNvSpPr/>
+          <p:nvPr/>
+        </p:nvSpPr>
+        <p:spPr>
+          <a:xfrm>
+            <a:off x="1981689" y="4656775"/>
+            <a:ext cx="9192279" cy="347472"/>
+          </a:xfrm>
+          <a:prstGeom prst="roundRect">
+            <a:avLst/>
+          </a:prstGeom>
+          <a:noFill/>
+          <a:ln w="9525" cap="flat" cmpd="sng" algn="ctr">
+            <a:solidFill>
+              <a:srgbClr val="FFFF00"/>
+            </a:solidFill>
+            <a:prstDash val="solid"/>
+            <a:round/>
+            <a:headEnd type="none" w="med" len="med"/>
+            <a:tailEnd type="none" w="med" len="med"/>
+          </a:ln>
+        </p:spPr>
+        <p:style>
+          <a:lnRef idx="0">
+            <a:scrgbClr r="0" g="0" b="0"/>
+          </a:lnRef>
+          <a:fillRef idx="0">
+            <a:scrgbClr r="0" g="0" b="0"/>
+          </a:fillRef>
+          <a:effectRef idx="0">
+            <a:scrgbClr r="0" g="0" b="0"/>
+          </a:effectRef>
+          <a:fontRef idx="minor">
+            <a:schemeClr val="accent1"/>
+          </a:fontRef>
+        </p:style>
+        <p:txBody>
+          <a:bodyPr rtlCol="0" anchor="ctr"/>
+          <a:lstStyle/>
+          <a:p>
+            <a:pPr algn="ctr"/>
+            <a:endParaRPr lang="en-US"/>
+          </a:p>
+        </p:txBody>
+      </p:sp>
+    </p:spTree>
+    <p:extLst>
+      <p:ext uri="{BB962C8B-B14F-4D97-AF65-F5344CB8AC3E}">
+        <p14:creationId xmlns:p14="http://schemas.microsoft.com/office/powerpoint/2010/main" val="3787659360"/>
+      </p:ext>
+    </p:extLst>
+  </p:cSld>
+  <p:clrMapOvr>
+    <a:masterClrMapping/>
+  </p:clrMapOvr>
+</p:sld>
+</file>
+
+<file path=ppt/slides/slide9.xml><?xml version="1.0" encoding="utf-8"?>
+<p:sld xmlns:a="http://schemas.openxmlformats.org/drawingml/2006/main" xmlns:r="http://schemas.openxmlformats.org/officeDocument/2006/relationships" xmlns:p="http://schemas.openxmlformats.org/presentationml/2006/main">
+  <p:cSld>
+    <p:spTree>
+      <p:nvGrpSpPr>
+        <p:cNvPr id="1" name=""/>
+        <p:cNvGrpSpPr/>
+        <p:nvPr/>
+      </p:nvGrpSpPr>
+      <p:grpSpPr>
+        <a:xfrm>
+          <a:off x="0" y="0"/>
+          <a:ext cx="0" cy="0"/>
+          <a:chOff x="0" y="0"/>
+          <a:chExt cx="0" cy="0"/>
+        </a:xfrm>
+      </p:grpSpPr>
+      <p:sp>
+        <p:nvSpPr>
+          <p:cNvPr id="2" name="Title 1">
+            <a:extLst>
+              <a:ext uri="{FF2B5EF4-FFF2-40B4-BE49-F238E27FC236}">
+                <a16:creationId xmlns:a16="http://schemas.microsoft.com/office/drawing/2014/main" id="{1C648210-A156-8E8A-A327-5DC44E1DCE3F}"/>
+              </a:ext>
+            </a:extLst>
+          </p:cNvPr>
+          <p:cNvSpPr>
+            <a:spLocks noGrp="1"/>
+          </p:cNvSpPr>
+          <p:nvPr>
+            <p:ph type="title"/>
+          </p:nvPr>
+        </p:nvSpPr>
+        <p:spPr/>
+        <p:txBody>
+          <a:bodyPr/>
+          <a:lstStyle/>
+          <a:p>
+            <a:endParaRPr lang="en-US"/>
+          </a:p>
+        </p:txBody>
+      </p:sp>
+      <p:sp>
+        <p:nvSpPr>
+          <p:cNvPr id="3" name="Content Placeholder 2">
+            <a:extLst>
+              <a:ext uri="{FF2B5EF4-FFF2-40B4-BE49-F238E27FC236}">
+                <a16:creationId xmlns:a16="http://schemas.microsoft.com/office/drawing/2014/main" id="{E3A0D205-6E33-D55C-32DA-04C9B481B509}"/>
+              </a:ext>
+            </a:extLst>
+          </p:cNvPr>
+          <p:cNvSpPr>
+            <a:spLocks noGrp="1"/>
+          </p:cNvSpPr>
+          <p:nvPr>
+            <p:ph idx="1"/>
+          </p:nvPr>
+        </p:nvSpPr>
+        <p:spPr/>
+        <p:txBody>
+          <a:bodyPr/>
+          <a:lstStyle/>
+          <a:p>
+            <a:endParaRPr lang="en-US"/>
+          </a:p>
+        </p:txBody>
+      </p:sp>
+      <p:pic>
+        <p:nvPicPr>
+          <p:cNvPr id="5" name="Picture 4">
+            <a:extLst>
+              <a:ext uri="{FF2B5EF4-FFF2-40B4-BE49-F238E27FC236}">
+                <a16:creationId xmlns:a16="http://schemas.microsoft.com/office/drawing/2014/main" id="{D3EC72BC-7E26-7D9B-4D35-13C0E21E8961}"/>
+              </a:ext>
+            </a:extLst>
+          </p:cNvPr>
+          <p:cNvPicPr>
+            <a:picLocks noChangeAspect="1"/>
+          </p:cNvPicPr>
+          <p:nvPr/>
+        </p:nvPicPr>
+        <p:blipFill>
+          <a:blip r:embed="rId2"/>
+          <a:stretch>
+            <a:fillRect/>
+          </a:stretch>
+        </p:blipFill>
+        <p:spPr>
+          <a:xfrm>
+            <a:off x="850391" y="190353"/>
+            <a:ext cx="10764607" cy="6477294"/>
+          </a:xfrm>
+          <a:prstGeom prst="rect">
+            <a:avLst/>
+          </a:prstGeom>
+        </p:spPr>
+      </p:pic>
+      <p:sp>
+        <p:nvSpPr>
+          <p:cNvPr id="10" name="Rectangle: Rounded Corners 9">
+            <a:extLst>
+              <a:ext uri="{FF2B5EF4-FFF2-40B4-BE49-F238E27FC236}">
+                <a16:creationId xmlns:a16="http://schemas.microsoft.com/office/drawing/2014/main" id="{C2F85BA9-5FF5-5FED-AAFE-8E04E120EC10}"/>
+              </a:ext>
+            </a:extLst>
+          </p:cNvPr>
+          <p:cNvSpPr/>
+          <p:nvPr/>
+        </p:nvSpPr>
+        <p:spPr>
+          <a:xfrm>
+            <a:off x="1451579" y="365760"/>
+            <a:ext cx="9073165" cy="347472"/>
+          </a:xfrm>
+          <a:prstGeom prst="roundRect">
+            <a:avLst/>
+          </a:prstGeom>
+          <a:noFill/>
+          <a:ln w="9525" cap="flat" cmpd="sng" algn="ctr">
+            <a:solidFill>
+              <a:srgbClr val="FFFF00"/>
+            </a:solidFill>
+            <a:prstDash val="solid"/>
+            <a:round/>
+            <a:headEnd type="none" w="med" len="med"/>
+            <a:tailEnd type="none" w="med" len="med"/>
+          </a:ln>
+        </p:spPr>
+        <p:style>
+          <a:lnRef idx="0">
+            <a:scrgbClr r="0" g="0" b="0"/>
+          </a:lnRef>
+          <a:fillRef idx="0">
+            <a:scrgbClr r="0" g="0" b="0"/>
+          </a:fillRef>
+          <a:effectRef idx="0">
+            <a:scrgbClr r="0" g="0" b="0"/>
+          </a:effectRef>
+          <a:fontRef idx="minor">
+            <a:schemeClr val="accent1"/>
+          </a:fontRef>
+        </p:style>
+        <p:txBody>
+          <a:bodyPr rtlCol="0" anchor="ctr"/>
+          <a:lstStyle/>
+          <a:p>
+            <a:pPr algn="ctr"/>
+            <a:endParaRPr lang="en-US"/>
+          </a:p>
+        </p:txBody>
+      </p:sp>
+      <p:sp>
+        <p:nvSpPr>
+          <p:cNvPr id="11" name="Rectangle: Rounded Corners 10">
+            <a:extLst>
+              <a:ext uri="{FF2B5EF4-FFF2-40B4-BE49-F238E27FC236}">
+                <a16:creationId xmlns:a16="http://schemas.microsoft.com/office/drawing/2014/main" id="{AE8C93A3-10B8-5AC7-55A6-1EDB78511101}"/>
+              </a:ext>
+            </a:extLst>
+          </p:cNvPr>
+          <p:cNvSpPr/>
+          <p:nvPr/>
+        </p:nvSpPr>
+        <p:spPr>
+          <a:xfrm>
+            <a:off x="1527049" y="2422047"/>
+            <a:ext cx="3749040" cy="347472"/>
+          </a:xfrm>
+          <a:prstGeom prst="roundRect">
+            <a:avLst/>
+          </a:prstGeom>
+          <a:noFill/>
+          <a:ln w="9525" cap="flat" cmpd="sng" algn="ctr">
+            <a:solidFill>
+              <a:srgbClr val="FFFF00"/>
+            </a:solidFill>
+            <a:prstDash val="solid"/>
+            <a:round/>
+            <a:headEnd type="none" w="med" len="med"/>
+            <a:tailEnd type="none" w="med" len="med"/>
+          </a:ln>
+        </p:spPr>
+        <p:style>
+          <a:lnRef idx="0">
+            <a:scrgbClr r="0" g="0" b="0"/>
+          </a:lnRef>
+          <a:fillRef idx="0">
+            <a:scrgbClr r="0" g="0" b="0"/>
+          </a:fillRef>
+          <a:effectRef idx="0">
+            <a:scrgbClr r="0" g="0" b="0"/>
+          </a:effectRef>
+          <a:fontRef idx="minor">
+            <a:schemeClr val="accent1"/>
+          </a:fontRef>
+        </p:style>
+        <p:txBody>
+          <a:bodyPr rtlCol="0" anchor="ctr"/>
+          <a:lstStyle/>
+          <a:p>
+            <a:pPr algn="ctr"/>
+            <a:endParaRPr lang="en-US"/>
+          </a:p>
+        </p:txBody>
+      </p:sp>
+    </p:spTree>
+    <p:extLst>
+      <p:ext uri="{BB962C8B-B14F-4D97-AF65-F5344CB8AC3E}">
+        <p14:creationId xmlns:p14="http://schemas.microsoft.com/office/powerpoint/2010/main" val="2639667856"/>
+      </p:ext>
+    </p:extLst>
+  </p:cSld>
+  <p:clrMapOvr>
+    <a:masterClrMapping/>
+  </p:clrMapOvr>
+</p:sld>
+</file>
+
 <file path=ppt/theme/theme1.xml><?xml version="1.0" encoding="utf-8"?>
-<a:theme xmlns:a="http://schemas.openxmlformats.org/drawingml/2006/main" name="Office Theme">
+<a:theme xmlns:a="http://schemas.openxmlformats.org/drawingml/2006/main" name="Gallery">
   <a:themeElements>
-    <a:clrScheme name="Office">
+    <a:clrScheme name="Gallery">
       <a:dk1>
         <a:sysClr val="windowText" lastClr="000000"/>
       </a:dk1>
@@ -3479,39 +9347,39 @@
         <a:sysClr val="window" lastClr="FFFFFF"/>
       </a:lt1>
       <a:dk2>
-        <a:srgbClr val="0E2841"/>
+        <a:srgbClr val="454545"/>
       </a:dk2>
       <a:lt2>
-        <a:srgbClr val="E8E8E8"/>
+        <a:srgbClr val="DFDBD5"/>
       </a:lt2>
       <a:accent1>
-        <a:srgbClr val="156082"/>
+        <a:srgbClr val="B71E42"/>
       </a:accent1>
       <a:accent2>
-        <a:srgbClr val="E97132"/>
+        <a:srgbClr val="DE478E"/>
       </a:accent2>
       <a:accent3>
-        <a:srgbClr val="196B24"/>
+        <a:srgbClr val="BC72F0"/>
       </a:accent3>
       <a:accent4>
-        <a:srgbClr val="0F9ED5"/>
+        <a:srgbClr val="795FAF"/>
       </a:accent4>
       <a:accent5>
-        <a:srgbClr val="A02B93"/>
+        <a:srgbClr val="586EA6"/>
       </a:accent5>
       <a:accent6>
-        <a:srgbClr val="4EA72E"/>
+        <a:srgbClr val="6892A0"/>
       </a:accent6>
       <a:hlink>
-        <a:srgbClr val="467886"/>
+        <a:srgbClr val="FA2B5C"/>
       </a:hlink>
       <a:folHlink>
-        <a:srgbClr val="96607D"/>
+        <a:srgbClr val="BC658E"/>
       </a:folHlink>
     </a:clrScheme>
-    <a:fontScheme name="Office">
+    <a:fontScheme name="Gallery">
       <a:majorFont>
-        <a:latin typeface="Aptos Display" panose="02110004020202020204"/>
+        <a:latin typeface="Gill Sans MT" panose="020B0502020104020203"/>
         <a:ea typeface=""/>
         <a:cs typeface=""/>
         <a:font script="Jpan" typeface="游ゴシック Light"/>
@@ -3544,26 +9412,9 @@
         <a:font script="Viet" typeface="Times New Roman"/>
         <a:font script="Uigh" typeface="Microsoft Uighur"/>
         <a:font script="Geor" typeface="Sylfaen"/>
-        <a:font script="Armn" typeface="Arial"/>
-        <a:font script="Bugi" typeface="Leelawadee UI"/>
-        <a:font script="Bopo" typeface="Microsoft JhengHei"/>
-        <a:font script="Java" typeface="Javanese Text"/>
-        <a:font script="Lisu" typeface="Segoe UI"/>
-        <a:font script="Mymr" typeface="Myanmar Text"/>
-        <a:font script="Nkoo" typeface="Ebrima"/>
-        <a:font script="Olck" typeface="Nirmala UI"/>
-        <a:font script="Osma" typeface="Ebrima"/>
-        <a:font script="Phag" typeface="Phagspa"/>
-        <a:font script="Syrn" typeface="Estrangelo Edessa"/>
-        <a:font script="Syrj" typeface="Estrangelo Edessa"/>
-        <a:font script="Syre" typeface="Estrangelo Edessa"/>
-        <a:font script="Sora" typeface="Nirmala UI"/>
-        <a:font script="Tale" typeface="Microsoft Tai Le"/>
-        <a:font script="Talu" typeface="Microsoft New Tai Lue"/>
-        <a:font script="Tfng" typeface="Ebrima"/>
       </a:majorFont>
       <a:minorFont>
-        <a:latin typeface="Aptos" panose="02110004020202020204"/>
+        <a:latin typeface="Gill Sans MT" panose="020B0502020104020203"/>
         <a:ea typeface=""/>
         <a:cs typeface=""/>
         <a:font script="Jpan" typeface="游ゴシック"/>
@@ -3596,26 +9447,9 @@
         <a:font script="Viet" typeface="Arial"/>
         <a:font script="Uigh" typeface="Microsoft Uighur"/>
         <a:font script="Geor" typeface="Sylfaen"/>
-        <a:font script="Armn" typeface="Arial"/>
-        <a:font script="Bugi" typeface="Leelawadee UI"/>
-        <a:font script="Bopo" typeface="Microsoft JhengHei"/>
-        <a:font script="Java" typeface="Javanese Text"/>
-        <a:font script="Lisu" typeface="Segoe UI"/>
-        <a:font script="Mymr" typeface="Myanmar Text"/>
-        <a:font script="Nkoo" typeface="Ebrima"/>
-        <a:font script="Olck" typeface="Nirmala UI"/>
-        <a:font script="Osma" typeface="Ebrima"/>
-        <a:font script="Phag" typeface="Phagspa"/>
-        <a:font script="Syrn" typeface="Estrangelo Edessa"/>
-        <a:font script="Syrj" typeface="Estrangelo Edessa"/>
-        <a:font script="Syre" typeface="Estrangelo Edessa"/>
-        <a:font script="Sora" typeface="Nirmala UI"/>
-        <a:font script="Tale" typeface="Microsoft Tai Le"/>
-        <a:font script="Talu" typeface="Microsoft New Tai Lue"/>
-        <a:font script="Tfng" typeface="Ebrima"/>
       </a:minorFont>
     </a:fontScheme>
-    <a:fmtScheme name="Office">
+    <a:fmtScheme name="Gallery">
       <a:fillStyleLst>
         <a:solidFill>
           <a:schemeClr val="phClr"/>
@@ -3624,23 +9458,18 @@
           <a:gsLst>
             <a:gs pos="0">
               <a:schemeClr val="phClr">
+                <a:tint val="54000"/>
+                <a:alpha val="100000"/>
+                <a:satMod val="105000"/>
                 <a:lumMod val="110000"/>
-                <a:satMod val="105000"/>
-                <a:tint val="67000"/>
-              </a:schemeClr>
-            </a:gs>
-            <a:gs pos="50000">
-              <a:schemeClr val="phClr">
-                <a:lumMod val="105000"/>
-                <a:satMod val="103000"/>
-                <a:tint val="73000"/>
               </a:schemeClr>
             </a:gs>
             <a:gs pos="100000">
               <a:schemeClr val="phClr">
-                <a:lumMod val="105000"/>
+                <a:tint val="78000"/>
+                <a:alpha val="92000"/>
                 <a:satMod val="109000"/>
-                <a:tint val="81000"/>
+                <a:lumMod val="100000"/>
               </a:schemeClr>
             </a:gs>
           </a:gsLst>
@@ -3650,23 +9479,23 @@
           <a:gsLst>
             <a:gs pos="0">
               <a:schemeClr val="phClr">
-                <a:satMod val="103000"/>
-                <a:lumMod val="102000"/>
-                <a:tint val="94000"/>
+                <a:tint val="98000"/>
+                <a:satMod val="110000"/>
+                <a:lumMod val="104000"/>
               </a:schemeClr>
             </a:gs>
-            <a:gs pos="50000">
+            <a:gs pos="69000">
               <a:schemeClr val="phClr">
-                <a:satMod val="110000"/>
-                <a:lumMod val="100000"/>
-                <a:shade val="100000"/>
+                <a:shade val="88000"/>
+                <a:satMod val="130000"/>
+                <a:lumMod val="92000"/>
               </a:schemeClr>
             </a:gs>
             <a:gs pos="100000">
               <a:schemeClr val="phClr">
-                <a:lumMod val="99000"/>
-                <a:satMod val="120000"/>
                 <a:shade val="78000"/>
+                <a:satMod val="130000"/>
+                <a:lumMod val="92000"/>
               </a:schemeClr>
             </a:gs>
           </a:gsLst>
@@ -3674,26 +9503,23 @@
         </a:gradFill>
       </a:fillStyleLst>
       <a:lnStyleLst>
-        <a:ln w="12700" cap="flat" cmpd="sng" algn="ctr">
+        <a:ln w="9525" cap="flat" cmpd="sng" algn="ctr">
           <a:solidFill>
             <a:schemeClr val="phClr"/>
           </a:solidFill>
           <a:prstDash val="solid"/>
-          <a:miter lim="800000"/>
         </a:ln>
-        <a:ln w="19050" cap="flat" cmpd="sng" algn="ctr">
+        <a:ln w="15875" cap="flat" cmpd="sng" algn="ctr">
           <a:solidFill>
             <a:schemeClr val="phClr"/>
           </a:solidFill>
           <a:prstDash val="solid"/>
-          <a:miter lim="800000"/>
         </a:ln>
-        <a:ln w="25400" cap="flat" cmpd="sng" algn="ctr">
+        <a:ln w="22225" cap="flat" cmpd="sng" algn="ctr">
           <a:solidFill>
             <a:schemeClr val="phClr"/>
           </a:solidFill>
           <a:prstDash val="solid"/>
-          <a:miter lim="800000"/>
         </a:ln>
       </a:lnStyleLst>
       <a:effectStyleLst>
@@ -3705,12 +9531,23 @@
         </a:effectStyle>
         <a:effectStyle>
           <a:effectLst>
-            <a:outerShdw blurRad="57150" dist="19050" dir="5400000" algn="ctr" rotWithShape="0">
+            <a:outerShdw blurRad="50800" dist="50800" dir="5400000" sx="96000" sy="96000" rotWithShape="0">
               <a:srgbClr val="000000">
-                <a:alpha val="63000"/>
+                <a:alpha val="48000"/>
               </a:srgbClr>
             </a:outerShdw>
           </a:effectLst>
+          <a:scene3d>
+            <a:camera prst="orthographicFront">
+              <a:rot lat="0" lon="0" rev="0"/>
+            </a:camera>
+            <a:lightRig rig="balanced" dir="t">
+              <a:rot lat="0" lon="0" rev="1080000"/>
+            </a:lightRig>
+          </a:scene3d>
+          <a:sp3d>
+            <a:bevelT w="38100" h="12700" prst="softRound"/>
+          </a:sp3d>
         </a:effectStyle>
       </a:effectStyleLst>
       <a:bgFillStyleLst>
@@ -3718,67 +9555,295 @@
           <a:schemeClr val="phClr"/>
         </a:solidFill>
         <a:solidFill>
-          <a:schemeClr val="phClr">
-            <a:tint val="95000"/>
-            <a:satMod val="170000"/>
-          </a:schemeClr>
+          <a:schemeClr val="phClr"/>
         </a:solidFill>
         <a:gradFill rotWithShape="1">
           <a:gsLst>
             <a:gs pos="0">
               <a:schemeClr val="phClr">
-                <a:tint val="93000"/>
-                <a:satMod val="150000"/>
-                <a:shade val="98000"/>
-                <a:lumMod val="102000"/>
-              </a:schemeClr>
-            </a:gs>
-            <a:gs pos="50000">
-              <a:schemeClr val="phClr">
-                <a:tint val="98000"/>
-                <a:satMod val="130000"/>
-                <a:shade val="90000"/>
-                <a:lumMod val="103000"/>
+                <a:tint val="94000"/>
+                <a:satMod val="80000"/>
+                <a:lumMod val="106000"/>
               </a:schemeClr>
             </a:gs>
             <a:gs pos="100000">
               <a:schemeClr val="phClr">
-                <a:shade val="63000"/>
-                <a:satMod val="120000"/>
+                <a:shade val="80000"/>
               </a:schemeClr>
             </a:gs>
           </a:gsLst>
-          <a:lin ang="5400000" scaled="0"/>
+          <a:path path="circle">
+            <a:fillToRect l="43000" r="43000" b="100000"/>
+          </a:path>
         </a:gradFill>
       </a:bgFillStyleLst>
     </a:fmtScheme>
   </a:themeElements>
-  <a:objectDefaults>
-    <a:lnDef>
-      <a:spPr/>
-      <a:bodyPr/>
-      <a:lstStyle/>
-      <a:style>
-        <a:lnRef idx="2">
-          <a:schemeClr val="accent1"/>
-        </a:lnRef>
-        <a:fillRef idx="0">
-          <a:schemeClr val="accent1"/>
-        </a:fillRef>
-        <a:effectRef idx="1">
-          <a:schemeClr val="accent1"/>
-        </a:effectRef>
-        <a:fontRef idx="minor">
-          <a:schemeClr val="tx1"/>
-        </a:fontRef>
-      </a:style>
-    </a:lnDef>
-  </a:objectDefaults>
+  <a:objectDefaults/>
   <a:extraClrSchemeLst/>
   <a:extLst>
     <a:ext uri="{05A4C25C-085E-4340-85A3-A5531E510DB2}">
-      <thm15:themeFamily xmlns:thm15="http://schemas.microsoft.com/office/thememl/2012/main" name="Office Theme" id="{2E142A2C-CD16-42D6-873A-C26D2A0506FA}" vid="{1BDDFF52-6CD6-40A5-AB3C-68EB2F1E4D0A}"/>
+      <thm15:themeFamily xmlns:thm15="http://schemas.microsoft.com/office/thememl/2012/main" name="Gallery" id="{BBFCD31E-59A1-489D-B089-A3EAD7CAE12E}" vid="{F5E91637-A7B6-4E27-B710-77DA7014EE1E}"/>
     </a:ext>
   </a:extLst>
 </a:theme>
+</file>
+
+<file path=customXml/item1.xml><?xml version="1.0" encoding="utf-8"?>
+<ct:contentTypeSchema xmlns:ct="http://schemas.microsoft.com/office/2006/metadata/contentType" xmlns:ma="http://schemas.microsoft.com/office/2006/metadata/properties/metaAttributes" ct:_="" ma:_="" ma:contentTypeName="Document" ma:contentTypeID="0x0101008347F5ACB7A1B242BC44DA1A06452D57" ma:contentTypeVersion="13" ma:contentTypeDescription="Create a new document." ma:contentTypeScope="" ma:versionID="332af71c3dd0b02acac29408db3542c6">
+  <xsd:schema xmlns:xsd="http://www.w3.org/2001/XMLSchema" xmlns:xs="http://www.w3.org/2001/XMLSchema" xmlns:p="http://schemas.microsoft.com/office/2006/metadata/properties" xmlns:ns3="b0568bf2-f88a-42ff-9a69-8ed898b4cf20" targetNamespace="http://schemas.microsoft.com/office/2006/metadata/properties" ma:root="true" ma:fieldsID="2189dca6ba1e49bfcd131b0e5b234055" ns3:_="">
+    <xsd:import namespace="b0568bf2-f88a-42ff-9a69-8ed898b4cf20"/>
+    <xsd:element name="properties">
+      <xsd:complexType>
+        <xsd:sequence>
+          <xsd:element name="documentManagement">
+            <xsd:complexType>
+              <xsd:all>
+                <xsd:element ref="ns3:MediaServiceMetadata" minOccurs="0"/>
+                <xsd:element ref="ns3:MediaServiceFastMetadata" minOccurs="0"/>
+                <xsd:element ref="ns3:MediaServiceObjectDetectorVersions" minOccurs="0"/>
+                <xsd:element ref="ns3:MediaServiceAutoTags" minOccurs="0"/>
+                <xsd:element ref="ns3:MediaServiceGenerationTime" minOccurs="0"/>
+                <xsd:element ref="ns3:MediaServiceEventHashCode" minOccurs="0"/>
+                <xsd:element ref="ns3:MediaLengthInSeconds" minOccurs="0"/>
+                <xsd:element ref="ns3:MediaServiceOCR" minOccurs="0"/>
+                <xsd:element ref="ns3:_activity" minOccurs="0"/>
+                <xsd:element ref="ns3:MediaServiceDateTaken" minOccurs="0"/>
+                <xsd:element ref="ns3:MediaServiceLocation" minOccurs="0"/>
+                <xsd:element ref="ns3:MediaServiceSystemTags" minOccurs="0"/>
+                <xsd:element ref="ns3:MediaServiceSearchProperties" minOccurs="0"/>
+              </xsd:all>
+            </xsd:complexType>
+          </xsd:element>
+        </xsd:sequence>
+      </xsd:complexType>
+    </xsd:element>
+  </xsd:schema>
+  <xsd:schema xmlns:xsd="http://www.w3.org/2001/XMLSchema" xmlns:xs="http://www.w3.org/2001/XMLSchema" xmlns:dms="http://schemas.microsoft.com/office/2006/documentManagement/types" xmlns:pc="http://schemas.microsoft.com/office/infopath/2007/PartnerControls" targetNamespace="b0568bf2-f88a-42ff-9a69-8ed898b4cf20" elementFormDefault="qualified">
+    <xsd:import namespace="http://schemas.microsoft.com/office/2006/documentManagement/types"/>
+    <xsd:import namespace="http://schemas.microsoft.com/office/infopath/2007/PartnerControls"/>
+    <xsd:element name="MediaServiceMetadata" ma:index="8" nillable="true" ma:displayName="MediaServiceMetadata" ma:hidden="true" ma:internalName="MediaServiceMetadata" ma:readOnly="true">
+      <xsd:simpleType>
+        <xsd:restriction base="dms:Note"/>
+      </xsd:simpleType>
+    </xsd:element>
+    <xsd:element name="MediaServiceFastMetadata" ma:index="9" nillable="true" ma:displayName="MediaServiceFastMetadata" ma:hidden="true" ma:internalName="MediaServiceFastMetadata" ma:readOnly="true">
+      <xsd:simpleType>
+        <xsd:restriction base="dms:Note"/>
+      </xsd:simpleType>
+    </xsd:element>
+    <xsd:element name="MediaServiceObjectDetectorVersions" ma:index="10" nillable="true" ma:displayName="MediaServiceObjectDetectorVersions" ma:hidden="true" ma:indexed="true" ma:internalName="MediaServiceObjectDetectorVersions" ma:readOnly="true">
+      <xsd:simpleType>
+        <xsd:restriction base="dms:Text"/>
+      </xsd:simpleType>
+    </xsd:element>
+    <xsd:element name="MediaServiceAutoTags" ma:index="11" nillable="true" ma:displayName="Tags" ma:internalName="MediaServiceAutoTags" ma:readOnly="true">
+      <xsd:simpleType>
+        <xsd:restriction base="dms:Text"/>
+      </xsd:simpleType>
+    </xsd:element>
+    <xsd:element name="MediaServiceGenerationTime" ma:index="12" nillable="true" ma:displayName="MediaServiceGenerationTime" ma:hidden="true" ma:internalName="MediaServiceGenerationTime" ma:readOnly="true">
+      <xsd:simpleType>
+        <xsd:restriction base="dms:Text"/>
+      </xsd:simpleType>
+    </xsd:element>
+    <xsd:element name="MediaServiceEventHashCode" ma:index="13" nillable="true" ma:displayName="MediaServiceEventHashCode" ma:hidden="true" ma:internalName="MediaServiceEventHashCode" ma:readOnly="true">
+      <xsd:simpleType>
+        <xsd:restriction base="dms:Text"/>
+      </xsd:simpleType>
+    </xsd:element>
+    <xsd:element name="MediaLengthInSeconds" ma:index="14" nillable="true" ma:displayName="MediaLengthInSeconds" ma:hidden="true" ma:internalName="MediaLengthInSeconds" ma:readOnly="true">
+      <xsd:simpleType>
+        <xsd:restriction base="dms:Unknown"/>
+      </xsd:simpleType>
+    </xsd:element>
+    <xsd:element name="MediaServiceOCR" ma:index="15" nillable="true" ma:displayName="Extracted Text" ma:internalName="MediaServiceOCR" ma:readOnly="true">
+      <xsd:simpleType>
+        <xsd:restriction base="dms:Note">
+          <xsd:maxLength value="255"/>
+        </xsd:restriction>
+      </xsd:simpleType>
+    </xsd:element>
+    <xsd:element name="_activity" ma:index="16" nillable="true" ma:displayName="_activity" ma:hidden="true" ma:internalName="_activity">
+      <xsd:simpleType>
+        <xsd:restriction base="dms:Note"/>
+      </xsd:simpleType>
+    </xsd:element>
+    <xsd:element name="MediaServiceDateTaken" ma:index="17" nillable="true" ma:displayName="MediaServiceDateTaken" ma:hidden="true" ma:indexed="true" ma:internalName="MediaServiceDateTaken" ma:readOnly="true">
+      <xsd:simpleType>
+        <xsd:restriction base="dms:Text"/>
+      </xsd:simpleType>
+    </xsd:element>
+    <xsd:element name="MediaServiceLocation" ma:index="18" nillable="true" ma:displayName="Location" ma:indexed="true" ma:internalName="MediaServiceLocation" ma:readOnly="true">
+      <xsd:simpleType>
+        <xsd:restriction base="dms:Text"/>
+      </xsd:simpleType>
+    </xsd:element>
+    <xsd:element name="MediaServiceSystemTags" ma:index="19" nillable="true" ma:displayName="MediaServiceSystemTags" ma:hidden="true" ma:internalName="MediaServiceSystemTags" ma:readOnly="true">
+      <xsd:simpleType>
+        <xsd:restriction base="dms:Note"/>
+      </xsd:simpleType>
+    </xsd:element>
+    <xsd:element name="MediaServiceSearchProperties" ma:index="20" nillable="true" ma:displayName="MediaServiceSearchProperties" ma:hidden="true" ma:internalName="MediaServiceSearchProperties" ma:readOnly="true">
+      <xsd:simpleType>
+        <xsd:restriction base="dms:Note"/>
+      </xsd:simpleType>
+    </xsd:element>
+  </xsd:schema>
+  <xsd:schema xmlns="http://schemas.openxmlformats.org/package/2006/metadata/core-properties" xmlns:xsd="http://www.w3.org/2001/XMLSchema" xmlns:xsi="http://www.w3.org/2001/XMLSchema-instance" xmlns:dc="http://purl.org/dc/elements/1.1/" xmlns:dcterms="http://purl.org/dc/terms/" xmlns:odoc="http://schemas.microsoft.com/internal/obd" targetNamespace="http://schemas.openxmlformats.org/package/2006/metadata/core-properties" elementFormDefault="qualified" attributeFormDefault="unqualified" blockDefault="#all">
+    <xsd:import namespace="http://purl.org/dc/elements/1.1/" schemaLocation="http://dublincore.org/schemas/xmls/qdc/2003/04/02/dc.xsd"/>
+    <xsd:import namespace="http://purl.org/dc/terms/" schemaLocation="http://dublincore.org/schemas/xmls/qdc/2003/04/02/dcterms.xsd"/>
+    <xsd:element name="coreProperties" type="CT_coreProperties"/>
+    <xsd:complexType name="CT_coreProperties">
+      <xsd:all>
+        <xsd:element ref="dc:creator" minOccurs="0" maxOccurs="1"/>
+        <xsd:element ref="dcterms:created" minOccurs="0" maxOccurs="1"/>
+        <xsd:element ref="dc:identifier" minOccurs="0" maxOccurs="1"/>
+        <xsd:element name="contentType" minOccurs="0" maxOccurs="1" type="xsd:string" ma:index="0" ma:displayName="Content Type"/>
+        <xsd:element ref="dc:title" minOccurs="0" maxOccurs="1" ma:index="4" ma:displayName="Title"/>
+        <xsd:element ref="dc:subject" minOccurs="0" maxOccurs="1"/>
+        <xsd:element ref="dc:description" minOccurs="0" maxOccurs="1"/>
+        <xsd:element name="keywords" minOccurs="0" maxOccurs="1" type="xsd:string"/>
+        <xsd:element ref="dc:language" minOccurs="0" maxOccurs="1"/>
+        <xsd:element name="category" minOccurs="0" maxOccurs="1" type="xsd:string"/>
+        <xsd:element name="version" minOccurs="0" maxOccurs="1" type="xsd:string"/>
+        <xsd:element name="revision" minOccurs="0" maxOccurs="1" type="xsd:string">
+          <xsd:annotation>
+            <xsd:documentation>
+                        This value indicates the number of saves or revisions. The application is responsible for updating this value after each revision.
+                    </xsd:documentation>
+          </xsd:annotation>
+        </xsd:element>
+        <xsd:element name="lastModifiedBy" minOccurs="0" maxOccurs="1" type="xsd:string"/>
+        <xsd:element ref="dcterms:modified" minOccurs="0" maxOccurs="1"/>
+        <xsd:element name="contentStatus" minOccurs="0" maxOccurs="1" type="xsd:string"/>
+      </xsd:all>
+    </xsd:complexType>
+  </xsd:schema>
+  <xs:schema xmlns:pc="http://schemas.microsoft.com/office/infopath/2007/PartnerControls" xmlns:xs="http://www.w3.org/2001/XMLSchema" targetNamespace="http://schemas.microsoft.com/office/infopath/2007/PartnerControls" elementFormDefault="qualified" attributeFormDefault="unqualified">
+    <xs:element name="Person">
+      <xs:complexType>
+        <xs:sequence>
+          <xs:element ref="pc:DisplayName" minOccurs="0"/>
+          <xs:element ref="pc:AccountId" minOccurs="0"/>
+          <xs:element ref="pc:AccountType" minOccurs="0"/>
+        </xs:sequence>
+      </xs:complexType>
+    </xs:element>
+    <xs:element name="DisplayName" type="xs:string"/>
+    <xs:element name="AccountId" type="xs:string"/>
+    <xs:element name="AccountType" type="xs:string"/>
+    <xs:element name="BDCAssociatedEntity">
+      <xs:complexType>
+        <xs:sequence>
+          <xs:element ref="pc:BDCEntity" minOccurs="0" maxOccurs="unbounded"/>
+        </xs:sequence>
+        <xs:attribute ref="pc:EntityNamespace"/>
+        <xs:attribute ref="pc:EntityName"/>
+        <xs:attribute ref="pc:SystemInstanceName"/>
+        <xs:attribute ref="pc:AssociationName"/>
+      </xs:complexType>
+    </xs:element>
+    <xs:attribute name="EntityNamespace" type="xs:string"/>
+    <xs:attribute name="EntityName" type="xs:string"/>
+    <xs:attribute name="SystemInstanceName" type="xs:string"/>
+    <xs:attribute name="AssociationName" type="xs:string"/>
+    <xs:element name="BDCEntity">
+      <xs:complexType>
+        <xs:sequence>
+          <xs:element ref="pc:EntityDisplayName" minOccurs="0"/>
+          <xs:element ref="pc:EntityInstanceReference" minOccurs="0"/>
+          <xs:element ref="pc:EntityId1" minOccurs="0"/>
+          <xs:element ref="pc:EntityId2" minOccurs="0"/>
+          <xs:element ref="pc:EntityId3" minOccurs="0"/>
+          <xs:element ref="pc:EntityId4" minOccurs="0"/>
+          <xs:element ref="pc:EntityId5" minOccurs="0"/>
+        </xs:sequence>
+      </xs:complexType>
+    </xs:element>
+    <xs:element name="EntityDisplayName" type="xs:string"/>
+    <xs:element name="EntityInstanceReference" type="xs:string"/>
+    <xs:element name="EntityId1" type="xs:string"/>
+    <xs:element name="EntityId2" type="xs:string"/>
+    <xs:element name="EntityId3" type="xs:string"/>
+    <xs:element name="EntityId4" type="xs:string"/>
+    <xs:element name="EntityId5" type="xs:string"/>
+    <xs:element name="Terms">
+      <xs:complexType>
+        <xs:sequence>
+          <xs:element ref="pc:TermInfo" minOccurs="0" maxOccurs="unbounded"/>
+        </xs:sequence>
+      </xs:complexType>
+    </xs:element>
+    <xs:element name="TermInfo">
+      <xs:complexType>
+        <xs:sequence>
+          <xs:element ref="pc:TermName" minOccurs="0"/>
+          <xs:element ref="pc:TermId" minOccurs="0"/>
+        </xs:sequence>
+      </xs:complexType>
+    </xs:element>
+    <xs:element name="TermName" type="xs:string"/>
+    <xs:element name="TermId" type="xs:string"/>
+  </xs:schema>
+</ct:contentTypeSchema>
+</file>
+
+<file path=customXml/item2.xml><?xml version="1.0" encoding="utf-8"?>
+<?mso-contentType ?>
+<FormTemplates xmlns="http://schemas.microsoft.com/sharepoint/v3/contenttype/forms">
+  <Display>DocumentLibraryForm</Display>
+  <Edit>DocumentLibraryForm</Edit>
+  <New>DocumentLibraryForm</New>
+</FormTemplates>
+</file>
+
+<file path=customXml/item3.xml><?xml version="1.0" encoding="utf-8"?>
+<p:properties xmlns:p="http://schemas.microsoft.com/office/2006/metadata/properties" xmlns:xsi="http://www.w3.org/2001/XMLSchema-instance" xmlns:pc="http://schemas.microsoft.com/office/infopath/2007/PartnerControls">
+  <documentManagement>
+    <_activity xmlns="b0568bf2-f88a-42ff-9a69-8ed898b4cf20" xsi:nil="true"/>
+  </documentManagement>
+</p:properties>
+</file>
+
+<file path=customXml/itemProps1.xml><?xml version="1.0" encoding="utf-8"?>
+<ds:datastoreItem xmlns:ds="http://schemas.openxmlformats.org/officeDocument/2006/customXml" ds:itemID="{5E5304FF-99D7-41D3-8476-E1FC8BB98824}">
+  <ds:schemaRefs>
+    <ds:schemaRef ds:uri="http://schemas.microsoft.com/office/2006/metadata/contentType"/>
+    <ds:schemaRef ds:uri="http://schemas.microsoft.com/office/2006/metadata/properties/metaAttributes"/>
+    <ds:schemaRef ds:uri="http://www.w3.org/2001/XMLSchema"/>
+    <ds:schemaRef ds:uri="http://schemas.microsoft.com/office/2006/metadata/properties"/>
+    <ds:schemaRef ds:uri="b0568bf2-f88a-42ff-9a69-8ed898b4cf20"/>
+    <ds:schemaRef ds:uri="http://schemas.microsoft.com/office/2006/documentManagement/types"/>
+    <ds:schemaRef ds:uri="http://schemas.microsoft.com/office/infopath/2007/PartnerControls"/>
+    <ds:schemaRef ds:uri="http://schemas.openxmlformats.org/package/2006/metadata/core-properties"/>
+    <ds:schemaRef ds:uri="http://purl.org/dc/elements/1.1/"/>
+    <ds:schemaRef ds:uri="http://purl.org/dc/terms/"/>
+    <ds:schemaRef ds:uri="http://schemas.microsoft.com/internal/obd"/>
+  </ds:schemaRefs>
+</ds:datastoreItem>
+</file>
+
+<file path=customXml/itemProps2.xml><?xml version="1.0" encoding="utf-8"?>
+<ds:datastoreItem xmlns:ds="http://schemas.openxmlformats.org/officeDocument/2006/customXml" ds:itemID="{8912A71B-4590-4260-8D8C-D6F8B416307B}">
+  <ds:schemaRefs>
+    <ds:schemaRef ds:uri="http://schemas.microsoft.com/sharepoint/v3/contenttype/forms"/>
+  </ds:schemaRefs>
+</ds:datastoreItem>
+</file>
+
+<file path=customXml/itemProps3.xml><?xml version="1.0" encoding="utf-8"?>
+<ds:datastoreItem xmlns:ds="http://schemas.openxmlformats.org/officeDocument/2006/customXml" ds:itemID="{E0A22F13-317E-40F1-A6AF-DBF56945D8DF}">
+  <ds:schemaRefs>
+    <ds:schemaRef ds:uri="http://schemas.microsoft.com/office/2006/documentManagement/types"/>
+    <ds:schemaRef ds:uri="b0568bf2-f88a-42ff-9a69-8ed898b4cf20"/>
+    <ds:schemaRef ds:uri="http://www.w3.org/XML/1998/namespace"/>
+    <ds:schemaRef ds:uri="http://purl.org/dc/terms/"/>
+    <ds:schemaRef ds:uri="http://schemas.microsoft.com/office/infopath/2007/PartnerControls"/>
+    <ds:schemaRef ds:uri="http://schemas.openxmlformats.org/package/2006/metadata/core-properties"/>
+    <ds:schemaRef ds:uri="http://schemas.microsoft.com/office/2006/metadata/properties"/>
+    <ds:schemaRef ds:uri="http://purl.org/dc/dcmitype/"/>
+    <ds:schemaRef ds:uri="http://purl.org/dc/elements/1.1/"/>
+  </ds:schemaRefs>
+</ds:datastoreItem>
 </file>
--- a/Presentation/EG_2022_5364.pptx
+++ b/Presentation/EG_2022_5364.pptx
@@ -49,6 +49,27 @@
     <p:sldId id="297" r:id="rId46"/>
     <p:sldId id="298" r:id="rId47"/>
     <p:sldId id="299" r:id="rId48"/>
+    <p:sldId id="310" r:id="rId49"/>
+    <p:sldId id="311" r:id="rId50"/>
+    <p:sldId id="312" r:id="rId51"/>
+    <p:sldId id="313" r:id="rId52"/>
+    <p:sldId id="300" r:id="rId53"/>
+    <p:sldId id="301" r:id="rId54"/>
+    <p:sldId id="302" r:id="rId55"/>
+    <p:sldId id="303" r:id="rId56"/>
+    <p:sldId id="304" r:id="rId57"/>
+    <p:sldId id="305" r:id="rId58"/>
+    <p:sldId id="306" r:id="rId59"/>
+    <p:sldId id="307" r:id="rId60"/>
+    <p:sldId id="309" r:id="rId61"/>
+    <p:sldId id="308" r:id="rId62"/>
+    <p:sldId id="314" r:id="rId63"/>
+    <p:sldId id="315" r:id="rId64"/>
+    <p:sldId id="316" r:id="rId65"/>
+    <p:sldId id="317" r:id="rId66"/>
+    <p:sldId id="318" r:id="rId67"/>
+    <p:sldId id="319" r:id="rId68"/>
+    <p:sldId id="320" r:id="rId69"/>
   </p:sldIdLst>
   <p:sldSz cx="12192000" cy="6858000"/>
   <p:notesSz cx="6858000" cy="9144000"/>
@@ -153,6 +174,134 @@
     </p:ext>
   </p:extLst>
 </p:presentation>
+</file>
+
+<file path=ppt/ink/ink1.xml><?xml version="1.0" encoding="utf-8"?>
+<inkml:ink xmlns:inkml="http://www.w3.org/2003/InkML">
+  <inkml:definitions>
+    <inkml:context xml:id="ctx0">
+      <inkml:inkSource xml:id="inkSrc0">
+        <inkml:traceFormat>
+          <inkml:channel name="X" type="integer" min="-2.14748E9" max="2.14748E9" units="cm"/>
+          <inkml:channel name="Y" type="integer" min="-2.14748E9" max="2.14748E9" units="cm"/>
+          <inkml:channel name="F" type="integer" max="32767" units="dev"/>
+        </inkml:traceFormat>
+        <inkml:channelProperties>
+          <inkml:channelProperty channel="X" name="resolution" value="1000" units="1/cm"/>
+          <inkml:channelProperty channel="Y" name="resolution" value="1000" units="1/cm"/>
+          <inkml:channelProperty channel="F" name="resolution" value="0" units="1/dev"/>
+        </inkml:channelProperties>
+      </inkml:inkSource>
+      <inkml:timestamp xml:id="ts0" timeString="2025-08-19T02:42:42.363"/>
+    </inkml:context>
+    <inkml:brush xml:id="br0">
+      <inkml:brushProperty name="width" value="0.35" units="cm"/>
+      <inkml:brushProperty name="height" value="0.35" units="cm"/>
+      <inkml:brushProperty name="color" value="#B4C3DA"/>
+      <inkml:brushProperty name="inkEffects" value="silver"/>
+      <inkml:brushProperty name="anchorX" value="57.4403"/>
+      <inkml:brushProperty name="anchorY" value="84.39916"/>
+      <inkml:brushProperty name="scaleFactor" value="0.5"/>
+    </inkml:brush>
+  </inkml:definitions>
+  <inkml:trace contextRef="#ctx0" brushRef="#br0">2737 103 24575,'0'0'0,"-4"0"0,-12 0 0,-5-5 0,-9 0 0,-2 0 0,-11-5 0,0 2 0,2 1 0,-2 2 0,-1 1 0,4 2 0,-3 1 0,5 1 0,-8 0 0,-7 0 0,-2 1 0,-6-1 0,-6 0 0,2 1 0,1-1 0,-1-5 0,8-1 0,3-4 0,8 1 0,6 1 0,6 1 0,5 3 0,2 2 0,2 1 0,1 0 0,0 2 0,-5-1 0,-1 0 0,-10 1 0,0-1 0,1 0 0,-2 0 0,-2 0 0,-2 5 0,3 0 0,3 1 0,4 3 0,4-1 0,3-1 0,1-1 0,2-3 0,0-1 0,1-1 0,-1-1 0,0 0 0,0 0 0,0-1 0,0 1 0,0 0 0,-1 0 0,1 0 0,-1 0 0,1 0 0,-1 0 0,1 0 0,0 0 0,-1 0 0,1 0 0,-1 0 0,1 0 0,0 0 0,-1 0 0,1 0 0,-1 0 0,1 0 0,0 0 0,-1 0 0,1 0 0,-1 0 0,1 0 0,0 0 0,-1 0 0,1 0 0,-1 0 0,6-5 0,0-1 0,0 1 0,-2-4 0,10 1 0,14 8 0,-2-1 0,0 1 0,0 0 0,0 0 0,0-1 0,0 1 0,0 0 0,0 0 0,0-1 0,0 1 0,0 0 0,0 0 0,0-1 0,0 1 0,1 0 0,-1 0 0,0-1 0,0 1 0,0 0 0,0 0 0,0 0 0,1-1 0,-1 1 0,0 0 0,0 0 0,0 0 0,1 0 0,-1-1 0,0 1 0,0 0 0,1 0 0,-1 0 0,0 0 0,0 0 0,0 0 0,1 0 0,-1 0 0,1 0 0,16-6 0,18 3 0,15 1 0,6 1 0,3 1 0,6 0 0,-2 0 0,-1 0 0,-9 1 0,-2-1 0,-3 0 0,-5 0 0,-1 0 0,7 0 0,1 0 0,2 0 0,6 0 0,4 0 0,11 0 0,-1 0 0,8 0 0,0 0 0,1 0 0,-1 0 0,0 0 0,-2 0 0,5 0 0,-1 0 0,4 0 0,0 0 0,3 0 0,-1 0 0,-3 0 0,-2 0 0,2 5 0,-1 0 0,8 6 0,4 3 0,-1 4 0,-4-1 0,7-3 0,6-5 0,7-2 0,11-4 0,6-2 0,2 4 0,-3 0 0,4 5 0,-6 4 0,5 4 0,0 3 0,-5-2 0,-6-4 0,-11-5 0,-10-4 0,-8-2 0,-18-3 0,-9-1 0,-13-1 0,-10 0 0,-7 1 0,-6-1 0,-2 1 0,-1-1 0,-1 1 0,0 0 0,1 0 0,0 0 0,6 0 0,11-5 0,5 0 0,9 0 0,3-4 0,-4-5 0,-7 2 0,-6 1 0,-7 4 0,1-4 0,-3 3 0,-1 1 0,7-2 0,5 0 0,-1 3 0,2 1 0,-3 2 0,6 1 0,-3 1 0,7-4 0,-4 0 0,-4 1 0,-6 0 0,-4 1 0,-3 1 0,-3 1 0,3 1 0,0 0 0,0 0 0,4 0 0,4 0 0,4 1 0,4-1 0,2 0 0,8 0 0,5 0 0,1 0 0,5 0 0,2 0 0,-2 0 0,6 0 0,8 0 0,6 0 0,2 0 0,3 0 0,9 0 0,7 0 0,7 0 0,11 0 0,4 0 0,2 0 0,10 0 0,0 0 0,-1 0 0,7 0 0,-3 0 0,-3 0 0,-4 0 0,-9 0 0,-9 0 0,-17 0 0,-11 0 0,-9 0 0,-10 0 0,-4 0 0,-1 0 0,-10 0 0,-3 0 0,2 0 0,-7 0 0,4 0 0,-1 0 0,6 0 0,-1 0 0,-1 0 0,4 0 0,-1 0 0,-7 0 0,3 0 0,3 0 0,0 0 0,9 0 0,9 0 0,4 0 0,6 0 0,5 0 0,5 0 0,-8 0 0,-3 0 0,-4 0 0,-9 0 0,-1 0 0,-2 0 0,1 0 0,1 0 0,2 0 0,-10 0 0,-4 0 0,-5 0 0,-8 0 0,-7 0 0,-6 0 0,-4 0 0,-4 0 0,-1 0 0,5 0 0,-1 0 0,5 0 0,0 0 0,-1 0 0,-1 0 0,-3 0 0,-1 0 0,-2 0 0,0 0 0,-1 0 0,5-5 0,1 0 0,-1-1 0,0 2 0,-2 1 0,-1 1 0,-1 1 0,-5 1 0</inkml:trace>
+</inkml:ink>
+</file>
+
+<file path=ppt/ink/ink2.xml><?xml version="1.0" encoding="utf-8"?>
+<inkml:ink xmlns:inkml="http://www.w3.org/2003/InkML">
+  <inkml:definitions>
+    <inkml:context xml:id="ctx0">
+      <inkml:inkSource xml:id="inkSrc0">
+        <inkml:traceFormat>
+          <inkml:channel name="X" type="integer" min="-2.14748E9" max="2.14748E9" units="cm"/>
+          <inkml:channel name="Y" type="integer" min="-2.14748E9" max="2.14748E9" units="cm"/>
+          <inkml:channel name="F" type="integer" max="32767" units="dev"/>
+        </inkml:traceFormat>
+        <inkml:channelProperties>
+          <inkml:channelProperty channel="X" name="resolution" value="1000" units="1/cm"/>
+          <inkml:channelProperty channel="Y" name="resolution" value="1000" units="1/cm"/>
+          <inkml:channelProperty channel="F" name="resolution" value="0" units="1/dev"/>
+        </inkml:channelProperties>
+      </inkml:inkSource>
+      <inkml:timestamp xml:id="ts0" timeString="2025-08-19T02:42:43.759"/>
+    </inkml:context>
+    <inkml:brush xml:id="br0">
+      <inkml:brushProperty name="width" value="0.35" units="cm"/>
+      <inkml:brushProperty name="height" value="0.35" units="cm"/>
+      <inkml:brushProperty name="color" value="#B4C3DA"/>
+      <inkml:brushProperty name="inkEffects" value="silver"/>
+      <inkml:brushProperty name="anchorX" value="-10887.19434"/>
+      <inkml:brushProperty name="anchorY" value="-880.22412"/>
+      <inkml:brushProperty name="scaleFactor" value="0.5"/>
+    </inkml:brush>
+  </inkml:definitions>
+  <inkml:trace contextRef="#ctx0" brushRef="#br0">1 79 24575,'0'0'0,"8"0"0,14 0 0,19 0 0,19 0 0,22 0 0,18 0 0,13 0 0,9 0 0,6 0 0,7 0 0,1 0 0,0 0 0,8 0 0,-6-5 0,-3-6 0,-13 1 0,-3-4 0,-16 1 0,-11 3 0,-8 3 0,0 2 0,1 3 0,0 1 0,3 0 0,3 2 0,-1-1 0,-2 1 0,-4-1 0,-7 1 0,-4-1 0,0 0 0,-11 0 0,0 0 0,-4 0 0,-8 0 0,-1 0 0,-2 0 0,-6 0 0,2 0 0,-5 0 0,-4 0 0,-2 0 0,-4 0 0,-1 0 0,-1 0 0,-1 0 0,-1 0 0,1 0 0,0 0 0,-5 0 0</inkml:trace>
+</inkml:ink>
+</file>
+
+<file path=ppt/ink/ink3.xml><?xml version="1.0" encoding="utf-8"?>
+<inkml:ink xmlns:inkml="http://www.w3.org/2003/InkML">
+  <inkml:definitions>
+    <inkml:context xml:id="ctx0">
+      <inkml:inkSource xml:id="inkSrc0">
+        <inkml:traceFormat>
+          <inkml:channel name="X" type="integer" min="-2.14748E9" max="2.14748E9" units="cm"/>
+          <inkml:channel name="Y" type="integer" min="-2.14748E9" max="2.14748E9" units="cm"/>
+          <inkml:channel name="F" type="integer" max="32767" units="dev"/>
+        </inkml:traceFormat>
+        <inkml:channelProperties>
+          <inkml:channelProperty channel="X" name="resolution" value="1000" units="1/cm"/>
+          <inkml:channelProperty channel="Y" name="resolution" value="1000" units="1/cm"/>
+          <inkml:channelProperty channel="F" name="resolution" value="0" units="1/dev"/>
+        </inkml:channelProperties>
+      </inkml:inkSource>
+      <inkml:timestamp xml:id="ts0" timeString="2025-08-19T02:42:45.575"/>
+    </inkml:context>
+    <inkml:brush xml:id="br0">
+      <inkml:brushProperty name="width" value="0.35" units="cm"/>
+      <inkml:brushProperty name="height" value="0.35" units="cm"/>
+      <inkml:brushProperty name="color" value="#B4C3DA"/>
+      <inkml:brushProperty name="inkEffects" value="silver"/>
+      <inkml:brushProperty name="anchorX" value="-15557.53613"/>
+      <inkml:brushProperty name="anchorY" value="-1820.62402"/>
+      <inkml:brushProperty name="scaleFactor" value="0.5"/>
+    </inkml:brush>
+  </inkml:definitions>
+  <inkml:trace contextRef="#ctx0" brushRef="#br0">4663 78 24575,'0'0'0,"-4"4"0,-7 2 0,-5-1 0,-3-1 0,-4-1 0,-2-1 0,-1 0 0,0-2 0,-6 0 0,-9 0 0,-1 0 0,-9-1 0,-7 1 0,-1 0 0,-6 0 0,-3 0 0,1 0 0,-7 0 0,-2 0 0,4 0 0,-6 0 0,0 0 0,-1 0 0,1 0 0,-10 5 0,-16 5 0,-9 6 0,-13 4 0,4 3 0,-6 2 0,-1 5 0,9-3 0,1-1 0,15-5 0,15-7 0,9-4 0,6-5 0,7-3 0,-4-2 0,-1-1 0,3 0 0,4 0 0,0 0 0,8 1 0,3-1 0,3 1 0,2 0 0,0 0 0,-5-5 0,-1-6 0,0 1 0,-4-5 0,5 3 0,-9-4 0,2 4 0,-10-3 0,7-2 0,3 3 0,-6-3 0,7 3 0,-2-1 0,2 3 0,3-2 0,7 2 0,1 3 0,3-2 0,-1-2 0,-1-5 0,5 3 0,4 3 0,-6-2 0,-1 3 0,3 3 0,3 2 0,10 3 0</inkml:trace>
+</inkml:ink>
+</file>
+
+<file path=ppt/ink/ink4.xml><?xml version="1.0" encoding="utf-8"?>
+<inkml:ink xmlns:inkml="http://www.w3.org/2003/InkML">
+  <inkml:definitions>
+    <inkml:context xml:id="ctx0">
+      <inkml:inkSource xml:id="inkSrc0">
+        <inkml:traceFormat>
+          <inkml:channel name="X" type="integer" min="-2.14748E9" max="2.14748E9" units="cm"/>
+          <inkml:channel name="Y" type="integer" min="-2.14748E9" max="2.14748E9" units="cm"/>
+          <inkml:channel name="F" type="integer" max="32767" units="dev"/>
+        </inkml:traceFormat>
+        <inkml:channelProperties>
+          <inkml:channelProperty channel="X" name="resolution" value="1000" units="1/cm"/>
+          <inkml:channelProperty channel="Y" name="resolution" value="1000" units="1/cm"/>
+          <inkml:channelProperty channel="F" name="resolution" value="0" units="1/dev"/>
+        </inkml:channelProperties>
+      </inkml:inkSource>
+      <inkml:timestamp xml:id="ts0" timeString="2025-08-19T02:42:48.399"/>
+    </inkml:context>
+    <inkml:brush xml:id="br0">
+      <inkml:brushProperty name="width" value="0.35" units="cm"/>
+      <inkml:brushProperty name="height" value="0.35" units="cm"/>
+      <inkml:brushProperty name="color" value="#B4C3DA"/>
+      <inkml:brushProperty name="inkEffects" value="silver"/>
+      <inkml:brushProperty name="anchorX" value="-9879.21289"/>
+      <inkml:brushProperty name="anchorY" value="-727.39362"/>
+      <inkml:brushProperty name="scaleFactor" value="0.5"/>
+    </inkml:brush>
+  </inkml:definitions>
+  <inkml:trace contextRef="#ctx0" brushRef="#br0">0 1 24575,'0'0'0,"13"0"0,25 0 0,14 0 0,2 0 0,4 0 0,-1 0 0,-6 0 0,-8 0 0,-5 0 0,-6 0 0,-4 0 0,-2 0 0,-1 0 0,-1 0 0,0 0 0,0 0 0,1 0 0,0 0 0,0 0 0,0 0 0,6 0 0,-1 0 0,6 0 0,4 0 0,9 0 0,9 0 0,1 0 0,7 0 0,3 0 0,3 0 0,-8 0 0,2 0 0,-10 0 0,-3 0 0,-3 0 0,-6 0 0,-1 0 0,-5 0 0,2 0 0,1 0 0,-2 0 0,2 0 0,-3 0 0,3 0 0,1 0 0,3 0 0,-3 0 0,1 0 0,-3 0 0,1 0 0,2 0 0,2 0 0,8 0 0,1 0 0,6 0 0,5 0 0,-1 0 0,9 0 0,8 0 0,6 0 0,12 0 0,4 5 0,-2 0 0,1 0 0,-1-1 0,0-1 0,-11-1 0,-4 0 0,-16-2 0,-8 0 0,-7 0 0,-10 0 0,-6-1 0,-7 1 0,-4 0 0,-2 0 0,-1 0 0,-1 0 0,-1 0 0,2 0 0,-1 0 0,1 0 0,0 0 0,0 0 0,1 0 0,-1 0 0,1 0 0,-1 0 0,1 0 0,-1 0 0,0 0 0,1 0 0,-1 0 0,1 0 0,-1 0 0,-5 0 0</inkml:trace>
+</inkml:ink>
 </file>
 
 <file path=ppt/slideLayouts/slideLayout1.xml><?xml version="1.0" encoding="utf-8"?>
@@ -8455,7 +8604,7 @@
         </p:blipFill>
         <p:spPr>
           <a:xfrm>
-            <a:off x="247700" y="274320"/>
+            <a:off x="247700" y="804519"/>
             <a:ext cx="11696600" cy="5881823"/>
           </a:xfrm>
           <a:prstGeom prst="rect">
@@ -8463,6 +8612,68 @@
           </a:prstGeom>
         </p:spPr>
       </p:pic>
+      <p:sp>
+        <p:nvSpPr>
+          <p:cNvPr id="4" name="Title 1">
+            <a:extLst>
+              <a:ext uri="{FF2B5EF4-FFF2-40B4-BE49-F238E27FC236}">
+                <a16:creationId xmlns:a16="http://schemas.microsoft.com/office/drawing/2014/main" id="{B6276303-53BF-4B39-97CE-517238EF3B2B}"/>
+              </a:ext>
+            </a:extLst>
+          </p:cNvPr>
+          <p:cNvSpPr txBox="1">
+            <a:spLocks/>
+          </p:cNvSpPr>
+          <p:nvPr/>
+        </p:nvSpPr>
+        <p:spPr>
+          <a:xfrm>
+            <a:off x="4536033" y="266036"/>
+            <a:ext cx="3434365" cy="753009"/>
+          </a:xfrm>
+          <a:prstGeom prst="rect">
+            <a:avLst/>
+          </a:prstGeom>
+        </p:spPr>
+        <p:txBody>
+          <a:bodyPr vert="horz" lIns="91440" tIns="45720" rIns="91440" bIns="45720" rtlCol="0" anchor="t">
+            <a:normAutofit/>
+          </a:bodyPr>
+          <a:lstStyle>
+            <a:lvl1pPr algn="l" defTabSz="914400" rtl="0" eaLnBrk="1" latinLnBrk="0" hangingPunct="1">
+              <a:lnSpc>
+                <a:spcPct val="90000"/>
+              </a:lnSpc>
+              <a:spcBef>
+                <a:spcPct val="0"/>
+              </a:spcBef>
+              <a:buNone/>
+              <a:defRPr sz="3200" b="0" i="0" kern="1200" cap="all">
+                <a:solidFill>
+                  <a:schemeClr val="tx1"/>
+                </a:solidFill>
+                <a:effectLst/>
+                <a:latin typeface="+mj-lt"/>
+                <a:ea typeface="+mj-ea"/>
+                <a:cs typeface="+mj-cs"/>
+              </a:defRPr>
+            </a:lvl1pPr>
+          </a:lstStyle>
+          <a:p>
+            <a:r>
+              <a:rPr lang="en-US" b="1" dirty="0">
+                <a:latin typeface="Times New Roman" panose="02020603050405020304" pitchFamily="18" charset="0"/>
+                <a:cs typeface="Times New Roman" panose="02020603050405020304" pitchFamily="18" charset="0"/>
+              </a:rPr>
+              <a:t>Dashboard</a:t>
+            </a:r>
+            <a:endParaRPr lang="en-US" dirty="0">
+              <a:latin typeface="Times New Roman" panose="02020603050405020304" pitchFamily="18" charset="0"/>
+              <a:cs typeface="Times New Roman" panose="02020603050405020304" pitchFamily="18" charset="0"/>
+            </a:endParaRPr>
+          </a:p>
+        </p:txBody>
+      </p:sp>
     </p:spTree>
     <p:extLst>
       <p:ext uri="{BB962C8B-B14F-4D97-AF65-F5344CB8AC3E}">
@@ -8565,8 +8776,332 @@
         </p:blipFill>
         <p:spPr>
           <a:xfrm>
-            <a:off x="603504" y="206326"/>
-            <a:ext cx="11177016" cy="6284523"/>
+            <a:off x="886968" y="1109612"/>
+            <a:ext cx="10058400" cy="5655557"/>
+          </a:xfrm>
+          <a:prstGeom prst="rect">
+            <a:avLst/>
+          </a:prstGeom>
+        </p:spPr>
+      </p:pic>
+      <p:sp>
+        <p:nvSpPr>
+          <p:cNvPr id="4" name="Title 1">
+            <a:extLst>
+              <a:ext uri="{FF2B5EF4-FFF2-40B4-BE49-F238E27FC236}">
+                <a16:creationId xmlns:a16="http://schemas.microsoft.com/office/drawing/2014/main" id="{59A2FFA7-D2FA-404C-0177-5436E48A5A8B}"/>
+              </a:ext>
+            </a:extLst>
+          </p:cNvPr>
+          <p:cNvSpPr txBox="1">
+            <a:spLocks/>
+          </p:cNvSpPr>
+          <p:nvPr/>
+        </p:nvSpPr>
+        <p:spPr>
+          <a:xfrm>
+            <a:off x="4450445" y="279901"/>
+            <a:ext cx="2931445" cy="1049235"/>
+          </a:xfrm>
+          <a:prstGeom prst="rect">
+            <a:avLst/>
+          </a:prstGeom>
+        </p:spPr>
+        <p:txBody>
+          <a:bodyPr vert="horz" lIns="91440" tIns="45720" rIns="91440" bIns="45720" rtlCol="0" anchor="t">
+            <a:normAutofit/>
+          </a:bodyPr>
+          <a:lstStyle>
+            <a:lvl1pPr algn="l" defTabSz="914400" rtl="0" eaLnBrk="1" latinLnBrk="0" hangingPunct="1">
+              <a:lnSpc>
+                <a:spcPct val="90000"/>
+              </a:lnSpc>
+              <a:spcBef>
+                <a:spcPct val="0"/>
+              </a:spcBef>
+              <a:buNone/>
+              <a:defRPr sz="3200" b="0" i="0" kern="1200" cap="all">
+                <a:solidFill>
+                  <a:schemeClr val="tx1"/>
+                </a:solidFill>
+                <a:effectLst/>
+                <a:latin typeface="+mj-lt"/>
+                <a:ea typeface="+mj-ea"/>
+                <a:cs typeface="+mj-cs"/>
+              </a:defRPr>
+            </a:lvl1pPr>
+          </a:lstStyle>
+          <a:p>
+            <a:r>
+              <a:rPr lang="en-US" b="1" dirty="0">
+                <a:latin typeface="Times New Roman" panose="02020603050405020304" pitchFamily="18" charset="0"/>
+                <a:cs typeface="Times New Roman" panose="02020603050405020304" pitchFamily="18" charset="0"/>
+              </a:rPr>
+              <a:t>dashboard</a:t>
+            </a:r>
+            <a:endParaRPr lang="en-US" dirty="0">
+              <a:latin typeface="Times New Roman" panose="02020603050405020304" pitchFamily="18" charset="0"/>
+              <a:cs typeface="Times New Roman" panose="02020603050405020304" pitchFamily="18" charset="0"/>
+            </a:endParaRPr>
+          </a:p>
+        </p:txBody>
+      </p:sp>
+    </p:spTree>
+    <p:extLst>
+      <p:ext uri="{BB962C8B-B14F-4D97-AF65-F5344CB8AC3E}">
+        <p14:creationId xmlns:p14="http://schemas.microsoft.com/office/powerpoint/2010/main" val="893097697"/>
+      </p:ext>
+    </p:extLst>
+  </p:cSld>
+  <p:clrMapOvr>
+    <a:masterClrMapping/>
+  </p:clrMapOvr>
+</p:sld>
+</file>
+
+<file path=ppt/slides/slide45.xml><?xml version="1.0" encoding="utf-8"?>
+<p:sld xmlns:a="http://schemas.openxmlformats.org/drawingml/2006/main" xmlns:r="http://schemas.openxmlformats.org/officeDocument/2006/relationships" xmlns:p="http://schemas.openxmlformats.org/presentationml/2006/main">
+  <p:cSld>
+    <p:spTree>
+      <p:nvGrpSpPr>
+        <p:cNvPr id="1" name=""/>
+        <p:cNvGrpSpPr/>
+        <p:nvPr/>
+      </p:nvGrpSpPr>
+      <p:grpSpPr>
+        <a:xfrm>
+          <a:off x="0" y="0"/>
+          <a:ext cx="0" cy="0"/>
+          <a:chOff x="0" y="0"/>
+          <a:chExt cx="0" cy="0"/>
+        </a:xfrm>
+      </p:grpSpPr>
+      <p:sp>
+        <p:nvSpPr>
+          <p:cNvPr id="2" name="Title 1">
+            <a:extLst>
+              <a:ext uri="{FF2B5EF4-FFF2-40B4-BE49-F238E27FC236}">
+                <a16:creationId xmlns:a16="http://schemas.microsoft.com/office/drawing/2014/main" id="{7A0DC599-EFB2-97EC-2054-F69BF07CD108}"/>
+              </a:ext>
+            </a:extLst>
+          </p:cNvPr>
+          <p:cNvSpPr>
+            <a:spLocks noGrp="1"/>
+          </p:cNvSpPr>
+          <p:nvPr>
+            <p:ph type="title"/>
+          </p:nvPr>
+        </p:nvSpPr>
+        <p:spPr/>
+        <p:txBody>
+          <a:bodyPr/>
+          <a:lstStyle/>
+          <a:p>
+            <a:endParaRPr lang="en-US" dirty="0"/>
+          </a:p>
+        </p:txBody>
+      </p:sp>
+      <p:sp>
+        <p:nvSpPr>
+          <p:cNvPr id="3" name="Content Placeholder 2">
+            <a:extLst>
+              <a:ext uri="{FF2B5EF4-FFF2-40B4-BE49-F238E27FC236}">
+                <a16:creationId xmlns:a16="http://schemas.microsoft.com/office/drawing/2014/main" id="{1336597C-895C-CAF8-8523-97641B120DCE}"/>
+              </a:ext>
+            </a:extLst>
+          </p:cNvPr>
+          <p:cNvSpPr>
+            <a:spLocks noGrp="1"/>
+          </p:cNvSpPr>
+          <p:nvPr>
+            <p:ph idx="1"/>
+          </p:nvPr>
+        </p:nvSpPr>
+        <p:spPr/>
+        <p:txBody>
+          <a:bodyPr/>
+          <a:lstStyle/>
+          <a:p>
+            <a:endParaRPr lang="en-US" dirty="0"/>
+          </a:p>
+        </p:txBody>
+      </p:sp>
+      <p:sp>
+        <p:nvSpPr>
+          <p:cNvPr id="6" name="Title 1">
+            <a:extLst>
+              <a:ext uri="{FF2B5EF4-FFF2-40B4-BE49-F238E27FC236}">
+                <a16:creationId xmlns:a16="http://schemas.microsoft.com/office/drawing/2014/main" id="{A9A33533-B80A-ACF7-0EE7-4074C0C1770D}"/>
+              </a:ext>
+            </a:extLst>
+          </p:cNvPr>
+          <p:cNvSpPr txBox="1">
+            <a:spLocks/>
+          </p:cNvSpPr>
+          <p:nvPr/>
+        </p:nvSpPr>
+        <p:spPr>
+          <a:xfrm>
+            <a:off x="4186793" y="314945"/>
+            <a:ext cx="3571525" cy="560985"/>
+          </a:xfrm>
+          <a:prstGeom prst="rect">
+            <a:avLst/>
+          </a:prstGeom>
+        </p:spPr>
+        <p:txBody>
+          <a:bodyPr vert="horz" lIns="91440" tIns="45720" rIns="91440" bIns="45720" rtlCol="0" anchor="t">
+            <a:normAutofit/>
+          </a:bodyPr>
+          <a:lstStyle>
+            <a:lvl1pPr algn="l" defTabSz="914400" rtl="0" eaLnBrk="1" latinLnBrk="0" hangingPunct="1">
+              <a:lnSpc>
+                <a:spcPct val="90000"/>
+              </a:lnSpc>
+              <a:spcBef>
+                <a:spcPct val="0"/>
+              </a:spcBef>
+              <a:buNone/>
+              <a:defRPr sz="3200" b="0" i="0" kern="1200" cap="all">
+                <a:solidFill>
+                  <a:schemeClr val="tx1"/>
+                </a:solidFill>
+                <a:effectLst/>
+                <a:latin typeface="+mj-lt"/>
+                <a:ea typeface="+mj-ea"/>
+                <a:cs typeface="+mj-cs"/>
+              </a:defRPr>
+            </a:lvl1pPr>
+          </a:lstStyle>
+          <a:p>
+            <a:r>
+              <a:rPr lang="en-US" b="1" dirty="0">
+                <a:latin typeface="Times New Roman" panose="02020603050405020304" pitchFamily="18" charset="0"/>
+                <a:cs typeface="Times New Roman" panose="02020603050405020304" pitchFamily="18" charset="0"/>
+              </a:rPr>
+              <a:t>Response time</a:t>
+            </a:r>
+            <a:endParaRPr lang="en-US" dirty="0">
+              <a:latin typeface="Times New Roman" panose="02020603050405020304" pitchFamily="18" charset="0"/>
+              <a:cs typeface="Times New Roman" panose="02020603050405020304" pitchFamily="18" charset="0"/>
+            </a:endParaRPr>
+          </a:p>
+        </p:txBody>
+      </p:sp>
+      <p:pic>
+        <p:nvPicPr>
+          <p:cNvPr id="8" name="Picture 7">
+            <a:extLst>
+              <a:ext uri="{FF2B5EF4-FFF2-40B4-BE49-F238E27FC236}">
+                <a16:creationId xmlns:a16="http://schemas.microsoft.com/office/drawing/2014/main" id="{EB0A9F3D-3F4C-1537-83AC-0F1ADAD0F160}"/>
+              </a:ext>
+            </a:extLst>
+          </p:cNvPr>
+          <p:cNvPicPr>
+            <a:picLocks noChangeAspect="1"/>
+          </p:cNvPicPr>
+          <p:nvPr/>
+        </p:nvPicPr>
+        <p:blipFill>
+          <a:blip r:embed="rId2"/>
+          <a:stretch>
+            <a:fillRect/>
+          </a:stretch>
+        </p:blipFill>
+        <p:spPr>
+          <a:xfrm>
+            <a:off x="268321" y="955612"/>
+            <a:ext cx="5653992" cy="2473388"/>
+          </a:xfrm>
+          <a:prstGeom prst="rect">
+            <a:avLst/>
+          </a:prstGeom>
+        </p:spPr>
+      </p:pic>
+      <p:pic>
+        <p:nvPicPr>
+          <p:cNvPr id="10" name="Picture 9">
+            <a:extLst>
+              <a:ext uri="{FF2B5EF4-FFF2-40B4-BE49-F238E27FC236}">
+                <a16:creationId xmlns:a16="http://schemas.microsoft.com/office/drawing/2014/main" id="{144E4777-F901-9437-96DB-8FF71935A094}"/>
+              </a:ext>
+            </a:extLst>
+          </p:cNvPr>
+          <p:cNvPicPr>
+            <a:picLocks noChangeAspect="1"/>
+          </p:cNvPicPr>
+          <p:nvPr/>
+        </p:nvPicPr>
+        <p:blipFill>
+          <a:blip r:embed="rId3"/>
+          <a:stretch>
+            <a:fillRect/>
+          </a:stretch>
+        </p:blipFill>
+        <p:spPr>
+          <a:xfrm>
+            <a:off x="5955257" y="836437"/>
+            <a:ext cx="5794736" cy="3071252"/>
+          </a:xfrm>
+          <a:prstGeom prst="rect">
+            <a:avLst/>
+          </a:prstGeom>
+        </p:spPr>
+      </p:pic>
+      <p:pic>
+        <p:nvPicPr>
+          <p:cNvPr id="12" name="Picture 11">
+            <a:extLst>
+              <a:ext uri="{FF2B5EF4-FFF2-40B4-BE49-F238E27FC236}">
+                <a16:creationId xmlns:a16="http://schemas.microsoft.com/office/drawing/2014/main" id="{4C7FFCB4-4DBB-DDDA-A315-0B39E2479C97}"/>
+              </a:ext>
+            </a:extLst>
+          </p:cNvPr>
+          <p:cNvPicPr>
+            <a:picLocks noChangeAspect="1"/>
+          </p:cNvPicPr>
+          <p:nvPr/>
+        </p:nvPicPr>
+        <p:blipFill>
+          <a:blip r:embed="rId4"/>
+          <a:stretch>
+            <a:fillRect/>
+          </a:stretch>
+        </p:blipFill>
+        <p:spPr>
+          <a:xfrm>
+            <a:off x="237539" y="4069667"/>
+            <a:ext cx="5684774" cy="2473388"/>
+          </a:xfrm>
+          <a:prstGeom prst="rect">
+            <a:avLst/>
+          </a:prstGeom>
+        </p:spPr>
+      </p:pic>
+      <p:pic>
+        <p:nvPicPr>
+          <p:cNvPr id="14" name="Picture 13">
+            <a:extLst>
+              <a:ext uri="{FF2B5EF4-FFF2-40B4-BE49-F238E27FC236}">
+                <a16:creationId xmlns:a16="http://schemas.microsoft.com/office/drawing/2014/main" id="{74C8BA45-E52E-28BA-75B9-DAF8EAC7A300}"/>
+              </a:ext>
+            </a:extLst>
+          </p:cNvPr>
+          <p:cNvPicPr>
+            <a:picLocks noChangeAspect="1"/>
+          </p:cNvPicPr>
+          <p:nvPr/>
+        </p:nvPicPr>
+        <p:blipFill>
+          <a:blip r:embed="rId5"/>
+          <a:stretch>
+            <a:fillRect/>
+          </a:stretch>
+        </p:blipFill>
+        <p:spPr>
+          <a:xfrm>
+            <a:off x="5900566" y="3939607"/>
+            <a:ext cx="6053895" cy="2603448"/>
           </a:xfrm>
           <a:prstGeom prst="rect">
             <a:avLst/>
@@ -8576,7 +9111,641 @@
     </p:spTree>
     <p:extLst>
       <p:ext uri="{BB962C8B-B14F-4D97-AF65-F5344CB8AC3E}">
-        <p14:creationId xmlns:p14="http://schemas.microsoft.com/office/powerpoint/2010/main" val="893097697"/>
+        <p14:creationId xmlns:p14="http://schemas.microsoft.com/office/powerpoint/2010/main" val="4029449270"/>
+      </p:ext>
+    </p:extLst>
+  </p:cSld>
+  <p:clrMapOvr>
+    <a:masterClrMapping/>
+  </p:clrMapOvr>
+</p:sld>
+</file>
+
+<file path=ppt/slides/slide46.xml><?xml version="1.0" encoding="utf-8"?>
+<p:sld xmlns:a="http://schemas.openxmlformats.org/drawingml/2006/main" xmlns:r="http://schemas.openxmlformats.org/officeDocument/2006/relationships" xmlns:p="http://schemas.openxmlformats.org/presentationml/2006/main">
+  <p:cSld>
+    <p:spTree>
+      <p:nvGrpSpPr>
+        <p:cNvPr id="1" name=""/>
+        <p:cNvGrpSpPr/>
+        <p:nvPr/>
+      </p:nvGrpSpPr>
+      <p:grpSpPr>
+        <a:xfrm>
+          <a:off x="0" y="0"/>
+          <a:ext cx="0" cy="0"/>
+          <a:chOff x="0" y="0"/>
+          <a:chExt cx="0" cy="0"/>
+        </a:xfrm>
+      </p:grpSpPr>
+      <p:sp>
+        <p:nvSpPr>
+          <p:cNvPr id="2" name="Title 1">
+            <a:extLst>
+              <a:ext uri="{FF2B5EF4-FFF2-40B4-BE49-F238E27FC236}">
+                <a16:creationId xmlns:a16="http://schemas.microsoft.com/office/drawing/2014/main" id="{18BE5477-DAB1-66A5-7375-862CDD7DD7A2}"/>
+              </a:ext>
+            </a:extLst>
+          </p:cNvPr>
+          <p:cNvSpPr>
+            <a:spLocks noGrp="1"/>
+          </p:cNvSpPr>
+          <p:nvPr>
+            <p:ph type="title"/>
+          </p:nvPr>
+        </p:nvSpPr>
+        <p:spPr/>
+        <p:txBody>
+          <a:bodyPr/>
+          <a:lstStyle/>
+          <a:p>
+            <a:endParaRPr lang="en-US"/>
+          </a:p>
+        </p:txBody>
+      </p:sp>
+      <p:sp>
+        <p:nvSpPr>
+          <p:cNvPr id="3" name="Content Placeholder 2">
+            <a:extLst>
+              <a:ext uri="{FF2B5EF4-FFF2-40B4-BE49-F238E27FC236}">
+                <a16:creationId xmlns:a16="http://schemas.microsoft.com/office/drawing/2014/main" id="{A5B3D49A-5C28-ABDC-C98C-2E45D1AA6A18}"/>
+              </a:ext>
+            </a:extLst>
+          </p:cNvPr>
+          <p:cNvSpPr>
+            <a:spLocks noGrp="1"/>
+          </p:cNvSpPr>
+          <p:nvPr>
+            <p:ph idx="1"/>
+          </p:nvPr>
+        </p:nvSpPr>
+        <p:spPr/>
+        <p:txBody>
+          <a:bodyPr/>
+          <a:lstStyle/>
+          <a:p>
+            <a:endParaRPr lang="en-US"/>
+          </a:p>
+        </p:txBody>
+      </p:sp>
+      <p:pic>
+        <p:nvPicPr>
+          <p:cNvPr id="5" name="Picture 4">
+            <a:extLst>
+              <a:ext uri="{FF2B5EF4-FFF2-40B4-BE49-F238E27FC236}">
+                <a16:creationId xmlns:a16="http://schemas.microsoft.com/office/drawing/2014/main" id="{4296711B-39A8-F8EB-E357-0F831D532EFF}"/>
+              </a:ext>
+            </a:extLst>
+          </p:cNvPr>
+          <p:cNvPicPr>
+            <a:picLocks noChangeAspect="1"/>
+          </p:cNvPicPr>
+          <p:nvPr/>
+        </p:nvPicPr>
+        <p:blipFill>
+          <a:blip r:embed="rId2"/>
+          <a:stretch>
+            <a:fillRect/>
+          </a:stretch>
+        </p:blipFill>
+        <p:spPr>
+          <a:xfrm>
+            <a:off x="1432448" y="969111"/>
+            <a:ext cx="9307973" cy="5821374"/>
+          </a:xfrm>
+          <a:prstGeom prst="rect">
+            <a:avLst/>
+          </a:prstGeom>
+        </p:spPr>
+      </p:pic>
+      <p:sp>
+        <p:nvSpPr>
+          <p:cNvPr id="6" name="Title 1">
+            <a:extLst>
+              <a:ext uri="{FF2B5EF4-FFF2-40B4-BE49-F238E27FC236}">
+                <a16:creationId xmlns:a16="http://schemas.microsoft.com/office/drawing/2014/main" id="{2499815E-3DD7-47D7-0ECE-FFA6B5DF2A35}"/>
+              </a:ext>
+            </a:extLst>
+          </p:cNvPr>
+          <p:cNvSpPr txBox="1">
+            <a:spLocks/>
+          </p:cNvSpPr>
+          <p:nvPr/>
+        </p:nvSpPr>
+        <p:spPr>
+          <a:xfrm>
+            <a:off x="4186793" y="314945"/>
+            <a:ext cx="3571525" cy="560985"/>
+          </a:xfrm>
+          <a:prstGeom prst="rect">
+            <a:avLst/>
+          </a:prstGeom>
+        </p:spPr>
+        <p:txBody>
+          <a:bodyPr vert="horz" lIns="91440" tIns="45720" rIns="91440" bIns="45720" rtlCol="0" anchor="t">
+            <a:normAutofit/>
+          </a:bodyPr>
+          <a:lstStyle>
+            <a:lvl1pPr algn="l" defTabSz="914400" rtl="0" eaLnBrk="1" latinLnBrk="0" hangingPunct="1">
+              <a:lnSpc>
+                <a:spcPct val="90000"/>
+              </a:lnSpc>
+              <a:spcBef>
+                <a:spcPct val="0"/>
+              </a:spcBef>
+              <a:buNone/>
+              <a:defRPr sz="3200" b="0" i="0" kern="1200" cap="all">
+                <a:solidFill>
+                  <a:schemeClr val="tx1"/>
+                </a:solidFill>
+                <a:effectLst/>
+                <a:latin typeface="+mj-lt"/>
+                <a:ea typeface="+mj-ea"/>
+                <a:cs typeface="+mj-cs"/>
+              </a:defRPr>
+            </a:lvl1pPr>
+          </a:lstStyle>
+          <a:p>
+            <a:r>
+              <a:rPr lang="en-US" b="1" dirty="0">
+                <a:latin typeface="Times New Roman" panose="02020603050405020304" pitchFamily="18" charset="0"/>
+                <a:cs typeface="Times New Roman" panose="02020603050405020304" pitchFamily="18" charset="0"/>
+              </a:rPr>
+              <a:t>Throughput</a:t>
+            </a:r>
+            <a:endParaRPr lang="en-US" dirty="0">
+              <a:latin typeface="Times New Roman" panose="02020603050405020304" pitchFamily="18" charset="0"/>
+              <a:cs typeface="Times New Roman" panose="02020603050405020304" pitchFamily="18" charset="0"/>
+            </a:endParaRPr>
+          </a:p>
+        </p:txBody>
+      </p:sp>
+    </p:spTree>
+    <p:extLst>
+      <p:ext uri="{BB962C8B-B14F-4D97-AF65-F5344CB8AC3E}">
+        <p14:creationId xmlns:p14="http://schemas.microsoft.com/office/powerpoint/2010/main" val="1980116848"/>
+      </p:ext>
+    </p:extLst>
+  </p:cSld>
+  <p:clrMapOvr>
+    <a:masterClrMapping/>
+  </p:clrMapOvr>
+</p:sld>
+</file>
+
+<file path=ppt/slides/slide47.xml><?xml version="1.0" encoding="utf-8"?>
+<p:sld xmlns:a="http://schemas.openxmlformats.org/drawingml/2006/main" xmlns:r="http://schemas.openxmlformats.org/officeDocument/2006/relationships" xmlns:p="http://schemas.openxmlformats.org/presentationml/2006/main">
+  <p:cSld>
+    <p:spTree>
+      <p:nvGrpSpPr>
+        <p:cNvPr id="1" name=""/>
+        <p:cNvGrpSpPr/>
+        <p:nvPr/>
+      </p:nvGrpSpPr>
+      <p:grpSpPr>
+        <a:xfrm>
+          <a:off x="0" y="0"/>
+          <a:ext cx="0" cy="0"/>
+          <a:chOff x="0" y="0"/>
+          <a:chExt cx="0" cy="0"/>
+        </a:xfrm>
+      </p:grpSpPr>
+      <p:sp>
+        <p:nvSpPr>
+          <p:cNvPr id="2" name="Title 1">
+            <a:extLst>
+              <a:ext uri="{FF2B5EF4-FFF2-40B4-BE49-F238E27FC236}">
+                <a16:creationId xmlns:a16="http://schemas.microsoft.com/office/drawing/2014/main" id="{27544262-764B-F5A1-CB56-DFB459F941BA}"/>
+              </a:ext>
+            </a:extLst>
+          </p:cNvPr>
+          <p:cNvSpPr>
+            <a:spLocks noGrp="1"/>
+          </p:cNvSpPr>
+          <p:nvPr>
+            <p:ph type="title"/>
+          </p:nvPr>
+        </p:nvSpPr>
+        <p:spPr/>
+        <p:txBody>
+          <a:bodyPr/>
+          <a:lstStyle/>
+          <a:p>
+            <a:endParaRPr lang="en-US"/>
+          </a:p>
+        </p:txBody>
+      </p:sp>
+      <p:sp>
+        <p:nvSpPr>
+          <p:cNvPr id="3" name="Content Placeholder 2">
+            <a:extLst>
+              <a:ext uri="{FF2B5EF4-FFF2-40B4-BE49-F238E27FC236}">
+                <a16:creationId xmlns:a16="http://schemas.microsoft.com/office/drawing/2014/main" id="{158CC5AF-6F62-A981-7CDC-54AC115D9BA6}"/>
+              </a:ext>
+            </a:extLst>
+          </p:cNvPr>
+          <p:cNvSpPr>
+            <a:spLocks noGrp="1"/>
+          </p:cNvSpPr>
+          <p:nvPr>
+            <p:ph idx="1"/>
+          </p:nvPr>
+        </p:nvSpPr>
+        <p:spPr/>
+        <p:txBody>
+          <a:bodyPr/>
+          <a:lstStyle/>
+          <a:p>
+            <a:endParaRPr lang="en-US"/>
+          </a:p>
+        </p:txBody>
+      </p:sp>
+      <p:pic>
+        <p:nvPicPr>
+          <p:cNvPr id="5" name="Picture 4">
+            <a:extLst>
+              <a:ext uri="{FF2B5EF4-FFF2-40B4-BE49-F238E27FC236}">
+                <a16:creationId xmlns:a16="http://schemas.microsoft.com/office/drawing/2014/main" id="{8F0C4BB9-4339-225E-2EE1-7D6820772F31}"/>
+              </a:ext>
+            </a:extLst>
+          </p:cNvPr>
+          <p:cNvPicPr>
+            <a:picLocks noChangeAspect="1"/>
+          </p:cNvPicPr>
+          <p:nvPr/>
+        </p:nvPicPr>
+        <p:blipFill>
+          <a:blip r:embed="rId2"/>
+          <a:stretch>
+            <a:fillRect/>
+          </a:stretch>
+        </p:blipFill>
+        <p:spPr>
+          <a:xfrm>
+            <a:off x="1294362" y="804519"/>
+            <a:ext cx="9603275" cy="5967207"/>
+          </a:xfrm>
+          <a:prstGeom prst="rect">
+            <a:avLst/>
+          </a:prstGeom>
+        </p:spPr>
+      </p:pic>
+      <p:sp>
+        <p:nvSpPr>
+          <p:cNvPr id="6" name="Title 1">
+            <a:extLst>
+              <a:ext uri="{FF2B5EF4-FFF2-40B4-BE49-F238E27FC236}">
+                <a16:creationId xmlns:a16="http://schemas.microsoft.com/office/drawing/2014/main" id="{47840315-75BE-3BFE-10F5-9EAB73B9358C}"/>
+              </a:ext>
+            </a:extLst>
+          </p:cNvPr>
+          <p:cNvSpPr txBox="1">
+            <a:spLocks/>
+          </p:cNvSpPr>
+          <p:nvPr/>
+        </p:nvSpPr>
+        <p:spPr>
+          <a:xfrm>
+            <a:off x="4186793" y="314945"/>
+            <a:ext cx="3571525" cy="560985"/>
+          </a:xfrm>
+          <a:prstGeom prst="rect">
+            <a:avLst/>
+          </a:prstGeom>
+        </p:spPr>
+        <p:txBody>
+          <a:bodyPr vert="horz" lIns="91440" tIns="45720" rIns="91440" bIns="45720" rtlCol="0" anchor="t">
+            <a:normAutofit/>
+          </a:bodyPr>
+          <a:lstStyle>
+            <a:lvl1pPr algn="l" defTabSz="914400" rtl="0" eaLnBrk="1" latinLnBrk="0" hangingPunct="1">
+              <a:lnSpc>
+                <a:spcPct val="90000"/>
+              </a:lnSpc>
+              <a:spcBef>
+                <a:spcPct val="0"/>
+              </a:spcBef>
+              <a:buNone/>
+              <a:defRPr sz="3200" b="0" i="0" kern="1200" cap="all">
+                <a:solidFill>
+                  <a:schemeClr val="tx1"/>
+                </a:solidFill>
+                <a:effectLst/>
+                <a:latin typeface="+mj-lt"/>
+                <a:ea typeface="+mj-ea"/>
+                <a:cs typeface="+mj-cs"/>
+              </a:defRPr>
+            </a:lvl1pPr>
+          </a:lstStyle>
+          <a:p>
+            <a:r>
+              <a:rPr lang="en-US" b="1" dirty="0">
+                <a:latin typeface="Times New Roman" panose="02020603050405020304" pitchFamily="18" charset="0"/>
+                <a:cs typeface="Times New Roman" panose="02020603050405020304" pitchFamily="18" charset="0"/>
+              </a:rPr>
+              <a:t>Throughput</a:t>
+            </a:r>
+            <a:endParaRPr lang="en-US" dirty="0">
+              <a:latin typeface="Times New Roman" panose="02020603050405020304" pitchFamily="18" charset="0"/>
+              <a:cs typeface="Times New Roman" panose="02020603050405020304" pitchFamily="18" charset="0"/>
+            </a:endParaRPr>
+          </a:p>
+        </p:txBody>
+      </p:sp>
+    </p:spTree>
+    <p:extLst>
+      <p:ext uri="{BB962C8B-B14F-4D97-AF65-F5344CB8AC3E}">
+        <p14:creationId xmlns:p14="http://schemas.microsoft.com/office/powerpoint/2010/main" val="878784405"/>
+      </p:ext>
+    </p:extLst>
+  </p:cSld>
+  <p:clrMapOvr>
+    <a:masterClrMapping/>
+  </p:clrMapOvr>
+</p:sld>
+</file>
+
+<file path=ppt/slides/slide48.xml><?xml version="1.0" encoding="utf-8"?>
+<p:sld xmlns:a="http://schemas.openxmlformats.org/drawingml/2006/main" xmlns:r="http://schemas.openxmlformats.org/officeDocument/2006/relationships" xmlns:p="http://schemas.openxmlformats.org/presentationml/2006/main">
+  <p:cSld>
+    <p:spTree>
+      <p:nvGrpSpPr>
+        <p:cNvPr id="1" name=""/>
+        <p:cNvGrpSpPr/>
+        <p:nvPr/>
+      </p:nvGrpSpPr>
+      <p:grpSpPr>
+        <a:xfrm>
+          <a:off x="0" y="0"/>
+          <a:ext cx="0" cy="0"/>
+          <a:chOff x="0" y="0"/>
+          <a:chExt cx="0" cy="0"/>
+        </a:xfrm>
+      </p:grpSpPr>
+      <p:sp>
+        <p:nvSpPr>
+          <p:cNvPr id="2" name="Title 1">
+            <a:extLst>
+              <a:ext uri="{FF2B5EF4-FFF2-40B4-BE49-F238E27FC236}">
+                <a16:creationId xmlns:a16="http://schemas.microsoft.com/office/drawing/2014/main" id="{B9E4683C-A343-863E-778E-9FD42262DDB8}"/>
+              </a:ext>
+            </a:extLst>
+          </p:cNvPr>
+          <p:cNvSpPr>
+            <a:spLocks noGrp="1"/>
+          </p:cNvSpPr>
+          <p:nvPr>
+            <p:ph type="title"/>
+          </p:nvPr>
+        </p:nvSpPr>
+        <p:spPr/>
+        <p:txBody>
+          <a:bodyPr/>
+          <a:lstStyle/>
+          <a:p>
+            <a:endParaRPr lang="en-US"/>
+          </a:p>
+        </p:txBody>
+      </p:sp>
+      <p:sp>
+        <p:nvSpPr>
+          <p:cNvPr id="3" name="Content Placeholder 2">
+            <a:extLst>
+              <a:ext uri="{FF2B5EF4-FFF2-40B4-BE49-F238E27FC236}">
+                <a16:creationId xmlns:a16="http://schemas.microsoft.com/office/drawing/2014/main" id="{4B02985F-7B7A-6A78-4DE9-2D63CE44C82E}"/>
+              </a:ext>
+            </a:extLst>
+          </p:cNvPr>
+          <p:cNvSpPr>
+            <a:spLocks noGrp="1"/>
+          </p:cNvSpPr>
+          <p:nvPr>
+            <p:ph idx="1"/>
+          </p:nvPr>
+        </p:nvSpPr>
+        <p:spPr/>
+        <p:txBody>
+          <a:bodyPr/>
+          <a:lstStyle/>
+          <a:p>
+            <a:endParaRPr lang="en-US"/>
+          </a:p>
+        </p:txBody>
+      </p:sp>
+      <p:pic>
+        <p:nvPicPr>
+          <p:cNvPr id="5" name="Picture 4">
+            <a:extLst>
+              <a:ext uri="{FF2B5EF4-FFF2-40B4-BE49-F238E27FC236}">
+                <a16:creationId xmlns:a16="http://schemas.microsoft.com/office/drawing/2014/main" id="{6D4E2942-4950-C317-1465-C50788C65095}"/>
+              </a:ext>
+            </a:extLst>
+          </p:cNvPr>
+          <p:cNvPicPr>
+            <a:picLocks noChangeAspect="1"/>
+          </p:cNvPicPr>
+          <p:nvPr/>
+        </p:nvPicPr>
+        <p:blipFill>
+          <a:blip r:embed="rId2"/>
+          <a:stretch>
+            <a:fillRect/>
+          </a:stretch>
+        </p:blipFill>
+        <p:spPr>
+          <a:xfrm>
+            <a:off x="1376537" y="1001721"/>
+            <a:ext cx="9438925" cy="5745969"/>
+          </a:xfrm>
+          <a:prstGeom prst="rect">
+            <a:avLst/>
+          </a:prstGeom>
+        </p:spPr>
+      </p:pic>
+      <p:sp>
+        <p:nvSpPr>
+          <p:cNvPr id="6" name="Title 1">
+            <a:extLst>
+              <a:ext uri="{FF2B5EF4-FFF2-40B4-BE49-F238E27FC236}">
+                <a16:creationId xmlns:a16="http://schemas.microsoft.com/office/drawing/2014/main" id="{DC51255A-ADF5-F80B-3177-BA78EE33A465}"/>
+              </a:ext>
+            </a:extLst>
+          </p:cNvPr>
+          <p:cNvSpPr txBox="1">
+            <a:spLocks/>
+          </p:cNvSpPr>
+          <p:nvPr/>
+        </p:nvSpPr>
+        <p:spPr>
+          <a:xfrm>
+            <a:off x="4186793" y="314945"/>
+            <a:ext cx="3571525" cy="560985"/>
+          </a:xfrm>
+          <a:prstGeom prst="rect">
+            <a:avLst/>
+          </a:prstGeom>
+        </p:spPr>
+        <p:txBody>
+          <a:bodyPr vert="horz" lIns="91440" tIns="45720" rIns="91440" bIns="45720" rtlCol="0" anchor="t">
+            <a:normAutofit/>
+          </a:bodyPr>
+          <a:lstStyle>
+            <a:lvl1pPr algn="l" defTabSz="914400" rtl="0" eaLnBrk="1" latinLnBrk="0" hangingPunct="1">
+              <a:lnSpc>
+                <a:spcPct val="90000"/>
+              </a:lnSpc>
+              <a:spcBef>
+                <a:spcPct val="0"/>
+              </a:spcBef>
+              <a:buNone/>
+              <a:defRPr sz="3200" b="0" i="0" kern="1200" cap="all">
+                <a:solidFill>
+                  <a:schemeClr val="tx1"/>
+                </a:solidFill>
+                <a:effectLst/>
+                <a:latin typeface="+mj-lt"/>
+                <a:ea typeface="+mj-ea"/>
+                <a:cs typeface="+mj-cs"/>
+              </a:defRPr>
+            </a:lvl1pPr>
+          </a:lstStyle>
+          <a:p>
+            <a:r>
+              <a:rPr lang="en-US" b="1" dirty="0">
+                <a:latin typeface="Times New Roman" panose="02020603050405020304" pitchFamily="18" charset="0"/>
+                <a:cs typeface="Times New Roman" panose="02020603050405020304" pitchFamily="18" charset="0"/>
+              </a:rPr>
+              <a:t>Throughput</a:t>
+            </a:r>
+            <a:endParaRPr lang="en-US" dirty="0">
+              <a:latin typeface="Times New Roman" panose="02020603050405020304" pitchFamily="18" charset="0"/>
+              <a:cs typeface="Times New Roman" panose="02020603050405020304" pitchFamily="18" charset="0"/>
+            </a:endParaRPr>
+          </a:p>
+        </p:txBody>
+      </p:sp>
+    </p:spTree>
+    <p:extLst>
+      <p:ext uri="{BB962C8B-B14F-4D97-AF65-F5344CB8AC3E}">
+        <p14:creationId xmlns:p14="http://schemas.microsoft.com/office/powerpoint/2010/main" val="1316853328"/>
+      </p:ext>
+    </p:extLst>
+  </p:cSld>
+  <p:clrMapOvr>
+    <a:masterClrMapping/>
+  </p:clrMapOvr>
+</p:sld>
+</file>
+
+<file path=ppt/slides/slide49.xml><?xml version="1.0" encoding="utf-8"?>
+<p:sld xmlns:a="http://schemas.openxmlformats.org/drawingml/2006/main" xmlns:r="http://schemas.openxmlformats.org/officeDocument/2006/relationships" xmlns:p="http://schemas.openxmlformats.org/presentationml/2006/main">
+  <p:cSld>
+    <p:spTree>
+      <p:nvGrpSpPr>
+        <p:cNvPr id="1" name="">
+          <a:extLst>
+            <a:ext uri="{FF2B5EF4-FFF2-40B4-BE49-F238E27FC236}">
+              <a16:creationId xmlns:a16="http://schemas.microsoft.com/office/drawing/2014/main" id="{17A6EF0E-5B5A-34BD-9345-FEB6AF8179DE}"/>
+            </a:ext>
+          </a:extLst>
+        </p:cNvPr>
+        <p:cNvGrpSpPr/>
+        <p:nvPr/>
+      </p:nvGrpSpPr>
+      <p:grpSpPr>
+        <a:xfrm>
+          <a:off x="0" y="0"/>
+          <a:ext cx="0" cy="0"/>
+          <a:chOff x="0" y="0"/>
+          <a:chExt cx="0" cy="0"/>
+        </a:xfrm>
+      </p:grpSpPr>
+      <p:sp>
+        <p:nvSpPr>
+          <p:cNvPr id="2" name="Title 1">
+            <a:extLst>
+              <a:ext uri="{FF2B5EF4-FFF2-40B4-BE49-F238E27FC236}">
+                <a16:creationId xmlns:a16="http://schemas.microsoft.com/office/drawing/2014/main" id="{37110E7F-57E1-4E66-D8CD-71F7EE4AED19}"/>
+              </a:ext>
+            </a:extLst>
+          </p:cNvPr>
+          <p:cNvSpPr>
+            <a:spLocks noGrp="1"/>
+          </p:cNvSpPr>
+          <p:nvPr>
+            <p:ph type="title"/>
+          </p:nvPr>
+        </p:nvSpPr>
+        <p:spPr/>
+        <p:txBody>
+          <a:bodyPr>
+            <a:normAutofit/>
+          </a:bodyPr>
+          <a:lstStyle/>
+          <a:p>
+            <a:r>
+              <a:rPr lang="en-US" b="1" dirty="0">
+                <a:latin typeface="Times New Roman" panose="02020603050405020304" pitchFamily="18" charset="0"/>
+                <a:cs typeface="Times New Roman" panose="02020603050405020304" pitchFamily="18" charset="0"/>
+              </a:rPr>
+              <a:t>3. Performance, Security, and Usability Testing</a:t>
+            </a:r>
+            <a:r>
+              <a:rPr lang="en-US" dirty="0">
+                <a:latin typeface="Times New Roman" panose="02020603050405020304" pitchFamily="18" charset="0"/>
+                <a:cs typeface="Times New Roman" panose="02020603050405020304" pitchFamily="18" charset="0"/>
+              </a:rPr>
+              <a:t> </a:t>
+            </a:r>
+          </a:p>
+        </p:txBody>
+      </p:sp>
+      <p:sp>
+        <p:nvSpPr>
+          <p:cNvPr id="3" name="Content Placeholder 2">
+            <a:extLst>
+              <a:ext uri="{FF2B5EF4-FFF2-40B4-BE49-F238E27FC236}">
+                <a16:creationId xmlns:a16="http://schemas.microsoft.com/office/drawing/2014/main" id="{D726E8FA-6B7C-94C9-029E-81EA0F3FE949}"/>
+              </a:ext>
+            </a:extLst>
+          </p:cNvPr>
+          <p:cNvSpPr>
+            <a:spLocks noGrp="1"/>
+          </p:cNvSpPr>
+          <p:nvPr>
+            <p:ph idx="1"/>
+          </p:nvPr>
+        </p:nvSpPr>
+        <p:spPr/>
+        <p:txBody>
+          <a:bodyPr/>
+          <a:lstStyle/>
+          <a:p>
+            <a:r>
+              <a:rPr lang="en-US" dirty="0"/>
+              <a:t>Part B) Security Testing (OWASP Top 10 basics)  </a:t>
+            </a:r>
+          </a:p>
+          <a:p>
+            <a:pPr lvl="1"/>
+            <a:r>
+              <a:rPr lang="en-US" dirty="0"/>
+              <a:t>Used MERN Web project made for EC4307 – Web Application Development module.</a:t>
+            </a:r>
+          </a:p>
+          <a:p>
+            <a:pPr lvl="1"/>
+            <a:r>
+              <a:rPr lang="en-US" dirty="0"/>
+              <a:t>Kept an intentional query vulnerable to SQL Injection to test A03:2021 vulnerability.</a:t>
+            </a:r>
+          </a:p>
+        </p:txBody>
+      </p:sp>
+    </p:spTree>
+    <p:extLst>
+      <p:ext uri="{BB962C8B-B14F-4D97-AF65-F5344CB8AC3E}">
+        <p14:creationId xmlns:p14="http://schemas.microsoft.com/office/powerpoint/2010/main" val="811848476"/>
       </p:ext>
     </p:extLst>
   </p:cSld>
@@ -8723,6 +9892,1934 @@
 </p:sld>
 </file>
 
+<file path=ppt/slides/slide50.xml><?xml version="1.0" encoding="utf-8"?>
+<p:sld xmlns:a="http://schemas.openxmlformats.org/drawingml/2006/main" xmlns:r="http://schemas.openxmlformats.org/officeDocument/2006/relationships" xmlns:p="http://schemas.openxmlformats.org/presentationml/2006/main">
+  <p:cSld>
+    <p:spTree>
+      <p:nvGrpSpPr>
+        <p:cNvPr id="1" name=""/>
+        <p:cNvGrpSpPr/>
+        <p:nvPr/>
+      </p:nvGrpSpPr>
+      <p:grpSpPr>
+        <a:xfrm>
+          <a:off x="0" y="0"/>
+          <a:ext cx="0" cy="0"/>
+          <a:chOff x="0" y="0"/>
+          <a:chExt cx="0" cy="0"/>
+        </a:xfrm>
+      </p:grpSpPr>
+      <p:sp>
+        <p:nvSpPr>
+          <p:cNvPr id="2" name="Title 1">
+            <a:extLst>
+              <a:ext uri="{FF2B5EF4-FFF2-40B4-BE49-F238E27FC236}">
+                <a16:creationId xmlns:a16="http://schemas.microsoft.com/office/drawing/2014/main" id="{3B44BF39-1B06-6D48-C16F-DC08429EFDBB}"/>
+              </a:ext>
+            </a:extLst>
+          </p:cNvPr>
+          <p:cNvSpPr>
+            <a:spLocks noGrp="1"/>
+          </p:cNvSpPr>
+          <p:nvPr>
+            <p:ph type="title"/>
+          </p:nvPr>
+        </p:nvSpPr>
+        <p:spPr/>
+        <p:txBody>
+          <a:bodyPr/>
+          <a:lstStyle/>
+          <a:p>
+            <a:endParaRPr lang="en-US"/>
+          </a:p>
+        </p:txBody>
+      </p:sp>
+      <p:sp>
+        <p:nvSpPr>
+          <p:cNvPr id="3" name="Content Placeholder 2">
+            <a:extLst>
+              <a:ext uri="{FF2B5EF4-FFF2-40B4-BE49-F238E27FC236}">
+                <a16:creationId xmlns:a16="http://schemas.microsoft.com/office/drawing/2014/main" id="{4474F5FB-D348-CE7A-83DD-1622A13365D5}"/>
+              </a:ext>
+            </a:extLst>
+          </p:cNvPr>
+          <p:cNvSpPr>
+            <a:spLocks noGrp="1"/>
+          </p:cNvSpPr>
+          <p:nvPr>
+            <p:ph idx="1"/>
+          </p:nvPr>
+        </p:nvSpPr>
+        <p:spPr/>
+        <p:txBody>
+          <a:bodyPr/>
+          <a:lstStyle/>
+          <a:p>
+            <a:endParaRPr lang="en-US" dirty="0"/>
+          </a:p>
+        </p:txBody>
+      </p:sp>
+      <p:pic>
+        <p:nvPicPr>
+          <p:cNvPr id="5" name="Picture 4">
+            <a:extLst>
+              <a:ext uri="{FF2B5EF4-FFF2-40B4-BE49-F238E27FC236}">
+                <a16:creationId xmlns:a16="http://schemas.microsoft.com/office/drawing/2014/main" id="{AB07FCDF-5B5D-FDD5-2C35-AE1EF9252572}"/>
+              </a:ext>
+            </a:extLst>
+          </p:cNvPr>
+          <p:cNvPicPr>
+            <a:picLocks noChangeAspect="1"/>
+          </p:cNvPicPr>
+          <p:nvPr/>
+        </p:nvPicPr>
+        <p:blipFill>
+          <a:blip r:embed="rId2"/>
+          <a:stretch>
+            <a:fillRect/>
+          </a:stretch>
+        </p:blipFill>
+        <p:spPr>
+          <a:xfrm>
+            <a:off x="1019788" y="440186"/>
+            <a:ext cx="10317015" cy="3581900"/>
+          </a:xfrm>
+          <a:prstGeom prst="rect">
+            <a:avLst/>
+          </a:prstGeom>
+        </p:spPr>
+      </p:pic>
+      <p:pic>
+        <p:nvPicPr>
+          <p:cNvPr id="7" name="Picture 6">
+            <a:extLst>
+              <a:ext uri="{FF2B5EF4-FFF2-40B4-BE49-F238E27FC236}">
+                <a16:creationId xmlns:a16="http://schemas.microsoft.com/office/drawing/2014/main" id="{FFDC01D3-8224-016D-A86C-2D4E91F9A24B}"/>
+              </a:ext>
+            </a:extLst>
+          </p:cNvPr>
+          <p:cNvPicPr>
+            <a:picLocks noChangeAspect="1"/>
+          </p:cNvPicPr>
+          <p:nvPr/>
+        </p:nvPicPr>
+        <p:blipFill>
+          <a:blip r:embed="rId3"/>
+          <a:stretch>
+            <a:fillRect/>
+          </a:stretch>
+        </p:blipFill>
+        <p:spPr>
+          <a:xfrm>
+            <a:off x="1794958" y="4243478"/>
+            <a:ext cx="7230484" cy="1810003"/>
+          </a:xfrm>
+          <a:prstGeom prst="rect">
+            <a:avLst/>
+          </a:prstGeom>
+        </p:spPr>
+      </p:pic>
+      <mc:AlternateContent xmlns:mc="http://schemas.openxmlformats.org/markup-compatibility/2006">
+        <mc:Choice xmlns:p14="http://schemas.microsoft.com/office/powerpoint/2010/main" xmlns:aink="http://schemas.microsoft.com/office/drawing/2016/ink" Requires="p14 aink">
+          <p:contentPart p14:bwMode="auto" r:id="rId4">
+            <p14:nvContentPartPr>
+              <p14:cNvPr id="10" name="Ink 9">
+                <a:extLst>
+                  <a:ext uri="{FF2B5EF4-FFF2-40B4-BE49-F238E27FC236}">
+                    <a16:creationId xmlns:a16="http://schemas.microsoft.com/office/drawing/2014/main" id="{022A92F5-67D1-6B02-F158-4546C6C5E675}"/>
+                  </a:ext>
+                </a:extLst>
+              </p14:cNvPr>
+              <p14:cNvContentPartPr/>
+              <p14:nvPr/>
+            </p14:nvContentPartPr>
+            <p14:xfrm>
+              <a:off x="3312216" y="4553136"/>
+              <a:ext cx="4560120" cy="84600"/>
+            </p14:xfrm>
+          </p:contentPart>
+        </mc:Choice>
+        <mc:Fallback>
+          <p:pic>
+            <p:nvPicPr>
+              <p:cNvPr id="10" name="Ink 9">
+                <a:extLst>
+                  <a:ext uri="{FF2B5EF4-FFF2-40B4-BE49-F238E27FC236}">
+                    <a16:creationId xmlns:a16="http://schemas.microsoft.com/office/drawing/2014/main" id="{022A92F5-67D1-6B02-F158-4546C6C5E675}"/>
+                  </a:ext>
+                </a:extLst>
+              </p:cNvPr>
+              <p:cNvPicPr/>
+              <p:nvPr/>
+            </p:nvPicPr>
+            <p:blipFill>
+              <a:blip r:embed="rId5"/>
+              <a:stretch>
+                <a:fillRect/>
+              </a:stretch>
+            </p:blipFill>
+            <p:spPr>
+              <a:xfrm>
+                <a:off x="3249216" y="4490136"/>
+                <a:ext cx="4685760" cy="210240"/>
+              </a:xfrm>
+              <a:prstGeom prst="rect">
+                <a:avLst/>
+              </a:prstGeom>
+            </p:spPr>
+          </p:pic>
+        </mc:Fallback>
+      </mc:AlternateContent>
+      <mc:AlternateContent xmlns:mc="http://schemas.openxmlformats.org/markup-compatibility/2006">
+        <mc:Choice xmlns:p14="http://schemas.microsoft.com/office/powerpoint/2010/main" xmlns:aink="http://schemas.microsoft.com/office/drawing/2016/ink" Requires="p14 aink">
+          <p:contentPart p14:bwMode="auto" r:id="rId6">
+            <p14:nvContentPartPr>
+              <p14:cNvPr id="11" name="Ink 10">
+                <a:extLst>
+                  <a:ext uri="{FF2B5EF4-FFF2-40B4-BE49-F238E27FC236}">
+                    <a16:creationId xmlns:a16="http://schemas.microsoft.com/office/drawing/2014/main" id="{881C0521-AB55-5475-60FF-3F642790BD6E}"/>
+                  </a:ext>
+                </a:extLst>
+              </p14:cNvPr>
+              <p14:cNvContentPartPr/>
+              <p14:nvPr/>
+            </p14:nvContentPartPr>
+            <p14:xfrm>
+              <a:off x="3245976" y="4781376"/>
+              <a:ext cx="1315800" cy="28440"/>
+            </p14:xfrm>
+          </p:contentPart>
+        </mc:Choice>
+        <mc:Fallback>
+          <p:pic>
+            <p:nvPicPr>
+              <p:cNvPr id="11" name="Ink 10">
+                <a:extLst>
+                  <a:ext uri="{FF2B5EF4-FFF2-40B4-BE49-F238E27FC236}">
+                    <a16:creationId xmlns:a16="http://schemas.microsoft.com/office/drawing/2014/main" id="{881C0521-AB55-5475-60FF-3F642790BD6E}"/>
+                  </a:ext>
+                </a:extLst>
+              </p:cNvPr>
+              <p:cNvPicPr/>
+              <p:nvPr/>
+            </p:nvPicPr>
+            <p:blipFill>
+              <a:blip r:embed="rId7"/>
+              <a:stretch>
+                <a:fillRect/>
+              </a:stretch>
+            </p:blipFill>
+            <p:spPr>
+              <a:xfrm>
+                <a:off x="3183336" y="4718376"/>
+                <a:ext cx="1441440" cy="154080"/>
+              </a:xfrm>
+              <a:prstGeom prst="rect">
+                <a:avLst/>
+              </a:prstGeom>
+            </p:spPr>
+          </p:pic>
+        </mc:Fallback>
+      </mc:AlternateContent>
+      <mc:AlternateContent xmlns:mc="http://schemas.openxmlformats.org/markup-compatibility/2006">
+        <mc:Choice xmlns:p14="http://schemas.microsoft.com/office/powerpoint/2010/main" xmlns:aink="http://schemas.microsoft.com/office/drawing/2016/ink" Requires="p14 aink">
+          <p:contentPart p14:bwMode="auto" r:id="rId8">
+            <p14:nvContentPartPr>
+              <p14:cNvPr id="12" name="Ink 11">
+                <a:extLst>
+                  <a:ext uri="{FF2B5EF4-FFF2-40B4-BE49-F238E27FC236}">
+                    <a16:creationId xmlns:a16="http://schemas.microsoft.com/office/drawing/2014/main" id="{F5ADE9E4-357A-1AEA-543F-AEA9E275B5E0}"/>
+                  </a:ext>
+                </a:extLst>
+              </p14:cNvPr>
+              <p14:cNvContentPartPr/>
+              <p14:nvPr/>
+            </p14:nvContentPartPr>
+            <p14:xfrm>
+              <a:off x="3350376" y="4982976"/>
+              <a:ext cx="1678680" cy="121680"/>
+            </p14:xfrm>
+          </p:contentPart>
+        </mc:Choice>
+        <mc:Fallback>
+          <p:pic>
+            <p:nvPicPr>
+              <p:cNvPr id="12" name="Ink 11">
+                <a:extLst>
+                  <a:ext uri="{FF2B5EF4-FFF2-40B4-BE49-F238E27FC236}">
+                    <a16:creationId xmlns:a16="http://schemas.microsoft.com/office/drawing/2014/main" id="{F5ADE9E4-357A-1AEA-543F-AEA9E275B5E0}"/>
+                  </a:ext>
+                </a:extLst>
+              </p:cNvPr>
+              <p:cNvPicPr/>
+              <p:nvPr/>
+            </p:nvPicPr>
+            <p:blipFill>
+              <a:blip r:embed="rId9"/>
+              <a:stretch>
+                <a:fillRect/>
+              </a:stretch>
+            </p:blipFill>
+            <p:spPr>
+              <a:xfrm>
+                <a:off x="3287736" y="4920336"/>
+                <a:ext cx="1804320" cy="247320"/>
+              </a:xfrm>
+              <a:prstGeom prst="rect">
+                <a:avLst/>
+              </a:prstGeom>
+            </p:spPr>
+          </p:pic>
+        </mc:Fallback>
+      </mc:AlternateContent>
+      <mc:AlternateContent xmlns:mc="http://schemas.openxmlformats.org/markup-compatibility/2006">
+        <mc:Choice xmlns:p14="http://schemas.microsoft.com/office/powerpoint/2010/main" xmlns:aink="http://schemas.microsoft.com/office/drawing/2016/ink" Requires="p14 aink">
+          <p:contentPart p14:bwMode="auto" r:id="rId10">
+            <p14:nvContentPartPr>
+              <p14:cNvPr id="13" name="Ink 12">
+                <a:extLst>
+                  <a:ext uri="{FF2B5EF4-FFF2-40B4-BE49-F238E27FC236}">
+                    <a16:creationId xmlns:a16="http://schemas.microsoft.com/office/drawing/2014/main" id="{7351328F-6896-A305-3AA6-F13211A66A82}"/>
+                  </a:ext>
+                </a:extLst>
+              </p14:cNvPr>
+              <p14:cNvContentPartPr/>
+              <p14:nvPr/>
+            </p14:nvContentPartPr>
+            <p14:xfrm>
+              <a:off x="3419856" y="5248296"/>
+              <a:ext cx="1571760" cy="9720"/>
+            </p14:xfrm>
+          </p:contentPart>
+        </mc:Choice>
+        <mc:Fallback>
+          <p:pic>
+            <p:nvPicPr>
+              <p:cNvPr id="13" name="Ink 12">
+                <a:extLst>
+                  <a:ext uri="{FF2B5EF4-FFF2-40B4-BE49-F238E27FC236}">
+                    <a16:creationId xmlns:a16="http://schemas.microsoft.com/office/drawing/2014/main" id="{7351328F-6896-A305-3AA6-F13211A66A82}"/>
+                  </a:ext>
+                </a:extLst>
+              </p:cNvPr>
+              <p:cNvPicPr/>
+              <p:nvPr/>
+            </p:nvPicPr>
+            <p:blipFill>
+              <a:blip r:embed="rId11"/>
+              <a:stretch>
+                <a:fillRect/>
+              </a:stretch>
+            </p:blipFill>
+            <p:spPr>
+              <a:xfrm>
+                <a:off x="3356856" y="5185656"/>
+                <a:ext cx="1697400" cy="135360"/>
+              </a:xfrm>
+              <a:prstGeom prst="rect">
+                <a:avLst/>
+              </a:prstGeom>
+            </p:spPr>
+          </p:pic>
+        </mc:Fallback>
+      </mc:AlternateContent>
+      <p:sp>
+        <p:nvSpPr>
+          <p:cNvPr id="15" name="Rectangle: Rounded Corners 14">
+            <a:extLst>
+              <a:ext uri="{FF2B5EF4-FFF2-40B4-BE49-F238E27FC236}">
+                <a16:creationId xmlns:a16="http://schemas.microsoft.com/office/drawing/2014/main" id="{E0C23EB3-9148-D466-08A8-E7076C499734}"/>
+              </a:ext>
+            </a:extLst>
+          </p:cNvPr>
+          <p:cNvSpPr/>
+          <p:nvPr/>
+        </p:nvSpPr>
+        <p:spPr>
+          <a:xfrm>
+            <a:off x="2029356" y="5811585"/>
+            <a:ext cx="3667356" cy="249004"/>
+          </a:xfrm>
+          <a:prstGeom prst="roundRect">
+            <a:avLst/>
+          </a:prstGeom>
+          <a:noFill/>
+          <a:ln w="9525" cap="flat" cmpd="sng" algn="ctr">
+            <a:solidFill>
+              <a:srgbClr val="FFFF00"/>
+            </a:solidFill>
+            <a:prstDash val="solid"/>
+            <a:round/>
+            <a:headEnd type="none" w="med" len="med"/>
+            <a:tailEnd type="none" w="med" len="med"/>
+          </a:ln>
+        </p:spPr>
+        <p:style>
+          <a:lnRef idx="0">
+            <a:scrgbClr r="0" g="0" b="0"/>
+          </a:lnRef>
+          <a:fillRef idx="0">
+            <a:scrgbClr r="0" g="0" b="0"/>
+          </a:fillRef>
+          <a:effectRef idx="0">
+            <a:scrgbClr r="0" g="0" b="0"/>
+          </a:effectRef>
+          <a:fontRef idx="minor">
+            <a:schemeClr val="accent1"/>
+          </a:fontRef>
+        </p:style>
+        <p:txBody>
+          <a:bodyPr rtlCol="0" anchor="ctr"/>
+          <a:lstStyle/>
+          <a:p>
+            <a:pPr algn="ctr"/>
+            <a:endParaRPr lang="en-US"/>
+          </a:p>
+        </p:txBody>
+      </p:sp>
+    </p:spTree>
+    <p:extLst>
+      <p:ext uri="{BB962C8B-B14F-4D97-AF65-F5344CB8AC3E}">
+        <p14:creationId xmlns:p14="http://schemas.microsoft.com/office/powerpoint/2010/main" val="2744239481"/>
+      </p:ext>
+    </p:extLst>
+  </p:cSld>
+  <p:clrMapOvr>
+    <a:masterClrMapping/>
+  </p:clrMapOvr>
+</p:sld>
+</file>
+
+<file path=ppt/slides/slide51.xml><?xml version="1.0" encoding="utf-8"?>
+<p:sld xmlns:a="http://schemas.openxmlformats.org/drawingml/2006/main" xmlns:r="http://schemas.openxmlformats.org/officeDocument/2006/relationships" xmlns:p="http://schemas.openxmlformats.org/presentationml/2006/main">
+  <p:cSld>
+    <p:spTree>
+      <p:nvGrpSpPr>
+        <p:cNvPr id="1" name="">
+          <a:extLst>
+            <a:ext uri="{FF2B5EF4-FFF2-40B4-BE49-F238E27FC236}">
+              <a16:creationId xmlns:a16="http://schemas.microsoft.com/office/drawing/2014/main" id="{6E1CB408-2334-7A89-225A-A1C82B0D5F3D}"/>
+            </a:ext>
+          </a:extLst>
+        </p:cNvPr>
+        <p:cNvGrpSpPr/>
+        <p:nvPr/>
+      </p:nvGrpSpPr>
+      <p:grpSpPr>
+        <a:xfrm>
+          <a:off x="0" y="0"/>
+          <a:ext cx="0" cy="0"/>
+          <a:chOff x="0" y="0"/>
+          <a:chExt cx="0" cy="0"/>
+        </a:xfrm>
+      </p:grpSpPr>
+      <p:sp>
+        <p:nvSpPr>
+          <p:cNvPr id="2" name="Title 1">
+            <a:extLst>
+              <a:ext uri="{FF2B5EF4-FFF2-40B4-BE49-F238E27FC236}">
+                <a16:creationId xmlns:a16="http://schemas.microsoft.com/office/drawing/2014/main" id="{89A6B8D6-E048-3E71-ADCA-A9EEFF28957D}"/>
+              </a:ext>
+            </a:extLst>
+          </p:cNvPr>
+          <p:cNvSpPr>
+            <a:spLocks noGrp="1"/>
+          </p:cNvSpPr>
+          <p:nvPr>
+            <p:ph type="title"/>
+          </p:nvPr>
+        </p:nvSpPr>
+        <p:spPr/>
+        <p:txBody>
+          <a:bodyPr>
+            <a:normAutofit/>
+          </a:bodyPr>
+          <a:lstStyle/>
+          <a:p>
+            <a:r>
+              <a:rPr lang="en-US" b="1" dirty="0">
+                <a:latin typeface="Times New Roman" panose="02020603050405020304" pitchFamily="18" charset="0"/>
+                <a:cs typeface="Times New Roman" panose="02020603050405020304" pitchFamily="18" charset="0"/>
+              </a:rPr>
+              <a:t>3. Performance, Security, and Usability Testing</a:t>
+            </a:r>
+            <a:r>
+              <a:rPr lang="en-US" dirty="0">
+                <a:latin typeface="Times New Roman" panose="02020603050405020304" pitchFamily="18" charset="0"/>
+                <a:cs typeface="Times New Roman" panose="02020603050405020304" pitchFamily="18" charset="0"/>
+              </a:rPr>
+              <a:t> </a:t>
+            </a:r>
+          </a:p>
+        </p:txBody>
+      </p:sp>
+      <p:sp>
+        <p:nvSpPr>
+          <p:cNvPr id="3" name="Content Placeholder 2">
+            <a:extLst>
+              <a:ext uri="{FF2B5EF4-FFF2-40B4-BE49-F238E27FC236}">
+                <a16:creationId xmlns:a16="http://schemas.microsoft.com/office/drawing/2014/main" id="{68433DF8-9A89-BBCD-98EE-47D8F82B798C}"/>
+              </a:ext>
+            </a:extLst>
+          </p:cNvPr>
+          <p:cNvSpPr>
+            <a:spLocks noGrp="1"/>
+          </p:cNvSpPr>
+          <p:nvPr>
+            <p:ph idx="1"/>
+          </p:nvPr>
+        </p:nvSpPr>
+        <p:spPr/>
+        <p:txBody>
+          <a:bodyPr/>
+          <a:lstStyle/>
+          <a:p>
+            <a:r>
+              <a:rPr lang="en-US" dirty="0"/>
+              <a:t>Part B) Security Testing (OWASP Top 10 basics)  </a:t>
+            </a:r>
+          </a:p>
+          <a:p>
+            <a:pPr lvl="1"/>
+            <a:r>
+              <a:rPr lang="en-US" dirty="0"/>
+              <a:t>Used MERN Web project made for EC4307 – Web Application Development module.</a:t>
+            </a:r>
+          </a:p>
+          <a:p>
+            <a:pPr lvl="1"/>
+            <a:r>
+              <a:rPr lang="en-US" dirty="0"/>
+              <a:t>Kept an intentional query vulnerable to SQL Injection to test A03:2021 vulnerability.</a:t>
+            </a:r>
+          </a:p>
+          <a:p>
+            <a:pPr lvl="1"/>
+            <a:r>
+              <a:rPr lang="en-US" dirty="0"/>
+              <a:t>Unsafe (with intentional vulnerability) code got following result with all rows for SQL injection.</a:t>
+            </a:r>
+          </a:p>
+          <a:p>
+            <a:pPr lvl="2"/>
+            <a:r>
+              <a:rPr lang="en-US" dirty="0"/>
+              <a:t>SQL Injection: </a:t>
+            </a:r>
+            <a:r>
+              <a:rPr lang="en-US" i="1" dirty="0"/>
+              <a:t>http://localhost:5000/api/events/search?q=' OR 1=1 - -</a:t>
+            </a:r>
+          </a:p>
+          <a:p>
+            <a:pPr lvl="2"/>
+            <a:endParaRPr lang="en-US" dirty="0"/>
+          </a:p>
+        </p:txBody>
+      </p:sp>
+    </p:spTree>
+    <p:extLst>
+      <p:ext uri="{BB962C8B-B14F-4D97-AF65-F5344CB8AC3E}">
+        <p14:creationId xmlns:p14="http://schemas.microsoft.com/office/powerpoint/2010/main" val="1666066903"/>
+      </p:ext>
+    </p:extLst>
+  </p:cSld>
+  <p:clrMapOvr>
+    <a:masterClrMapping/>
+  </p:clrMapOvr>
+</p:sld>
+</file>
+
+<file path=ppt/slides/slide52.xml><?xml version="1.0" encoding="utf-8"?>
+<p:sld xmlns:a="http://schemas.openxmlformats.org/drawingml/2006/main" xmlns:r="http://schemas.openxmlformats.org/officeDocument/2006/relationships" xmlns:p="http://schemas.openxmlformats.org/presentationml/2006/main">
+  <p:cSld>
+    <p:spTree>
+      <p:nvGrpSpPr>
+        <p:cNvPr id="1" name=""/>
+        <p:cNvGrpSpPr/>
+        <p:nvPr/>
+      </p:nvGrpSpPr>
+      <p:grpSpPr>
+        <a:xfrm>
+          <a:off x="0" y="0"/>
+          <a:ext cx="0" cy="0"/>
+          <a:chOff x="0" y="0"/>
+          <a:chExt cx="0" cy="0"/>
+        </a:xfrm>
+      </p:grpSpPr>
+      <p:sp>
+        <p:nvSpPr>
+          <p:cNvPr id="2" name="Title 1">
+            <a:extLst>
+              <a:ext uri="{FF2B5EF4-FFF2-40B4-BE49-F238E27FC236}">
+                <a16:creationId xmlns:a16="http://schemas.microsoft.com/office/drawing/2014/main" id="{CA414316-3978-D7EA-487F-AA885F70BB82}"/>
+              </a:ext>
+            </a:extLst>
+          </p:cNvPr>
+          <p:cNvSpPr>
+            <a:spLocks noGrp="1"/>
+          </p:cNvSpPr>
+          <p:nvPr>
+            <p:ph type="title"/>
+          </p:nvPr>
+        </p:nvSpPr>
+        <p:spPr/>
+        <p:txBody>
+          <a:bodyPr/>
+          <a:lstStyle/>
+          <a:p>
+            <a:endParaRPr lang="en-US"/>
+          </a:p>
+        </p:txBody>
+      </p:sp>
+      <p:sp>
+        <p:nvSpPr>
+          <p:cNvPr id="3" name="Content Placeholder 2">
+            <a:extLst>
+              <a:ext uri="{FF2B5EF4-FFF2-40B4-BE49-F238E27FC236}">
+                <a16:creationId xmlns:a16="http://schemas.microsoft.com/office/drawing/2014/main" id="{0B544C9E-1A8F-1994-9698-9CDA557E75EB}"/>
+              </a:ext>
+            </a:extLst>
+          </p:cNvPr>
+          <p:cNvSpPr>
+            <a:spLocks noGrp="1"/>
+          </p:cNvSpPr>
+          <p:nvPr>
+            <p:ph idx="1"/>
+          </p:nvPr>
+        </p:nvSpPr>
+        <p:spPr/>
+        <p:txBody>
+          <a:bodyPr/>
+          <a:lstStyle/>
+          <a:p>
+            <a:endParaRPr lang="en-US"/>
+          </a:p>
+        </p:txBody>
+      </p:sp>
+      <p:pic>
+        <p:nvPicPr>
+          <p:cNvPr id="5" name="Picture 4">
+            <a:extLst>
+              <a:ext uri="{FF2B5EF4-FFF2-40B4-BE49-F238E27FC236}">
+                <a16:creationId xmlns:a16="http://schemas.microsoft.com/office/drawing/2014/main" id="{4463271E-3380-9ADD-DA8B-948C835FEB41}"/>
+              </a:ext>
+            </a:extLst>
+          </p:cNvPr>
+          <p:cNvPicPr>
+            <a:picLocks noChangeAspect="1"/>
+          </p:cNvPicPr>
+          <p:nvPr/>
+        </p:nvPicPr>
+        <p:blipFill>
+          <a:blip r:embed="rId2"/>
+          <a:stretch>
+            <a:fillRect/>
+          </a:stretch>
+        </p:blipFill>
+        <p:spPr>
+          <a:xfrm>
+            <a:off x="482237" y="1487528"/>
+            <a:ext cx="11410406" cy="3882944"/>
+          </a:xfrm>
+          <a:prstGeom prst="rect">
+            <a:avLst/>
+          </a:prstGeom>
+        </p:spPr>
+      </p:pic>
+      <p:sp>
+        <p:nvSpPr>
+          <p:cNvPr id="6" name="Rectangle: Rounded Corners 5">
+            <a:extLst>
+              <a:ext uri="{FF2B5EF4-FFF2-40B4-BE49-F238E27FC236}">
+                <a16:creationId xmlns:a16="http://schemas.microsoft.com/office/drawing/2014/main" id="{784D3D9D-D139-FDEA-3704-AD957B9F16EF}"/>
+              </a:ext>
+            </a:extLst>
+          </p:cNvPr>
+          <p:cNvSpPr/>
+          <p:nvPr/>
+        </p:nvSpPr>
+        <p:spPr>
+          <a:xfrm>
+            <a:off x="548640" y="5102353"/>
+            <a:ext cx="1847088" cy="192024"/>
+          </a:xfrm>
+          <a:prstGeom prst="roundRect">
+            <a:avLst/>
+          </a:prstGeom>
+          <a:noFill/>
+          <a:ln w="9525" cap="flat" cmpd="sng" algn="ctr">
+            <a:solidFill>
+              <a:srgbClr val="FFFF00"/>
+            </a:solidFill>
+            <a:prstDash val="solid"/>
+            <a:round/>
+            <a:headEnd type="none" w="med" len="med"/>
+            <a:tailEnd type="none" w="med" len="med"/>
+          </a:ln>
+        </p:spPr>
+        <p:style>
+          <a:lnRef idx="0">
+            <a:scrgbClr r="0" g="0" b="0"/>
+          </a:lnRef>
+          <a:fillRef idx="0">
+            <a:scrgbClr r="0" g="0" b="0"/>
+          </a:fillRef>
+          <a:effectRef idx="0">
+            <a:scrgbClr r="0" g="0" b="0"/>
+          </a:effectRef>
+          <a:fontRef idx="minor">
+            <a:schemeClr val="accent1"/>
+          </a:fontRef>
+        </p:style>
+        <p:txBody>
+          <a:bodyPr rtlCol="0" anchor="ctr"/>
+          <a:lstStyle/>
+          <a:p>
+            <a:pPr algn="ctr"/>
+            <a:endParaRPr lang="en-US"/>
+          </a:p>
+        </p:txBody>
+      </p:sp>
+    </p:spTree>
+    <p:extLst>
+      <p:ext uri="{BB962C8B-B14F-4D97-AF65-F5344CB8AC3E}">
+        <p14:creationId xmlns:p14="http://schemas.microsoft.com/office/powerpoint/2010/main" val="3303200300"/>
+      </p:ext>
+    </p:extLst>
+  </p:cSld>
+  <p:clrMapOvr>
+    <a:masterClrMapping/>
+  </p:clrMapOvr>
+</p:sld>
+</file>
+
+<file path=ppt/slides/slide53.xml><?xml version="1.0" encoding="utf-8"?>
+<p:sld xmlns:a="http://schemas.openxmlformats.org/drawingml/2006/main" xmlns:r="http://schemas.openxmlformats.org/officeDocument/2006/relationships" xmlns:p="http://schemas.openxmlformats.org/presentationml/2006/main">
+  <p:cSld>
+    <p:spTree>
+      <p:nvGrpSpPr>
+        <p:cNvPr id="1" name="">
+          <a:extLst>
+            <a:ext uri="{FF2B5EF4-FFF2-40B4-BE49-F238E27FC236}">
+              <a16:creationId xmlns:a16="http://schemas.microsoft.com/office/drawing/2014/main" id="{1D1DEEAE-8CC0-D38F-4197-86CF43515B99}"/>
+            </a:ext>
+          </a:extLst>
+        </p:cNvPr>
+        <p:cNvGrpSpPr/>
+        <p:nvPr/>
+      </p:nvGrpSpPr>
+      <p:grpSpPr>
+        <a:xfrm>
+          <a:off x="0" y="0"/>
+          <a:ext cx="0" cy="0"/>
+          <a:chOff x="0" y="0"/>
+          <a:chExt cx="0" cy="0"/>
+        </a:xfrm>
+      </p:grpSpPr>
+      <p:sp>
+        <p:nvSpPr>
+          <p:cNvPr id="2" name="Title 1">
+            <a:extLst>
+              <a:ext uri="{FF2B5EF4-FFF2-40B4-BE49-F238E27FC236}">
+                <a16:creationId xmlns:a16="http://schemas.microsoft.com/office/drawing/2014/main" id="{85D37073-7B07-2105-6D10-23C033324497}"/>
+              </a:ext>
+            </a:extLst>
+          </p:cNvPr>
+          <p:cNvSpPr>
+            <a:spLocks noGrp="1"/>
+          </p:cNvSpPr>
+          <p:nvPr>
+            <p:ph type="title"/>
+          </p:nvPr>
+        </p:nvSpPr>
+        <p:spPr/>
+        <p:txBody>
+          <a:bodyPr>
+            <a:normAutofit/>
+          </a:bodyPr>
+          <a:lstStyle/>
+          <a:p>
+            <a:r>
+              <a:rPr lang="en-US" b="1" dirty="0">
+                <a:latin typeface="Times New Roman" panose="02020603050405020304" pitchFamily="18" charset="0"/>
+                <a:cs typeface="Times New Roman" panose="02020603050405020304" pitchFamily="18" charset="0"/>
+              </a:rPr>
+              <a:t>3. Performance, Security, and Usability Testing</a:t>
+            </a:r>
+            <a:r>
+              <a:rPr lang="en-US" dirty="0">
+                <a:latin typeface="Times New Roman" panose="02020603050405020304" pitchFamily="18" charset="0"/>
+                <a:cs typeface="Times New Roman" panose="02020603050405020304" pitchFamily="18" charset="0"/>
+              </a:rPr>
+              <a:t> </a:t>
+            </a:r>
+          </a:p>
+        </p:txBody>
+      </p:sp>
+      <p:sp>
+        <p:nvSpPr>
+          <p:cNvPr id="3" name="Content Placeholder 2">
+            <a:extLst>
+              <a:ext uri="{FF2B5EF4-FFF2-40B4-BE49-F238E27FC236}">
+                <a16:creationId xmlns:a16="http://schemas.microsoft.com/office/drawing/2014/main" id="{108134AD-B41C-FB9F-5191-3B91722BDEB0}"/>
+              </a:ext>
+            </a:extLst>
+          </p:cNvPr>
+          <p:cNvSpPr>
+            <a:spLocks noGrp="1"/>
+          </p:cNvSpPr>
+          <p:nvPr>
+            <p:ph idx="1"/>
+          </p:nvPr>
+        </p:nvSpPr>
+        <p:spPr/>
+        <p:txBody>
+          <a:bodyPr>
+            <a:normAutofit lnSpcReduction="10000"/>
+          </a:bodyPr>
+          <a:lstStyle/>
+          <a:p>
+            <a:r>
+              <a:rPr lang="en-US" dirty="0"/>
+              <a:t>Part B) Security Testing (OWASP Top 10 basics)</a:t>
+            </a:r>
+          </a:p>
+          <a:p>
+            <a:r>
+              <a:rPr lang="en-US" dirty="0"/>
+              <a:t>a) SQL Injection in OWASP </a:t>
+            </a:r>
+          </a:p>
+          <a:p>
+            <a:pPr lvl="1"/>
+            <a:r>
+              <a:rPr lang="en-US" dirty="0"/>
+              <a:t>Used MERN Web project made for EC4307 – Web Application Development module.</a:t>
+            </a:r>
+          </a:p>
+          <a:p>
+            <a:pPr lvl="1"/>
+            <a:r>
+              <a:rPr lang="en-US" dirty="0"/>
+              <a:t>Kept an intentional query vulnerable to SQL Injection to test A03:2021 vulnerability.</a:t>
+            </a:r>
+          </a:p>
+          <a:p>
+            <a:pPr lvl="1"/>
+            <a:r>
+              <a:rPr lang="en-US" dirty="0"/>
+              <a:t>Unsafe (with intentional vulnerability) code got above result with all headers for SQL injection.</a:t>
+            </a:r>
+          </a:p>
+          <a:p>
+            <a:pPr lvl="2"/>
+            <a:r>
+              <a:rPr lang="en-US" dirty="0"/>
+              <a:t>SQL Injection: </a:t>
+            </a:r>
+            <a:r>
+              <a:rPr lang="en-US" i="1" dirty="0"/>
+              <a:t>http://localhost:5000/api/events/search?q=' OR 1=1 - -</a:t>
+            </a:r>
+          </a:p>
+          <a:p>
+            <a:pPr lvl="1"/>
+            <a:r>
+              <a:rPr lang="en-US" dirty="0"/>
+              <a:t>Safe code got below result with minimum rows (harmless data headers) for same SQL Injection.</a:t>
+            </a:r>
+          </a:p>
+        </p:txBody>
+      </p:sp>
+    </p:spTree>
+    <p:extLst>
+      <p:ext uri="{BB962C8B-B14F-4D97-AF65-F5344CB8AC3E}">
+        <p14:creationId xmlns:p14="http://schemas.microsoft.com/office/powerpoint/2010/main" val="4205644272"/>
+      </p:ext>
+    </p:extLst>
+  </p:cSld>
+  <p:clrMapOvr>
+    <a:masterClrMapping/>
+  </p:clrMapOvr>
+</p:sld>
+</file>
+
+<file path=ppt/slides/slide54.xml><?xml version="1.0" encoding="utf-8"?>
+<p:sld xmlns:a="http://schemas.openxmlformats.org/drawingml/2006/main" xmlns:r="http://schemas.openxmlformats.org/officeDocument/2006/relationships" xmlns:p="http://schemas.openxmlformats.org/presentationml/2006/main">
+  <p:cSld>
+    <p:spTree>
+      <p:nvGrpSpPr>
+        <p:cNvPr id="1" name=""/>
+        <p:cNvGrpSpPr/>
+        <p:nvPr/>
+      </p:nvGrpSpPr>
+      <p:grpSpPr>
+        <a:xfrm>
+          <a:off x="0" y="0"/>
+          <a:ext cx="0" cy="0"/>
+          <a:chOff x="0" y="0"/>
+          <a:chExt cx="0" cy="0"/>
+        </a:xfrm>
+      </p:grpSpPr>
+      <p:sp>
+        <p:nvSpPr>
+          <p:cNvPr id="2" name="Title 1">
+            <a:extLst>
+              <a:ext uri="{FF2B5EF4-FFF2-40B4-BE49-F238E27FC236}">
+                <a16:creationId xmlns:a16="http://schemas.microsoft.com/office/drawing/2014/main" id="{4D2C6824-9988-9B91-20AA-24DDE28150D2}"/>
+              </a:ext>
+            </a:extLst>
+          </p:cNvPr>
+          <p:cNvSpPr>
+            <a:spLocks noGrp="1"/>
+          </p:cNvSpPr>
+          <p:nvPr>
+            <p:ph type="title"/>
+          </p:nvPr>
+        </p:nvSpPr>
+        <p:spPr/>
+        <p:txBody>
+          <a:bodyPr/>
+          <a:lstStyle/>
+          <a:p>
+            <a:endParaRPr lang="en-US"/>
+          </a:p>
+        </p:txBody>
+      </p:sp>
+      <p:sp>
+        <p:nvSpPr>
+          <p:cNvPr id="3" name="Content Placeholder 2">
+            <a:extLst>
+              <a:ext uri="{FF2B5EF4-FFF2-40B4-BE49-F238E27FC236}">
+                <a16:creationId xmlns:a16="http://schemas.microsoft.com/office/drawing/2014/main" id="{A626D586-097D-8E86-7DF4-3B13203C541B}"/>
+              </a:ext>
+            </a:extLst>
+          </p:cNvPr>
+          <p:cNvSpPr>
+            <a:spLocks noGrp="1"/>
+          </p:cNvSpPr>
+          <p:nvPr>
+            <p:ph idx="1"/>
+          </p:nvPr>
+        </p:nvSpPr>
+        <p:spPr/>
+        <p:txBody>
+          <a:bodyPr/>
+          <a:lstStyle/>
+          <a:p>
+            <a:endParaRPr lang="en-US"/>
+          </a:p>
+        </p:txBody>
+      </p:sp>
+      <p:pic>
+        <p:nvPicPr>
+          <p:cNvPr id="5" name="Picture 4">
+            <a:extLst>
+              <a:ext uri="{FF2B5EF4-FFF2-40B4-BE49-F238E27FC236}">
+                <a16:creationId xmlns:a16="http://schemas.microsoft.com/office/drawing/2014/main" id="{273FF400-BF63-1936-0C44-096FD92711D9}"/>
+              </a:ext>
+            </a:extLst>
+          </p:cNvPr>
+          <p:cNvPicPr>
+            <a:picLocks noChangeAspect="1"/>
+          </p:cNvPicPr>
+          <p:nvPr/>
+        </p:nvPicPr>
+        <p:blipFill>
+          <a:blip r:embed="rId2"/>
+          <a:stretch>
+            <a:fillRect/>
+          </a:stretch>
+        </p:blipFill>
+        <p:spPr>
+          <a:xfrm>
+            <a:off x="1283450" y="272424"/>
+            <a:ext cx="9088164" cy="6313152"/>
+          </a:xfrm>
+          <a:prstGeom prst="rect">
+            <a:avLst/>
+          </a:prstGeom>
+        </p:spPr>
+      </p:pic>
+      <p:sp>
+        <p:nvSpPr>
+          <p:cNvPr id="6" name="Rectangle: Rounded Corners 5">
+            <a:extLst>
+              <a:ext uri="{FF2B5EF4-FFF2-40B4-BE49-F238E27FC236}">
+                <a16:creationId xmlns:a16="http://schemas.microsoft.com/office/drawing/2014/main" id="{6A5F8397-727B-2897-4513-619DFE518EA7}"/>
+              </a:ext>
+            </a:extLst>
+          </p:cNvPr>
+          <p:cNvSpPr/>
+          <p:nvPr/>
+        </p:nvSpPr>
+        <p:spPr>
+          <a:xfrm>
+            <a:off x="1353312" y="5929948"/>
+            <a:ext cx="2459736" cy="507428"/>
+          </a:xfrm>
+          <a:prstGeom prst="roundRect">
+            <a:avLst/>
+          </a:prstGeom>
+          <a:noFill/>
+          <a:ln w="9525" cap="flat" cmpd="sng" algn="ctr">
+            <a:solidFill>
+              <a:srgbClr val="FFFF00"/>
+            </a:solidFill>
+            <a:prstDash val="solid"/>
+            <a:round/>
+            <a:headEnd type="none" w="med" len="med"/>
+            <a:tailEnd type="none" w="med" len="med"/>
+          </a:ln>
+        </p:spPr>
+        <p:style>
+          <a:lnRef idx="0">
+            <a:scrgbClr r="0" g="0" b="0"/>
+          </a:lnRef>
+          <a:fillRef idx="0">
+            <a:scrgbClr r="0" g="0" b="0"/>
+          </a:fillRef>
+          <a:effectRef idx="0">
+            <a:scrgbClr r="0" g="0" b="0"/>
+          </a:effectRef>
+          <a:fontRef idx="minor">
+            <a:schemeClr val="accent1"/>
+          </a:fontRef>
+        </p:style>
+        <p:txBody>
+          <a:bodyPr rtlCol="0" anchor="ctr"/>
+          <a:lstStyle/>
+          <a:p>
+            <a:pPr algn="ctr"/>
+            <a:endParaRPr lang="en-US"/>
+          </a:p>
+        </p:txBody>
+      </p:sp>
+    </p:spTree>
+    <p:extLst>
+      <p:ext uri="{BB962C8B-B14F-4D97-AF65-F5344CB8AC3E}">
+        <p14:creationId xmlns:p14="http://schemas.microsoft.com/office/powerpoint/2010/main" val="3315879377"/>
+      </p:ext>
+    </p:extLst>
+  </p:cSld>
+  <p:clrMapOvr>
+    <a:masterClrMapping/>
+  </p:clrMapOvr>
+</p:sld>
+</file>
+
+<file path=ppt/slides/slide55.xml><?xml version="1.0" encoding="utf-8"?>
+<p:sld xmlns:a="http://schemas.openxmlformats.org/drawingml/2006/main" xmlns:r="http://schemas.openxmlformats.org/officeDocument/2006/relationships" xmlns:p="http://schemas.openxmlformats.org/presentationml/2006/main">
+  <p:cSld>
+    <p:spTree>
+      <p:nvGrpSpPr>
+        <p:cNvPr id="1" name="">
+          <a:extLst>
+            <a:ext uri="{FF2B5EF4-FFF2-40B4-BE49-F238E27FC236}">
+              <a16:creationId xmlns:a16="http://schemas.microsoft.com/office/drawing/2014/main" id="{AF980F25-20AF-16C5-7589-538187977F59}"/>
+            </a:ext>
+          </a:extLst>
+        </p:cNvPr>
+        <p:cNvGrpSpPr/>
+        <p:nvPr/>
+      </p:nvGrpSpPr>
+      <p:grpSpPr>
+        <a:xfrm>
+          <a:off x="0" y="0"/>
+          <a:ext cx="0" cy="0"/>
+          <a:chOff x="0" y="0"/>
+          <a:chExt cx="0" cy="0"/>
+        </a:xfrm>
+      </p:grpSpPr>
+      <p:sp>
+        <p:nvSpPr>
+          <p:cNvPr id="2" name="Title 1">
+            <a:extLst>
+              <a:ext uri="{FF2B5EF4-FFF2-40B4-BE49-F238E27FC236}">
+                <a16:creationId xmlns:a16="http://schemas.microsoft.com/office/drawing/2014/main" id="{EF0FA4EC-568F-FE22-88BC-2E0C53D9C9C7}"/>
+              </a:ext>
+            </a:extLst>
+          </p:cNvPr>
+          <p:cNvSpPr>
+            <a:spLocks noGrp="1"/>
+          </p:cNvSpPr>
+          <p:nvPr>
+            <p:ph type="title"/>
+          </p:nvPr>
+        </p:nvSpPr>
+        <p:spPr/>
+        <p:txBody>
+          <a:bodyPr>
+            <a:normAutofit/>
+          </a:bodyPr>
+          <a:lstStyle/>
+          <a:p>
+            <a:r>
+              <a:rPr lang="en-US" b="1" dirty="0">
+                <a:latin typeface="Times New Roman" panose="02020603050405020304" pitchFamily="18" charset="0"/>
+                <a:cs typeface="Times New Roman" panose="02020603050405020304" pitchFamily="18" charset="0"/>
+              </a:rPr>
+              <a:t>3. Performance, Security, and Usability Testing</a:t>
+            </a:r>
+            <a:r>
+              <a:rPr lang="en-US" dirty="0">
+                <a:latin typeface="Times New Roman" panose="02020603050405020304" pitchFamily="18" charset="0"/>
+                <a:cs typeface="Times New Roman" panose="02020603050405020304" pitchFamily="18" charset="0"/>
+              </a:rPr>
+              <a:t> </a:t>
+            </a:r>
+          </a:p>
+        </p:txBody>
+      </p:sp>
+      <p:sp>
+        <p:nvSpPr>
+          <p:cNvPr id="3" name="Content Placeholder 2">
+            <a:extLst>
+              <a:ext uri="{FF2B5EF4-FFF2-40B4-BE49-F238E27FC236}">
+                <a16:creationId xmlns:a16="http://schemas.microsoft.com/office/drawing/2014/main" id="{5DFF1ED6-FBF5-629E-224D-D241560E878F}"/>
+              </a:ext>
+            </a:extLst>
+          </p:cNvPr>
+          <p:cNvSpPr>
+            <a:spLocks noGrp="1"/>
+          </p:cNvSpPr>
+          <p:nvPr>
+            <p:ph idx="1"/>
+          </p:nvPr>
+        </p:nvSpPr>
+        <p:spPr/>
+        <p:txBody>
+          <a:bodyPr>
+            <a:normAutofit/>
+          </a:bodyPr>
+          <a:lstStyle/>
+          <a:p>
+            <a:r>
+              <a:rPr lang="en-US" dirty="0"/>
+              <a:t>Part B) Security Testing (OWASP Top 10 basics)</a:t>
+            </a:r>
+          </a:p>
+          <a:p>
+            <a:r>
+              <a:rPr lang="en-US" dirty="0"/>
+              <a:t>b) Broken Access Control (IDOR) in OWASP </a:t>
+            </a:r>
+          </a:p>
+          <a:p>
+            <a:pPr lvl="1"/>
+            <a:r>
+              <a:rPr lang="en-US" dirty="0"/>
+              <a:t>Used MERN Web project made for EC4307 – Web Application Development module.</a:t>
+            </a:r>
+          </a:p>
+          <a:p>
+            <a:pPr lvl="1"/>
+            <a:r>
+              <a:rPr lang="en-US" dirty="0"/>
+              <a:t>Made the following code with and without intentional IDOR </a:t>
+            </a:r>
+            <a:r>
+              <a:rPr lang="en-US" dirty="0" err="1"/>
+              <a:t>vulnarability</a:t>
+            </a:r>
+            <a:endParaRPr lang="en-US" dirty="0"/>
+          </a:p>
+        </p:txBody>
+      </p:sp>
+    </p:spTree>
+    <p:extLst>
+      <p:ext uri="{BB962C8B-B14F-4D97-AF65-F5344CB8AC3E}">
+        <p14:creationId xmlns:p14="http://schemas.microsoft.com/office/powerpoint/2010/main" val="3122516272"/>
+      </p:ext>
+    </p:extLst>
+  </p:cSld>
+  <p:clrMapOvr>
+    <a:masterClrMapping/>
+  </p:clrMapOvr>
+</p:sld>
+</file>
+
+<file path=ppt/slides/slide56.xml><?xml version="1.0" encoding="utf-8"?>
+<p:sld xmlns:a="http://schemas.openxmlformats.org/drawingml/2006/main" xmlns:r="http://schemas.openxmlformats.org/officeDocument/2006/relationships" xmlns:p="http://schemas.openxmlformats.org/presentationml/2006/main">
+  <p:cSld>
+    <p:spTree>
+      <p:nvGrpSpPr>
+        <p:cNvPr id="1" name=""/>
+        <p:cNvGrpSpPr/>
+        <p:nvPr/>
+      </p:nvGrpSpPr>
+      <p:grpSpPr>
+        <a:xfrm>
+          <a:off x="0" y="0"/>
+          <a:ext cx="0" cy="0"/>
+          <a:chOff x="0" y="0"/>
+          <a:chExt cx="0" cy="0"/>
+        </a:xfrm>
+      </p:grpSpPr>
+      <p:sp>
+        <p:nvSpPr>
+          <p:cNvPr id="2" name="Title 1">
+            <a:extLst>
+              <a:ext uri="{FF2B5EF4-FFF2-40B4-BE49-F238E27FC236}">
+                <a16:creationId xmlns:a16="http://schemas.microsoft.com/office/drawing/2014/main" id="{6ED2DB88-A94A-6F1D-9775-54241CA1C513}"/>
+              </a:ext>
+            </a:extLst>
+          </p:cNvPr>
+          <p:cNvSpPr>
+            <a:spLocks noGrp="1"/>
+          </p:cNvSpPr>
+          <p:nvPr>
+            <p:ph type="title"/>
+          </p:nvPr>
+        </p:nvSpPr>
+        <p:spPr/>
+        <p:txBody>
+          <a:bodyPr/>
+          <a:lstStyle/>
+          <a:p>
+            <a:endParaRPr lang="en-US"/>
+          </a:p>
+        </p:txBody>
+      </p:sp>
+      <p:sp>
+        <p:nvSpPr>
+          <p:cNvPr id="3" name="Content Placeholder 2">
+            <a:extLst>
+              <a:ext uri="{FF2B5EF4-FFF2-40B4-BE49-F238E27FC236}">
+                <a16:creationId xmlns:a16="http://schemas.microsoft.com/office/drawing/2014/main" id="{0D3CA466-8A4D-78BF-D44F-2B61B8FC25DA}"/>
+              </a:ext>
+            </a:extLst>
+          </p:cNvPr>
+          <p:cNvSpPr>
+            <a:spLocks noGrp="1"/>
+          </p:cNvSpPr>
+          <p:nvPr>
+            <p:ph idx="1"/>
+          </p:nvPr>
+        </p:nvSpPr>
+        <p:spPr/>
+        <p:txBody>
+          <a:bodyPr/>
+          <a:lstStyle/>
+          <a:p>
+            <a:endParaRPr lang="en-US"/>
+          </a:p>
+        </p:txBody>
+      </p:sp>
+      <p:pic>
+        <p:nvPicPr>
+          <p:cNvPr id="5" name="Picture 4">
+            <a:extLst>
+              <a:ext uri="{FF2B5EF4-FFF2-40B4-BE49-F238E27FC236}">
+                <a16:creationId xmlns:a16="http://schemas.microsoft.com/office/drawing/2014/main" id="{31613135-63C2-8E25-29E4-178FFE02F3A2}"/>
+              </a:ext>
+            </a:extLst>
+          </p:cNvPr>
+          <p:cNvPicPr>
+            <a:picLocks noChangeAspect="1"/>
+          </p:cNvPicPr>
+          <p:nvPr/>
+        </p:nvPicPr>
+        <p:blipFill>
+          <a:blip r:embed="rId2"/>
+          <a:stretch>
+            <a:fillRect/>
+          </a:stretch>
+        </p:blipFill>
+        <p:spPr>
+          <a:xfrm>
+            <a:off x="1423335" y="323416"/>
+            <a:ext cx="8817945" cy="5860653"/>
+          </a:xfrm>
+          <a:prstGeom prst="rect">
+            <a:avLst/>
+          </a:prstGeom>
+        </p:spPr>
+      </p:pic>
+    </p:spTree>
+    <p:extLst>
+      <p:ext uri="{BB962C8B-B14F-4D97-AF65-F5344CB8AC3E}">
+        <p14:creationId xmlns:p14="http://schemas.microsoft.com/office/powerpoint/2010/main" val="3801792777"/>
+      </p:ext>
+    </p:extLst>
+  </p:cSld>
+  <p:clrMapOvr>
+    <a:masterClrMapping/>
+  </p:clrMapOvr>
+</p:sld>
+</file>
+
+<file path=ppt/slides/slide57.xml><?xml version="1.0" encoding="utf-8"?>
+<p:sld xmlns:a="http://schemas.openxmlformats.org/drawingml/2006/main" xmlns:r="http://schemas.openxmlformats.org/officeDocument/2006/relationships" xmlns:p="http://schemas.openxmlformats.org/presentationml/2006/main">
+  <p:cSld>
+    <p:spTree>
+      <p:nvGrpSpPr>
+        <p:cNvPr id="1" name="">
+          <a:extLst>
+            <a:ext uri="{FF2B5EF4-FFF2-40B4-BE49-F238E27FC236}">
+              <a16:creationId xmlns:a16="http://schemas.microsoft.com/office/drawing/2014/main" id="{DAD712DC-9D32-A770-880B-B0199F640772}"/>
+            </a:ext>
+          </a:extLst>
+        </p:cNvPr>
+        <p:cNvGrpSpPr/>
+        <p:nvPr/>
+      </p:nvGrpSpPr>
+      <p:grpSpPr>
+        <a:xfrm>
+          <a:off x="0" y="0"/>
+          <a:ext cx="0" cy="0"/>
+          <a:chOff x="0" y="0"/>
+          <a:chExt cx="0" cy="0"/>
+        </a:xfrm>
+      </p:grpSpPr>
+      <p:sp>
+        <p:nvSpPr>
+          <p:cNvPr id="2" name="Title 1">
+            <a:extLst>
+              <a:ext uri="{FF2B5EF4-FFF2-40B4-BE49-F238E27FC236}">
+                <a16:creationId xmlns:a16="http://schemas.microsoft.com/office/drawing/2014/main" id="{81D6F662-530A-EBA5-92A3-895113D95FBC}"/>
+              </a:ext>
+            </a:extLst>
+          </p:cNvPr>
+          <p:cNvSpPr>
+            <a:spLocks noGrp="1"/>
+          </p:cNvSpPr>
+          <p:nvPr>
+            <p:ph type="title"/>
+          </p:nvPr>
+        </p:nvSpPr>
+        <p:spPr/>
+        <p:txBody>
+          <a:bodyPr>
+            <a:normAutofit/>
+          </a:bodyPr>
+          <a:lstStyle/>
+          <a:p>
+            <a:r>
+              <a:rPr lang="en-US" b="1" dirty="0">
+                <a:latin typeface="Times New Roman" panose="02020603050405020304" pitchFamily="18" charset="0"/>
+                <a:cs typeface="Times New Roman" panose="02020603050405020304" pitchFamily="18" charset="0"/>
+              </a:rPr>
+              <a:t>3. Performance, Security, and Usability Testing</a:t>
+            </a:r>
+            <a:r>
+              <a:rPr lang="en-US" dirty="0">
+                <a:latin typeface="Times New Roman" panose="02020603050405020304" pitchFamily="18" charset="0"/>
+                <a:cs typeface="Times New Roman" panose="02020603050405020304" pitchFamily="18" charset="0"/>
+              </a:rPr>
+              <a:t> </a:t>
+            </a:r>
+          </a:p>
+        </p:txBody>
+      </p:sp>
+      <p:sp>
+        <p:nvSpPr>
+          <p:cNvPr id="3" name="Content Placeholder 2">
+            <a:extLst>
+              <a:ext uri="{FF2B5EF4-FFF2-40B4-BE49-F238E27FC236}">
+                <a16:creationId xmlns:a16="http://schemas.microsoft.com/office/drawing/2014/main" id="{211C8E86-5649-34D7-7D97-D5CCE3F9C8BF}"/>
+              </a:ext>
+            </a:extLst>
+          </p:cNvPr>
+          <p:cNvSpPr>
+            <a:spLocks noGrp="1"/>
+          </p:cNvSpPr>
+          <p:nvPr>
+            <p:ph idx="1"/>
+          </p:nvPr>
+        </p:nvSpPr>
+        <p:spPr/>
+        <p:txBody>
+          <a:bodyPr>
+            <a:normAutofit/>
+          </a:bodyPr>
+          <a:lstStyle/>
+          <a:p>
+            <a:r>
+              <a:rPr lang="en-US" dirty="0"/>
+              <a:t>Part B) Security Testing (OWASP Top 10 basics)</a:t>
+            </a:r>
+          </a:p>
+          <a:p>
+            <a:r>
+              <a:rPr lang="en-US" dirty="0"/>
+              <a:t>b) Broken Access Control (IDOR) in OWASP </a:t>
+            </a:r>
+          </a:p>
+          <a:p>
+            <a:pPr lvl="1"/>
+            <a:r>
+              <a:rPr lang="en-US" dirty="0"/>
+              <a:t>Used MERN Web project made for EC4307 – Web Application Development module.</a:t>
+            </a:r>
+          </a:p>
+          <a:p>
+            <a:pPr lvl="1"/>
+            <a:r>
+              <a:rPr lang="en-US" dirty="0"/>
+              <a:t>Made the above code with and without intentional IDOR vulnerability.</a:t>
+            </a:r>
+          </a:p>
+          <a:p>
+            <a:pPr lvl="1"/>
+            <a:r>
+              <a:rPr lang="en-US" dirty="0"/>
+              <a:t>Got the following results contrast.</a:t>
+            </a:r>
+          </a:p>
+        </p:txBody>
+      </p:sp>
+    </p:spTree>
+    <p:extLst>
+      <p:ext uri="{BB962C8B-B14F-4D97-AF65-F5344CB8AC3E}">
+        <p14:creationId xmlns:p14="http://schemas.microsoft.com/office/powerpoint/2010/main" val="667582087"/>
+      </p:ext>
+    </p:extLst>
+  </p:cSld>
+  <p:clrMapOvr>
+    <a:masterClrMapping/>
+  </p:clrMapOvr>
+</p:sld>
+</file>
+
+<file path=ppt/slides/slide58.xml><?xml version="1.0" encoding="utf-8"?>
+<p:sld xmlns:a="http://schemas.openxmlformats.org/drawingml/2006/main" xmlns:r="http://schemas.openxmlformats.org/officeDocument/2006/relationships" xmlns:p="http://schemas.openxmlformats.org/presentationml/2006/main">
+  <p:cSld>
+    <p:spTree>
+      <p:nvGrpSpPr>
+        <p:cNvPr id="1" name=""/>
+        <p:cNvGrpSpPr/>
+        <p:nvPr/>
+      </p:nvGrpSpPr>
+      <p:grpSpPr>
+        <a:xfrm>
+          <a:off x="0" y="0"/>
+          <a:ext cx="0" cy="0"/>
+          <a:chOff x="0" y="0"/>
+          <a:chExt cx="0" cy="0"/>
+        </a:xfrm>
+      </p:grpSpPr>
+      <p:sp>
+        <p:nvSpPr>
+          <p:cNvPr id="2" name="Title 1">
+            <a:extLst>
+              <a:ext uri="{FF2B5EF4-FFF2-40B4-BE49-F238E27FC236}">
+                <a16:creationId xmlns:a16="http://schemas.microsoft.com/office/drawing/2014/main" id="{BB818FA3-F414-5E85-E05B-EFD48261BA10}"/>
+              </a:ext>
+            </a:extLst>
+          </p:cNvPr>
+          <p:cNvSpPr>
+            <a:spLocks noGrp="1"/>
+          </p:cNvSpPr>
+          <p:nvPr>
+            <p:ph type="title"/>
+          </p:nvPr>
+        </p:nvSpPr>
+        <p:spPr/>
+        <p:txBody>
+          <a:bodyPr/>
+          <a:lstStyle/>
+          <a:p>
+            <a:endParaRPr lang="en-US"/>
+          </a:p>
+        </p:txBody>
+      </p:sp>
+      <p:sp>
+        <p:nvSpPr>
+          <p:cNvPr id="3" name="Content Placeholder 2">
+            <a:extLst>
+              <a:ext uri="{FF2B5EF4-FFF2-40B4-BE49-F238E27FC236}">
+                <a16:creationId xmlns:a16="http://schemas.microsoft.com/office/drawing/2014/main" id="{B5172A86-48BB-AB60-659A-EFF1B74820FA}"/>
+              </a:ext>
+            </a:extLst>
+          </p:cNvPr>
+          <p:cNvSpPr>
+            <a:spLocks noGrp="1"/>
+          </p:cNvSpPr>
+          <p:nvPr>
+            <p:ph idx="1"/>
+          </p:nvPr>
+        </p:nvSpPr>
+        <p:spPr/>
+        <p:txBody>
+          <a:bodyPr/>
+          <a:lstStyle/>
+          <a:p>
+            <a:endParaRPr lang="en-US" dirty="0"/>
+          </a:p>
+        </p:txBody>
+      </p:sp>
+      <p:pic>
+        <p:nvPicPr>
+          <p:cNvPr id="5" name="Picture 4">
+            <a:extLst>
+              <a:ext uri="{FF2B5EF4-FFF2-40B4-BE49-F238E27FC236}">
+                <a16:creationId xmlns:a16="http://schemas.microsoft.com/office/drawing/2014/main" id="{362437FC-AE9C-EC38-3828-4F120836ACF8}"/>
+              </a:ext>
+            </a:extLst>
+          </p:cNvPr>
+          <p:cNvPicPr>
+            <a:picLocks noChangeAspect="1"/>
+          </p:cNvPicPr>
+          <p:nvPr/>
+        </p:nvPicPr>
+        <p:blipFill>
+          <a:blip r:embed="rId2"/>
+          <a:stretch>
+            <a:fillRect/>
+          </a:stretch>
+        </p:blipFill>
+        <p:spPr>
+          <a:xfrm>
+            <a:off x="484632" y="1767088"/>
+            <a:ext cx="11396472" cy="3042421"/>
+          </a:xfrm>
+          <a:prstGeom prst="rect">
+            <a:avLst/>
+          </a:prstGeom>
+        </p:spPr>
+      </p:pic>
+      <p:sp>
+        <p:nvSpPr>
+          <p:cNvPr id="6" name="Rectangle: Rounded Corners 5">
+            <a:extLst>
+              <a:ext uri="{FF2B5EF4-FFF2-40B4-BE49-F238E27FC236}">
+                <a16:creationId xmlns:a16="http://schemas.microsoft.com/office/drawing/2014/main" id="{39BAA020-5729-2C1D-AA54-AC54145887A6}"/>
+              </a:ext>
+            </a:extLst>
+          </p:cNvPr>
+          <p:cNvSpPr/>
+          <p:nvPr/>
+        </p:nvSpPr>
+        <p:spPr>
+          <a:xfrm>
+            <a:off x="548640" y="2208340"/>
+            <a:ext cx="3227831" cy="1860740"/>
+          </a:xfrm>
+          <a:prstGeom prst="roundRect">
+            <a:avLst/>
+          </a:prstGeom>
+          <a:noFill/>
+          <a:ln w="9525" cap="flat" cmpd="sng" algn="ctr">
+            <a:solidFill>
+              <a:srgbClr val="FF0000"/>
+            </a:solidFill>
+            <a:prstDash val="solid"/>
+            <a:round/>
+            <a:headEnd type="none" w="med" len="med"/>
+            <a:tailEnd type="none" w="med" len="med"/>
+          </a:ln>
+        </p:spPr>
+        <p:style>
+          <a:lnRef idx="0">
+            <a:scrgbClr r="0" g="0" b="0"/>
+          </a:lnRef>
+          <a:fillRef idx="0">
+            <a:scrgbClr r="0" g="0" b="0"/>
+          </a:fillRef>
+          <a:effectRef idx="0">
+            <a:scrgbClr r="0" g="0" b="0"/>
+          </a:effectRef>
+          <a:fontRef idx="minor">
+            <a:schemeClr val="accent1"/>
+          </a:fontRef>
+        </p:style>
+        <p:txBody>
+          <a:bodyPr rtlCol="0" anchor="ctr"/>
+          <a:lstStyle/>
+          <a:p>
+            <a:pPr algn="ctr"/>
+            <a:endParaRPr lang="en-US" dirty="0">
+              <a:highlight>
+                <a:srgbClr val="FFFF00"/>
+              </a:highlight>
+            </a:endParaRPr>
+          </a:p>
+        </p:txBody>
+      </p:sp>
+      <p:sp>
+        <p:nvSpPr>
+          <p:cNvPr id="7" name="Rectangle: Rounded Corners 6">
+            <a:extLst>
+              <a:ext uri="{FF2B5EF4-FFF2-40B4-BE49-F238E27FC236}">
+                <a16:creationId xmlns:a16="http://schemas.microsoft.com/office/drawing/2014/main" id="{CFBFC260-1C5A-7A57-9A71-B2688CBAD08A}"/>
+              </a:ext>
+            </a:extLst>
+          </p:cNvPr>
+          <p:cNvSpPr/>
+          <p:nvPr/>
+        </p:nvSpPr>
+        <p:spPr>
+          <a:xfrm>
+            <a:off x="530352" y="4423666"/>
+            <a:ext cx="3703320" cy="194054"/>
+          </a:xfrm>
+          <a:prstGeom prst="roundRect">
+            <a:avLst/>
+          </a:prstGeom>
+          <a:noFill/>
+          <a:ln w="9525" cap="flat" cmpd="sng" algn="ctr">
+            <a:solidFill>
+              <a:srgbClr val="00B050"/>
+            </a:solidFill>
+            <a:prstDash val="solid"/>
+            <a:round/>
+            <a:headEnd type="none" w="med" len="med"/>
+            <a:tailEnd type="none" w="med" len="med"/>
+          </a:ln>
+        </p:spPr>
+        <p:style>
+          <a:lnRef idx="0">
+            <a:scrgbClr r="0" g="0" b="0"/>
+          </a:lnRef>
+          <a:fillRef idx="0">
+            <a:scrgbClr r="0" g="0" b="0"/>
+          </a:fillRef>
+          <a:effectRef idx="0">
+            <a:scrgbClr r="0" g="0" b="0"/>
+          </a:effectRef>
+          <a:fontRef idx="minor">
+            <a:schemeClr val="accent1"/>
+          </a:fontRef>
+        </p:style>
+        <p:txBody>
+          <a:bodyPr rtlCol="0" anchor="ctr"/>
+          <a:lstStyle/>
+          <a:p>
+            <a:pPr algn="ctr"/>
+            <a:endParaRPr lang="en-US" dirty="0">
+              <a:highlight>
+                <a:srgbClr val="FFFF00"/>
+              </a:highlight>
+            </a:endParaRPr>
+          </a:p>
+        </p:txBody>
+      </p:sp>
+      <p:sp>
+        <p:nvSpPr>
+          <p:cNvPr id="8" name="Arrow: Left 7">
+            <a:extLst>
+              <a:ext uri="{FF2B5EF4-FFF2-40B4-BE49-F238E27FC236}">
+                <a16:creationId xmlns:a16="http://schemas.microsoft.com/office/drawing/2014/main" id="{B5E2429A-B932-685C-CD01-B67C5A062241}"/>
+              </a:ext>
+            </a:extLst>
+          </p:cNvPr>
+          <p:cNvSpPr/>
+          <p:nvPr/>
+        </p:nvSpPr>
+        <p:spPr>
+          <a:xfrm>
+            <a:off x="4069080" y="2916936"/>
+            <a:ext cx="1380744" cy="292608"/>
+          </a:xfrm>
+          <a:prstGeom prst="leftArrow">
+            <a:avLst/>
+          </a:prstGeom>
+        </p:spPr>
+        <p:style>
+          <a:lnRef idx="2">
+            <a:schemeClr val="accent1">
+              <a:shade val="15000"/>
+            </a:schemeClr>
+          </a:lnRef>
+          <a:fillRef idx="1">
+            <a:schemeClr val="accent1"/>
+          </a:fillRef>
+          <a:effectRef idx="0">
+            <a:schemeClr val="accent1"/>
+          </a:effectRef>
+          <a:fontRef idx="minor">
+            <a:schemeClr val="lt1"/>
+          </a:fontRef>
+        </p:style>
+        <p:txBody>
+          <a:bodyPr rtlCol="0" anchor="ctr"/>
+          <a:lstStyle/>
+          <a:p>
+            <a:pPr algn="ctr"/>
+            <a:endParaRPr lang="en-US"/>
+          </a:p>
+        </p:txBody>
+      </p:sp>
+      <p:sp>
+        <p:nvSpPr>
+          <p:cNvPr id="9" name="Arrow: Left 8">
+            <a:extLst>
+              <a:ext uri="{FF2B5EF4-FFF2-40B4-BE49-F238E27FC236}">
+                <a16:creationId xmlns:a16="http://schemas.microsoft.com/office/drawing/2014/main" id="{B244777F-A57A-3A37-1E49-604EE4D37AFA}"/>
+              </a:ext>
+            </a:extLst>
+          </p:cNvPr>
+          <p:cNvSpPr/>
+          <p:nvPr/>
+        </p:nvSpPr>
+        <p:spPr>
+          <a:xfrm>
+            <a:off x="4279392" y="4325112"/>
+            <a:ext cx="1380744" cy="292608"/>
+          </a:xfrm>
+          <a:prstGeom prst="leftArrow">
+            <a:avLst/>
+          </a:prstGeom>
+          <a:solidFill>
+            <a:srgbClr val="00B050"/>
+          </a:solidFill>
+        </p:spPr>
+        <p:style>
+          <a:lnRef idx="2">
+            <a:schemeClr val="accent1">
+              <a:shade val="15000"/>
+            </a:schemeClr>
+          </a:lnRef>
+          <a:fillRef idx="1">
+            <a:schemeClr val="accent1"/>
+          </a:fillRef>
+          <a:effectRef idx="0">
+            <a:schemeClr val="accent1"/>
+          </a:effectRef>
+          <a:fontRef idx="minor">
+            <a:schemeClr val="lt1"/>
+          </a:fontRef>
+        </p:style>
+        <p:txBody>
+          <a:bodyPr rtlCol="0" anchor="ctr"/>
+          <a:lstStyle/>
+          <a:p>
+            <a:pPr algn="ctr"/>
+            <a:endParaRPr lang="en-US"/>
+          </a:p>
+        </p:txBody>
+      </p:sp>
+      <p:sp>
+        <p:nvSpPr>
+          <p:cNvPr id="10" name="Rectangle 9">
+            <a:extLst>
+              <a:ext uri="{FF2B5EF4-FFF2-40B4-BE49-F238E27FC236}">
+                <a16:creationId xmlns:a16="http://schemas.microsoft.com/office/drawing/2014/main" id="{45160331-FCBB-D5C3-DC24-47AB5E3B8589}"/>
+              </a:ext>
+            </a:extLst>
+          </p:cNvPr>
+          <p:cNvSpPr/>
+          <p:nvPr/>
+        </p:nvSpPr>
+        <p:spPr>
+          <a:xfrm>
+            <a:off x="5660136" y="2878574"/>
+            <a:ext cx="2853473" cy="369332"/>
+          </a:xfrm>
+          <a:prstGeom prst="rect">
+            <a:avLst/>
+          </a:prstGeom>
+          <a:noFill/>
+        </p:spPr>
+        <p:txBody>
+          <a:bodyPr wrap="none" lIns="91440" tIns="45720" rIns="91440" bIns="45720">
+            <a:spAutoFit/>
+          </a:bodyPr>
+          <a:lstStyle/>
+          <a:p>
+            <a:pPr algn="ctr"/>
+            <a:r>
+              <a:rPr lang="en-US" dirty="0">
+                <a:ln w="0"/>
+                <a:solidFill>
+                  <a:schemeClr val="accent1"/>
+                </a:solidFill>
+                <a:effectLst>
+                  <a:outerShdw blurRad="38100" dist="25400" dir="5400000" algn="ctr" rotWithShape="0">
+                    <a:srgbClr val="6E747A">
+                      <a:alpha val="43000"/>
+                    </a:srgbClr>
+                  </a:outerShdw>
+                </a:effectLst>
+              </a:rPr>
+              <a:t>Before Refactor (Vulnerable)</a:t>
+            </a:r>
+          </a:p>
+        </p:txBody>
+      </p:sp>
+      <p:sp>
+        <p:nvSpPr>
+          <p:cNvPr id="11" name="Rectangle 10">
+            <a:extLst>
+              <a:ext uri="{FF2B5EF4-FFF2-40B4-BE49-F238E27FC236}">
+                <a16:creationId xmlns:a16="http://schemas.microsoft.com/office/drawing/2014/main" id="{DC5B15F5-43FA-9350-DCF1-1AE254ABB8E6}"/>
+              </a:ext>
+            </a:extLst>
+          </p:cNvPr>
+          <p:cNvSpPr/>
+          <p:nvPr/>
+        </p:nvSpPr>
+        <p:spPr>
+          <a:xfrm>
+            <a:off x="5644139" y="4239000"/>
+            <a:ext cx="2885470" cy="369332"/>
+          </a:xfrm>
+          <a:prstGeom prst="rect">
+            <a:avLst/>
+          </a:prstGeom>
+          <a:noFill/>
+        </p:spPr>
+        <p:txBody>
+          <a:bodyPr wrap="none" lIns="91440" tIns="45720" rIns="91440" bIns="45720">
+            <a:spAutoFit/>
+          </a:bodyPr>
+          <a:lstStyle/>
+          <a:p>
+            <a:pPr algn="ctr"/>
+            <a:r>
+              <a:rPr lang="en-US" dirty="0">
+                <a:ln w="0"/>
+                <a:solidFill>
+                  <a:srgbClr val="00B050"/>
+                </a:solidFill>
+                <a:effectLst>
+                  <a:outerShdw blurRad="38100" dist="25400" dir="5400000" algn="ctr" rotWithShape="0">
+                    <a:srgbClr val="6E747A">
+                      <a:alpha val="43000"/>
+                    </a:srgbClr>
+                  </a:outerShdw>
+                </a:effectLst>
+              </a:rPr>
+              <a:t>After Refactor (Invulnerable)</a:t>
+            </a:r>
+          </a:p>
+        </p:txBody>
+      </p:sp>
+    </p:spTree>
+    <p:extLst>
+      <p:ext uri="{BB962C8B-B14F-4D97-AF65-F5344CB8AC3E}">
+        <p14:creationId xmlns:p14="http://schemas.microsoft.com/office/powerpoint/2010/main" val="675165317"/>
+      </p:ext>
+    </p:extLst>
+  </p:cSld>
+  <p:clrMapOvr>
+    <a:masterClrMapping/>
+  </p:clrMapOvr>
+</p:sld>
+</file>
+
+<file path=ppt/slides/slide59.xml><?xml version="1.0" encoding="utf-8"?>
+<p:sld xmlns:a="http://schemas.openxmlformats.org/drawingml/2006/main" xmlns:r="http://schemas.openxmlformats.org/officeDocument/2006/relationships" xmlns:p="http://schemas.openxmlformats.org/presentationml/2006/main">
+  <p:cSld>
+    <p:spTree>
+      <p:nvGrpSpPr>
+        <p:cNvPr id="1" name="">
+          <a:extLst>
+            <a:ext uri="{FF2B5EF4-FFF2-40B4-BE49-F238E27FC236}">
+              <a16:creationId xmlns:a16="http://schemas.microsoft.com/office/drawing/2014/main" id="{BE7CC91B-D3B8-8827-9C9E-F729CE95067E}"/>
+            </a:ext>
+          </a:extLst>
+        </p:cNvPr>
+        <p:cNvGrpSpPr/>
+        <p:nvPr/>
+      </p:nvGrpSpPr>
+      <p:grpSpPr>
+        <a:xfrm>
+          <a:off x="0" y="0"/>
+          <a:ext cx="0" cy="0"/>
+          <a:chOff x="0" y="0"/>
+          <a:chExt cx="0" cy="0"/>
+        </a:xfrm>
+      </p:grpSpPr>
+      <p:sp>
+        <p:nvSpPr>
+          <p:cNvPr id="2" name="Title 1">
+            <a:extLst>
+              <a:ext uri="{FF2B5EF4-FFF2-40B4-BE49-F238E27FC236}">
+                <a16:creationId xmlns:a16="http://schemas.microsoft.com/office/drawing/2014/main" id="{9A23A5C6-6F61-E919-E516-E4184289D562}"/>
+              </a:ext>
+            </a:extLst>
+          </p:cNvPr>
+          <p:cNvSpPr>
+            <a:spLocks noGrp="1"/>
+          </p:cNvSpPr>
+          <p:nvPr>
+            <p:ph type="title"/>
+          </p:nvPr>
+        </p:nvSpPr>
+        <p:spPr>
+          <a:xfrm>
+            <a:off x="1289305" y="804519"/>
+            <a:ext cx="9765550" cy="1049235"/>
+          </a:xfrm>
+        </p:spPr>
+        <p:txBody>
+          <a:bodyPr>
+            <a:normAutofit/>
+          </a:bodyPr>
+          <a:lstStyle/>
+          <a:p>
+            <a:r>
+              <a:rPr lang="en-US" b="1" dirty="0">
+                <a:latin typeface="Times New Roman" panose="02020603050405020304" pitchFamily="18" charset="0"/>
+                <a:cs typeface="Times New Roman" panose="02020603050405020304" pitchFamily="18" charset="0"/>
+              </a:rPr>
+              <a:t>4. Defect Tracking and Bug Management</a:t>
+            </a:r>
+            <a:r>
+              <a:rPr lang="en-US" dirty="0">
+                <a:latin typeface="Times New Roman" panose="02020603050405020304" pitchFamily="18" charset="0"/>
+                <a:cs typeface="Times New Roman" panose="02020603050405020304" pitchFamily="18" charset="0"/>
+              </a:rPr>
+              <a:t> </a:t>
+            </a:r>
+          </a:p>
+        </p:txBody>
+      </p:sp>
+      <p:sp>
+        <p:nvSpPr>
+          <p:cNvPr id="3" name="Content Placeholder 2">
+            <a:extLst>
+              <a:ext uri="{FF2B5EF4-FFF2-40B4-BE49-F238E27FC236}">
+                <a16:creationId xmlns:a16="http://schemas.microsoft.com/office/drawing/2014/main" id="{6CE00DF6-B6BD-88B8-A733-ABB8DD337757}"/>
+              </a:ext>
+            </a:extLst>
+          </p:cNvPr>
+          <p:cNvSpPr>
+            <a:spLocks noGrp="1"/>
+          </p:cNvSpPr>
+          <p:nvPr>
+            <p:ph idx="1"/>
+          </p:nvPr>
+        </p:nvSpPr>
+        <p:spPr/>
+        <p:txBody>
+          <a:bodyPr>
+            <a:normAutofit/>
+          </a:bodyPr>
+          <a:lstStyle/>
+          <a:p>
+            <a:r>
+              <a:rPr lang="en-US" dirty="0"/>
+              <a:t>Used Jira</a:t>
+            </a:r>
+          </a:p>
+          <a:p>
+            <a:r>
+              <a:rPr lang="en-US" dirty="0"/>
+              <a:t>Tracked the same SQL Injection Bug and IDOR for this</a:t>
+            </a:r>
+          </a:p>
+          <a:p>
+            <a:endParaRPr lang="en-US" dirty="0"/>
+          </a:p>
+        </p:txBody>
+      </p:sp>
+    </p:spTree>
+    <p:extLst>
+      <p:ext uri="{BB962C8B-B14F-4D97-AF65-F5344CB8AC3E}">
+        <p14:creationId xmlns:p14="http://schemas.microsoft.com/office/powerpoint/2010/main" val="4134638671"/>
+      </p:ext>
+    </p:extLst>
+  </p:cSld>
+  <p:clrMapOvr>
+    <a:masterClrMapping/>
+  </p:clrMapOvr>
+</p:sld>
+</file>
+
 <file path=ppt/slides/slide6.xml><?xml version="1.0" encoding="utf-8"?>
 <p:sld xmlns:a="http://schemas.openxmlformats.org/drawingml/2006/main" xmlns:r="http://schemas.openxmlformats.org/officeDocument/2006/relationships" xmlns:p="http://schemas.openxmlformats.org/presentationml/2006/main">
   <p:cSld>
@@ -8824,6 +11921,1059 @@
     <p:extLst>
       <p:ext uri="{BB962C8B-B14F-4D97-AF65-F5344CB8AC3E}">
         <p14:creationId xmlns:p14="http://schemas.microsoft.com/office/powerpoint/2010/main" val="911073584"/>
+      </p:ext>
+    </p:extLst>
+  </p:cSld>
+  <p:clrMapOvr>
+    <a:masterClrMapping/>
+  </p:clrMapOvr>
+</p:sld>
+</file>
+
+<file path=ppt/slides/slide60.xml><?xml version="1.0" encoding="utf-8"?>
+<p:sld xmlns:a="http://schemas.openxmlformats.org/drawingml/2006/main" xmlns:r="http://schemas.openxmlformats.org/officeDocument/2006/relationships" xmlns:p="http://schemas.openxmlformats.org/presentationml/2006/main">
+  <p:cSld>
+    <p:spTree>
+      <p:nvGrpSpPr>
+        <p:cNvPr id="1" name=""/>
+        <p:cNvGrpSpPr/>
+        <p:nvPr/>
+      </p:nvGrpSpPr>
+      <p:grpSpPr>
+        <a:xfrm>
+          <a:off x="0" y="0"/>
+          <a:ext cx="0" cy="0"/>
+          <a:chOff x="0" y="0"/>
+          <a:chExt cx="0" cy="0"/>
+        </a:xfrm>
+      </p:grpSpPr>
+      <p:sp>
+        <p:nvSpPr>
+          <p:cNvPr id="3" name="Content Placeholder 2">
+            <a:extLst>
+              <a:ext uri="{FF2B5EF4-FFF2-40B4-BE49-F238E27FC236}">
+                <a16:creationId xmlns:a16="http://schemas.microsoft.com/office/drawing/2014/main" id="{E19CB150-D9CD-37A6-6E7F-5AAF63C1B116}"/>
+              </a:ext>
+            </a:extLst>
+          </p:cNvPr>
+          <p:cNvSpPr>
+            <a:spLocks noGrp="1"/>
+          </p:cNvSpPr>
+          <p:nvPr>
+            <p:ph idx="1"/>
+          </p:nvPr>
+        </p:nvSpPr>
+        <p:spPr/>
+        <p:txBody>
+          <a:bodyPr/>
+          <a:lstStyle/>
+          <a:p>
+            <a:endParaRPr lang="en-US"/>
+          </a:p>
+        </p:txBody>
+      </p:sp>
+      <p:pic>
+        <p:nvPicPr>
+          <p:cNvPr id="5" name="Picture 4">
+            <a:extLst>
+              <a:ext uri="{FF2B5EF4-FFF2-40B4-BE49-F238E27FC236}">
+                <a16:creationId xmlns:a16="http://schemas.microsoft.com/office/drawing/2014/main" id="{3EBE87FD-E348-C6BC-ED80-98237BF42A34}"/>
+              </a:ext>
+            </a:extLst>
+          </p:cNvPr>
+          <p:cNvPicPr>
+            <a:picLocks noChangeAspect="1"/>
+          </p:cNvPicPr>
+          <p:nvPr/>
+        </p:nvPicPr>
+        <p:blipFill>
+          <a:blip r:embed="rId2"/>
+          <a:stretch>
+            <a:fillRect/>
+          </a:stretch>
+        </p:blipFill>
+        <p:spPr>
+          <a:xfrm>
+            <a:off x="436446" y="1200776"/>
+            <a:ext cx="11176434" cy="5404759"/>
+          </a:xfrm>
+          <a:prstGeom prst="rect">
+            <a:avLst/>
+          </a:prstGeom>
+        </p:spPr>
+      </p:pic>
+      <p:sp>
+        <p:nvSpPr>
+          <p:cNvPr id="6" name="Title 1">
+            <a:extLst>
+              <a:ext uri="{FF2B5EF4-FFF2-40B4-BE49-F238E27FC236}">
+                <a16:creationId xmlns:a16="http://schemas.microsoft.com/office/drawing/2014/main" id="{DCDDA212-E01B-C5B7-2F95-709CE5EF33D3}"/>
+              </a:ext>
+            </a:extLst>
+          </p:cNvPr>
+          <p:cNvSpPr txBox="1">
+            <a:spLocks/>
+          </p:cNvSpPr>
+          <p:nvPr/>
+        </p:nvSpPr>
+        <p:spPr>
+          <a:xfrm>
+            <a:off x="3179064" y="338187"/>
+            <a:ext cx="5833872" cy="1076710"/>
+          </a:xfrm>
+          <a:prstGeom prst="rect">
+            <a:avLst/>
+          </a:prstGeom>
+        </p:spPr>
+        <p:txBody>
+          <a:bodyPr vert="horz" lIns="91440" tIns="45720" rIns="91440" bIns="45720" rtlCol="0" anchor="t">
+            <a:normAutofit/>
+          </a:bodyPr>
+          <a:lstStyle>
+            <a:lvl1pPr algn="l" defTabSz="914400" rtl="0" eaLnBrk="1" latinLnBrk="0" hangingPunct="1">
+              <a:lnSpc>
+                <a:spcPct val="90000"/>
+              </a:lnSpc>
+              <a:spcBef>
+                <a:spcPct val="0"/>
+              </a:spcBef>
+              <a:buNone/>
+              <a:defRPr sz="3200" b="0" i="0" kern="1200" cap="all">
+                <a:solidFill>
+                  <a:schemeClr val="tx1"/>
+                </a:solidFill>
+                <a:effectLst/>
+                <a:latin typeface="+mj-lt"/>
+                <a:ea typeface="+mj-ea"/>
+                <a:cs typeface="+mj-cs"/>
+              </a:defRPr>
+            </a:lvl1pPr>
+          </a:lstStyle>
+          <a:p>
+            <a:r>
+              <a:rPr lang="en-US" b="1" dirty="0">
+                <a:latin typeface="Times New Roman" panose="02020603050405020304" pitchFamily="18" charset="0"/>
+                <a:cs typeface="Times New Roman" panose="02020603050405020304" pitchFamily="18" charset="0"/>
+              </a:rPr>
+              <a:t>JIRA Project Dashboard</a:t>
+            </a:r>
+            <a:endParaRPr lang="en-US" dirty="0">
+              <a:latin typeface="Times New Roman" panose="02020603050405020304" pitchFamily="18" charset="0"/>
+              <a:cs typeface="Times New Roman" panose="02020603050405020304" pitchFamily="18" charset="0"/>
+            </a:endParaRPr>
+          </a:p>
+        </p:txBody>
+      </p:sp>
+    </p:spTree>
+    <p:extLst>
+      <p:ext uri="{BB962C8B-B14F-4D97-AF65-F5344CB8AC3E}">
+        <p14:creationId xmlns:p14="http://schemas.microsoft.com/office/powerpoint/2010/main" val="24547907"/>
+      </p:ext>
+    </p:extLst>
+  </p:cSld>
+  <p:clrMapOvr>
+    <a:masterClrMapping/>
+  </p:clrMapOvr>
+</p:sld>
+</file>
+
+<file path=ppt/slides/slide61.xml><?xml version="1.0" encoding="utf-8"?>
+<p:sld xmlns:a="http://schemas.openxmlformats.org/drawingml/2006/main" xmlns:r="http://schemas.openxmlformats.org/officeDocument/2006/relationships" xmlns:p="http://schemas.openxmlformats.org/presentationml/2006/main">
+  <p:cSld>
+    <p:spTree>
+      <p:nvGrpSpPr>
+        <p:cNvPr id="1" name="">
+          <a:extLst>
+            <a:ext uri="{FF2B5EF4-FFF2-40B4-BE49-F238E27FC236}">
+              <a16:creationId xmlns:a16="http://schemas.microsoft.com/office/drawing/2014/main" id="{124112F1-BE85-913E-C3D4-2C2835258DAD}"/>
+            </a:ext>
+          </a:extLst>
+        </p:cNvPr>
+        <p:cNvGrpSpPr/>
+        <p:nvPr/>
+      </p:nvGrpSpPr>
+      <p:grpSpPr>
+        <a:xfrm>
+          <a:off x="0" y="0"/>
+          <a:ext cx="0" cy="0"/>
+          <a:chOff x="0" y="0"/>
+          <a:chExt cx="0" cy="0"/>
+        </a:xfrm>
+      </p:grpSpPr>
+      <p:sp>
+        <p:nvSpPr>
+          <p:cNvPr id="3" name="Content Placeholder 2">
+            <a:extLst>
+              <a:ext uri="{FF2B5EF4-FFF2-40B4-BE49-F238E27FC236}">
+                <a16:creationId xmlns:a16="http://schemas.microsoft.com/office/drawing/2014/main" id="{39BB0F76-F698-4974-6B9E-F4A5BFD2D096}"/>
+              </a:ext>
+            </a:extLst>
+          </p:cNvPr>
+          <p:cNvSpPr>
+            <a:spLocks noGrp="1"/>
+          </p:cNvSpPr>
+          <p:nvPr>
+            <p:ph idx="1"/>
+          </p:nvPr>
+        </p:nvSpPr>
+        <p:spPr/>
+        <p:txBody>
+          <a:bodyPr/>
+          <a:lstStyle/>
+          <a:p>
+            <a:endParaRPr lang="en-US"/>
+          </a:p>
+        </p:txBody>
+      </p:sp>
+      <p:sp>
+        <p:nvSpPr>
+          <p:cNvPr id="6" name="Title 1">
+            <a:extLst>
+              <a:ext uri="{FF2B5EF4-FFF2-40B4-BE49-F238E27FC236}">
+                <a16:creationId xmlns:a16="http://schemas.microsoft.com/office/drawing/2014/main" id="{E7FEA7FD-FAF0-C1F4-2C7A-47623D85C17A}"/>
+              </a:ext>
+            </a:extLst>
+          </p:cNvPr>
+          <p:cNvSpPr txBox="1">
+            <a:spLocks/>
+          </p:cNvSpPr>
+          <p:nvPr/>
+        </p:nvSpPr>
+        <p:spPr>
+          <a:xfrm>
+            <a:off x="3179064" y="338187"/>
+            <a:ext cx="5833872" cy="1076710"/>
+          </a:xfrm>
+          <a:prstGeom prst="rect">
+            <a:avLst/>
+          </a:prstGeom>
+        </p:spPr>
+        <p:txBody>
+          <a:bodyPr vert="horz" lIns="91440" tIns="45720" rIns="91440" bIns="45720" rtlCol="0" anchor="t">
+            <a:normAutofit/>
+          </a:bodyPr>
+          <a:lstStyle>
+            <a:lvl1pPr algn="l" defTabSz="914400" rtl="0" eaLnBrk="1" latinLnBrk="0" hangingPunct="1">
+              <a:lnSpc>
+                <a:spcPct val="90000"/>
+              </a:lnSpc>
+              <a:spcBef>
+                <a:spcPct val="0"/>
+              </a:spcBef>
+              <a:buNone/>
+              <a:defRPr sz="3200" b="0" i="0" kern="1200" cap="all">
+                <a:solidFill>
+                  <a:schemeClr val="tx1"/>
+                </a:solidFill>
+                <a:effectLst/>
+                <a:latin typeface="+mj-lt"/>
+                <a:ea typeface="+mj-ea"/>
+                <a:cs typeface="+mj-cs"/>
+              </a:defRPr>
+            </a:lvl1pPr>
+          </a:lstStyle>
+          <a:p>
+            <a:r>
+              <a:rPr lang="en-US" b="1" dirty="0">
+                <a:latin typeface="Times New Roman" panose="02020603050405020304" pitchFamily="18" charset="0"/>
+                <a:cs typeface="Times New Roman" panose="02020603050405020304" pitchFamily="18" charset="0"/>
+              </a:rPr>
+              <a:t>a) SQL Injection bug</a:t>
+            </a:r>
+            <a:endParaRPr lang="en-US" dirty="0">
+              <a:latin typeface="Times New Roman" panose="02020603050405020304" pitchFamily="18" charset="0"/>
+              <a:cs typeface="Times New Roman" panose="02020603050405020304" pitchFamily="18" charset="0"/>
+            </a:endParaRPr>
+          </a:p>
+        </p:txBody>
+      </p:sp>
+      <p:pic>
+        <p:nvPicPr>
+          <p:cNvPr id="4" name="Picture 3">
+            <a:extLst>
+              <a:ext uri="{FF2B5EF4-FFF2-40B4-BE49-F238E27FC236}">
+                <a16:creationId xmlns:a16="http://schemas.microsoft.com/office/drawing/2014/main" id="{DCA15282-3ED1-1293-2E60-CEA4437E7894}"/>
+              </a:ext>
+            </a:extLst>
+          </p:cNvPr>
+          <p:cNvPicPr>
+            <a:picLocks noChangeAspect="1"/>
+          </p:cNvPicPr>
+          <p:nvPr/>
+        </p:nvPicPr>
+        <p:blipFill>
+          <a:blip r:embed="rId2"/>
+          <a:stretch>
+            <a:fillRect/>
+          </a:stretch>
+        </p:blipFill>
+        <p:spPr>
+          <a:xfrm>
+            <a:off x="291653" y="1265885"/>
+            <a:ext cx="6006166" cy="4389121"/>
+          </a:xfrm>
+          <a:prstGeom prst="rect">
+            <a:avLst/>
+          </a:prstGeom>
+          <a:solidFill>
+            <a:srgbClr val="FFFFFF">
+              <a:shade val="85000"/>
+            </a:srgbClr>
+          </a:solidFill>
+          <a:ln w="190500" cap="rnd">
+            <a:solidFill>
+              <a:srgbClr val="FFFFFF"/>
+            </a:solidFill>
+          </a:ln>
+          <a:effectLst>
+            <a:outerShdw blurRad="50000" algn="tl" rotWithShape="0">
+              <a:srgbClr val="000000">
+                <a:alpha val="41000"/>
+              </a:srgbClr>
+            </a:outerShdw>
+          </a:effectLst>
+          <a:scene3d>
+            <a:camera prst="orthographicFront"/>
+            <a:lightRig rig="twoPt" dir="t">
+              <a:rot lat="0" lon="0" rev="7800000"/>
+            </a:lightRig>
+          </a:scene3d>
+          <a:sp3d contourW="6350">
+            <a:bevelT w="50800" h="16510"/>
+            <a:contourClr>
+              <a:srgbClr val="C0C0C0"/>
+            </a:contourClr>
+          </a:sp3d>
+        </p:spPr>
+      </p:pic>
+      <p:pic>
+        <p:nvPicPr>
+          <p:cNvPr id="8" name="Picture 7">
+            <a:extLst>
+              <a:ext uri="{FF2B5EF4-FFF2-40B4-BE49-F238E27FC236}">
+                <a16:creationId xmlns:a16="http://schemas.microsoft.com/office/drawing/2014/main" id="{55CCFACF-3F06-4EB8-ED36-28402A0BD6F7}"/>
+              </a:ext>
+            </a:extLst>
+          </p:cNvPr>
+          <p:cNvPicPr>
+            <a:picLocks noChangeAspect="1"/>
+          </p:cNvPicPr>
+          <p:nvPr/>
+        </p:nvPicPr>
+        <p:blipFill>
+          <a:blip r:embed="rId3"/>
+          <a:stretch>
+            <a:fillRect/>
+          </a:stretch>
+        </p:blipFill>
+        <p:spPr>
+          <a:xfrm>
+            <a:off x="6369529" y="1265886"/>
+            <a:ext cx="5430234" cy="4389120"/>
+          </a:xfrm>
+          <a:prstGeom prst="rect">
+            <a:avLst/>
+          </a:prstGeom>
+          <a:solidFill>
+            <a:srgbClr val="FFFFFF">
+              <a:shade val="85000"/>
+            </a:srgbClr>
+          </a:solidFill>
+          <a:ln w="190500" cap="rnd">
+            <a:solidFill>
+              <a:srgbClr val="FFFFFF"/>
+            </a:solidFill>
+          </a:ln>
+          <a:effectLst>
+            <a:outerShdw blurRad="50000" algn="tl" rotWithShape="0">
+              <a:srgbClr val="000000">
+                <a:alpha val="41000"/>
+              </a:srgbClr>
+            </a:outerShdw>
+          </a:effectLst>
+          <a:scene3d>
+            <a:camera prst="orthographicFront"/>
+            <a:lightRig rig="twoPt" dir="t">
+              <a:rot lat="0" lon="0" rev="7800000"/>
+            </a:lightRig>
+          </a:scene3d>
+          <a:sp3d contourW="6350">
+            <a:bevelT w="50800" h="16510"/>
+            <a:contourClr>
+              <a:srgbClr val="C0C0C0"/>
+            </a:contourClr>
+          </a:sp3d>
+        </p:spPr>
+      </p:pic>
+    </p:spTree>
+    <p:extLst>
+      <p:ext uri="{BB962C8B-B14F-4D97-AF65-F5344CB8AC3E}">
+        <p14:creationId xmlns:p14="http://schemas.microsoft.com/office/powerpoint/2010/main" val="1765828043"/>
+      </p:ext>
+    </p:extLst>
+  </p:cSld>
+  <p:clrMapOvr>
+    <a:masterClrMapping/>
+  </p:clrMapOvr>
+</p:sld>
+</file>
+
+<file path=ppt/slides/slide62.xml><?xml version="1.0" encoding="utf-8"?>
+<p:sld xmlns:a="http://schemas.openxmlformats.org/drawingml/2006/main" xmlns:r="http://schemas.openxmlformats.org/officeDocument/2006/relationships" xmlns:p="http://schemas.openxmlformats.org/presentationml/2006/main">
+  <p:cSld>
+    <p:spTree>
+      <p:nvGrpSpPr>
+        <p:cNvPr id="1" name="">
+          <a:extLst>
+            <a:ext uri="{FF2B5EF4-FFF2-40B4-BE49-F238E27FC236}">
+              <a16:creationId xmlns:a16="http://schemas.microsoft.com/office/drawing/2014/main" id="{A92C99A9-A89A-EA42-E026-089789158F49}"/>
+            </a:ext>
+          </a:extLst>
+        </p:cNvPr>
+        <p:cNvGrpSpPr/>
+        <p:nvPr/>
+      </p:nvGrpSpPr>
+      <p:grpSpPr>
+        <a:xfrm>
+          <a:off x="0" y="0"/>
+          <a:ext cx="0" cy="0"/>
+          <a:chOff x="0" y="0"/>
+          <a:chExt cx="0" cy="0"/>
+        </a:xfrm>
+      </p:grpSpPr>
+      <p:sp>
+        <p:nvSpPr>
+          <p:cNvPr id="3" name="Content Placeholder 2">
+            <a:extLst>
+              <a:ext uri="{FF2B5EF4-FFF2-40B4-BE49-F238E27FC236}">
+                <a16:creationId xmlns:a16="http://schemas.microsoft.com/office/drawing/2014/main" id="{E538D977-3DB2-EC68-5424-028E7A75B772}"/>
+              </a:ext>
+            </a:extLst>
+          </p:cNvPr>
+          <p:cNvSpPr>
+            <a:spLocks noGrp="1"/>
+          </p:cNvSpPr>
+          <p:nvPr>
+            <p:ph idx="1"/>
+          </p:nvPr>
+        </p:nvSpPr>
+        <p:spPr/>
+        <p:txBody>
+          <a:bodyPr/>
+          <a:lstStyle/>
+          <a:p>
+            <a:endParaRPr lang="en-US"/>
+          </a:p>
+        </p:txBody>
+      </p:sp>
+      <p:sp>
+        <p:nvSpPr>
+          <p:cNvPr id="6" name="Title 1">
+            <a:extLst>
+              <a:ext uri="{FF2B5EF4-FFF2-40B4-BE49-F238E27FC236}">
+                <a16:creationId xmlns:a16="http://schemas.microsoft.com/office/drawing/2014/main" id="{9B86E3E4-3FDB-DBC5-AC91-FE662A41B87C}"/>
+              </a:ext>
+            </a:extLst>
+          </p:cNvPr>
+          <p:cNvSpPr txBox="1">
+            <a:spLocks/>
+          </p:cNvSpPr>
+          <p:nvPr/>
+        </p:nvSpPr>
+        <p:spPr>
+          <a:xfrm>
+            <a:off x="3179064" y="338187"/>
+            <a:ext cx="5833872" cy="1076710"/>
+          </a:xfrm>
+          <a:prstGeom prst="rect">
+            <a:avLst/>
+          </a:prstGeom>
+        </p:spPr>
+        <p:txBody>
+          <a:bodyPr vert="horz" lIns="91440" tIns="45720" rIns="91440" bIns="45720" rtlCol="0" anchor="t">
+            <a:normAutofit/>
+          </a:bodyPr>
+          <a:lstStyle>
+            <a:lvl1pPr algn="l" defTabSz="914400" rtl="0" eaLnBrk="1" latinLnBrk="0" hangingPunct="1">
+              <a:lnSpc>
+                <a:spcPct val="90000"/>
+              </a:lnSpc>
+              <a:spcBef>
+                <a:spcPct val="0"/>
+              </a:spcBef>
+              <a:buNone/>
+              <a:defRPr sz="3200" b="0" i="0" kern="1200" cap="all">
+                <a:solidFill>
+                  <a:schemeClr val="tx1"/>
+                </a:solidFill>
+                <a:effectLst/>
+                <a:latin typeface="+mj-lt"/>
+                <a:ea typeface="+mj-ea"/>
+                <a:cs typeface="+mj-cs"/>
+              </a:defRPr>
+            </a:lvl1pPr>
+          </a:lstStyle>
+          <a:p>
+            <a:r>
+              <a:rPr lang="en-US" b="1" dirty="0">
+                <a:latin typeface="Times New Roman" panose="02020603050405020304" pitchFamily="18" charset="0"/>
+                <a:cs typeface="Times New Roman" panose="02020603050405020304" pitchFamily="18" charset="0"/>
+              </a:rPr>
+              <a:t>B) IDOR bug</a:t>
+            </a:r>
+            <a:endParaRPr lang="en-US" dirty="0">
+              <a:latin typeface="Times New Roman" panose="02020603050405020304" pitchFamily="18" charset="0"/>
+              <a:cs typeface="Times New Roman" panose="02020603050405020304" pitchFamily="18" charset="0"/>
+            </a:endParaRPr>
+          </a:p>
+        </p:txBody>
+      </p:sp>
+      <p:pic>
+        <p:nvPicPr>
+          <p:cNvPr id="9" name="Picture 8">
+            <a:extLst>
+              <a:ext uri="{FF2B5EF4-FFF2-40B4-BE49-F238E27FC236}">
+                <a16:creationId xmlns:a16="http://schemas.microsoft.com/office/drawing/2014/main" id="{C81F1B6B-2F52-C1F5-47FC-AFCDC5E707D3}"/>
+              </a:ext>
+            </a:extLst>
+          </p:cNvPr>
+          <p:cNvPicPr>
+            <a:picLocks noChangeAspect="1"/>
+          </p:cNvPicPr>
+          <p:nvPr/>
+        </p:nvPicPr>
+        <p:blipFill>
+          <a:blip r:embed="rId2"/>
+          <a:stretch>
+            <a:fillRect/>
+          </a:stretch>
+        </p:blipFill>
+        <p:spPr>
+          <a:xfrm>
+            <a:off x="242462" y="1391654"/>
+            <a:ext cx="6227651" cy="4263351"/>
+          </a:xfrm>
+          <a:prstGeom prst="rect">
+            <a:avLst/>
+          </a:prstGeom>
+          <a:solidFill>
+            <a:srgbClr val="FFFFFF">
+              <a:shade val="85000"/>
+            </a:srgbClr>
+          </a:solidFill>
+          <a:ln w="190500" cap="rnd">
+            <a:solidFill>
+              <a:srgbClr val="FFFFFF"/>
+            </a:solidFill>
+          </a:ln>
+          <a:effectLst>
+            <a:outerShdw blurRad="50000" algn="tl" rotWithShape="0">
+              <a:srgbClr val="000000">
+                <a:alpha val="41000"/>
+              </a:srgbClr>
+            </a:outerShdw>
+          </a:effectLst>
+          <a:scene3d>
+            <a:camera prst="orthographicFront"/>
+            <a:lightRig rig="twoPt" dir="t">
+              <a:rot lat="0" lon="0" rev="7800000"/>
+            </a:lightRig>
+          </a:scene3d>
+          <a:sp3d contourW="6350">
+            <a:bevelT w="50800" h="16510"/>
+            <a:contourClr>
+              <a:srgbClr val="C0C0C0"/>
+            </a:contourClr>
+          </a:sp3d>
+        </p:spPr>
+      </p:pic>
+      <p:pic>
+        <p:nvPicPr>
+          <p:cNvPr id="11" name="Picture 10">
+            <a:extLst>
+              <a:ext uri="{FF2B5EF4-FFF2-40B4-BE49-F238E27FC236}">
+                <a16:creationId xmlns:a16="http://schemas.microsoft.com/office/drawing/2014/main" id="{176B3EFF-692A-841E-5AC2-ACC106DF4D24}"/>
+              </a:ext>
+            </a:extLst>
+          </p:cNvPr>
+          <p:cNvPicPr>
+            <a:picLocks noChangeAspect="1"/>
+          </p:cNvPicPr>
+          <p:nvPr/>
+        </p:nvPicPr>
+        <p:blipFill>
+          <a:blip r:embed="rId3"/>
+          <a:stretch>
+            <a:fillRect/>
+          </a:stretch>
+        </p:blipFill>
+        <p:spPr>
+          <a:xfrm>
+            <a:off x="6653699" y="755416"/>
+            <a:ext cx="5295839" cy="5636239"/>
+          </a:xfrm>
+          <a:prstGeom prst="rect">
+            <a:avLst/>
+          </a:prstGeom>
+          <a:solidFill>
+            <a:srgbClr val="FFFFFF">
+              <a:shade val="85000"/>
+            </a:srgbClr>
+          </a:solidFill>
+          <a:ln w="190500" cap="rnd">
+            <a:solidFill>
+              <a:srgbClr val="FFFFFF"/>
+            </a:solidFill>
+          </a:ln>
+          <a:effectLst>
+            <a:outerShdw blurRad="50000" algn="tl" rotWithShape="0">
+              <a:srgbClr val="000000">
+                <a:alpha val="41000"/>
+              </a:srgbClr>
+            </a:outerShdw>
+          </a:effectLst>
+          <a:scene3d>
+            <a:camera prst="orthographicFront"/>
+            <a:lightRig rig="twoPt" dir="t">
+              <a:rot lat="0" lon="0" rev="7800000"/>
+            </a:lightRig>
+          </a:scene3d>
+          <a:sp3d contourW="6350">
+            <a:bevelT w="50800" h="16510"/>
+            <a:contourClr>
+              <a:srgbClr val="C0C0C0"/>
+            </a:contourClr>
+          </a:sp3d>
+        </p:spPr>
+      </p:pic>
+    </p:spTree>
+    <p:extLst>
+      <p:ext uri="{BB962C8B-B14F-4D97-AF65-F5344CB8AC3E}">
+        <p14:creationId xmlns:p14="http://schemas.microsoft.com/office/powerpoint/2010/main" val="2137418535"/>
+      </p:ext>
+    </p:extLst>
+  </p:cSld>
+  <p:clrMapOvr>
+    <a:masterClrMapping/>
+  </p:clrMapOvr>
+</p:sld>
+</file>
+
+<file path=ppt/slides/slide63.xml><?xml version="1.0" encoding="utf-8"?>
+<p:sld xmlns:a="http://schemas.openxmlformats.org/drawingml/2006/main" xmlns:r="http://schemas.openxmlformats.org/officeDocument/2006/relationships" xmlns:p="http://schemas.openxmlformats.org/presentationml/2006/main">
+  <p:cSld>
+    <p:spTree>
+      <p:nvGrpSpPr>
+        <p:cNvPr id="1" name="">
+          <a:extLst>
+            <a:ext uri="{FF2B5EF4-FFF2-40B4-BE49-F238E27FC236}">
+              <a16:creationId xmlns:a16="http://schemas.microsoft.com/office/drawing/2014/main" id="{6030B1F4-A6C9-A88B-ECDC-65387EBFD3AB}"/>
+            </a:ext>
+          </a:extLst>
+        </p:cNvPr>
+        <p:cNvGrpSpPr/>
+        <p:nvPr/>
+      </p:nvGrpSpPr>
+      <p:grpSpPr>
+        <a:xfrm>
+          <a:off x="0" y="0"/>
+          <a:ext cx="0" cy="0"/>
+          <a:chOff x="0" y="0"/>
+          <a:chExt cx="0" cy="0"/>
+        </a:xfrm>
+      </p:grpSpPr>
+      <p:sp>
+        <p:nvSpPr>
+          <p:cNvPr id="2" name="Title 1">
+            <a:extLst>
+              <a:ext uri="{FF2B5EF4-FFF2-40B4-BE49-F238E27FC236}">
+                <a16:creationId xmlns:a16="http://schemas.microsoft.com/office/drawing/2014/main" id="{859D1062-9530-C19F-C77C-888F017AC5C4}"/>
+              </a:ext>
+            </a:extLst>
+          </p:cNvPr>
+          <p:cNvSpPr>
+            <a:spLocks noGrp="1"/>
+          </p:cNvSpPr>
+          <p:nvPr>
+            <p:ph type="title"/>
+          </p:nvPr>
+        </p:nvSpPr>
+        <p:spPr>
+          <a:xfrm>
+            <a:off x="722376" y="867037"/>
+            <a:ext cx="10588752" cy="1049235"/>
+          </a:xfrm>
+        </p:spPr>
+        <p:txBody>
+          <a:bodyPr>
+            <a:normAutofit/>
+          </a:bodyPr>
+          <a:lstStyle/>
+          <a:p>
+            <a:r>
+              <a:rPr lang="en-US" b="1" dirty="0">
+                <a:latin typeface="Times New Roman" panose="02020603050405020304" pitchFamily="18" charset="0"/>
+                <a:cs typeface="Times New Roman" panose="02020603050405020304" pitchFamily="18" charset="0"/>
+              </a:rPr>
+              <a:t>5. Software Quality Metrics and Standards</a:t>
+            </a:r>
+            <a:r>
+              <a:rPr lang="en-US" dirty="0">
+                <a:latin typeface="Times New Roman" panose="02020603050405020304" pitchFamily="18" charset="0"/>
+                <a:cs typeface="Times New Roman" panose="02020603050405020304" pitchFamily="18" charset="0"/>
+              </a:rPr>
+              <a:t> </a:t>
+            </a:r>
+          </a:p>
+        </p:txBody>
+      </p:sp>
+      <p:sp>
+        <p:nvSpPr>
+          <p:cNvPr id="3" name="Content Placeholder 2">
+            <a:extLst>
+              <a:ext uri="{FF2B5EF4-FFF2-40B4-BE49-F238E27FC236}">
+                <a16:creationId xmlns:a16="http://schemas.microsoft.com/office/drawing/2014/main" id="{A1792F09-169D-E025-DC4F-C250BAD79169}"/>
+              </a:ext>
+            </a:extLst>
+          </p:cNvPr>
+          <p:cNvSpPr>
+            <a:spLocks noGrp="1"/>
+          </p:cNvSpPr>
+          <p:nvPr>
+            <p:ph idx="1"/>
+          </p:nvPr>
+        </p:nvSpPr>
+        <p:spPr/>
+        <p:txBody>
+          <a:bodyPr>
+            <a:normAutofit/>
+          </a:bodyPr>
+          <a:lstStyle/>
+          <a:p>
+            <a:r>
+              <a:rPr lang="en-US" dirty="0"/>
+              <a:t>A) Defects Density</a:t>
+            </a:r>
+          </a:p>
+          <a:p>
+            <a:pPr lvl="1"/>
+            <a:r>
+              <a:rPr lang="en-US" dirty="0"/>
+              <a:t>Chosen event.js module (same module with SQL Injection and IDOR)</a:t>
+            </a:r>
+          </a:p>
+          <a:p>
+            <a:pPr lvl="1"/>
+            <a:r>
+              <a:rPr lang="en-US" dirty="0"/>
+              <a:t>Effective LOC: 120</a:t>
+            </a:r>
+            <a:br>
+              <a:rPr lang="en-US" dirty="0"/>
+            </a:br>
+            <a:r>
+              <a:rPr lang="en-US" dirty="0"/>
+              <a:t>Defects: 2</a:t>
+            </a:r>
+            <a:br>
+              <a:rPr lang="en-US" dirty="0"/>
+            </a:br>
+            <a:r>
+              <a:rPr lang="en-US" dirty="0"/>
+              <a:t>Defect Density: 16.67 defects/KLOC</a:t>
+            </a:r>
+          </a:p>
+        </p:txBody>
+      </p:sp>
+    </p:spTree>
+    <p:extLst>
+      <p:ext uri="{BB962C8B-B14F-4D97-AF65-F5344CB8AC3E}">
+        <p14:creationId xmlns:p14="http://schemas.microsoft.com/office/powerpoint/2010/main" val="2818980907"/>
+      </p:ext>
+    </p:extLst>
+  </p:cSld>
+  <p:clrMapOvr>
+    <a:masterClrMapping/>
+  </p:clrMapOvr>
+</p:sld>
+</file>
+
+<file path=ppt/slides/slide64.xml><?xml version="1.0" encoding="utf-8"?>
+<p:sld xmlns:a="http://schemas.openxmlformats.org/drawingml/2006/main" xmlns:r="http://schemas.openxmlformats.org/officeDocument/2006/relationships" xmlns:p="http://schemas.openxmlformats.org/presentationml/2006/main">
+  <p:cSld>
+    <p:spTree>
+      <p:nvGrpSpPr>
+        <p:cNvPr id="1" name="">
+          <a:extLst>
+            <a:ext uri="{FF2B5EF4-FFF2-40B4-BE49-F238E27FC236}">
+              <a16:creationId xmlns:a16="http://schemas.microsoft.com/office/drawing/2014/main" id="{5353E4D9-2A49-F5A8-1FC1-8F15C7825BA6}"/>
+            </a:ext>
+          </a:extLst>
+        </p:cNvPr>
+        <p:cNvGrpSpPr/>
+        <p:nvPr/>
+      </p:nvGrpSpPr>
+      <p:grpSpPr>
+        <a:xfrm>
+          <a:off x="0" y="0"/>
+          <a:ext cx="0" cy="0"/>
+          <a:chOff x="0" y="0"/>
+          <a:chExt cx="0" cy="0"/>
+        </a:xfrm>
+      </p:grpSpPr>
+      <p:sp>
+        <p:nvSpPr>
+          <p:cNvPr id="2" name="Title 1">
+            <a:extLst>
+              <a:ext uri="{FF2B5EF4-FFF2-40B4-BE49-F238E27FC236}">
+                <a16:creationId xmlns:a16="http://schemas.microsoft.com/office/drawing/2014/main" id="{35E76FC9-E6AB-AA86-EB9F-95CE23653B8D}"/>
+              </a:ext>
+            </a:extLst>
+          </p:cNvPr>
+          <p:cNvSpPr>
+            <a:spLocks noGrp="1"/>
+          </p:cNvSpPr>
+          <p:nvPr>
+            <p:ph type="title"/>
+          </p:nvPr>
+        </p:nvSpPr>
+        <p:spPr>
+          <a:xfrm>
+            <a:off x="722376" y="867037"/>
+            <a:ext cx="10588752" cy="1049235"/>
+          </a:xfrm>
+        </p:spPr>
+        <p:txBody>
+          <a:bodyPr>
+            <a:normAutofit/>
+          </a:bodyPr>
+          <a:lstStyle/>
+          <a:p>
+            <a:r>
+              <a:rPr lang="en-US" b="1" dirty="0">
+                <a:latin typeface="Times New Roman" panose="02020603050405020304" pitchFamily="18" charset="0"/>
+                <a:cs typeface="Times New Roman" panose="02020603050405020304" pitchFamily="18" charset="0"/>
+              </a:rPr>
+              <a:t>5. Software Quality Metrics and Standards</a:t>
+            </a:r>
+            <a:r>
+              <a:rPr lang="en-US" dirty="0">
+                <a:latin typeface="Times New Roman" panose="02020603050405020304" pitchFamily="18" charset="0"/>
+                <a:cs typeface="Times New Roman" panose="02020603050405020304" pitchFamily="18" charset="0"/>
+              </a:rPr>
+              <a:t> </a:t>
+            </a:r>
+          </a:p>
+        </p:txBody>
+      </p:sp>
+      <p:sp>
+        <p:nvSpPr>
+          <p:cNvPr id="3" name="Content Placeholder 2">
+            <a:extLst>
+              <a:ext uri="{FF2B5EF4-FFF2-40B4-BE49-F238E27FC236}">
+                <a16:creationId xmlns:a16="http://schemas.microsoft.com/office/drawing/2014/main" id="{615979EF-E05A-697B-3437-C9EBD8BE2CAB}"/>
+              </a:ext>
+            </a:extLst>
+          </p:cNvPr>
+          <p:cNvSpPr>
+            <a:spLocks noGrp="1"/>
+          </p:cNvSpPr>
+          <p:nvPr>
+            <p:ph idx="1"/>
+          </p:nvPr>
+        </p:nvSpPr>
+        <p:spPr/>
+        <p:txBody>
+          <a:bodyPr>
+            <a:normAutofit/>
+          </a:bodyPr>
+          <a:lstStyle/>
+          <a:p>
+            <a:r>
+              <a:rPr lang="en-US" dirty="0"/>
+              <a:t>B) Mean Time To Failure (MTTF)</a:t>
+            </a:r>
+          </a:p>
+          <a:p>
+            <a:pPr lvl="1"/>
+            <a:r>
+              <a:rPr lang="en-US" dirty="0"/>
+              <a:t>Timeline</a:t>
+            </a:r>
+          </a:p>
+          <a:p>
+            <a:pPr lvl="2"/>
+            <a:r>
+              <a:rPr lang="en-US" dirty="0"/>
+              <a:t>10:10–10:30 (20 min) Running initial tests → Failure F1 occurs at 20 min</a:t>
+            </a:r>
+          </a:p>
+          <a:p>
+            <a:pPr lvl="2"/>
+            <a:r>
+              <a:rPr lang="en-US" dirty="0"/>
+              <a:t>10:30–10:45 Fix period (NOT counted)</a:t>
+            </a:r>
+          </a:p>
+          <a:p>
+            <a:pPr lvl="2"/>
+            <a:r>
+              <a:rPr lang="en-US" dirty="0"/>
+              <a:t>10:45–11:00 (15 min more) JMeter first run attempt → Failure F2 at cumulative 35 min operational time After F2 fix:</a:t>
+            </a:r>
+          </a:p>
+          <a:p>
+            <a:pPr lvl="2"/>
+            <a:r>
+              <a:rPr lang="en-US" dirty="0"/>
+              <a:t>11:00–11:40 (40 min) Stable operation (no further failures) – optional evidence of reliability trend</a:t>
+            </a:r>
+          </a:p>
+        </p:txBody>
+      </p:sp>
+    </p:spTree>
+    <p:extLst>
+      <p:ext uri="{BB962C8B-B14F-4D97-AF65-F5344CB8AC3E}">
+        <p14:creationId xmlns:p14="http://schemas.microsoft.com/office/powerpoint/2010/main" val="3871945197"/>
+      </p:ext>
+    </p:extLst>
+  </p:cSld>
+  <p:clrMapOvr>
+    <a:masterClrMapping/>
+  </p:clrMapOvr>
+</p:sld>
+</file>
+
+<file path=ppt/slides/slide65.xml><?xml version="1.0" encoding="utf-8"?>
+<p:sld xmlns:a="http://schemas.openxmlformats.org/drawingml/2006/main" xmlns:r="http://schemas.openxmlformats.org/officeDocument/2006/relationships" xmlns:p="http://schemas.openxmlformats.org/presentationml/2006/main">
+  <p:cSld>
+    <p:spTree>
+      <p:nvGrpSpPr>
+        <p:cNvPr id="1" name="">
+          <a:extLst>
+            <a:ext uri="{FF2B5EF4-FFF2-40B4-BE49-F238E27FC236}">
+              <a16:creationId xmlns:a16="http://schemas.microsoft.com/office/drawing/2014/main" id="{B213E340-2B79-4A34-26C4-0A208BA700FB}"/>
+            </a:ext>
+          </a:extLst>
+        </p:cNvPr>
+        <p:cNvGrpSpPr/>
+        <p:nvPr/>
+      </p:nvGrpSpPr>
+      <p:grpSpPr>
+        <a:xfrm>
+          <a:off x="0" y="0"/>
+          <a:ext cx="0" cy="0"/>
+          <a:chOff x="0" y="0"/>
+          <a:chExt cx="0" cy="0"/>
+        </a:xfrm>
+      </p:grpSpPr>
+      <p:sp>
+        <p:nvSpPr>
+          <p:cNvPr id="2" name="Title 1">
+            <a:extLst>
+              <a:ext uri="{FF2B5EF4-FFF2-40B4-BE49-F238E27FC236}">
+                <a16:creationId xmlns:a16="http://schemas.microsoft.com/office/drawing/2014/main" id="{68E70A01-3C8D-5A3F-BEDF-596853A99FD0}"/>
+              </a:ext>
+            </a:extLst>
+          </p:cNvPr>
+          <p:cNvSpPr>
+            <a:spLocks noGrp="1"/>
+          </p:cNvSpPr>
+          <p:nvPr>
+            <p:ph type="title"/>
+          </p:nvPr>
+        </p:nvSpPr>
+        <p:spPr>
+          <a:xfrm>
+            <a:off x="722376" y="867037"/>
+            <a:ext cx="10588752" cy="1049235"/>
+          </a:xfrm>
+        </p:spPr>
+        <p:txBody>
+          <a:bodyPr>
+            <a:normAutofit/>
+          </a:bodyPr>
+          <a:lstStyle/>
+          <a:p>
+            <a:r>
+              <a:rPr lang="en-US" b="1" dirty="0">
+                <a:latin typeface="Times New Roman" panose="02020603050405020304" pitchFamily="18" charset="0"/>
+                <a:cs typeface="Times New Roman" panose="02020603050405020304" pitchFamily="18" charset="0"/>
+              </a:rPr>
+              <a:t>5. Software Quality Metrics and Standards</a:t>
+            </a:r>
+            <a:r>
+              <a:rPr lang="en-US" dirty="0">
+                <a:latin typeface="Times New Roman" panose="02020603050405020304" pitchFamily="18" charset="0"/>
+                <a:cs typeface="Times New Roman" panose="02020603050405020304" pitchFamily="18" charset="0"/>
+              </a:rPr>
+              <a:t> </a:t>
+            </a:r>
+          </a:p>
+        </p:txBody>
+      </p:sp>
+      <p:sp>
+        <p:nvSpPr>
+          <p:cNvPr id="3" name="Content Placeholder 2">
+            <a:extLst>
+              <a:ext uri="{FF2B5EF4-FFF2-40B4-BE49-F238E27FC236}">
+                <a16:creationId xmlns:a16="http://schemas.microsoft.com/office/drawing/2014/main" id="{96BD46E2-D0D6-725A-6BBA-6A4496F30BF6}"/>
+              </a:ext>
+            </a:extLst>
+          </p:cNvPr>
+          <p:cNvSpPr>
+            <a:spLocks noGrp="1"/>
+          </p:cNvSpPr>
+          <p:nvPr>
+            <p:ph idx="1"/>
+          </p:nvPr>
+        </p:nvSpPr>
+        <p:spPr/>
+        <p:txBody>
+          <a:bodyPr>
+            <a:normAutofit/>
+          </a:bodyPr>
+          <a:lstStyle/>
+          <a:p>
+            <a:r>
+              <a:rPr lang="en-US" dirty="0"/>
+              <a:t>B) Mean Time To Failure (MTTF)</a:t>
+            </a:r>
+          </a:p>
+          <a:p>
+            <a:pPr lvl="1"/>
+            <a:r>
+              <a:rPr lang="en-US" dirty="0"/>
+              <a:t>Primary MTTF Calculation</a:t>
+            </a:r>
+          </a:p>
+          <a:p>
+            <a:pPr lvl="2"/>
+            <a:r>
+              <a:rPr lang="en-US" dirty="0"/>
+              <a:t>Up to second failure: Total operational time to last failure = 35 minutes</a:t>
+            </a:r>
+          </a:p>
+          <a:p>
+            <a:pPr lvl="2"/>
+            <a:r>
+              <a:rPr lang="en-US" dirty="0"/>
+              <a:t>Failures observed = 2</a:t>
+            </a:r>
+          </a:p>
+          <a:p>
+            <a:pPr lvl="2"/>
+            <a:r>
+              <a:rPr lang="en-US" dirty="0"/>
+              <a:t>MTTF = 35 / 2 = 17.5 minutes</a:t>
+            </a:r>
+          </a:p>
+        </p:txBody>
+      </p:sp>
+    </p:spTree>
+    <p:extLst>
+      <p:ext uri="{BB962C8B-B14F-4D97-AF65-F5344CB8AC3E}">
+        <p14:creationId xmlns:p14="http://schemas.microsoft.com/office/powerpoint/2010/main" val="3624906099"/>
       </p:ext>
     </p:extLst>
   </p:cSld>
@@ -9590,6 +13740,23 @@
 </file>
 
 <file path=customXml/item1.xml><?xml version="1.0" encoding="utf-8"?>
+<?mso-contentType ?>
+<FormTemplates xmlns="http://schemas.microsoft.com/sharepoint/v3/contenttype/forms">
+  <Display>DocumentLibraryForm</Display>
+  <Edit>DocumentLibraryForm</Edit>
+  <New>DocumentLibraryForm</New>
+</FormTemplates>
+</file>
+
+<file path=customXml/item2.xml><?xml version="1.0" encoding="utf-8"?>
+<p:properties xmlns:p="http://schemas.microsoft.com/office/2006/metadata/properties" xmlns:xsi="http://www.w3.org/2001/XMLSchema-instance" xmlns:pc="http://schemas.microsoft.com/office/infopath/2007/PartnerControls">
+  <documentManagement>
+    <_activity xmlns="b0568bf2-f88a-42ff-9a69-8ed898b4cf20" xsi:nil="true"/>
+  </documentManagement>
+</p:properties>
+</file>
+
+<file path=customXml/item3.xml><?xml version="1.0" encoding="utf-8"?>
 <ct:contentTypeSchema xmlns:ct="http://schemas.microsoft.com/office/2006/metadata/contentType" xmlns:ma="http://schemas.microsoft.com/office/2006/metadata/properties/metaAttributes" ct:_="" ma:_="" ma:contentTypeName="Document" ma:contentTypeID="0x0101008347F5ACB7A1B242BC44DA1A06452D57" ma:contentTypeVersion="13" ma:contentTypeDescription="Create a new document." ma:contentTypeScope="" ma:versionID="332af71c3dd0b02acac29408db3542c6">
   <xsd:schema xmlns:xsd="http://www.w3.org/2001/XMLSchema" xmlns:xs="http://www.w3.org/2001/XMLSchema" xmlns:p="http://schemas.microsoft.com/office/2006/metadata/properties" xmlns:ns3="b0568bf2-f88a-42ff-9a69-8ed898b4cf20" targetNamespace="http://schemas.microsoft.com/office/2006/metadata/properties" ma:root="true" ma:fieldsID="2189dca6ba1e49bfcd131b0e5b234055" ns3:_="">
     <xsd:import namespace="b0568bf2-f88a-42ff-9a69-8ed898b4cf20"/>
@@ -9789,24 +13956,31 @@
 </ct:contentTypeSchema>
 </file>
 
-<file path=customXml/item2.xml><?xml version="1.0" encoding="utf-8"?>
-<?mso-contentType ?>
-<FormTemplates xmlns="http://schemas.microsoft.com/sharepoint/v3/contenttype/forms">
-  <Display>DocumentLibraryForm</Display>
-  <Edit>DocumentLibraryForm</Edit>
-  <New>DocumentLibraryForm</New>
-</FormTemplates>
+<file path=customXml/itemProps1.xml><?xml version="1.0" encoding="utf-8"?>
+<ds:datastoreItem xmlns:ds="http://schemas.openxmlformats.org/officeDocument/2006/customXml" ds:itemID="{8912A71B-4590-4260-8D8C-D6F8B416307B}">
+  <ds:schemaRefs>
+    <ds:schemaRef ds:uri="http://schemas.microsoft.com/sharepoint/v3/contenttype/forms"/>
+  </ds:schemaRefs>
+</ds:datastoreItem>
 </file>
 
-<file path=customXml/item3.xml><?xml version="1.0" encoding="utf-8"?>
-<p:properties xmlns:p="http://schemas.microsoft.com/office/2006/metadata/properties" xmlns:xsi="http://www.w3.org/2001/XMLSchema-instance" xmlns:pc="http://schemas.microsoft.com/office/infopath/2007/PartnerControls">
-  <documentManagement>
-    <_activity xmlns="b0568bf2-f88a-42ff-9a69-8ed898b4cf20" xsi:nil="true"/>
-  </documentManagement>
-</p:properties>
+<file path=customXml/itemProps2.xml><?xml version="1.0" encoding="utf-8"?>
+<ds:datastoreItem xmlns:ds="http://schemas.openxmlformats.org/officeDocument/2006/customXml" ds:itemID="{E0A22F13-317E-40F1-A6AF-DBF56945D8DF}">
+  <ds:schemaRefs>
+    <ds:schemaRef ds:uri="http://schemas.microsoft.com/office/2006/documentManagement/types"/>
+    <ds:schemaRef ds:uri="b0568bf2-f88a-42ff-9a69-8ed898b4cf20"/>
+    <ds:schemaRef ds:uri="http://www.w3.org/XML/1998/namespace"/>
+    <ds:schemaRef ds:uri="http://purl.org/dc/terms/"/>
+    <ds:schemaRef ds:uri="http://schemas.microsoft.com/office/infopath/2007/PartnerControls"/>
+    <ds:schemaRef ds:uri="http://schemas.openxmlformats.org/package/2006/metadata/core-properties"/>
+    <ds:schemaRef ds:uri="http://schemas.microsoft.com/office/2006/metadata/properties"/>
+    <ds:schemaRef ds:uri="http://purl.org/dc/dcmitype/"/>
+    <ds:schemaRef ds:uri="http://purl.org/dc/elements/1.1/"/>
+  </ds:schemaRefs>
+</ds:datastoreItem>
 </file>
 
-<file path=customXml/itemProps1.xml><?xml version="1.0" encoding="utf-8"?>
+<file path=customXml/itemProps3.xml><?xml version="1.0" encoding="utf-8"?>
 <ds:datastoreItem xmlns:ds="http://schemas.openxmlformats.org/officeDocument/2006/customXml" ds:itemID="{5E5304FF-99D7-41D3-8476-E1FC8BB98824}">
   <ds:schemaRefs>
     <ds:schemaRef ds:uri="http://schemas.microsoft.com/office/2006/metadata/contentType"/>
@@ -9822,28 +13996,4 @@
     <ds:schemaRef ds:uri="http://schemas.microsoft.com/internal/obd"/>
   </ds:schemaRefs>
 </ds:datastoreItem>
-</file>
-
-<file path=customXml/itemProps2.xml><?xml version="1.0" encoding="utf-8"?>
-<ds:datastoreItem xmlns:ds="http://schemas.openxmlformats.org/officeDocument/2006/customXml" ds:itemID="{8912A71B-4590-4260-8D8C-D6F8B416307B}">
-  <ds:schemaRefs>
-    <ds:schemaRef ds:uri="http://schemas.microsoft.com/sharepoint/v3/contenttype/forms"/>
-  </ds:schemaRefs>
-</ds:datastoreItem>
-</file>
-
-<file path=customXml/itemProps3.xml><?xml version="1.0" encoding="utf-8"?>
-<ds:datastoreItem xmlns:ds="http://schemas.openxmlformats.org/officeDocument/2006/customXml" ds:itemID="{E0A22F13-317E-40F1-A6AF-DBF56945D8DF}">
-  <ds:schemaRefs>
-    <ds:schemaRef ds:uri="http://schemas.microsoft.com/office/2006/documentManagement/types"/>
-    <ds:schemaRef ds:uri="b0568bf2-f88a-42ff-9a69-8ed898b4cf20"/>
-    <ds:schemaRef ds:uri="http://www.w3.org/XML/1998/namespace"/>
-    <ds:schemaRef ds:uri="http://purl.org/dc/terms/"/>
-    <ds:schemaRef ds:uri="http://schemas.microsoft.com/office/infopath/2007/PartnerControls"/>
-    <ds:schemaRef ds:uri="http://schemas.openxmlformats.org/package/2006/metadata/core-properties"/>
-    <ds:schemaRef ds:uri="http://schemas.microsoft.com/office/2006/metadata/properties"/>
-    <ds:schemaRef ds:uri="http://purl.org/dc/dcmitype/"/>
-    <ds:schemaRef ds:uri="http://purl.org/dc/elements/1.1/"/>
-  </ds:schemaRefs>
-</ds:datastoreItem>
 </file>